--- a/Presentation_mi_projet.pptx
+++ b/Presentation_mi_projet.pptx
@@ -1,17 +1,22 @@
 
 <file path=ppt/presentation.xml><?xml version="1.0" encoding="utf-8"?>
-<p:presentation xmlns:a="http://schemas.openxmlformats.org/drawingml/2006/main" xmlns:r="http://schemas.openxmlformats.org/officeDocument/2006/relationships" xmlns:p="http://schemas.openxmlformats.org/presentationml/2006/main" saveSubsetFonts="1" autoCompressPictures="0">
+<p:presentation xmlns:a="http://schemas.openxmlformats.org/drawingml/2006/main" xmlns:r="http://schemas.openxmlformats.org/officeDocument/2006/relationships" xmlns:p="http://schemas.openxmlformats.org/presentationml/2006/main" saveSubsetFonts="1">
   <p:sldMasterIdLst>
     <p:sldMasterId id="2147483648" r:id="rId1"/>
   </p:sldMasterIdLst>
   <p:sldIdLst>
     <p:sldId id="256" r:id="rId2"/>
+    <p:sldId id="257" r:id="rId3"/>
+    <p:sldId id="267" r:id="rId4"/>
+    <p:sldId id="295" r:id="rId5"/>
+    <p:sldId id="260" r:id="rId6"/>
+    <p:sldId id="294" r:id="rId7"/>
   </p:sldIdLst>
   <p:sldSz cx="12192000" cy="6858000"/>
   <p:notesSz cx="6858000" cy="9144000"/>
   <p:defaultTextStyle>
     <a:defPPr>
-      <a:defRPr lang="fr-FR"/>
+      <a:defRPr lang="en-US"/>
     </a:defPPr>
     <a:lvl1pPr marL="0" algn="l" defTabSz="914400" rtl="0" eaLnBrk="1" latinLnBrk="0" hangingPunct="1">
       <a:defRPr sz="1800" kern="1200">
@@ -104,6 +109,22 @@
       </a:defRPr>
     </a:lvl9pPr>
   </p:defaultTextStyle>
+  <p:extLst>
+    <p:ext uri="{EFAFB233-063F-42B5-8137-9DF3F51BA10A}">
+      <p15:sldGuideLst xmlns:p15="http://schemas.microsoft.com/office/powerpoint/2012/main">
+        <p15:guide id="1" orient="horz" pos="2160">
+          <p15:clr>
+            <a:srgbClr val="A4A3A4"/>
+          </p15:clr>
+        </p15:guide>
+        <p15:guide id="2" pos="3840">
+          <p15:clr>
+            <a:srgbClr val="A4A3A4"/>
+          </p15:clr>
+        </p15:guide>
+      </p15:sldGuideLst>
+    </p:ext>
+  </p:extLst>
 </p:presentation>
 </file>
 
@@ -126,13 +147,7 @@
       </p:grpSpPr>
       <p:sp>
         <p:nvSpPr>
-          <p:cNvPr id="2" name="Titre 1">
-            <a:extLst>
-              <a:ext uri="{FF2B5EF4-FFF2-40B4-BE49-F238E27FC236}">
-                <a16:creationId xmlns:a16="http://schemas.microsoft.com/office/drawing/2014/main" id="{1FCC9184-8B2D-4540-89C8-B74BAF304862}"/>
-              </a:ext>
-            </a:extLst>
-          </p:cNvPr>
+          <p:cNvPr id="2" name="Titre 1"/>
           <p:cNvSpPr>
             <a:spLocks noGrp="1"/>
           </p:cNvSpPr>
@@ -142,8 +157,8 @@
         </p:nvSpPr>
         <p:spPr>
           <a:xfrm>
-            <a:off x="1524000" y="1122363"/>
-            <a:ext cx="9144000" cy="2387600"/>
+            <a:off x="3931920" y="1122363"/>
+            <a:ext cx="6736080" cy="2387600"/>
           </a:xfrm>
         </p:spPr>
         <p:txBody>
@@ -158,18 +173,13 @@
               <a:rPr lang="fr-FR"/>
               <a:t>Modifiez le style du titre</a:t>
             </a:r>
+            <a:endParaRPr lang="en-US"/>
           </a:p>
         </p:txBody>
       </p:sp>
       <p:sp>
         <p:nvSpPr>
-          <p:cNvPr id="3" name="Sous-titre 2">
-            <a:extLst>
-              <a:ext uri="{FF2B5EF4-FFF2-40B4-BE49-F238E27FC236}">
-                <a16:creationId xmlns:a16="http://schemas.microsoft.com/office/drawing/2014/main" id="{6010B9E3-BB0B-2943-B74D-E4FC8288864B}"/>
-              </a:ext>
-            </a:extLst>
-          </p:cNvPr>
+          <p:cNvPr id="3" name="Sous-titre 2"/>
           <p:cNvSpPr>
             <a:spLocks noGrp="1"/>
           </p:cNvSpPr>
@@ -179,8 +189,8 @@
         </p:nvSpPr>
         <p:spPr>
           <a:xfrm>
-            <a:off x="1524000" y="3602038"/>
-            <a:ext cx="9144000" cy="1655762"/>
+            <a:off x="3931920" y="3602038"/>
+            <a:ext cx="6736080" cy="1655762"/>
           </a:xfrm>
         </p:spPr>
         <p:txBody>
@@ -228,18 +238,13 @@
               <a:rPr lang="fr-FR"/>
               <a:t>Modifiez le style des sous-titres du masque</a:t>
             </a:r>
+            <a:endParaRPr lang="en-US"/>
           </a:p>
         </p:txBody>
       </p:sp>
       <p:sp>
         <p:nvSpPr>
-          <p:cNvPr id="4" name="Espace réservé de la date 3">
-            <a:extLst>
-              <a:ext uri="{FF2B5EF4-FFF2-40B4-BE49-F238E27FC236}">
-                <a16:creationId xmlns:a16="http://schemas.microsoft.com/office/drawing/2014/main" id="{2CA5A2F2-0431-1F4C-B962-595604455398}"/>
-              </a:ext>
-            </a:extLst>
-          </p:cNvPr>
+          <p:cNvPr id="4" name="Espace réservé de la date 3"/>
           <p:cNvSpPr>
             <a:spLocks noGrp="1"/>
           </p:cNvSpPr>
@@ -252,23 +257,17 @@
           <a:bodyPr/>
           <a:lstStyle/>
           <a:p>
-            <a:fld id="{CFFF1384-2909-9E46-865A-787DB288E8E6}" type="datetimeFigureOut">
-              <a:rPr lang="fr-FR" smtClean="0"/>
-              <a:t>30/01/2019</a:t>
+            <a:fld id="{1B20489F-F969-4B66-8C4C-7DB93C93E2C6}" type="datetimeFigureOut">
+              <a:rPr lang="en-US" smtClean="0"/>
+              <a:t>1/30/19</a:t>
             </a:fld>
-            <a:endParaRPr lang="fr-FR"/>
+            <a:endParaRPr lang="en-US"/>
           </a:p>
         </p:txBody>
       </p:sp>
       <p:sp>
         <p:nvSpPr>
-          <p:cNvPr id="5" name="Espace réservé du pied de page 4">
-            <a:extLst>
-              <a:ext uri="{FF2B5EF4-FFF2-40B4-BE49-F238E27FC236}">
-                <a16:creationId xmlns:a16="http://schemas.microsoft.com/office/drawing/2014/main" id="{D2975E1E-3177-744D-86BA-13806DAC3A5C}"/>
-              </a:ext>
-            </a:extLst>
-          </p:cNvPr>
+          <p:cNvPr id="5" name="Espace réservé du pied de page 4"/>
           <p:cNvSpPr>
             <a:spLocks noGrp="1"/>
           </p:cNvSpPr>
@@ -281,19 +280,13 @@
           <a:bodyPr/>
           <a:lstStyle/>
           <a:p>
-            <a:endParaRPr lang="fr-FR"/>
+            <a:endParaRPr lang="en-US"/>
           </a:p>
         </p:txBody>
       </p:sp>
       <p:sp>
         <p:nvSpPr>
-          <p:cNvPr id="6" name="Espace réservé du numéro de diapositive 5">
-            <a:extLst>
-              <a:ext uri="{FF2B5EF4-FFF2-40B4-BE49-F238E27FC236}">
-                <a16:creationId xmlns:a16="http://schemas.microsoft.com/office/drawing/2014/main" id="{6C97C503-2EE6-2240-88FF-75A259017157}"/>
-              </a:ext>
-            </a:extLst>
-          </p:cNvPr>
+          <p:cNvPr id="6" name="Espace réservé du numéro de diapositive 5"/>
           <p:cNvSpPr>
             <a:spLocks noGrp="1"/>
           </p:cNvSpPr>
@@ -306,18 +299,47 @@
           <a:bodyPr/>
           <a:lstStyle/>
           <a:p>
-            <a:fld id="{8A7CA93D-64AA-9A4A-BA94-9B35DB2428FF}" type="slidenum">
-              <a:rPr lang="fr-FR" smtClean="0"/>
+            <a:fld id="{2FF8E67B-37A0-47FA-B72D-D7134FF792A6}" type="slidenum">
+              <a:rPr lang="en-US" smtClean="0"/>
               <a:t>‹N°›</a:t>
             </a:fld>
-            <a:endParaRPr lang="fr-FR"/>
+            <a:endParaRPr lang="en-US"/>
           </a:p>
         </p:txBody>
       </p:sp>
+      <p:pic>
+        <p:nvPicPr>
+          <p:cNvPr id="7" name="Image 6"/>
+          <p:cNvPicPr>
+            <a:picLocks noChangeAspect="1"/>
+          </p:cNvPicPr>
+          <p:nvPr userDrawn="1"/>
+        </p:nvPicPr>
+        <p:blipFill rotWithShape="1">
+          <a:blip r:embed="rId2">
+            <a:extLst>
+              <a:ext uri="{28A0092B-C50C-407E-A947-70E740481C1C}">
+                <a14:useLocalDpi xmlns:a14="http://schemas.microsoft.com/office/drawing/2010/main" val="0"/>
+              </a:ext>
+            </a:extLst>
+          </a:blip>
+          <a:srcRect l="69083"/>
+          <a:stretch/>
+        </p:blipFill>
+        <p:spPr>
+          <a:xfrm>
+            <a:off x="0" y="-13253"/>
+            <a:ext cx="3769360" cy="6860776"/>
+          </a:xfrm>
+          <a:prstGeom prst="rect">
+            <a:avLst/>
+          </a:prstGeom>
+        </p:spPr>
+      </p:pic>
     </p:spTree>
     <p:extLst>
       <p:ext uri="{BB962C8B-B14F-4D97-AF65-F5344CB8AC3E}">
-        <p14:creationId xmlns:p14="http://schemas.microsoft.com/office/powerpoint/2010/main" val="2412168202"/>
+        <p14:creationId xmlns:p14="http://schemas.microsoft.com/office/powerpoint/2010/main" val="61163353"/>
       </p:ext>
     </p:extLst>
   </p:cSld>
@@ -346,13 +368,7 @@
       </p:grpSpPr>
       <p:sp>
         <p:nvSpPr>
-          <p:cNvPr id="2" name="Titre 1">
-            <a:extLst>
-              <a:ext uri="{FF2B5EF4-FFF2-40B4-BE49-F238E27FC236}">
-                <a16:creationId xmlns:a16="http://schemas.microsoft.com/office/drawing/2014/main" id="{06DE8D02-50B4-784F-9242-85153E5C655A}"/>
-              </a:ext>
-            </a:extLst>
-          </p:cNvPr>
+          <p:cNvPr id="2" name="Titre 1"/>
           <p:cNvSpPr>
             <a:spLocks noGrp="1"/>
           </p:cNvSpPr>
@@ -369,18 +385,13 @@
               <a:rPr lang="fr-FR"/>
               <a:t>Modifiez le style du titre</a:t>
             </a:r>
+            <a:endParaRPr lang="en-US"/>
           </a:p>
         </p:txBody>
       </p:sp>
       <p:sp>
         <p:nvSpPr>
-          <p:cNvPr id="3" name="Espace réservé du texte vertical 2">
-            <a:extLst>
-              <a:ext uri="{FF2B5EF4-FFF2-40B4-BE49-F238E27FC236}">
-                <a16:creationId xmlns:a16="http://schemas.microsoft.com/office/drawing/2014/main" id="{E709E86C-0506-354B-8455-C53CA80129E6}"/>
-              </a:ext>
-            </a:extLst>
-          </p:cNvPr>
+          <p:cNvPr id="3" name="Espace réservé du texte vertical 2"/>
           <p:cNvSpPr>
             <a:spLocks noGrp="1"/>
           </p:cNvSpPr>
@@ -393,6 +404,7 @@
           <a:bodyPr vert="eaVert"/>
           <a:lstStyle/>
           <a:p>
+            <a:pPr lvl="0"/>
             <a:r>
               <a:rPr lang="fr-FR"/>
               <a:t>Modifier les styles du texte du masque
@@ -401,18 +413,13 @@
 Quatrième niveau
 Cinquième niveau</a:t>
             </a:r>
+            <a:endParaRPr lang="en-US"/>
           </a:p>
         </p:txBody>
       </p:sp>
       <p:sp>
         <p:nvSpPr>
-          <p:cNvPr id="4" name="Espace réservé de la date 3">
-            <a:extLst>
-              <a:ext uri="{FF2B5EF4-FFF2-40B4-BE49-F238E27FC236}">
-                <a16:creationId xmlns:a16="http://schemas.microsoft.com/office/drawing/2014/main" id="{789F4368-F64C-734F-8310-5295D2D4C8A0}"/>
-              </a:ext>
-            </a:extLst>
-          </p:cNvPr>
+          <p:cNvPr id="4" name="Espace réservé de la date 3"/>
           <p:cNvSpPr>
             <a:spLocks noGrp="1"/>
           </p:cNvSpPr>
@@ -425,23 +432,17 @@
           <a:bodyPr/>
           <a:lstStyle/>
           <a:p>
-            <a:fld id="{CFFF1384-2909-9E46-865A-787DB288E8E6}" type="datetimeFigureOut">
-              <a:rPr lang="fr-FR" smtClean="0"/>
-              <a:t>30/01/2019</a:t>
+            <a:fld id="{1B20489F-F969-4B66-8C4C-7DB93C93E2C6}" type="datetimeFigureOut">
+              <a:rPr lang="en-US" smtClean="0"/>
+              <a:t>1/30/19</a:t>
             </a:fld>
-            <a:endParaRPr lang="fr-FR"/>
+            <a:endParaRPr lang="en-US"/>
           </a:p>
         </p:txBody>
       </p:sp>
       <p:sp>
         <p:nvSpPr>
-          <p:cNvPr id="5" name="Espace réservé du pied de page 4">
-            <a:extLst>
-              <a:ext uri="{FF2B5EF4-FFF2-40B4-BE49-F238E27FC236}">
-                <a16:creationId xmlns:a16="http://schemas.microsoft.com/office/drawing/2014/main" id="{0A6E748F-8FE1-924C-B9D2-9488A7F531AE}"/>
-              </a:ext>
-            </a:extLst>
-          </p:cNvPr>
+          <p:cNvPr id="5" name="Espace réservé du pied de page 4"/>
           <p:cNvSpPr>
             <a:spLocks noGrp="1"/>
           </p:cNvSpPr>
@@ -454,19 +455,13 @@
           <a:bodyPr/>
           <a:lstStyle/>
           <a:p>
-            <a:endParaRPr lang="fr-FR"/>
+            <a:endParaRPr lang="en-US"/>
           </a:p>
         </p:txBody>
       </p:sp>
       <p:sp>
         <p:nvSpPr>
-          <p:cNvPr id="6" name="Espace réservé du numéro de diapositive 5">
-            <a:extLst>
-              <a:ext uri="{FF2B5EF4-FFF2-40B4-BE49-F238E27FC236}">
-                <a16:creationId xmlns:a16="http://schemas.microsoft.com/office/drawing/2014/main" id="{F1732CF2-B393-584E-9D7E-FAEC07E8D395}"/>
-              </a:ext>
-            </a:extLst>
-          </p:cNvPr>
+          <p:cNvPr id="6" name="Espace réservé du numéro de diapositive 5"/>
           <p:cNvSpPr>
             <a:spLocks noGrp="1"/>
           </p:cNvSpPr>
@@ -479,18 +474,18 @@
           <a:bodyPr/>
           <a:lstStyle/>
           <a:p>
-            <a:fld id="{8A7CA93D-64AA-9A4A-BA94-9B35DB2428FF}" type="slidenum">
-              <a:rPr lang="fr-FR" smtClean="0"/>
+            <a:fld id="{2FF8E67B-37A0-47FA-B72D-D7134FF792A6}" type="slidenum">
+              <a:rPr lang="en-US" smtClean="0"/>
               <a:t>‹N°›</a:t>
             </a:fld>
-            <a:endParaRPr lang="fr-FR"/>
+            <a:endParaRPr lang="en-US"/>
           </a:p>
         </p:txBody>
       </p:sp>
     </p:spTree>
     <p:extLst>
       <p:ext uri="{BB962C8B-B14F-4D97-AF65-F5344CB8AC3E}">
-        <p14:creationId xmlns:p14="http://schemas.microsoft.com/office/powerpoint/2010/main" val="1403611518"/>
+        <p14:creationId xmlns:p14="http://schemas.microsoft.com/office/powerpoint/2010/main" val="1782619890"/>
       </p:ext>
     </p:extLst>
   </p:cSld>
@@ -519,13 +514,7 @@
       </p:grpSpPr>
       <p:sp>
         <p:nvSpPr>
-          <p:cNvPr id="2" name="Titre vertical 1">
-            <a:extLst>
-              <a:ext uri="{FF2B5EF4-FFF2-40B4-BE49-F238E27FC236}">
-                <a16:creationId xmlns:a16="http://schemas.microsoft.com/office/drawing/2014/main" id="{3D1E632B-817F-764E-87F6-C4BEC93AF187}"/>
-              </a:ext>
-            </a:extLst>
-          </p:cNvPr>
+          <p:cNvPr id="2" name="Titre vertical 1"/>
           <p:cNvSpPr>
             <a:spLocks noGrp="1"/>
           </p:cNvSpPr>
@@ -547,18 +536,13 @@
               <a:rPr lang="fr-FR"/>
               <a:t>Modifiez le style du titre</a:t>
             </a:r>
+            <a:endParaRPr lang="en-US"/>
           </a:p>
         </p:txBody>
       </p:sp>
       <p:sp>
         <p:nvSpPr>
-          <p:cNvPr id="3" name="Espace réservé du texte vertical 2">
-            <a:extLst>
-              <a:ext uri="{FF2B5EF4-FFF2-40B4-BE49-F238E27FC236}">
-                <a16:creationId xmlns:a16="http://schemas.microsoft.com/office/drawing/2014/main" id="{7485906E-3150-1D47-B9C4-11A1C6FB0966}"/>
-              </a:ext>
-            </a:extLst>
-          </p:cNvPr>
+          <p:cNvPr id="3" name="Espace réservé du texte vertical 2"/>
           <p:cNvSpPr>
             <a:spLocks noGrp="1"/>
           </p:cNvSpPr>
@@ -576,6 +560,7 @@
           <a:bodyPr vert="eaVert"/>
           <a:lstStyle/>
           <a:p>
+            <a:pPr lvl="0"/>
             <a:r>
               <a:rPr lang="fr-FR"/>
               <a:t>Modifier les styles du texte du masque
@@ -584,18 +569,13 @@
 Quatrième niveau
 Cinquième niveau</a:t>
             </a:r>
+            <a:endParaRPr lang="en-US"/>
           </a:p>
         </p:txBody>
       </p:sp>
       <p:sp>
         <p:nvSpPr>
-          <p:cNvPr id="4" name="Espace réservé de la date 3">
-            <a:extLst>
-              <a:ext uri="{FF2B5EF4-FFF2-40B4-BE49-F238E27FC236}">
-                <a16:creationId xmlns:a16="http://schemas.microsoft.com/office/drawing/2014/main" id="{589C8387-04C1-8C4F-9C1F-F75C5957277A}"/>
-              </a:ext>
-            </a:extLst>
-          </p:cNvPr>
+          <p:cNvPr id="4" name="Espace réservé de la date 3"/>
           <p:cNvSpPr>
             <a:spLocks noGrp="1"/>
           </p:cNvSpPr>
@@ -608,23 +588,17 @@
           <a:bodyPr/>
           <a:lstStyle/>
           <a:p>
-            <a:fld id="{CFFF1384-2909-9E46-865A-787DB288E8E6}" type="datetimeFigureOut">
-              <a:rPr lang="fr-FR" smtClean="0"/>
-              <a:t>30/01/2019</a:t>
+            <a:fld id="{1B20489F-F969-4B66-8C4C-7DB93C93E2C6}" type="datetimeFigureOut">
+              <a:rPr lang="en-US" smtClean="0"/>
+              <a:t>1/30/19</a:t>
             </a:fld>
-            <a:endParaRPr lang="fr-FR"/>
+            <a:endParaRPr lang="en-US"/>
           </a:p>
         </p:txBody>
       </p:sp>
       <p:sp>
         <p:nvSpPr>
-          <p:cNvPr id="5" name="Espace réservé du pied de page 4">
-            <a:extLst>
-              <a:ext uri="{FF2B5EF4-FFF2-40B4-BE49-F238E27FC236}">
-                <a16:creationId xmlns:a16="http://schemas.microsoft.com/office/drawing/2014/main" id="{6CD8A98E-FDBB-864E-BEC8-847B94BEC688}"/>
-              </a:ext>
-            </a:extLst>
-          </p:cNvPr>
+          <p:cNvPr id="5" name="Espace réservé du pied de page 4"/>
           <p:cNvSpPr>
             <a:spLocks noGrp="1"/>
           </p:cNvSpPr>
@@ -637,19 +611,13 @@
           <a:bodyPr/>
           <a:lstStyle/>
           <a:p>
-            <a:endParaRPr lang="fr-FR"/>
+            <a:endParaRPr lang="en-US"/>
           </a:p>
         </p:txBody>
       </p:sp>
       <p:sp>
         <p:nvSpPr>
-          <p:cNvPr id="6" name="Espace réservé du numéro de diapositive 5">
-            <a:extLst>
-              <a:ext uri="{FF2B5EF4-FFF2-40B4-BE49-F238E27FC236}">
-                <a16:creationId xmlns:a16="http://schemas.microsoft.com/office/drawing/2014/main" id="{9F8613FA-FAE5-524D-BC26-B2B955B13A69}"/>
-              </a:ext>
-            </a:extLst>
-          </p:cNvPr>
+          <p:cNvPr id="6" name="Espace réservé du numéro de diapositive 5"/>
           <p:cNvSpPr>
             <a:spLocks noGrp="1"/>
           </p:cNvSpPr>
@@ -662,18 +630,18 @@
           <a:bodyPr/>
           <a:lstStyle/>
           <a:p>
-            <a:fld id="{8A7CA93D-64AA-9A4A-BA94-9B35DB2428FF}" type="slidenum">
-              <a:rPr lang="fr-FR" smtClean="0"/>
+            <a:fld id="{2FF8E67B-37A0-47FA-B72D-D7134FF792A6}" type="slidenum">
+              <a:rPr lang="en-US" smtClean="0"/>
               <a:t>‹N°›</a:t>
             </a:fld>
-            <a:endParaRPr lang="fr-FR"/>
+            <a:endParaRPr lang="en-US"/>
           </a:p>
         </p:txBody>
       </p:sp>
     </p:spTree>
     <p:extLst>
       <p:ext uri="{BB962C8B-B14F-4D97-AF65-F5344CB8AC3E}">
-        <p14:creationId xmlns:p14="http://schemas.microsoft.com/office/powerpoint/2010/main" val="1686125393"/>
+        <p14:creationId xmlns:p14="http://schemas.microsoft.com/office/powerpoint/2010/main" val="3238628498"/>
       </p:ext>
     </p:extLst>
   </p:cSld>
@@ -702,13 +670,7 @@
       </p:grpSpPr>
       <p:sp>
         <p:nvSpPr>
-          <p:cNvPr id="2" name="Titre 1">
-            <a:extLst>
-              <a:ext uri="{FF2B5EF4-FFF2-40B4-BE49-F238E27FC236}">
-                <a16:creationId xmlns:a16="http://schemas.microsoft.com/office/drawing/2014/main" id="{B4AC91C1-8008-D449-9BDD-FDA4377D7B9A}"/>
-              </a:ext>
-            </a:extLst>
-          </p:cNvPr>
+          <p:cNvPr id="2" name="Titre 1"/>
           <p:cNvSpPr>
             <a:spLocks noGrp="1"/>
           </p:cNvSpPr>
@@ -716,27 +678,38 @@
             <p:ph type="title"/>
           </p:nvPr>
         </p:nvSpPr>
-        <p:spPr/>
+        <p:spPr>
+          <a:xfrm>
+            <a:off x="1102360" y="365125"/>
+            <a:ext cx="10515600" cy="1325563"/>
+          </a:xfrm>
+        </p:spPr>
         <p:txBody>
           <a:bodyPr/>
-          <a:lstStyle/>
+          <a:lstStyle>
+            <a:lvl1pPr>
+              <a:defRPr b="1">
+                <a:solidFill>
+                  <a:schemeClr val="tx1">
+                    <a:lumMod val="75000"/>
+                    <a:lumOff val="25000"/>
+                  </a:schemeClr>
+                </a:solidFill>
+              </a:defRPr>
+            </a:lvl1pPr>
+          </a:lstStyle>
           <a:p>
             <a:r>
-              <a:rPr lang="fr-FR"/>
+              <a:rPr lang="fr-FR" noProof="0"/>
               <a:t>Modifiez le style du titre</a:t>
             </a:r>
+            <a:endParaRPr lang="en-US" noProof="0" dirty="0"/>
           </a:p>
         </p:txBody>
       </p:sp>
       <p:sp>
         <p:nvSpPr>
-          <p:cNvPr id="3" name="Espace réservé du contenu 2">
-            <a:extLst>
-              <a:ext uri="{FF2B5EF4-FFF2-40B4-BE49-F238E27FC236}">
-                <a16:creationId xmlns:a16="http://schemas.microsoft.com/office/drawing/2014/main" id="{A1554B25-D936-5242-9D24-DE6FED42C66B}"/>
-              </a:ext>
-            </a:extLst>
-          </p:cNvPr>
+          <p:cNvPr id="3" name="Espace réservé du contenu 2"/>
           <p:cNvSpPr>
             <a:spLocks noGrp="1"/>
           </p:cNvSpPr>
@@ -744,31 +717,83 @@
             <p:ph idx="1"/>
           </p:nvPr>
         </p:nvSpPr>
-        <p:spPr/>
+        <p:spPr>
+          <a:xfrm>
+            <a:off x="1102360" y="1825625"/>
+            <a:ext cx="10515600" cy="4351338"/>
+          </a:xfrm>
+        </p:spPr>
         <p:txBody>
           <a:bodyPr/>
-          <a:lstStyle/>
+          <a:lstStyle>
+            <a:lvl1pPr>
+              <a:defRPr>
+                <a:solidFill>
+                  <a:schemeClr val="tx1">
+                    <a:lumMod val="75000"/>
+                    <a:lumOff val="25000"/>
+                  </a:schemeClr>
+                </a:solidFill>
+              </a:defRPr>
+            </a:lvl1pPr>
+            <a:lvl2pPr>
+              <a:defRPr>
+                <a:solidFill>
+                  <a:schemeClr val="tx1">
+                    <a:lumMod val="75000"/>
+                    <a:lumOff val="25000"/>
+                  </a:schemeClr>
+                </a:solidFill>
+              </a:defRPr>
+            </a:lvl2pPr>
+            <a:lvl3pPr>
+              <a:defRPr>
+                <a:solidFill>
+                  <a:schemeClr val="tx1">
+                    <a:lumMod val="75000"/>
+                    <a:lumOff val="25000"/>
+                  </a:schemeClr>
+                </a:solidFill>
+              </a:defRPr>
+            </a:lvl3pPr>
+            <a:lvl4pPr>
+              <a:defRPr>
+                <a:solidFill>
+                  <a:schemeClr val="tx1">
+                    <a:lumMod val="75000"/>
+                    <a:lumOff val="25000"/>
+                  </a:schemeClr>
+                </a:solidFill>
+              </a:defRPr>
+            </a:lvl4pPr>
+            <a:lvl5pPr>
+              <a:defRPr>
+                <a:solidFill>
+                  <a:schemeClr val="tx1">
+                    <a:lumMod val="75000"/>
+                    <a:lumOff val="25000"/>
+                  </a:schemeClr>
+                </a:solidFill>
+              </a:defRPr>
+            </a:lvl5pPr>
+          </a:lstStyle>
           <a:p>
+            <a:pPr lvl="0"/>
             <a:r>
-              <a:rPr lang="fr-FR"/>
+              <a:rPr lang="fr-FR" noProof="0"/>
               <a:t>Modifier les styles du texte du masque
 Deuxième niveau
 Troisième niveau
 Quatrième niveau
 Cinquième niveau</a:t>
             </a:r>
+            <a:endParaRPr lang="en-US" noProof="0" dirty="0"/>
           </a:p>
         </p:txBody>
       </p:sp>
       <p:sp>
         <p:nvSpPr>
-          <p:cNvPr id="4" name="Espace réservé de la date 3">
-            <a:extLst>
-              <a:ext uri="{FF2B5EF4-FFF2-40B4-BE49-F238E27FC236}">
-                <a16:creationId xmlns:a16="http://schemas.microsoft.com/office/drawing/2014/main" id="{EEBE6464-AB7E-654F-850B-BEA9A20F702E}"/>
-              </a:ext>
-            </a:extLst>
-          </p:cNvPr>
+          <p:cNvPr id="4" name="Espace réservé de la date 3"/>
           <p:cNvSpPr>
             <a:spLocks noGrp="1"/>
           </p:cNvSpPr>
@@ -776,28 +801,27 @@
             <p:ph type="dt" sz="half" idx="10"/>
           </p:nvPr>
         </p:nvSpPr>
-        <p:spPr/>
+        <p:spPr>
+          <a:xfrm>
+            <a:off x="1102360" y="6356350"/>
+            <a:ext cx="2743200" cy="365125"/>
+          </a:xfrm>
+        </p:spPr>
         <p:txBody>
           <a:bodyPr/>
           <a:lstStyle/>
           <a:p>
-            <a:fld id="{CFFF1384-2909-9E46-865A-787DB288E8E6}" type="datetimeFigureOut">
-              <a:rPr lang="fr-FR" smtClean="0"/>
-              <a:t>30/01/2019</a:t>
+            <a:fld id="{1B20489F-F969-4B66-8C4C-7DB93C93E2C6}" type="datetimeFigureOut">
+              <a:rPr lang="en-US" smtClean="0"/>
+              <a:t>1/30/19</a:t>
             </a:fld>
-            <a:endParaRPr lang="fr-FR"/>
+            <a:endParaRPr lang="en-US"/>
           </a:p>
         </p:txBody>
       </p:sp>
       <p:sp>
         <p:nvSpPr>
-          <p:cNvPr id="5" name="Espace réservé du pied de page 4">
-            <a:extLst>
-              <a:ext uri="{FF2B5EF4-FFF2-40B4-BE49-F238E27FC236}">
-                <a16:creationId xmlns:a16="http://schemas.microsoft.com/office/drawing/2014/main" id="{0E0D7D8F-F634-C845-9A75-EE61AD79FD19}"/>
-              </a:ext>
-            </a:extLst>
-          </p:cNvPr>
+          <p:cNvPr id="5" name="Espace réservé du pied de page 4"/>
           <p:cNvSpPr>
             <a:spLocks noGrp="1"/>
           </p:cNvSpPr>
@@ -805,24 +829,23 @@
             <p:ph type="ftr" sz="quarter" idx="11"/>
           </p:nvPr>
         </p:nvSpPr>
-        <p:spPr/>
+        <p:spPr>
+          <a:xfrm>
+            <a:off x="4302760" y="6356350"/>
+            <a:ext cx="4114800" cy="365125"/>
+          </a:xfrm>
+        </p:spPr>
         <p:txBody>
           <a:bodyPr/>
           <a:lstStyle/>
           <a:p>
-            <a:endParaRPr lang="fr-FR"/>
+            <a:endParaRPr lang="en-US"/>
           </a:p>
         </p:txBody>
       </p:sp>
       <p:sp>
         <p:nvSpPr>
-          <p:cNvPr id="6" name="Espace réservé du numéro de diapositive 5">
-            <a:extLst>
-              <a:ext uri="{FF2B5EF4-FFF2-40B4-BE49-F238E27FC236}">
-                <a16:creationId xmlns:a16="http://schemas.microsoft.com/office/drawing/2014/main" id="{B5CEEBBB-5783-AD46-94D0-28E3CF7ACAA8}"/>
-              </a:ext>
-            </a:extLst>
-          </p:cNvPr>
+          <p:cNvPr id="6" name="Espace réservé du numéro de diapositive 5"/>
           <p:cNvSpPr>
             <a:spLocks noGrp="1"/>
           </p:cNvSpPr>
@@ -830,23 +853,87 @@
             <p:ph type="sldNum" sz="quarter" idx="12"/>
           </p:nvPr>
         </p:nvSpPr>
-        <p:spPr/>
+        <p:spPr>
+          <a:xfrm>
+            <a:off x="8874760" y="6356350"/>
+            <a:ext cx="2743200" cy="365125"/>
+          </a:xfrm>
+        </p:spPr>
         <p:txBody>
           <a:bodyPr/>
           <a:lstStyle/>
           <a:p>
-            <a:fld id="{8A7CA93D-64AA-9A4A-BA94-9B35DB2428FF}" type="slidenum">
-              <a:rPr lang="fr-FR" smtClean="0"/>
+            <a:fld id="{2FF8E67B-37A0-47FA-B72D-D7134FF792A6}" type="slidenum">
+              <a:rPr lang="en-US" smtClean="0"/>
               <a:t>‹N°›</a:t>
             </a:fld>
-            <a:endParaRPr lang="fr-FR"/>
+            <a:endParaRPr lang="en-US"/>
           </a:p>
         </p:txBody>
       </p:sp>
+      <p:pic>
+        <p:nvPicPr>
+          <p:cNvPr id="7" name="Image 6"/>
+          <p:cNvPicPr>
+            <a:picLocks noChangeAspect="1"/>
+          </p:cNvPicPr>
+          <p:nvPr userDrawn="1"/>
+        </p:nvPicPr>
+        <p:blipFill rotWithShape="1">
+          <a:blip r:embed="rId2">
+            <a:extLst>
+              <a:ext uri="{28A0092B-C50C-407E-A947-70E740481C1C}">
+                <a14:useLocalDpi xmlns:a14="http://schemas.microsoft.com/office/drawing/2010/main" val="0"/>
+              </a:ext>
+            </a:extLst>
+          </a:blip>
+          <a:srcRect l="11607" r="81516"/>
+          <a:stretch/>
+        </p:blipFill>
+        <p:spPr>
+          <a:xfrm>
+            <a:off x="0" y="0"/>
+            <a:ext cx="838200" cy="6859388"/>
+          </a:xfrm>
+          <a:prstGeom prst="rect">
+            <a:avLst/>
+          </a:prstGeom>
+        </p:spPr>
+      </p:pic>
+      <p:pic>
+        <p:nvPicPr>
+          <p:cNvPr id="8" name="Image 7"/>
+          <p:cNvPicPr>
+            <a:picLocks noChangeAspect="1"/>
+          </p:cNvPicPr>
+          <p:nvPr userDrawn="1"/>
+        </p:nvPicPr>
+        <p:blipFill>
+          <a:blip r:embed="rId3" cstate="print">
+            <a:extLst>
+              <a:ext uri="{28A0092B-C50C-407E-A947-70E740481C1C}">
+                <a14:useLocalDpi xmlns:a14="http://schemas.microsoft.com/office/drawing/2010/main" val="0"/>
+              </a:ext>
+            </a:extLst>
+          </a:blip>
+          <a:stretch>
+            <a:fillRect/>
+          </a:stretch>
+        </p:blipFill>
+        <p:spPr>
+          <a:xfrm>
+            <a:off x="11064625" y="202248"/>
+            <a:ext cx="938455" cy="480672"/>
+          </a:xfrm>
+          <a:prstGeom prst="rect">
+            <a:avLst/>
+          </a:prstGeom>
+        </p:spPr>
+      </p:pic>
     </p:spTree>
     <p:extLst>
       <p:ext uri="{BB962C8B-B14F-4D97-AF65-F5344CB8AC3E}">
-        <p14:creationId xmlns:p14="http://schemas.microsoft.com/office/powerpoint/2010/main" val="4003420431"/>
+        <p14:creationId xmlns:p14="http://schemas.microsoft.com/office/powerpoint/2010/main" val="2213218311"/>
       </p:ext>
     </p:extLst>
   </p:cSld>
@@ -875,13 +962,7 @@
       </p:grpSpPr>
       <p:sp>
         <p:nvSpPr>
-          <p:cNvPr id="2" name="Titre 1">
-            <a:extLst>
-              <a:ext uri="{FF2B5EF4-FFF2-40B4-BE49-F238E27FC236}">
-                <a16:creationId xmlns:a16="http://schemas.microsoft.com/office/drawing/2014/main" id="{CB4340A5-1067-2E42-90C6-D1E163D5A4AA}"/>
-              </a:ext>
-            </a:extLst>
-          </p:cNvPr>
+          <p:cNvPr id="2" name="Titre 1"/>
           <p:cNvSpPr>
             <a:spLocks noGrp="1"/>
           </p:cNvSpPr>
@@ -907,18 +988,13 @@
               <a:rPr lang="fr-FR"/>
               <a:t>Modifiez le style du titre</a:t>
             </a:r>
+            <a:endParaRPr lang="en-US"/>
           </a:p>
         </p:txBody>
       </p:sp>
       <p:sp>
         <p:nvSpPr>
-          <p:cNvPr id="3" name="Espace réservé du texte 2">
-            <a:extLst>
-              <a:ext uri="{FF2B5EF4-FFF2-40B4-BE49-F238E27FC236}">
-                <a16:creationId xmlns:a16="http://schemas.microsoft.com/office/drawing/2014/main" id="{8A1792B2-E71B-D64D-BC0D-21BDFA580886}"/>
-              </a:ext>
-            </a:extLst>
-          </p:cNvPr>
+          <p:cNvPr id="3" name="Espace réservé du texte 2"/>
           <p:cNvSpPr>
             <a:spLocks noGrp="1"/>
           </p:cNvSpPr>
@@ -1027,6 +1103,7 @@
             </a:lvl9pPr>
           </a:lstStyle>
           <a:p>
+            <a:pPr lvl="0"/>
             <a:r>
               <a:rPr lang="fr-FR"/>
               <a:t>Modifier les styles du texte du masque
@@ -1040,13 +1117,7 @@
       </p:sp>
       <p:sp>
         <p:nvSpPr>
-          <p:cNvPr id="4" name="Espace réservé de la date 3">
-            <a:extLst>
-              <a:ext uri="{FF2B5EF4-FFF2-40B4-BE49-F238E27FC236}">
-                <a16:creationId xmlns:a16="http://schemas.microsoft.com/office/drawing/2014/main" id="{83AC96C6-1488-6647-8847-9B6E023B3CD1}"/>
-              </a:ext>
-            </a:extLst>
-          </p:cNvPr>
+          <p:cNvPr id="4" name="Espace réservé de la date 3"/>
           <p:cNvSpPr>
             <a:spLocks noGrp="1"/>
           </p:cNvSpPr>
@@ -1059,23 +1130,17 @@
           <a:bodyPr/>
           <a:lstStyle/>
           <a:p>
-            <a:fld id="{CFFF1384-2909-9E46-865A-787DB288E8E6}" type="datetimeFigureOut">
-              <a:rPr lang="fr-FR" smtClean="0"/>
-              <a:t>30/01/2019</a:t>
+            <a:fld id="{1B20489F-F969-4B66-8C4C-7DB93C93E2C6}" type="datetimeFigureOut">
+              <a:rPr lang="en-US" smtClean="0"/>
+              <a:t>1/30/19</a:t>
             </a:fld>
-            <a:endParaRPr lang="fr-FR"/>
+            <a:endParaRPr lang="en-US"/>
           </a:p>
         </p:txBody>
       </p:sp>
       <p:sp>
         <p:nvSpPr>
-          <p:cNvPr id="5" name="Espace réservé du pied de page 4">
-            <a:extLst>
-              <a:ext uri="{FF2B5EF4-FFF2-40B4-BE49-F238E27FC236}">
-                <a16:creationId xmlns:a16="http://schemas.microsoft.com/office/drawing/2014/main" id="{A18A9C66-612A-7D4D-821D-81FDA7F64664}"/>
-              </a:ext>
-            </a:extLst>
-          </p:cNvPr>
+          <p:cNvPr id="5" name="Espace réservé du pied de page 4"/>
           <p:cNvSpPr>
             <a:spLocks noGrp="1"/>
           </p:cNvSpPr>
@@ -1088,19 +1153,13 @@
           <a:bodyPr/>
           <a:lstStyle/>
           <a:p>
-            <a:endParaRPr lang="fr-FR"/>
+            <a:endParaRPr lang="en-US"/>
           </a:p>
         </p:txBody>
       </p:sp>
       <p:sp>
         <p:nvSpPr>
-          <p:cNvPr id="6" name="Espace réservé du numéro de diapositive 5">
-            <a:extLst>
-              <a:ext uri="{FF2B5EF4-FFF2-40B4-BE49-F238E27FC236}">
-                <a16:creationId xmlns:a16="http://schemas.microsoft.com/office/drawing/2014/main" id="{7CFC79DF-78C5-564F-BF86-38F61A704B2A}"/>
-              </a:ext>
-            </a:extLst>
-          </p:cNvPr>
+          <p:cNvPr id="6" name="Espace réservé du numéro de diapositive 5"/>
           <p:cNvSpPr>
             <a:spLocks noGrp="1"/>
           </p:cNvSpPr>
@@ -1113,18 +1172,18 @@
           <a:bodyPr/>
           <a:lstStyle/>
           <a:p>
-            <a:fld id="{8A7CA93D-64AA-9A4A-BA94-9B35DB2428FF}" type="slidenum">
-              <a:rPr lang="fr-FR" smtClean="0"/>
+            <a:fld id="{2FF8E67B-37A0-47FA-B72D-D7134FF792A6}" type="slidenum">
+              <a:rPr lang="en-US" smtClean="0"/>
               <a:t>‹N°›</a:t>
             </a:fld>
-            <a:endParaRPr lang="fr-FR"/>
+            <a:endParaRPr lang="en-US"/>
           </a:p>
         </p:txBody>
       </p:sp>
     </p:spTree>
     <p:extLst>
       <p:ext uri="{BB962C8B-B14F-4D97-AF65-F5344CB8AC3E}">
-        <p14:creationId xmlns:p14="http://schemas.microsoft.com/office/powerpoint/2010/main" val="900252524"/>
+        <p14:creationId xmlns:p14="http://schemas.microsoft.com/office/powerpoint/2010/main" val="2769113437"/>
       </p:ext>
     </p:extLst>
   </p:cSld>
@@ -1153,13 +1212,7 @@
       </p:grpSpPr>
       <p:sp>
         <p:nvSpPr>
-          <p:cNvPr id="2" name="Titre 1">
-            <a:extLst>
-              <a:ext uri="{FF2B5EF4-FFF2-40B4-BE49-F238E27FC236}">
-                <a16:creationId xmlns:a16="http://schemas.microsoft.com/office/drawing/2014/main" id="{DFA31593-3974-BD46-99B9-5828C9D48748}"/>
-              </a:ext>
-            </a:extLst>
-          </p:cNvPr>
+          <p:cNvPr id="2" name="Titre 1"/>
           <p:cNvSpPr>
             <a:spLocks noGrp="1"/>
           </p:cNvSpPr>
@@ -1176,18 +1229,13 @@
               <a:rPr lang="fr-FR"/>
               <a:t>Modifiez le style du titre</a:t>
             </a:r>
+            <a:endParaRPr lang="en-US"/>
           </a:p>
         </p:txBody>
       </p:sp>
       <p:sp>
         <p:nvSpPr>
-          <p:cNvPr id="3" name="Espace réservé du contenu 2">
-            <a:extLst>
-              <a:ext uri="{FF2B5EF4-FFF2-40B4-BE49-F238E27FC236}">
-                <a16:creationId xmlns:a16="http://schemas.microsoft.com/office/drawing/2014/main" id="{2B635E68-155A-8749-A482-F2523F6A5922}"/>
-              </a:ext>
-            </a:extLst>
-          </p:cNvPr>
+          <p:cNvPr id="3" name="Espace réservé du contenu 2"/>
           <p:cNvSpPr>
             <a:spLocks noGrp="1"/>
           </p:cNvSpPr>
@@ -1205,6 +1253,7 @@
           <a:bodyPr/>
           <a:lstStyle/>
           <a:p>
+            <a:pPr lvl="0"/>
             <a:r>
               <a:rPr lang="fr-FR"/>
               <a:t>Modifier les styles du texte du masque
@@ -1213,18 +1262,13 @@
 Quatrième niveau
 Cinquième niveau</a:t>
             </a:r>
+            <a:endParaRPr lang="en-US"/>
           </a:p>
         </p:txBody>
       </p:sp>
       <p:sp>
         <p:nvSpPr>
-          <p:cNvPr id="4" name="Espace réservé du contenu 3">
-            <a:extLst>
-              <a:ext uri="{FF2B5EF4-FFF2-40B4-BE49-F238E27FC236}">
-                <a16:creationId xmlns:a16="http://schemas.microsoft.com/office/drawing/2014/main" id="{1159BE2C-CF27-4F47-BEB1-E43E634B8F0E}"/>
-              </a:ext>
-            </a:extLst>
-          </p:cNvPr>
+          <p:cNvPr id="4" name="Espace réservé du contenu 3"/>
           <p:cNvSpPr>
             <a:spLocks noGrp="1"/>
           </p:cNvSpPr>
@@ -1242,6 +1286,7 @@
           <a:bodyPr/>
           <a:lstStyle/>
           <a:p>
+            <a:pPr lvl="0"/>
             <a:r>
               <a:rPr lang="fr-FR"/>
               <a:t>Modifier les styles du texte du masque
@@ -1250,18 +1295,13 @@
 Quatrième niveau
 Cinquième niveau</a:t>
             </a:r>
+            <a:endParaRPr lang="en-US"/>
           </a:p>
         </p:txBody>
       </p:sp>
       <p:sp>
         <p:nvSpPr>
-          <p:cNvPr id="5" name="Espace réservé de la date 4">
-            <a:extLst>
-              <a:ext uri="{FF2B5EF4-FFF2-40B4-BE49-F238E27FC236}">
-                <a16:creationId xmlns:a16="http://schemas.microsoft.com/office/drawing/2014/main" id="{BC63149A-8D5B-284E-9303-9DE3F5E9D478}"/>
-              </a:ext>
-            </a:extLst>
-          </p:cNvPr>
+          <p:cNvPr id="5" name="Espace réservé de la date 4"/>
           <p:cNvSpPr>
             <a:spLocks noGrp="1"/>
           </p:cNvSpPr>
@@ -1274,23 +1314,17 @@
           <a:bodyPr/>
           <a:lstStyle/>
           <a:p>
-            <a:fld id="{CFFF1384-2909-9E46-865A-787DB288E8E6}" type="datetimeFigureOut">
-              <a:rPr lang="fr-FR" smtClean="0"/>
-              <a:t>30/01/2019</a:t>
+            <a:fld id="{1B20489F-F969-4B66-8C4C-7DB93C93E2C6}" type="datetimeFigureOut">
+              <a:rPr lang="en-US" smtClean="0"/>
+              <a:t>1/30/19</a:t>
             </a:fld>
-            <a:endParaRPr lang="fr-FR"/>
+            <a:endParaRPr lang="en-US"/>
           </a:p>
         </p:txBody>
       </p:sp>
       <p:sp>
         <p:nvSpPr>
-          <p:cNvPr id="6" name="Espace réservé du pied de page 5">
-            <a:extLst>
-              <a:ext uri="{FF2B5EF4-FFF2-40B4-BE49-F238E27FC236}">
-                <a16:creationId xmlns:a16="http://schemas.microsoft.com/office/drawing/2014/main" id="{8F5CF733-15C6-0746-83E8-8DC72DA3EB4D}"/>
-              </a:ext>
-            </a:extLst>
-          </p:cNvPr>
+          <p:cNvPr id="6" name="Espace réservé du pied de page 5"/>
           <p:cNvSpPr>
             <a:spLocks noGrp="1"/>
           </p:cNvSpPr>
@@ -1303,19 +1337,13 @@
           <a:bodyPr/>
           <a:lstStyle/>
           <a:p>
-            <a:endParaRPr lang="fr-FR"/>
+            <a:endParaRPr lang="en-US"/>
           </a:p>
         </p:txBody>
       </p:sp>
       <p:sp>
         <p:nvSpPr>
-          <p:cNvPr id="7" name="Espace réservé du numéro de diapositive 6">
-            <a:extLst>
-              <a:ext uri="{FF2B5EF4-FFF2-40B4-BE49-F238E27FC236}">
-                <a16:creationId xmlns:a16="http://schemas.microsoft.com/office/drawing/2014/main" id="{2290CC01-A873-DE4A-8F51-94A52FF64DE7}"/>
-              </a:ext>
-            </a:extLst>
-          </p:cNvPr>
+          <p:cNvPr id="7" name="Espace réservé du numéro de diapositive 6"/>
           <p:cNvSpPr>
             <a:spLocks noGrp="1"/>
           </p:cNvSpPr>
@@ -1328,18 +1356,18 @@
           <a:bodyPr/>
           <a:lstStyle/>
           <a:p>
-            <a:fld id="{8A7CA93D-64AA-9A4A-BA94-9B35DB2428FF}" type="slidenum">
-              <a:rPr lang="fr-FR" smtClean="0"/>
+            <a:fld id="{2FF8E67B-37A0-47FA-B72D-D7134FF792A6}" type="slidenum">
+              <a:rPr lang="en-US" smtClean="0"/>
               <a:t>‹N°›</a:t>
             </a:fld>
-            <a:endParaRPr lang="fr-FR"/>
+            <a:endParaRPr lang="en-US"/>
           </a:p>
         </p:txBody>
       </p:sp>
     </p:spTree>
     <p:extLst>
       <p:ext uri="{BB962C8B-B14F-4D97-AF65-F5344CB8AC3E}">
-        <p14:creationId xmlns:p14="http://schemas.microsoft.com/office/powerpoint/2010/main" val="2173175109"/>
+        <p14:creationId xmlns:p14="http://schemas.microsoft.com/office/powerpoint/2010/main" val="2378529376"/>
       </p:ext>
     </p:extLst>
   </p:cSld>
@@ -1368,13 +1396,7 @@
       </p:grpSpPr>
       <p:sp>
         <p:nvSpPr>
-          <p:cNvPr id="2" name="Titre 1">
-            <a:extLst>
-              <a:ext uri="{FF2B5EF4-FFF2-40B4-BE49-F238E27FC236}">
-                <a16:creationId xmlns:a16="http://schemas.microsoft.com/office/drawing/2014/main" id="{9F7BB8BC-CBED-8E47-821B-A80C54680E5C}"/>
-              </a:ext>
-            </a:extLst>
-          </p:cNvPr>
+          <p:cNvPr id="2" name="Titre 1"/>
           <p:cNvSpPr>
             <a:spLocks noGrp="1"/>
           </p:cNvSpPr>
@@ -1396,18 +1418,13 @@
               <a:rPr lang="fr-FR"/>
               <a:t>Modifiez le style du titre</a:t>
             </a:r>
+            <a:endParaRPr lang="en-US"/>
           </a:p>
         </p:txBody>
       </p:sp>
       <p:sp>
         <p:nvSpPr>
-          <p:cNvPr id="3" name="Espace réservé du texte 2">
-            <a:extLst>
-              <a:ext uri="{FF2B5EF4-FFF2-40B4-BE49-F238E27FC236}">
-                <a16:creationId xmlns:a16="http://schemas.microsoft.com/office/drawing/2014/main" id="{2ACD035F-7237-6143-B9B9-E8D6BF790237}"/>
-              </a:ext>
-            </a:extLst>
-          </p:cNvPr>
+          <p:cNvPr id="3" name="Espace réservé du texte 2"/>
           <p:cNvSpPr>
             <a:spLocks noGrp="1"/>
           </p:cNvSpPr>
@@ -1462,6 +1479,7 @@
             </a:lvl9pPr>
           </a:lstStyle>
           <a:p>
+            <a:pPr lvl="0"/>
             <a:r>
               <a:rPr lang="fr-FR"/>
               <a:t>Modifier les styles du texte du masque
@@ -1475,13 +1493,7 @@
       </p:sp>
       <p:sp>
         <p:nvSpPr>
-          <p:cNvPr id="4" name="Espace réservé du contenu 3">
-            <a:extLst>
-              <a:ext uri="{FF2B5EF4-FFF2-40B4-BE49-F238E27FC236}">
-                <a16:creationId xmlns:a16="http://schemas.microsoft.com/office/drawing/2014/main" id="{3AFF64E2-5C55-B645-BB49-BBF43BF27072}"/>
-              </a:ext>
-            </a:extLst>
-          </p:cNvPr>
+          <p:cNvPr id="4" name="Espace réservé du contenu 3"/>
           <p:cNvSpPr>
             <a:spLocks noGrp="1"/>
           </p:cNvSpPr>
@@ -1499,6 +1511,7 @@
           <a:bodyPr/>
           <a:lstStyle/>
           <a:p>
+            <a:pPr lvl="0"/>
             <a:r>
               <a:rPr lang="fr-FR"/>
               <a:t>Modifier les styles du texte du masque
@@ -1507,18 +1520,13 @@
 Quatrième niveau
 Cinquième niveau</a:t>
             </a:r>
+            <a:endParaRPr lang="en-US"/>
           </a:p>
         </p:txBody>
       </p:sp>
       <p:sp>
         <p:nvSpPr>
-          <p:cNvPr id="5" name="Espace réservé du texte 4">
-            <a:extLst>
-              <a:ext uri="{FF2B5EF4-FFF2-40B4-BE49-F238E27FC236}">
-                <a16:creationId xmlns:a16="http://schemas.microsoft.com/office/drawing/2014/main" id="{C9CF75BA-9AF3-6F41-AD15-2C96A473E16D}"/>
-              </a:ext>
-            </a:extLst>
-          </p:cNvPr>
+          <p:cNvPr id="5" name="Espace réservé du texte 4"/>
           <p:cNvSpPr>
             <a:spLocks noGrp="1"/>
           </p:cNvSpPr>
@@ -1573,6 +1581,7 @@
             </a:lvl9pPr>
           </a:lstStyle>
           <a:p>
+            <a:pPr lvl="0"/>
             <a:r>
               <a:rPr lang="fr-FR"/>
               <a:t>Modifier les styles du texte du masque
@@ -1586,13 +1595,7 @@
       </p:sp>
       <p:sp>
         <p:nvSpPr>
-          <p:cNvPr id="6" name="Espace réservé du contenu 5">
-            <a:extLst>
-              <a:ext uri="{FF2B5EF4-FFF2-40B4-BE49-F238E27FC236}">
-                <a16:creationId xmlns:a16="http://schemas.microsoft.com/office/drawing/2014/main" id="{86C0E9C6-769F-D74A-B6DC-9911D15EE6E8}"/>
-              </a:ext>
-            </a:extLst>
-          </p:cNvPr>
+          <p:cNvPr id="6" name="Espace réservé du contenu 5"/>
           <p:cNvSpPr>
             <a:spLocks noGrp="1"/>
           </p:cNvSpPr>
@@ -1610,6 +1613,7 @@
           <a:bodyPr/>
           <a:lstStyle/>
           <a:p>
+            <a:pPr lvl="0"/>
             <a:r>
               <a:rPr lang="fr-FR"/>
               <a:t>Modifier les styles du texte du masque
@@ -1618,18 +1622,13 @@
 Quatrième niveau
 Cinquième niveau</a:t>
             </a:r>
+            <a:endParaRPr lang="en-US"/>
           </a:p>
         </p:txBody>
       </p:sp>
       <p:sp>
         <p:nvSpPr>
-          <p:cNvPr id="7" name="Espace réservé de la date 6">
-            <a:extLst>
-              <a:ext uri="{FF2B5EF4-FFF2-40B4-BE49-F238E27FC236}">
-                <a16:creationId xmlns:a16="http://schemas.microsoft.com/office/drawing/2014/main" id="{82A83A85-8DC3-9247-8CA8-8CA6D4E6D430}"/>
-              </a:ext>
-            </a:extLst>
-          </p:cNvPr>
+          <p:cNvPr id="7" name="Espace réservé de la date 6"/>
           <p:cNvSpPr>
             <a:spLocks noGrp="1"/>
           </p:cNvSpPr>
@@ -1642,23 +1641,17 @@
           <a:bodyPr/>
           <a:lstStyle/>
           <a:p>
-            <a:fld id="{CFFF1384-2909-9E46-865A-787DB288E8E6}" type="datetimeFigureOut">
-              <a:rPr lang="fr-FR" smtClean="0"/>
-              <a:t>30/01/2019</a:t>
+            <a:fld id="{1B20489F-F969-4B66-8C4C-7DB93C93E2C6}" type="datetimeFigureOut">
+              <a:rPr lang="en-US" smtClean="0"/>
+              <a:t>1/30/19</a:t>
             </a:fld>
-            <a:endParaRPr lang="fr-FR"/>
+            <a:endParaRPr lang="en-US"/>
           </a:p>
         </p:txBody>
       </p:sp>
       <p:sp>
         <p:nvSpPr>
-          <p:cNvPr id="8" name="Espace réservé du pied de page 7">
-            <a:extLst>
-              <a:ext uri="{FF2B5EF4-FFF2-40B4-BE49-F238E27FC236}">
-                <a16:creationId xmlns:a16="http://schemas.microsoft.com/office/drawing/2014/main" id="{7452FA98-C001-6047-BC34-749CF74FBB0C}"/>
-              </a:ext>
-            </a:extLst>
-          </p:cNvPr>
+          <p:cNvPr id="8" name="Espace réservé du pied de page 7"/>
           <p:cNvSpPr>
             <a:spLocks noGrp="1"/>
           </p:cNvSpPr>
@@ -1671,19 +1664,13 @@
           <a:bodyPr/>
           <a:lstStyle/>
           <a:p>
-            <a:endParaRPr lang="fr-FR"/>
+            <a:endParaRPr lang="en-US"/>
           </a:p>
         </p:txBody>
       </p:sp>
       <p:sp>
         <p:nvSpPr>
-          <p:cNvPr id="9" name="Espace réservé du numéro de diapositive 8">
-            <a:extLst>
-              <a:ext uri="{FF2B5EF4-FFF2-40B4-BE49-F238E27FC236}">
-                <a16:creationId xmlns:a16="http://schemas.microsoft.com/office/drawing/2014/main" id="{63700EA3-68AB-D346-89D9-2E40B08913F4}"/>
-              </a:ext>
-            </a:extLst>
-          </p:cNvPr>
+          <p:cNvPr id="9" name="Espace réservé du numéro de diapositive 8"/>
           <p:cNvSpPr>
             <a:spLocks noGrp="1"/>
           </p:cNvSpPr>
@@ -1696,18 +1683,18 @@
           <a:bodyPr/>
           <a:lstStyle/>
           <a:p>
-            <a:fld id="{8A7CA93D-64AA-9A4A-BA94-9B35DB2428FF}" type="slidenum">
-              <a:rPr lang="fr-FR" smtClean="0"/>
+            <a:fld id="{2FF8E67B-37A0-47FA-B72D-D7134FF792A6}" type="slidenum">
+              <a:rPr lang="en-US" smtClean="0"/>
               <a:t>‹N°›</a:t>
             </a:fld>
-            <a:endParaRPr lang="fr-FR"/>
+            <a:endParaRPr lang="en-US"/>
           </a:p>
         </p:txBody>
       </p:sp>
     </p:spTree>
     <p:extLst>
       <p:ext uri="{BB962C8B-B14F-4D97-AF65-F5344CB8AC3E}">
-        <p14:creationId xmlns:p14="http://schemas.microsoft.com/office/powerpoint/2010/main" val="421166329"/>
+        <p14:creationId xmlns:p14="http://schemas.microsoft.com/office/powerpoint/2010/main" val="3561007083"/>
       </p:ext>
     </p:extLst>
   </p:cSld>
@@ -1736,13 +1723,7 @@
       </p:grpSpPr>
       <p:sp>
         <p:nvSpPr>
-          <p:cNvPr id="2" name="Titre 1">
-            <a:extLst>
-              <a:ext uri="{FF2B5EF4-FFF2-40B4-BE49-F238E27FC236}">
-                <a16:creationId xmlns:a16="http://schemas.microsoft.com/office/drawing/2014/main" id="{2FF83710-07E4-184A-B241-E45B04800103}"/>
-              </a:ext>
-            </a:extLst>
-          </p:cNvPr>
+          <p:cNvPr id="2" name="Titre 1"/>
           <p:cNvSpPr>
             <a:spLocks noGrp="1"/>
           </p:cNvSpPr>
@@ -1759,18 +1740,13 @@
               <a:rPr lang="fr-FR"/>
               <a:t>Modifiez le style du titre</a:t>
             </a:r>
+            <a:endParaRPr lang="en-US"/>
           </a:p>
         </p:txBody>
       </p:sp>
       <p:sp>
         <p:nvSpPr>
-          <p:cNvPr id="3" name="Espace réservé de la date 2">
-            <a:extLst>
-              <a:ext uri="{FF2B5EF4-FFF2-40B4-BE49-F238E27FC236}">
-                <a16:creationId xmlns:a16="http://schemas.microsoft.com/office/drawing/2014/main" id="{4C49257E-BD19-9140-A59B-15EE0CB0A6E1}"/>
-              </a:ext>
-            </a:extLst>
-          </p:cNvPr>
+          <p:cNvPr id="3" name="Espace réservé de la date 2"/>
           <p:cNvSpPr>
             <a:spLocks noGrp="1"/>
           </p:cNvSpPr>
@@ -1783,23 +1759,17 @@
           <a:bodyPr/>
           <a:lstStyle/>
           <a:p>
-            <a:fld id="{CFFF1384-2909-9E46-865A-787DB288E8E6}" type="datetimeFigureOut">
-              <a:rPr lang="fr-FR" smtClean="0"/>
-              <a:t>30/01/2019</a:t>
+            <a:fld id="{1B20489F-F969-4B66-8C4C-7DB93C93E2C6}" type="datetimeFigureOut">
+              <a:rPr lang="en-US" smtClean="0"/>
+              <a:t>1/30/19</a:t>
             </a:fld>
-            <a:endParaRPr lang="fr-FR"/>
+            <a:endParaRPr lang="en-US"/>
           </a:p>
         </p:txBody>
       </p:sp>
       <p:sp>
         <p:nvSpPr>
-          <p:cNvPr id="4" name="Espace réservé du pied de page 3">
-            <a:extLst>
-              <a:ext uri="{FF2B5EF4-FFF2-40B4-BE49-F238E27FC236}">
-                <a16:creationId xmlns:a16="http://schemas.microsoft.com/office/drawing/2014/main" id="{F9BA91AC-59AD-694C-8585-B889BCE17E93}"/>
-              </a:ext>
-            </a:extLst>
-          </p:cNvPr>
+          <p:cNvPr id="4" name="Espace réservé du pied de page 3"/>
           <p:cNvSpPr>
             <a:spLocks noGrp="1"/>
           </p:cNvSpPr>
@@ -1812,19 +1782,13 @@
           <a:bodyPr/>
           <a:lstStyle/>
           <a:p>
-            <a:endParaRPr lang="fr-FR"/>
+            <a:endParaRPr lang="en-US"/>
           </a:p>
         </p:txBody>
       </p:sp>
       <p:sp>
         <p:nvSpPr>
-          <p:cNvPr id="5" name="Espace réservé du numéro de diapositive 4">
-            <a:extLst>
-              <a:ext uri="{FF2B5EF4-FFF2-40B4-BE49-F238E27FC236}">
-                <a16:creationId xmlns:a16="http://schemas.microsoft.com/office/drawing/2014/main" id="{20CC91F3-73C5-9347-A85F-C4FD71F25203}"/>
-              </a:ext>
-            </a:extLst>
-          </p:cNvPr>
+          <p:cNvPr id="5" name="Espace réservé du numéro de diapositive 4"/>
           <p:cNvSpPr>
             <a:spLocks noGrp="1"/>
           </p:cNvSpPr>
@@ -1837,18 +1801,18 @@
           <a:bodyPr/>
           <a:lstStyle/>
           <a:p>
-            <a:fld id="{8A7CA93D-64AA-9A4A-BA94-9B35DB2428FF}" type="slidenum">
-              <a:rPr lang="fr-FR" smtClean="0"/>
+            <a:fld id="{2FF8E67B-37A0-47FA-B72D-D7134FF792A6}" type="slidenum">
+              <a:rPr lang="en-US" smtClean="0"/>
               <a:t>‹N°›</a:t>
             </a:fld>
-            <a:endParaRPr lang="fr-FR"/>
+            <a:endParaRPr lang="en-US"/>
           </a:p>
         </p:txBody>
       </p:sp>
     </p:spTree>
     <p:extLst>
       <p:ext uri="{BB962C8B-B14F-4D97-AF65-F5344CB8AC3E}">
-        <p14:creationId xmlns:p14="http://schemas.microsoft.com/office/powerpoint/2010/main" val="980076150"/>
+        <p14:creationId xmlns:p14="http://schemas.microsoft.com/office/powerpoint/2010/main" val="92475189"/>
       </p:ext>
     </p:extLst>
   </p:cSld>
@@ -1877,13 +1841,7 @@
       </p:grpSpPr>
       <p:sp>
         <p:nvSpPr>
-          <p:cNvPr id="2" name="Espace réservé de la date 1">
-            <a:extLst>
-              <a:ext uri="{FF2B5EF4-FFF2-40B4-BE49-F238E27FC236}">
-                <a16:creationId xmlns:a16="http://schemas.microsoft.com/office/drawing/2014/main" id="{A976DCD6-A4DA-0141-9E5F-A0B05650F487}"/>
-              </a:ext>
-            </a:extLst>
-          </p:cNvPr>
+          <p:cNvPr id="2" name="Espace réservé de la date 1"/>
           <p:cNvSpPr>
             <a:spLocks noGrp="1"/>
           </p:cNvSpPr>
@@ -1896,23 +1854,17 @@
           <a:bodyPr/>
           <a:lstStyle/>
           <a:p>
-            <a:fld id="{CFFF1384-2909-9E46-865A-787DB288E8E6}" type="datetimeFigureOut">
-              <a:rPr lang="fr-FR" smtClean="0"/>
-              <a:t>30/01/2019</a:t>
+            <a:fld id="{1B20489F-F969-4B66-8C4C-7DB93C93E2C6}" type="datetimeFigureOut">
+              <a:rPr lang="en-US" smtClean="0"/>
+              <a:t>1/30/19</a:t>
             </a:fld>
-            <a:endParaRPr lang="fr-FR"/>
+            <a:endParaRPr lang="en-US"/>
           </a:p>
         </p:txBody>
       </p:sp>
       <p:sp>
         <p:nvSpPr>
-          <p:cNvPr id="3" name="Espace réservé du pied de page 2">
-            <a:extLst>
-              <a:ext uri="{FF2B5EF4-FFF2-40B4-BE49-F238E27FC236}">
-                <a16:creationId xmlns:a16="http://schemas.microsoft.com/office/drawing/2014/main" id="{F3988A91-7BF5-3E40-8938-7A05FC9F1F21}"/>
-              </a:ext>
-            </a:extLst>
-          </p:cNvPr>
+          <p:cNvPr id="3" name="Espace réservé du pied de page 2"/>
           <p:cNvSpPr>
             <a:spLocks noGrp="1"/>
           </p:cNvSpPr>
@@ -1925,19 +1877,13 @@
           <a:bodyPr/>
           <a:lstStyle/>
           <a:p>
-            <a:endParaRPr lang="fr-FR"/>
+            <a:endParaRPr lang="en-US"/>
           </a:p>
         </p:txBody>
       </p:sp>
       <p:sp>
         <p:nvSpPr>
-          <p:cNvPr id="4" name="Espace réservé du numéro de diapositive 3">
-            <a:extLst>
-              <a:ext uri="{FF2B5EF4-FFF2-40B4-BE49-F238E27FC236}">
-                <a16:creationId xmlns:a16="http://schemas.microsoft.com/office/drawing/2014/main" id="{67E3E472-4F97-2143-A35F-04D6F3E62FA8}"/>
-              </a:ext>
-            </a:extLst>
-          </p:cNvPr>
+          <p:cNvPr id="4" name="Espace réservé du numéro de diapositive 3"/>
           <p:cNvSpPr>
             <a:spLocks noGrp="1"/>
           </p:cNvSpPr>
@@ -1950,18 +1896,18 @@
           <a:bodyPr/>
           <a:lstStyle/>
           <a:p>
-            <a:fld id="{8A7CA93D-64AA-9A4A-BA94-9B35DB2428FF}" type="slidenum">
-              <a:rPr lang="fr-FR" smtClean="0"/>
+            <a:fld id="{2FF8E67B-37A0-47FA-B72D-D7134FF792A6}" type="slidenum">
+              <a:rPr lang="en-US" smtClean="0"/>
               <a:t>‹N°›</a:t>
             </a:fld>
-            <a:endParaRPr lang="fr-FR"/>
+            <a:endParaRPr lang="en-US"/>
           </a:p>
         </p:txBody>
       </p:sp>
     </p:spTree>
     <p:extLst>
       <p:ext uri="{BB962C8B-B14F-4D97-AF65-F5344CB8AC3E}">
-        <p14:creationId xmlns:p14="http://schemas.microsoft.com/office/powerpoint/2010/main" val="1592553131"/>
+        <p14:creationId xmlns:p14="http://schemas.microsoft.com/office/powerpoint/2010/main" val="3944975542"/>
       </p:ext>
     </p:extLst>
   </p:cSld>
@@ -1990,13 +1936,7 @@
       </p:grpSpPr>
       <p:sp>
         <p:nvSpPr>
-          <p:cNvPr id="2" name="Titre 1">
-            <a:extLst>
-              <a:ext uri="{FF2B5EF4-FFF2-40B4-BE49-F238E27FC236}">
-                <a16:creationId xmlns:a16="http://schemas.microsoft.com/office/drawing/2014/main" id="{107FB25F-4C47-3E4E-8F51-75637083EA64}"/>
-              </a:ext>
-            </a:extLst>
-          </p:cNvPr>
+          <p:cNvPr id="2" name="Titre 1"/>
           <p:cNvSpPr>
             <a:spLocks noGrp="1"/>
           </p:cNvSpPr>
@@ -2022,18 +1962,13 @@
               <a:rPr lang="fr-FR"/>
               <a:t>Modifiez le style du titre</a:t>
             </a:r>
+            <a:endParaRPr lang="en-US"/>
           </a:p>
         </p:txBody>
       </p:sp>
       <p:sp>
         <p:nvSpPr>
-          <p:cNvPr id="3" name="Espace réservé du contenu 2">
-            <a:extLst>
-              <a:ext uri="{FF2B5EF4-FFF2-40B4-BE49-F238E27FC236}">
-                <a16:creationId xmlns:a16="http://schemas.microsoft.com/office/drawing/2014/main" id="{0014C354-E5F6-F04E-83D5-065B2EE63129}"/>
-              </a:ext>
-            </a:extLst>
-          </p:cNvPr>
+          <p:cNvPr id="3" name="Espace réservé du contenu 2"/>
           <p:cNvSpPr>
             <a:spLocks noGrp="1"/>
           </p:cNvSpPr>
@@ -2079,6 +2014,7 @@
             </a:lvl9pPr>
           </a:lstStyle>
           <a:p>
+            <a:pPr lvl="0"/>
             <a:r>
               <a:rPr lang="fr-FR"/>
               <a:t>Modifier les styles du texte du masque
@@ -2087,18 +2023,13 @@
 Quatrième niveau
 Cinquième niveau</a:t>
             </a:r>
+            <a:endParaRPr lang="en-US"/>
           </a:p>
         </p:txBody>
       </p:sp>
       <p:sp>
         <p:nvSpPr>
-          <p:cNvPr id="4" name="Espace réservé du texte 3">
-            <a:extLst>
-              <a:ext uri="{FF2B5EF4-FFF2-40B4-BE49-F238E27FC236}">
-                <a16:creationId xmlns:a16="http://schemas.microsoft.com/office/drawing/2014/main" id="{882BEAB5-D2BA-704E-A8AE-F964D6D4E089}"/>
-              </a:ext>
-            </a:extLst>
-          </p:cNvPr>
+          <p:cNvPr id="4" name="Espace réservé du texte 3"/>
           <p:cNvSpPr>
             <a:spLocks noGrp="1"/>
           </p:cNvSpPr>
@@ -2153,6 +2084,7 @@
             </a:lvl9pPr>
           </a:lstStyle>
           <a:p>
+            <a:pPr lvl="0"/>
             <a:r>
               <a:rPr lang="fr-FR"/>
               <a:t>Modifier les styles du texte du masque
@@ -2166,13 +2098,7 @@
       </p:sp>
       <p:sp>
         <p:nvSpPr>
-          <p:cNvPr id="5" name="Espace réservé de la date 4">
-            <a:extLst>
-              <a:ext uri="{FF2B5EF4-FFF2-40B4-BE49-F238E27FC236}">
-                <a16:creationId xmlns:a16="http://schemas.microsoft.com/office/drawing/2014/main" id="{A1681B83-AAB9-1747-B378-E4EC09327A51}"/>
-              </a:ext>
-            </a:extLst>
-          </p:cNvPr>
+          <p:cNvPr id="5" name="Espace réservé de la date 4"/>
           <p:cNvSpPr>
             <a:spLocks noGrp="1"/>
           </p:cNvSpPr>
@@ -2185,23 +2111,17 @@
           <a:bodyPr/>
           <a:lstStyle/>
           <a:p>
-            <a:fld id="{CFFF1384-2909-9E46-865A-787DB288E8E6}" type="datetimeFigureOut">
-              <a:rPr lang="fr-FR" smtClean="0"/>
-              <a:t>30/01/2019</a:t>
+            <a:fld id="{1B20489F-F969-4B66-8C4C-7DB93C93E2C6}" type="datetimeFigureOut">
+              <a:rPr lang="en-US" smtClean="0"/>
+              <a:t>1/30/19</a:t>
             </a:fld>
-            <a:endParaRPr lang="fr-FR"/>
+            <a:endParaRPr lang="en-US"/>
           </a:p>
         </p:txBody>
       </p:sp>
       <p:sp>
         <p:nvSpPr>
-          <p:cNvPr id="6" name="Espace réservé du pied de page 5">
-            <a:extLst>
-              <a:ext uri="{FF2B5EF4-FFF2-40B4-BE49-F238E27FC236}">
-                <a16:creationId xmlns:a16="http://schemas.microsoft.com/office/drawing/2014/main" id="{07D81A40-AE6D-4343-A32F-1AAC0C72C756}"/>
-              </a:ext>
-            </a:extLst>
-          </p:cNvPr>
+          <p:cNvPr id="6" name="Espace réservé du pied de page 5"/>
           <p:cNvSpPr>
             <a:spLocks noGrp="1"/>
           </p:cNvSpPr>
@@ -2214,19 +2134,13 @@
           <a:bodyPr/>
           <a:lstStyle/>
           <a:p>
-            <a:endParaRPr lang="fr-FR"/>
+            <a:endParaRPr lang="en-US"/>
           </a:p>
         </p:txBody>
       </p:sp>
       <p:sp>
         <p:nvSpPr>
-          <p:cNvPr id="7" name="Espace réservé du numéro de diapositive 6">
-            <a:extLst>
-              <a:ext uri="{FF2B5EF4-FFF2-40B4-BE49-F238E27FC236}">
-                <a16:creationId xmlns:a16="http://schemas.microsoft.com/office/drawing/2014/main" id="{E30286B4-1FFD-CE4F-B37C-7D167211C058}"/>
-              </a:ext>
-            </a:extLst>
-          </p:cNvPr>
+          <p:cNvPr id="7" name="Espace réservé du numéro de diapositive 6"/>
           <p:cNvSpPr>
             <a:spLocks noGrp="1"/>
           </p:cNvSpPr>
@@ -2239,18 +2153,18 @@
           <a:bodyPr/>
           <a:lstStyle/>
           <a:p>
-            <a:fld id="{8A7CA93D-64AA-9A4A-BA94-9B35DB2428FF}" type="slidenum">
-              <a:rPr lang="fr-FR" smtClean="0"/>
+            <a:fld id="{2FF8E67B-37A0-47FA-B72D-D7134FF792A6}" type="slidenum">
+              <a:rPr lang="en-US" smtClean="0"/>
               <a:t>‹N°›</a:t>
             </a:fld>
-            <a:endParaRPr lang="fr-FR"/>
+            <a:endParaRPr lang="en-US"/>
           </a:p>
         </p:txBody>
       </p:sp>
     </p:spTree>
     <p:extLst>
       <p:ext uri="{BB962C8B-B14F-4D97-AF65-F5344CB8AC3E}">
-        <p14:creationId xmlns:p14="http://schemas.microsoft.com/office/powerpoint/2010/main" val="1795066109"/>
+        <p14:creationId xmlns:p14="http://schemas.microsoft.com/office/powerpoint/2010/main" val="3684090080"/>
       </p:ext>
     </p:extLst>
   </p:cSld>
@@ -2279,13 +2193,7 @@
       </p:grpSpPr>
       <p:sp>
         <p:nvSpPr>
-          <p:cNvPr id="2" name="Titre 1">
-            <a:extLst>
-              <a:ext uri="{FF2B5EF4-FFF2-40B4-BE49-F238E27FC236}">
-                <a16:creationId xmlns:a16="http://schemas.microsoft.com/office/drawing/2014/main" id="{67F82441-358F-A744-BE53-B750E869FBF1}"/>
-              </a:ext>
-            </a:extLst>
-          </p:cNvPr>
+          <p:cNvPr id="2" name="Titre 1"/>
           <p:cNvSpPr>
             <a:spLocks noGrp="1"/>
           </p:cNvSpPr>
@@ -2311,18 +2219,13 @@
               <a:rPr lang="fr-FR"/>
               <a:t>Modifiez le style du titre</a:t>
             </a:r>
+            <a:endParaRPr lang="en-US"/>
           </a:p>
         </p:txBody>
       </p:sp>
       <p:sp>
         <p:nvSpPr>
-          <p:cNvPr id="3" name="Espace réservé pour une image  2">
-            <a:extLst>
-              <a:ext uri="{FF2B5EF4-FFF2-40B4-BE49-F238E27FC236}">
-                <a16:creationId xmlns:a16="http://schemas.microsoft.com/office/drawing/2014/main" id="{2B95283B-6A97-4348-8496-2BABC69D7652}"/>
-              </a:ext>
-            </a:extLst>
-          </p:cNvPr>
+          <p:cNvPr id="3" name="Espace réservé pour une image  2"/>
           <p:cNvSpPr>
             <a:spLocks noGrp="1"/>
           </p:cNvSpPr>
@@ -2377,19 +2280,17 @@
             </a:lvl9pPr>
           </a:lstStyle>
           <a:p>
-            <a:endParaRPr lang="fr-FR"/>
+            <a:r>
+              <a:rPr lang="fr-FR"/>
+              <a:t>Cliquez sur l'icône pour ajouter une image</a:t>
+            </a:r>
+            <a:endParaRPr lang="en-US"/>
           </a:p>
         </p:txBody>
       </p:sp>
       <p:sp>
         <p:nvSpPr>
-          <p:cNvPr id="4" name="Espace réservé du texte 3">
-            <a:extLst>
-              <a:ext uri="{FF2B5EF4-FFF2-40B4-BE49-F238E27FC236}">
-                <a16:creationId xmlns:a16="http://schemas.microsoft.com/office/drawing/2014/main" id="{3EE07F35-9C04-F647-9283-3E5C0D71CD91}"/>
-              </a:ext>
-            </a:extLst>
-          </p:cNvPr>
+          <p:cNvPr id="4" name="Espace réservé du texte 3"/>
           <p:cNvSpPr>
             <a:spLocks noGrp="1"/>
           </p:cNvSpPr>
@@ -2444,6 +2345,7 @@
             </a:lvl9pPr>
           </a:lstStyle>
           <a:p>
+            <a:pPr lvl="0"/>
             <a:r>
               <a:rPr lang="fr-FR"/>
               <a:t>Modifier les styles du texte du masque
@@ -2457,13 +2359,7 @@
       </p:sp>
       <p:sp>
         <p:nvSpPr>
-          <p:cNvPr id="5" name="Espace réservé de la date 4">
-            <a:extLst>
-              <a:ext uri="{FF2B5EF4-FFF2-40B4-BE49-F238E27FC236}">
-                <a16:creationId xmlns:a16="http://schemas.microsoft.com/office/drawing/2014/main" id="{85B23B1F-9672-974B-A3D8-03DE5467C534}"/>
-              </a:ext>
-            </a:extLst>
-          </p:cNvPr>
+          <p:cNvPr id="5" name="Espace réservé de la date 4"/>
           <p:cNvSpPr>
             <a:spLocks noGrp="1"/>
           </p:cNvSpPr>
@@ -2476,23 +2372,17 @@
           <a:bodyPr/>
           <a:lstStyle/>
           <a:p>
-            <a:fld id="{CFFF1384-2909-9E46-865A-787DB288E8E6}" type="datetimeFigureOut">
-              <a:rPr lang="fr-FR" smtClean="0"/>
-              <a:t>30/01/2019</a:t>
+            <a:fld id="{1B20489F-F969-4B66-8C4C-7DB93C93E2C6}" type="datetimeFigureOut">
+              <a:rPr lang="en-US" smtClean="0"/>
+              <a:t>1/30/19</a:t>
             </a:fld>
-            <a:endParaRPr lang="fr-FR"/>
+            <a:endParaRPr lang="en-US"/>
           </a:p>
         </p:txBody>
       </p:sp>
       <p:sp>
         <p:nvSpPr>
-          <p:cNvPr id="6" name="Espace réservé du pied de page 5">
-            <a:extLst>
-              <a:ext uri="{FF2B5EF4-FFF2-40B4-BE49-F238E27FC236}">
-                <a16:creationId xmlns:a16="http://schemas.microsoft.com/office/drawing/2014/main" id="{17DF79AA-A78F-514B-99DA-488608F77FA2}"/>
-              </a:ext>
-            </a:extLst>
-          </p:cNvPr>
+          <p:cNvPr id="6" name="Espace réservé du pied de page 5"/>
           <p:cNvSpPr>
             <a:spLocks noGrp="1"/>
           </p:cNvSpPr>
@@ -2505,19 +2395,13 @@
           <a:bodyPr/>
           <a:lstStyle/>
           <a:p>
-            <a:endParaRPr lang="fr-FR"/>
+            <a:endParaRPr lang="en-US"/>
           </a:p>
         </p:txBody>
       </p:sp>
       <p:sp>
         <p:nvSpPr>
-          <p:cNvPr id="7" name="Espace réservé du numéro de diapositive 6">
-            <a:extLst>
-              <a:ext uri="{FF2B5EF4-FFF2-40B4-BE49-F238E27FC236}">
-                <a16:creationId xmlns:a16="http://schemas.microsoft.com/office/drawing/2014/main" id="{C10EED30-0A77-8247-889B-C2F6F057B932}"/>
-              </a:ext>
-            </a:extLst>
-          </p:cNvPr>
+          <p:cNvPr id="7" name="Espace réservé du numéro de diapositive 6"/>
           <p:cNvSpPr>
             <a:spLocks noGrp="1"/>
           </p:cNvSpPr>
@@ -2530,18 +2414,18 @@
           <a:bodyPr/>
           <a:lstStyle/>
           <a:p>
-            <a:fld id="{8A7CA93D-64AA-9A4A-BA94-9B35DB2428FF}" type="slidenum">
-              <a:rPr lang="fr-FR" smtClean="0"/>
+            <a:fld id="{2FF8E67B-37A0-47FA-B72D-D7134FF792A6}" type="slidenum">
+              <a:rPr lang="en-US" smtClean="0"/>
               <a:t>‹N°›</a:t>
             </a:fld>
-            <a:endParaRPr lang="fr-FR"/>
+            <a:endParaRPr lang="en-US"/>
           </a:p>
         </p:txBody>
       </p:sp>
     </p:spTree>
     <p:extLst>
       <p:ext uri="{BB962C8B-B14F-4D97-AF65-F5344CB8AC3E}">
-        <p14:creationId xmlns:p14="http://schemas.microsoft.com/office/powerpoint/2010/main" val="1988886206"/>
+        <p14:creationId xmlns:p14="http://schemas.microsoft.com/office/powerpoint/2010/main" val="3831868670"/>
       </p:ext>
     </p:extLst>
   </p:cSld>
@@ -2575,13 +2459,61 @@
       </p:grpSpPr>
       <p:sp>
         <p:nvSpPr>
-          <p:cNvPr id="2" name="Espace réservé du titre 1">
+          <p:cNvPr id="7" name="Rectangle 6">
             <a:extLst>
               <a:ext uri="{FF2B5EF4-FFF2-40B4-BE49-F238E27FC236}">
-                <a16:creationId xmlns:a16="http://schemas.microsoft.com/office/drawing/2014/main" id="{15534B91-2E07-0341-BDBC-14451671ECEF}"/>
+                <a16:creationId xmlns:a16="http://schemas.microsoft.com/office/drawing/2014/main" id="{E970CBB1-3F25-44EF-A6B8-2219DE80F1E6}"/>
               </a:ext>
             </a:extLst>
           </p:cNvPr>
+          <p:cNvSpPr/>
+          <p:nvPr userDrawn="1"/>
+        </p:nvSpPr>
+        <p:spPr>
+          <a:xfrm>
+            <a:off x="0" y="0"/>
+            <a:ext cx="12192000" cy="6858000"/>
+          </a:xfrm>
+          <a:prstGeom prst="rect">
+            <a:avLst/>
+          </a:prstGeom>
+          <a:solidFill>
+            <a:schemeClr val="accent1">
+              <a:alpha val="56000"/>
+            </a:schemeClr>
+          </a:solidFill>
+          <a:ln>
+            <a:noFill/>
+          </a:ln>
+        </p:spPr>
+        <p:style>
+          <a:lnRef idx="2">
+            <a:schemeClr val="accent1">
+              <a:shade val="50000"/>
+            </a:schemeClr>
+          </a:lnRef>
+          <a:fillRef idx="1">
+            <a:schemeClr val="accent1"/>
+          </a:fillRef>
+          <a:effectRef idx="0">
+            <a:schemeClr val="accent1"/>
+          </a:effectRef>
+          <a:fontRef idx="minor">
+            <a:schemeClr val="lt1"/>
+          </a:fontRef>
+        </p:style>
+        <p:txBody>
+          <a:bodyPr rtlCol="0" anchor="ctr"/>
+          <a:lstStyle/>
+          <a:p>
+            <a:pPr algn="ctr"/>
+            <a:endParaRPr lang="en-US"/>
+          </a:p>
+        </p:txBody>
+      </p:sp>
+      <p:sp>
+        <p:nvSpPr>
+          <p:cNvPr id="2" name="Espace réservé du titre 1"/>
           <p:cNvSpPr>
             <a:spLocks noGrp="1"/>
           </p:cNvSpPr>
@@ -2608,18 +2540,13 @@
               <a:rPr lang="fr-FR"/>
               <a:t>Modifiez le style du titre</a:t>
             </a:r>
+            <a:endParaRPr lang="en-US"/>
           </a:p>
         </p:txBody>
       </p:sp>
       <p:sp>
         <p:nvSpPr>
-          <p:cNvPr id="3" name="Espace réservé du texte 2">
-            <a:extLst>
-              <a:ext uri="{FF2B5EF4-FFF2-40B4-BE49-F238E27FC236}">
-                <a16:creationId xmlns:a16="http://schemas.microsoft.com/office/drawing/2014/main" id="{1C95B9C7-AC09-AA48-ADEE-1D52D44F86E5}"/>
-              </a:ext>
-            </a:extLst>
-          </p:cNvPr>
+          <p:cNvPr id="3" name="Espace réservé du texte 2"/>
           <p:cNvSpPr>
             <a:spLocks noGrp="1"/>
           </p:cNvSpPr>
@@ -2642,26 +2569,46 @@
           </a:bodyPr>
           <a:lstStyle/>
           <a:p>
+            <a:pPr lvl="0"/>
             <a:r>
               <a:rPr lang="fr-FR"/>
-              <a:t>Modifier les styles du texte du masque
-Deuxième niveau
-Troisième niveau
-Quatrième niveau
-Cinquième niveau</a:t>
+              <a:t>Modifiez les styles du texte du masque</a:t>
             </a:r>
+          </a:p>
+          <a:p>
+            <a:pPr lvl="1"/>
+            <a:r>
+              <a:rPr lang="fr-FR"/>
+              <a:t>Deuxième niveau</a:t>
+            </a:r>
+          </a:p>
+          <a:p>
+            <a:pPr lvl="2"/>
+            <a:r>
+              <a:rPr lang="fr-FR"/>
+              <a:t>Troisième niveau</a:t>
+            </a:r>
+          </a:p>
+          <a:p>
+            <a:pPr lvl="3"/>
+            <a:r>
+              <a:rPr lang="fr-FR"/>
+              <a:t>Quatrième niveau</a:t>
+            </a:r>
+          </a:p>
+          <a:p>
+            <a:pPr lvl="4"/>
+            <a:r>
+              <a:rPr lang="fr-FR"/>
+              <a:t>Cinquième niveau</a:t>
+            </a:r>
+            <a:endParaRPr lang="en-US"/>
           </a:p>
         </p:txBody>
       </p:sp>
       <p:sp>
         <p:nvSpPr>
-          <p:cNvPr id="4" name="Espace réservé de la date 3">
-            <a:extLst>
-              <a:ext uri="{FF2B5EF4-FFF2-40B4-BE49-F238E27FC236}">
-                <a16:creationId xmlns:a16="http://schemas.microsoft.com/office/drawing/2014/main" id="{D84B085A-7179-D04D-8EBE-CA92D6810E99}"/>
-              </a:ext>
-            </a:extLst>
-          </p:cNvPr>
+          <p:cNvPr id="4" name="Espace réservé de la date 3"/>
           <p:cNvSpPr>
             <a:spLocks noGrp="1"/>
           </p:cNvSpPr>
@@ -2692,23 +2639,17 @@
             </a:lvl1pPr>
           </a:lstStyle>
           <a:p>
-            <a:fld id="{CFFF1384-2909-9E46-865A-787DB288E8E6}" type="datetimeFigureOut">
-              <a:rPr lang="fr-FR" smtClean="0"/>
-              <a:t>30/01/2019</a:t>
+            <a:fld id="{1B20489F-F969-4B66-8C4C-7DB93C93E2C6}" type="datetimeFigureOut">
+              <a:rPr lang="en-US" smtClean="0"/>
+              <a:t>1/30/19</a:t>
             </a:fld>
-            <a:endParaRPr lang="fr-FR"/>
+            <a:endParaRPr lang="en-US"/>
           </a:p>
         </p:txBody>
       </p:sp>
       <p:sp>
         <p:nvSpPr>
-          <p:cNvPr id="5" name="Espace réservé du pied de page 4">
-            <a:extLst>
-              <a:ext uri="{FF2B5EF4-FFF2-40B4-BE49-F238E27FC236}">
-                <a16:creationId xmlns:a16="http://schemas.microsoft.com/office/drawing/2014/main" id="{AB7891A3-D55E-E84F-81BC-FEC9C609B7C6}"/>
-              </a:ext>
-            </a:extLst>
-          </p:cNvPr>
+          <p:cNvPr id="5" name="Espace réservé du pied de page 4"/>
           <p:cNvSpPr>
             <a:spLocks noGrp="1"/>
           </p:cNvSpPr>
@@ -2739,19 +2680,13 @@
             </a:lvl1pPr>
           </a:lstStyle>
           <a:p>
-            <a:endParaRPr lang="fr-FR"/>
+            <a:endParaRPr lang="en-US"/>
           </a:p>
         </p:txBody>
       </p:sp>
       <p:sp>
         <p:nvSpPr>
-          <p:cNvPr id="6" name="Espace réservé du numéro de diapositive 5">
-            <a:extLst>
-              <a:ext uri="{FF2B5EF4-FFF2-40B4-BE49-F238E27FC236}">
-                <a16:creationId xmlns:a16="http://schemas.microsoft.com/office/drawing/2014/main" id="{726440F7-4572-CC48-BB71-384F37905DFC}"/>
-              </a:ext>
-            </a:extLst>
-          </p:cNvPr>
+          <p:cNvPr id="6" name="Espace réservé du numéro de diapositive 5"/>
           <p:cNvSpPr>
             <a:spLocks noGrp="1"/>
           </p:cNvSpPr>
@@ -2782,18 +2717,18 @@
             </a:lvl1pPr>
           </a:lstStyle>
           <a:p>
-            <a:fld id="{8A7CA93D-64AA-9A4A-BA94-9B35DB2428FF}" type="slidenum">
-              <a:rPr lang="fr-FR" smtClean="0"/>
+            <a:fld id="{2FF8E67B-37A0-47FA-B72D-D7134FF792A6}" type="slidenum">
+              <a:rPr lang="en-US" smtClean="0"/>
               <a:t>‹N°›</a:t>
             </a:fld>
-            <a:endParaRPr lang="fr-FR"/>
+            <a:endParaRPr lang="en-US"/>
           </a:p>
         </p:txBody>
       </p:sp>
     </p:spTree>
     <p:extLst>
       <p:ext uri="{BB962C8B-B14F-4D97-AF65-F5344CB8AC3E}">
-        <p14:creationId xmlns:p14="http://schemas.microsoft.com/office/powerpoint/2010/main" val="231793796"/>
+        <p14:creationId xmlns:p14="http://schemas.microsoft.com/office/powerpoint/2010/main" val="1551451151"/>
       </p:ext>
     </p:extLst>
   </p:cSld>
@@ -2997,7 +2932,7 @@
     </p:bodyStyle>
     <p:otherStyle>
       <a:defPPr>
-        <a:defRPr lang="fr-FR"/>
+        <a:defRPr lang="en-US"/>
       </a:defPPr>
       <a:lvl1pPr marL="0" algn="l" defTabSz="914400" rtl="0" eaLnBrk="1" latinLnBrk="0" hangingPunct="1">
         <a:defRPr sz="1800" kern="1200">
@@ -3113,13 +3048,7055 @@
       </p:grpSpPr>
       <p:sp>
         <p:nvSpPr>
-          <p:cNvPr id="2" name="Titre 1">
+          <p:cNvPr id="5" name="TextBox 12">
             <a:extLst>
               <a:ext uri="{FF2B5EF4-FFF2-40B4-BE49-F238E27FC236}">
-                <a16:creationId xmlns:a16="http://schemas.microsoft.com/office/drawing/2014/main" id="{EF7848A6-FFE5-D54C-848D-616669ADCEF6}"/>
+                <a16:creationId xmlns:a16="http://schemas.microsoft.com/office/drawing/2014/main" id="{C221F751-3C5B-4561-AD14-8637C5B66736}"/>
               </a:ext>
             </a:extLst>
           </p:cNvPr>
+          <p:cNvSpPr txBox="1"/>
+          <p:nvPr/>
+        </p:nvSpPr>
+        <p:spPr>
+          <a:xfrm>
+            <a:off x="6322483" y="2424888"/>
+            <a:ext cx="5610577" cy="923330"/>
+          </a:xfrm>
+          <a:prstGeom prst="rect">
+            <a:avLst/>
+          </a:prstGeom>
+          <a:noFill/>
+        </p:spPr>
+        <p:txBody>
+          <a:bodyPr wrap="square" rtlCol="0" anchor="ctr">
+            <a:spAutoFit/>
+          </a:bodyPr>
+          <a:lstStyle/>
+          <a:p>
+            <a:r>
+              <a:rPr lang="fr-FR" altLang="ko-KR" sz="5400" dirty="0">
+                <a:solidFill>
+                  <a:srgbClr val="1A4684"/>
+                </a:solidFill>
+                <a:effectLst>
+                  <a:glow rad="101600">
+                    <a:schemeClr val="bg1">
+                      <a:alpha val="60000"/>
+                    </a:schemeClr>
+                  </a:glow>
+                </a:effectLst>
+                <a:cs typeface="Arial" pitchFamily="34" charset="0"/>
+              </a:rPr>
+              <a:t>Transit Planning</a:t>
+            </a:r>
+            <a:endParaRPr lang="ko-KR" altLang="en-US" sz="5400" dirty="0">
+              <a:solidFill>
+                <a:srgbClr val="1A4684"/>
+              </a:solidFill>
+              <a:effectLst>
+                <a:glow rad="101600">
+                  <a:schemeClr val="bg1">
+                    <a:alpha val="60000"/>
+                  </a:schemeClr>
+                </a:glow>
+              </a:effectLst>
+              <a:cs typeface="Arial" pitchFamily="34" charset="0"/>
+            </a:endParaRPr>
+          </a:p>
+        </p:txBody>
+      </p:sp>
+      <p:sp>
+        <p:nvSpPr>
+          <p:cNvPr id="6" name="TextBox 13">
+            <a:extLst>
+              <a:ext uri="{FF2B5EF4-FFF2-40B4-BE49-F238E27FC236}">
+                <a16:creationId xmlns:a16="http://schemas.microsoft.com/office/drawing/2014/main" id="{DF166F6B-B975-4F3C-BCF2-9971086140FB}"/>
+              </a:ext>
+            </a:extLst>
+          </p:cNvPr>
+          <p:cNvSpPr txBox="1"/>
+          <p:nvPr/>
+        </p:nvSpPr>
+        <p:spPr>
+          <a:xfrm>
+            <a:off x="6322551" y="3308723"/>
+            <a:ext cx="5610509" cy="769441"/>
+          </a:xfrm>
+          <a:prstGeom prst="rect">
+            <a:avLst/>
+          </a:prstGeom>
+          <a:noFill/>
+        </p:spPr>
+        <p:txBody>
+          <a:bodyPr wrap="square" rtlCol="0" anchor="ctr">
+            <a:spAutoFit/>
+          </a:bodyPr>
+          <a:lstStyle/>
+          <a:p>
+            <a:r>
+              <a:rPr lang="en-US" altLang="ko-KR" sz="4400" b="1" dirty="0">
+                <a:solidFill>
+                  <a:schemeClr val="tx1">
+                    <a:lumMod val="75000"/>
+                    <a:lumOff val="25000"/>
+                  </a:schemeClr>
+                </a:solidFill>
+                <a:cs typeface="Arial" pitchFamily="34" charset="0"/>
+              </a:rPr>
+              <a:t>Groupe 3</a:t>
+            </a:r>
+          </a:p>
+        </p:txBody>
+      </p:sp>
+      <p:pic>
+        <p:nvPicPr>
+          <p:cNvPr id="7" name="Image 6"/>
+          <p:cNvPicPr>
+            <a:picLocks noChangeAspect="1"/>
+          </p:cNvPicPr>
+          <p:nvPr/>
+        </p:nvPicPr>
+        <p:blipFill rotWithShape="1">
+          <a:blip r:embed="rId2">
+            <a:extLst>
+              <a:ext uri="{28A0092B-C50C-407E-A947-70E740481C1C}">
+                <a14:useLocalDpi xmlns:a14="http://schemas.microsoft.com/office/drawing/2010/main" val="0"/>
+              </a:ext>
+            </a:extLst>
+          </a:blip>
+          <a:srcRect r="49956"/>
+          <a:stretch/>
+        </p:blipFill>
+        <p:spPr>
+          <a:xfrm>
+            <a:off x="0" y="0"/>
+            <a:ext cx="6098876" cy="6858000"/>
+          </a:xfrm>
+          <a:prstGeom prst="rect">
+            <a:avLst/>
+          </a:prstGeom>
+        </p:spPr>
+      </p:pic>
+      <p:sp>
+        <p:nvSpPr>
+          <p:cNvPr id="8" name="TextBox 13">
+            <a:extLst>
+              <a:ext uri="{FF2B5EF4-FFF2-40B4-BE49-F238E27FC236}">
+                <a16:creationId xmlns:a16="http://schemas.microsoft.com/office/drawing/2014/main" id="{DF166F6B-B975-4F3C-BCF2-9971086140FB}"/>
+              </a:ext>
+            </a:extLst>
+          </p:cNvPr>
+          <p:cNvSpPr txBox="1"/>
+          <p:nvPr/>
+        </p:nvSpPr>
+        <p:spPr>
+          <a:xfrm>
+            <a:off x="6322699" y="4409299"/>
+            <a:ext cx="5610509" cy="954107"/>
+          </a:xfrm>
+          <a:prstGeom prst="rect">
+            <a:avLst/>
+          </a:prstGeom>
+          <a:noFill/>
+        </p:spPr>
+        <p:txBody>
+          <a:bodyPr wrap="square" rtlCol="0" anchor="ctr">
+            <a:spAutoFit/>
+          </a:bodyPr>
+          <a:lstStyle/>
+          <a:p>
+            <a:r>
+              <a:rPr lang="fr-FR" altLang="ko-KR" sz="1400" dirty="0">
+                <a:solidFill>
+                  <a:schemeClr val="tx1">
+                    <a:lumMod val="75000"/>
+                    <a:lumOff val="25000"/>
+                  </a:schemeClr>
+                </a:solidFill>
+                <a:cs typeface="Arial" pitchFamily="34" charset="0"/>
+              </a:rPr>
+              <a:t>Emma DURAN</a:t>
+            </a:r>
+          </a:p>
+          <a:p>
+            <a:r>
+              <a:rPr lang="fr-FR" altLang="ko-KR" sz="1400" dirty="0">
+                <a:solidFill>
+                  <a:schemeClr val="tx1">
+                    <a:lumMod val="75000"/>
+                    <a:lumOff val="25000"/>
+                  </a:schemeClr>
+                </a:solidFill>
+                <a:cs typeface="Arial" pitchFamily="34" charset="0"/>
+              </a:rPr>
+              <a:t>Nathan  DAIX</a:t>
+            </a:r>
+          </a:p>
+          <a:p>
+            <a:r>
+              <a:rPr lang="fr-FR" altLang="ko-KR" sz="1400" dirty="0">
+                <a:solidFill>
+                  <a:schemeClr val="tx1">
+                    <a:lumMod val="75000"/>
+                    <a:lumOff val="25000"/>
+                  </a:schemeClr>
+                </a:solidFill>
+                <a:cs typeface="Arial" pitchFamily="34" charset="0"/>
+              </a:rPr>
+              <a:t>Matthieu LESBRE</a:t>
+            </a:r>
+          </a:p>
+          <a:p>
+            <a:r>
+              <a:rPr lang="fr-FR" altLang="ko-KR" sz="1400" dirty="0">
+                <a:solidFill>
+                  <a:schemeClr val="tx1">
+                    <a:lumMod val="75000"/>
+                    <a:lumOff val="25000"/>
+                  </a:schemeClr>
+                </a:solidFill>
+                <a:cs typeface="Arial" pitchFamily="34" charset="0"/>
+              </a:rPr>
+              <a:t>Aymeric HILTENBRAND</a:t>
+            </a:r>
+            <a:endParaRPr lang="ko-KR" altLang="en-US" sz="1400" dirty="0">
+              <a:solidFill>
+                <a:schemeClr val="tx1">
+                  <a:lumMod val="75000"/>
+                  <a:lumOff val="25000"/>
+                </a:schemeClr>
+              </a:solidFill>
+              <a:cs typeface="Arial" pitchFamily="34" charset="0"/>
+            </a:endParaRPr>
+          </a:p>
+        </p:txBody>
+      </p:sp>
+      <p:sp>
+        <p:nvSpPr>
+          <p:cNvPr id="9" name="Rectangle 8"/>
+          <p:cNvSpPr/>
+          <p:nvPr/>
+        </p:nvSpPr>
+        <p:spPr>
+          <a:xfrm>
+            <a:off x="10734018" y="6557677"/>
+            <a:ext cx="1332416" cy="253916"/>
+          </a:xfrm>
+          <a:prstGeom prst="rect">
+            <a:avLst/>
+          </a:prstGeom>
+        </p:spPr>
+        <p:txBody>
+          <a:bodyPr wrap="none">
+            <a:spAutoFit/>
+          </a:bodyPr>
+          <a:lstStyle/>
+          <a:p>
+            <a:r>
+              <a:rPr lang="fr-FR" altLang="ko-KR" sz="1050" spc="300" dirty="0">
+                <a:solidFill>
+                  <a:schemeClr val="tx1">
+                    <a:lumMod val="85000"/>
+                    <a:lumOff val="15000"/>
+                  </a:schemeClr>
+                </a:solidFill>
+                <a:cs typeface="Arial" pitchFamily="34" charset="0"/>
+              </a:rPr>
+              <a:t>30 Jan. 2019</a:t>
+            </a:r>
+            <a:endParaRPr lang="en-US" sz="1050" spc="300" dirty="0">
+              <a:solidFill>
+                <a:schemeClr val="tx1">
+                  <a:lumMod val="85000"/>
+                  <a:lumOff val="15000"/>
+                </a:schemeClr>
+              </a:solidFill>
+              <a:cs typeface="Arial" pitchFamily="34" charset="0"/>
+            </a:endParaRPr>
+          </a:p>
+        </p:txBody>
+      </p:sp>
+      <p:pic>
+        <p:nvPicPr>
+          <p:cNvPr id="10" name="Image 9"/>
+          <p:cNvPicPr>
+            <a:picLocks noChangeAspect="1"/>
+          </p:cNvPicPr>
+          <p:nvPr/>
+        </p:nvPicPr>
+        <p:blipFill>
+          <a:blip r:embed="rId3" cstate="print">
+            <a:extLst>
+              <a:ext uri="{28A0092B-C50C-407E-A947-70E740481C1C}">
+                <a14:useLocalDpi xmlns:a14="http://schemas.microsoft.com/office/drawing/2010/main" val="0"/>
+              </a:ext>
+            </a:extLst>
+          </a:blip>
+          <a:stretch>
+            <a:fillRect/>
+          </a:stretch>
+        </p:blipFill>
+        <p:spPr>
+          <a:xfrm>
+            <a:off x="10873695" y="6077005"/>
+            <a:ext cx="938455" cy="480672"/>
+          </a:xfrm>
+          <a:prstGeom prst="rect">
+            <a:avLst/>
+          </a:prstGeom>
+        </p:spPr>
+      </p:pic>
+    </p:spTree>
+    <p:extLst>
+      <p:ext uri="{BB962C8B-B14F-4D97-AF65-F5344CB8AC3E}">
+        <p14:creationId xmlns:p14="http://schemas.microsoft.com/office/powerpoint/2010/main" val="1031966529"/>
+      </p:ext>
+    </p:extLst>
+  </p:cSld>
+  <p:clrMapOvr>
+    <a:masterClrMapping/>
+  </p:clrMapOvr>
+</p:sld>
+</file>
+
+<file path=ppt/slides/slide2.xml><?xml version="1.0" encoding="utf-8"?>
+<p:sld xmlns:a="http://schemas.openxmlformats.org/drawingml/2006/main" xmlns:r="http://schemas.openxmlformats.org/officeDocument/2006/relationships" xmlns:p="http://schemas.openxmlformats.org/presentationml/2006/main">
+  <p:cSld>
+    <p:spTree>
+      <p:nvGrpSpPr>
+        <p:cNvPr id="1" name=""/>
+        <p:cNvGrpSpPr/>
+        <p:nvPr/>
+      </p:nvGrpSpPr>
+      <p:grpSpPr>
+        <a:xfrm>
+          <a:off x="0" y="0"/>
+          <a:ext cx="0" cy="0"/>
+          <a:chOff x="0" y="0"/>
+          <a:chExt cx="0" cy="0"/>
+        </a:xfrm>
+      </p:grpSpPr>
+      <p:sp>
+        <p:nvSpPr>
+          <p:cNvPr id="4" name="TextBox 1"/>
+          <p:cNvSpPr txBox="1"/>
+          <p:nvPr/>
+        </p:nvSpPr>
+        <p:spPr>
+          <a:xfrm>
+            <a:off x="1266194" y="444784"/>
+            <a:ext cx="6923766" cy="923330"/>
+          </a:xfrm>
+          <a:prstGeom prst="rect">
+            <a:avLst/>
+          </a:prstGeom>
+          <a:noFill/>
+        </p:spPr>
+        <p:txBody>
+          <a:bodyPr wrap="square" rtlCol="0" anchor="ctr">
+            <a:spAutoFit/>
+          </a:bodyPr>
+          <a:lstStyle/>
+          <a:p>
+            <a:r>
+              <a:rPr lang="en-US" altLang="ko-KR" sz="5400" dirty="0">
+                <a:solidFill>
+                  <a:schemeClr val="tx1">
+                    <a:lumMod val="75000"/>
+                    <a:lumOff val="25000"/>
+                  </a:schemeClr>
+                </a:solidFill>
+                <a:cs typeface="Arial" pitchFamily="34" charset="0"/>
+              </a:rPr>
+              <a:t>Purpose</a:t>
+            </a:r>
+            <a:endParaRPr lang="ko-KR" altLang="en-US" sz="5400" dirty="0">
+              <a:solidFill>
+                <a:schemeClr val="tx1">
+                  <a:lumMod val="75000"/>
+                  <a:lumOff val="25000"/>
+                </a:schemeClr>
+              </a:solidFill>
+              <a:cs typeface="Arial" pitchFamily="34" charset="0"/>
+            </a:endParaRPr>
+          </a:p>
+        </p:txBody>
+      </p:sp>
+      <p:grpSp>
+        <p:nvGrpSpPr>
+          <p:cNvPr id="5" name="Group 3">
+            <a:extLst>
+              <a:ext uri="{FF2B5EF4-FFF2-40B4-BE49-F238E27FC236}">
+                <a16:creationId xmlns:a16="http://schemas.microsoft.com/office/drawing/2014/main" id="{37F06B10-F2B9-45AE-BAEE-3A25BDC40F60}"/>
+              </a:ext>
+            </a:extLst>
+          </p:cNvPr>
+          <p:cNvGrpSpPr/>
+          <p:nvPr/>
+        </p:nvGrpSpPr>
+        <p:grpSpPr>
+          <a:xfrm>
+            <a:off x="2229408" y="1706975"/>
+            <a:ext cx="6163964" cy="769441"/>
+            <a:chOff x="1848112" y="1575921"/>
+            <a:chExt cx="6163964" cy="769441"/>
+          </a:xfrm>
+        </p:grpSpPr>
+        <p:sp>
+          <p:nvSpPr>
+            <p:cNvPr id="7" name="TextBox 8"/>
+            <p:cNvSpPr txBox="1"/>
+            <p:nvPr/>
+          </p:nvSpPr>
+          <p:spPr>
+            <a:xfrm>
+              <a:off x="2705935" y="1789403"/>
+              <a:ext cx="5306141" cy="507831"/>
+            </a:xfrm>
+            <a:prstGeom prst="rect">
+              <a:avLst/>
+            </a:prstGeom>
+            <a:noFill/>
+          </p:spPr>
+          <p:txBody>
+            <a:bodyPr wrap="square" lIns="108000" rIns="108000" rtlCol="0">
+              <a:spAutoFit/>
+            </a:bodyPr>
+            <a:lstStyle/>
+            <a:p>
+              <a:r>
+                <a:rPr lang="fr-FR" altLang="ko-KR" sz="2700" b="1" dirty="0">
+                  <a:solidFill>
+                    <a:schemeClr val="tx1">
+                      <a:lumMod val="75000"/>
+                      <a:lumOff val="25000"/>
+                    </a:schemeClr>
+                  </a:solidFill>
+                  <a:cs typeface="Arial" pitchFamily="34" charset="0"/>
+                </a:rPr>
+                <a:t>OPEX / CAPEX et autres valeurs</a:t>
+              </a:r>
+              <a:endParaRPr lang="en-US" altLang="ko-KR" sz="2700" b="1" dirty="0">
+                <a:solidFill>
+                  <a:schemeClr val="tx1">
+                    <a:lumMod val="75000"/>
+                    <a:lumOff val="25000"/>
+                  </a:schemeClr>
+                </a:solidFill>
+                <a:cs typeface="Arial" pitchFamily="34" charset="0"/>
+              </a:endParaRPr>
+            </a:p>
+          </p:txBody>
+        </p:sp>
+        <p:sp>
+          <p:nvSpPr>
+            <p:cNvPr id="8" name="TextBox 6"/>
+            <p:cNvSpPr txBox="1"/>
+            <p:nvPr/>
+          </p:nvSpPr>
+          <p:spPr>
+            <a:xfrm>
+              <a:off x="1848112" y="1575921"/>
+              <a:ext cx="958096" cy="769441"/>
+            </a:xfrm>
+            <a:prstGeom prst="rect">
+              <a:avLst/>
+            </a:prstGeom>
+            <a:noFill/>
+          </p:spPr>
+          <p:txBody>
+            <a:bodyPr wrap="square" lIns="108000" rIns="108000" rtlCol="0">
+              <a:spAutoFit/>
+            </a:bodyPr>
+            <a:lstStyle/>
+            <a:p>
+              <a:pPr algn="ctr"/>
+              <a:r>
+                <a:rPr lang="en-US" altLang="ko-KR" sz="4400" b="1" dirty="0">
+                  <a:solidFill>
+                    <a:schemeClr val="tx1">
+                      <a:lumMod val="75000"/>
+                      <a:lumOff val="25000"/>
+                    </a:schemeClr>
+                  </a:solidFill>
+                  <a:cs typeface="Arial" pitchFamily="34" charset="0"/>
+                </a:rPr>
+                <a:t>01</a:t>
+              </a:r>
+              <a:endParaRPr lang="ko-KR" altLang="en-US" sz="4400" b="1" dirty="0">
+                <a:solidFill>
+                  <a:schemeClr val="tx1">
+                    <a:lumMod val="75000"/>
+                    <a:lumOff val="25000"/>
+                  </a:schemeClr>
+                </a:solidFill>
+                <a:cs typeface="Arial" pitchFamily="34" charset="0"/>
+              </a:endParaRPr>
+            </a:p>
+          </p:txBody>
+        </p:sp>
+      </p:grpSp>
+      <p:grpSp>
+        <p:nvGrpSpPr>
+          <p:cNvPr id="9" name="Group 16">
+            <a:extLst>
+              <a:ext uri="{FF2B5EF4-FFF2-40B4-BE49-F238E27FC236}">
+                <a16:creationId xmlns:a16="http://schemas.microsoft.com/office/drawing/2014/main" id="{48C572D2-FF82-4F09-A87C-3D3A60EF1C3D}"/>
+              </a:ext>
+            </a:extLst>
+          </p:cNvPr>
+          <p:cNvGrpSpPr/>
+          <p:nvPr/>
+        </p:nvGrpSpPr>
+        <p:grpSpPr>
+          <a:xfrm>
+            <a:off x="2229408" y="2841953"/>
+            <a:ext cx="9152824" cy="769441"/>
+            <a:chOff x="1848112" y="1575921"/>
+            <a:chExt cx="9152824" cy="769441"/>
+          </a:xfrm>
+        </p:grpSpPr>
+        <p:sp>
+          <p:nvSpPr>
+            <p:cNvPr id="11" name="TextBox 18">
+              <a:extLst>
+                <a:ext uri="{FF2B5EF4-FFF2-40B4-BE49-F238E27FC236}">
+                  <a16:creationId xmlns:a16="http://schemas.microsoft.com/office/drawing/2014/main" id="{4FCF8A9D-7E22-4279-8535-9C4F0258D7B9}"/>
+                </a:ext>
+              </a:extLst>
+            </p:cNvPr>
+            <p:cNvSpPr txBox="1"/>
+            <p:nvPr/>
+          </p:nvSpPr>
+          <p:spPr>
+            <a:xfrm>
+              <a:off x="2705935" y="1789403"/>
+              <a:ext cx="8295001" cy="507831"/>
+            </a:xfrm>
+            <a:prstGeom prst="rect">
+              <a:avLst/>
+            </a:prstGeom>
+            <a:noFill/>
+          </p:spPr>
+          <p:txBody>
+            <a:bodyPr wrap="square" lIns="108000" rIns="108000" rtlCol="0">
+              <a:spAutoFit/>
+            </a:bodyPr>
+            <a:lstStyle/>
+            <a:p>
+              <a:r>
+                <a:rPr lang="en-US" altLang="ko-KR" sz="2700" b="1" dirty="0" err="1">
+                  <a:solidFill>
+                    <a:schemeClr val="tx1">
+                      <a:lumMod val="75000"/>
+                      <a:lumOff val="25000"/>
+                    </a:schemeClr>
+                  </a:solidFill>
+                  <a:cs typeface="Arial" pitchFamily="34" charset="0"/>
+                </a:rPr>
+                <a:t>Comparaison</a:t>
+              </a:r>
+              <a:r>
+                <a:rPr lang="en-US" altLang="ko-KR" sz="2700" b="1" dirty="0">
+                  <a:solidFill>
+                    <a:schemeClr val="tx1">
+                      <a:lumMod val="75000"/>
+                      <a:lumOff val="25000"/>
+                    </a:schemeClr>
+                  </a:solidFill>
+                  <a:cs typeface="Arial" pitchFamily="34" charset="0"/>
+                </a:rPr>
+                <a:t> des </a:t>
+              </a:r>
+              <a:r>
+                <a:rPr lang="en-US" altLang="ko-KR" sz="2700" b="1" dirty="0" err="1">
+                  <a:solidFill>
+                    <a:schemeClr val="tx1">
+                      <a:lumMod val="75000"/>
+                      <a:lumOff val="25000"/>
+                    </a:schemeClr>
+                  </a:solidFill>
+                  <a:cs typeface="Arial" pitchFamily="34" charset="0"/>
+                </a:rPr>
+                <a:t>différents</a:t>
+              </a:r>
+              <a:r>
+                <a:rPr lang="en-US" altLang="ko-KR" sz="2700" b="1" dirty="0">
+                  <a:solidFill>
+                    <a:schemeClr val="tx1">
+                      <a:lumMod val="75000"/>
+                      <a:lumOff val="25000"/>
+                    </a:schemeClr>
+                  </a:solidFill>
+                  <a:cs typeface="Arial" pitchFamily="34" charset="0"/>
+                </a:rPr>
+                <a:t> </a:t>
+              </a:r>
+              <a:r>
+                <a:rPr lang="en-US" altLang="ko-KR" sz="2700" b="1" dirty="0" err="1">
+                  <a:solidFill>
+                    <a:schemeClr val="tx1">
+                      <a:lumMod val="75000"/>
+                      <a:lumOff val="25000"/>
+                    </a:schemeClr>
+                  </a:solidFill>
+                  <a:cs typeface="Arial" pitchFamily="34" charset="0"/>
+                </a:rPr>
+                <a:t>moyens</a:t>
+              </a:r>
+              <a:r>
+                <a:rPr lang="en-US" altLang="ko-KR" sz="2700" b="1" dirty="0">
+                  <a:solidFill>
+                    <a:schemeClr val="tx1">
+                      <a:lumMod val="75000"/>
+                      <a:lumOff val="25000"/>
+                    </a:schemeClr>
+                  </a:solidFill>
+                  <a:cs typeface="Arial" pitchFamily="34" charset="0"/>
+                </a:rPr>
+                <a:t> de transports</a:t>
+              </a:r>
+              <a:endParaRPr lang="ko-KR" altLang="en-US" sz="2700" b="1" dirty="0">
+                <a:solidFill>
+                  <a:schemeClr val="tx1">
+                    <a:lumMod val="75000"/>
+                    <a:lumOff val="25000"/>
+                  </a:schemeClr>
+                </a:solidFill>
+                <a:cs typeface="Arial" pitchFamily="34" charset="0"/>
+              </a:endParaRPr>
+            </a:p>
+          </p:txBody>
+        </p:sp>
+        <p:sp>
+          <p:nvSpPr>
+            <p:cNvPr id="12" name="TextBox 19">
+              <a:extLst>
+                <a:ext uri="{FF2B5EF4-FFF2-40B4-BE49-F238E27FC236}">
+                  <a16:creationId xmlns:a16="http://schemas.microsoft.com/office/drawing/2014/main" id="{3E6D74D0-F347-4E58-A9D8-7E9536FAAEC3}"/>
+                </a:ext>
+              </a:extLst>
+            </p:cNvPr>
+            <p:cNvSpPr txBox="1"/>
+            <p:nvPr/>
+          </p:nvSpPr>
+          <p:spPr>
+            <a:xfrm>
+              <a:off x="1848112" y="1575921"/>
+              <a:ext cx="958096" cy="769441"/>
+            </a:xfrm>
+            <a:prstGeom prst="rect">
+              <a:avLst/>
+            </a:prstGeom>
+            <a:noFill/>
+          </p:spPr>
+          <p:txBody>
+            <a:bodyPr wrap="square" lIns="108000" rIns="108000" rtlCol="0">
+              <a:spAutoFit/>
+            </a:bodyPr>
+            <a:lstStyle/>
+            <a:p>
+              <a:pPr algn="ctr"/>
+              <a:r>
+                <a:rPr lang="en-US" altLang="ko-KR" sz="4400" b="1" dirty="0">
+                  <a:solidFill>
+                    <a:schemeClr val="tx1">
+                      <a:lumMod val="75000"/>
+                      <a:lumOff val="25000"/>
+                    </a:schemeClr>
+                  </a:solidFill>
+                  <a:cs typeface="Arial" pitchFamily="34" charset="0"/>
+                </a:rPr>
+                <a:t>02</a:t>
+              </a:r>
+              <a:endParaRPr lang="ko-KR" altLang="en-US" sz="4400" b="1" dirty="0">
+                <a:solidFill>
+                  <a:schemeClr val="tx1">
+                    <a:lumMod val="75000"/>
+                    <a:lumOff val="25000"/>
+                  </a:schemeClr>
+                </a:solidFill>
+                <a:cs typeface="Arial" pitchFamily="34" charset="0"/>
+              </a:endParaRPr>
+            </a:p>
+          </p:txBody>
+        </p:sp>
+      </p:grpSp>
+      <p:grpSp>
+        <p:nvGrpSpPr>
+          <p:cNvPr id="13" name="Group 20">
+            <a:extLst>
+              <a:ext uri="{FF2B5EF4-FFF2-40B4-BE49-F238E27FC236}">
+                <a16:creationId xmlns:a16="http://schemas.microsoft.com/office/drawing/2014/main" id="{C66517ED-D341-498B-BF06-476933A43F6B}"/>
+              </a:ext>
+            </a:extLst>
+          </p:cNvPr>
+          <p:cNvGrpSpPr/>
+          <p:nvPr/>
+        </p:nvGrpSpPr>
+        <p:grpSpPr>
+          <a:xfrm>
+            <a:off x="2229408" y="3976931"/>
+            <a:ext cx="5365516" cy="769441"/>
+            <a:chOff x="1848112" y="1575921"/>
+            <a:chExt cx="5365516" cy="769441"/>
+          </a:xfrm>
+        </p:grpSpPr>
+        <p:sp>
+          <p:nvSpPr>
+            <p:cNvPr id="15" name="TextBox 22">
+              <a:extLst>
+                <a:ext uri="{FF2B5EF4-FFF2-40B4-BE49-F238E27FC236}">
+                  <a16:creationId xmlns:a16="http://schemas.microsoft.com/office/drawing/2014/main" id="{190EC436-1B46-49D9-A7E4-ADECB5E929DF}"/>
+                </a:ext>
+              </a:extLst>
+            </p:cNvPr>
+            <p:cNvSpPr txBox="1"/>
+            <p:nvPr/>
+          </p:nvSpPr>
+          <p:spPr>
+            <a:xfrm>
+              <a:off x="2705936" y="1789403"/>
+              <a:ext cx="4507692" cy="507831"/>
+            </a:xfrm>
+            <a:prstGeom prst="rect">
+              <a:avLst/>
+            </a:prstGeom>
+            <a:noFill/>
+          </p:spPr>
+          <p:txBody>
+            <a:bodyPr wrap="square" lIns="108000" rIns="108000" rtlCol="0">
+              <a:spAutoFit/>
+            </a:bodyPr>
+            <a:lstStyle/>
+            <a:p>
+              <a:r>
+                <a:rPr lang="en-US" altLang="ko-KR" sz="2700" b="1" dirty="0">
+                  <a:solidFill>
+                    <a:schemeClr val="tx1">
+                      <a:lumMod val="75000"/>
+                      <a:lumOff val="25000"/>
+                    </a:schemeClr>
+                  </a:solidFill>
+                  <a:cs typeface="Arial" pitchFamily="34" charset="0"/>
+                </a:rPr>
+                <a:t>Working Groups</a:t>
+              </a:r>
+              <a:endParaRPr lang="ko-KR" altLang="en-US" sz="2700" b="1" dirty="0">
+                <a:solidFill>
+                  <a:schemeClr val="tx1">
+                    <a:lumMod val="75000"/>
+                    <a:lumOff val="25000"/>
+                  </a:schemeClr>
+                </a:solidFill>
+                <a:cs typeface="Arial" pitchFamily="34" charset="0"/>
+              </a:endParaRPr>
+            </a:p>
+          </p:txBody>
+        </p:sp>
+        <p:sp>
+          <p:nvSpPr>
+            <p:cNvPr id="16" name="TextBox 23">
+              <a:extLst>
+                <a:ext uri="{FF2B5EF4-FFF2-40B4-BE49-F238E27FC236}">
+                  <a16:creationId xmlns:a16="http://schemas.microsoft.com/office/drawing/2014/main" id="{CF831A6C-272F-4BDD-8F88-4227AAB90FB2}"/>
+                </a:ext>
+              </a:extLst>
+            </p:cNvPr>
+            <p:cNvSpPr txBox="1"/>
+            <p:nvPr/>
+          </p:nvSpPr>
+          <p:spPr>
+            <a:xfrm>
+              <a:off x="1848112" y="1575921"/>
+              <a:ext cx="958096" cy="769441"/>
+            </a:xfrm>
+            <a:prstGeom prst="rect">
+              <a:avLst/>
+            </a:prstGeom>
+            <a:noFill/>
+          </p:spPr>
+          <p:txBody>
+            <a:bodyPr wrap="square" lIns="108000" rIns="108000" rtlCol="0">
+              <a:spAutoFit/>
+            </a:bodyPr>
+            <a:lstStyle/>
+            <a:p>
+              <a:pPr algn="ctr"/>
+              <a:r>
+                <a:rPr lang="en-US" altLang="ko-KR" sz="4400" b="1" dirty="0">
+                  <a:solidFill>
+                    <a:schemeClr val="tx1">
+                      <a:lumMod val="75000"/>
+                      <a:lumOff val="25000"/>
+                    </a:schemeClr>
+                  </a:solidFill>
+                  <a:cs typeface="Arial" pitchFamily="34" charset="0"/>
+                </a:rPr>
+                <a:t>03</a:t>
+              </a:r>
+              <a:endParaRPr lang="ko-KR" altLang="en-US" sz="4400" b="1" dirty="0">
+                <a:solidFill>
+                  <a:schemeClr val="tx1">
+                    <a:lumMod val="75000"/>
+                    <a:lumOff val="25000"/>
+                  </a:schemeClr>
+                </a:solidFill>
+                <a:cs typeface="Arial" pitchFamily="34" charset="0"/>
+              </a:endParaRPr>
+            </a:p>
+          </p:txBody>
+        </p:sp>
+      </p:grpSp>
+      <p:grpSp>
+        <p:nvGrpSpPr>
+          <p:cNvPr id="17" name="Group 24">
+            <a:extLst>
+              <a:ext uri="{FF2B5EF4-FFF2-40B4-BE49-F238E27FC236}">
+                <a16:creationId xmlns:a16="http://schemas.microsoft.com/office/drawing/2014/main" id="{1DEE4032-D811-4C99-AE03-98362C887B64}"/>
+              </a:ext>
+            </a:extLst>
+          </p:cNvPr>
+          <p:cNvGrpSpPr/>
+          <p:nvPr/>
+        </p:nvGrpSpPr>
+        <p:grpSpPr>
+          <a:xfrm>
+            <a:off x="2229408" y="5111908"/>
+            <a:ext cx="5365516" cy="769441"/>
+            <a:chOff x="1848112" y="1575921"/>
+            <a:chExt cx="5365516" cy="769441"/>
+          </a:xfrm>
+        </p:grpSpPr>
+        <p:sp>
+          <p:nvSpPr>
+            <p:cNvPr id="19" name="TextBox 26">
+              <a:extLst>
+                <a:ext uri="{FF2B5EF4-FFF2-40B4-BE49-F238E27FC236}">
+                  <a16:creationId xmlns:a16="http://schemas.microsoft.com/office/drawing/2014/main" id="{3DFCC804-6C1D-4C67-B274-1978635DA6F9}"/>
+                </a:ext>
+              </a:extLst>
+            </p:cNvPr>
+            <p:cNvSpPr txBox="1"/>
+            <p:nvPr/>
+          </p:nvSpPr>
+          <p:spPr>
+            <a:xfrm>
+              <a:off x="2705936" y="1789403"/>
+              <a:ext cx="4507692" cy="507831"/>
+            </a:xfrm>
+            <a:prstGeom prst="rect">
+              <a:avLst/>
+            </a:prstGeom>
+            <a:noFill/>
+          </p:spPr>
+          <p:txBody>
+            <a:bodyPr wrap="square" lIns="108000" rIns="108000" rtlCol="0">
+              <a:spAutoFit/>
+            </a:bodyPr>
+            <a:lstStyle/>
+            <a:p>
+              <a:r>
+                <a:rPr lang="en-US" altLang="ko-KR" sz="2700" b="1" dirty="0">
+                  <a:solidFill>
+                    <a:schemeClr val="tx1">
+                      <a:lumMod val="75000"/>
+                      <a:lumOff val="25000"/>
+                    </a:schemeClr>
+                  </a:solidFill>
+                  <a:cs typeface="Arial" pitchFamily="34" charset="0"/>
+                </a:rPr>
+                <a:t>Timetable and Organization</a:t>
+              </a:r>
+              <a:endParaRPr lang="ko-KR" altLang="en-US" sz="2700" b="1" dirty="0">
+                <a:solidFill>
+                  <a:schemeClr val="tx1">
+                    <a:lumMod val="75000"/>
+                    <a:lumOff val="25000"/>
+                  </a:schemeClr>
+                </a:solidFill>
+                <a:cs typeface="Arial" pitchFamily="34" charset="0"/>
+              </a:endParaRPr>
+            </a:p>
+          </p:txBody>
+        </p:sp>
+        <p:sp>
+          <p:nvSpPr>
+            <p:cNvPr id="20" name="TextBox 27">
+              <a:extLst>
+                <a:ext uri="{FF2B5EF4-FFF2-40B4-BE49-F238E27FC236}">
+                  <a16:creationId xmlns:a16="http://schemas.microsoft.com/office/drawing/2014/main" id="{7B7AC64B-48B2-4F4F-A626-7901145018C6}"/>
+                </a:ext>
+              </a:extLst>
+            </p:cNvPr>
+            <p:cNvSpPr txBox="1"/>
+            <p:nvPr/>
+          </p:nvSpPr>
+          <p:spPr>
+            <a:xfrm>
+              <a:off x="1848112" y="1575921"/>
+              <a:ext cx="958096" cy="769441"/>
+            </a:xfrm>
+            <a:prstGeom prst="rect">
+              <a:avLst/>
+            </a:prstGeom>
+            <a:noFill/>
+          </p:spPr>
+          <p:txBody>
+            <a:bodyPr wrap="square" lIns="108000" rIns="108000" rtlCol="0">
+              <a:spAutoFit/>
+            </a:bodyPr>
+            <a:lstStyle/>
+            <a:p>
+              <a:pPr algn="ctr"/>
+              <a:r>
+                <a:rPr lang="en-US" altLang="ko-KR" sz="4400" b="1" dirty="0">
+                  <a:solidFill>
+                    <a:schemeClr val="tx1">
+                      <a:lumMod val="75000"/>
+                      <a:lumOff val="25000"/>
+                    </a:schemeClr>
+                  </a:solidFill>
+                  <a:cs typeface="Arial" pitchFamily="34" charset="0"/>
+                </a:rPr>
+                <a:t>04</a:t>
+              </a:r>
+              <a:endParaRPr lang="ko-KR" altLang="en-US" sz="4400" b="1" dirty="0">
+                <a:solidFill>
+                  <a:schemeClr val="tx1">
+                    <a:lumMod val="75000"/>
+                    <a:lumOff val="25000"/>
+                  </a:schemeClr>
+                </a:solidFill>
+                <a:cs typeface="Arial" pitchFamily="34" charset="0"/>
+              </a:endParaRPr>
+            </a:p>
+          </p:txBody>
+        </p:sp>
+      </p:grpSp>
+    </p:spTree>
+    <p:extLst>
+      <p:ext uri="{BB962C8B-B14F-4D97-AF65-F5344CB8AC3E}">
+        <p14:creationId xmlns:p14="http://schemas.microsoft.com/office/powerpoint/2010/main" val="1132414745"/>
+      </p:ext>
+    </p:extLst>
+  </p:cSld>
+  <p:clrMapOvr>
+    <a:masterClrMapping/>
+  </p:clrMapOvr>
+</p:sld>
+</file>
+
+<file path=ppt/slides/slide3.xml><?xml version="1.0" encoding="utf-8"?>
+<p:sld xmlns:a="http://schemas.openxmlformats.org/drawingml/2006/main" xmlns:r="http://schemas.openxmlformats.org/officeDocument/2006/relationships" xmlns:p="http://schemas.openxmlformats.org/presentationml/2006/main">
+  <p:cSld>
+    <p:spTree>
+      <p:nvGrpSpPr>
+        <p:cNvPr id="1" name=""/>
+        <p:cNvGrpSpPr/>
+        <p:nvPr/>
+      </p:nvGrpSpPr>
+      <p:grpSpPr>
+        <a:xfrm>
+          <a:off x="0" y="0"/>
+          <a:ext cx="0" cy="0"/>
+          <a:chOff x="0" y="0"/>
+          <a:chExt cx="0" cy="0"/>
+        </a:xfrm>
+      </p:grpSpPr>
+      <p:sp>
+        <p:nvSpPr>
+          <p:cNvPr id="2" name="Titre 1"/>
+          <p:cNvSpPr>
+            <a:spLocks noGrp="1"/>
+          </p:cNvSpPr>
+          <p:nvPr>
+            <p:ph type="title"/>
+          </p:nvPr>
+        </p:nvSpPr>
+        <p:spPr/>
+        <p:txBody>
+          <a:bodyPr/>
+          <a:lstStyle/>
+          <a:p>
+            <a:r>
+              <a:rPr lang="en-US" dirty="0"/>
+              <a:t>Services (Actual + Proposed)</a:t>
+            </a:r>
+          </a:p>
+        </p:txBody>
+      </p:sp>
+      <p:graphicFrame>
+        <p:nvGraphicFramePr>
+          <p:cNvPr id="5" name="Table 3">
+            <a:extLst>
+              <a:ext uri="{FF2B5EF4-FFF2-40B4-BE49-F238E27FC236}">
+                <a16:creationId xmlns:a16="http://schemas.microsoft.com/office/drawing/2014/main" id="{2A32F6D4-037D-4C11-AD2D-599ECDE7458A}"/>
+              </a:ext>
+            </a:extLst>
+          </p:cNvPr>
+          <p:cNvGraphicFramePr>
+            <a:graphicFrameLocks noGrp="1"/>
+          </p:cNvGraphicFramePr>
+          <p:nvPr>
+            <p:extLst>
+              <p:ext uri="{D42A27DB-BD31-4B8C-83A1-F6EECF244321}">
+                <p14:modId xmlns:p14="http://schemas.microsoft.com/office/powerpoint/2010/main" val="4267937888"/>
+              </p:ext>
+            </p:extLst>
+          </p:nvPr>
+        </p:nvGraphicFramePr>
+        <p:xfrm>
+          <a:off x="1432036" y="2070895"/>
+          <a:ext cx="2348075" cy="3901862"/>
+        </p:xfrm>
+        <a:graphic>
+          <a:graphicData uri="http://schemas.openxmlformats.org/drawingml/2006/table">
+            <a:tbl>
+              <a:tblPr firstRow="1" bandRow="1">
+                <a:tableStyleId>{5940675A-B579-460E-94D1-54222C63F5DA}</a:tableStyleId>
+              </a:tblPr>
+              <a:tblGrid>
+                <a:gridCol w="254117">
+                  <a:extLst>
+                    <a:ext uri="{9D8B030D-6E8A-4147-A177-3AD203B41FA5}">
+                      <a16:colId xmlns:a16="http://schemas.microsoft.com/office/drawing/2014/main" val="20000"/>
+                    </a:ext>
+                  </a:extLst>
+                </a:gridCol>
+                <a:gridCol w="1800000">
+                  <a:extLst>
+                    <a:ext uri="{9D8B030D-6E8A-4147-A177-3AD203B41FA5}">
+                      <a16:colId xmlns:a16="http://schemas.microsoft.com/office/drawing/2014/main" val="20001"/>
+                    </a:ext>
+                  </a:extLst>
+                </a:gridCol>
+                <a:gridCol w="293958">
+                  <a:extLst>
+                    <a:ext uri="{9D8B030D-6E8A-4147-A177-3AD203B41FA5}">
+                      <a16:colId xmlns:a16="http://schemas.microsoft.com/office/drawing/2014/main" val="20002"/>
+                    </a:ext>
+                  </a:extLst>
+                </a:gridCol>
+              </a:tblGrid>
+              <a:tr h="1611370">
+                <a:tc gridSpan="3">
+                  <a:txBody>
+                    <a:bodyPr/>
+                    <a:lstStyle/>
+                    <a:p>
+                      <a:pPr marL="0" marR="0" indent="0" algn="ctr" defTabSz="914400" rtl="0" eaLnBrk="1" fontAlgn="auto" latinLnBrk="1" hangingPunct="1">
+                        <a:lnSpc>
+                          <a:spcPct val="100000"/>
+                        </a:lnSpc>
+                        <a:spcBef>
+                          <a:spcPts val="0"/>
+                        </a:spcBef>
+                        <a:spcAft>
+                          <a:spcPts val="0"/>
+                        </a:spcAft>
+                        <a:buClrTx/>
+                        <a:buSzTx/>
+                        <a:buFontTx/>
+                        <a:buNone/>
+                        <a:tabLst/>
+                        <a:defRPr/>
+                      </a:pPr>
+                      <a:endParaRPr lang="en-US" altLang="ko-KR" sz="1800" b="1" dirty="0">
+                        <a:solidFill>
+                          <a:schemeClr val="tx1">
+                            <a:lumMod val="75000"/>
+                            <a:lumOff val="25000"/>
+                          </a:schemeClr>
+                        </a:solidFill>
+                        <a:latin typeface="+mn-lt"/>
+                        <a:cs typeface="Arial" pitchFamily="34" charset="0"/>
+                      </a:endParaRPr>
+                    </a:p>
+                  </a:txBody>
+                  <a:tcPr>
+                    <a:lnL w="38100" cap="flat" cmpd="sng" algn="ctr">
+                      <a:solidFill>
+                        <a:schemeClr val="accent1"/>
+                      </a:solidFill>
+                      <a:prstDash val="solid"/>
+                      <a:round/>
+                      <a:headEnd type="none" w="med" len="med"/>
+                      <a:tailEnd type="none" w="med" len="med"/>
+                    </a:lnL>
+                    <a:lnR w="38100" cap="flat" cmpd="sng" algn="ctr">
+                      <a:solidFill>
+                        <a:schemeClr val="accent1"/>
+                      </a:solidFill>
+                      <a:prstDash val="solid"/>
+                      <a:round/>
+                      <a:headEnd type="none" w="med" len="med"/>
+                      <a:tailEnd type="none" w="med" len="med"/>
+                    </a:lnR>
+                    <a:lnT w="38100" cap="flat" cmpd="sng" algn="ctr">
+                      <a:solidFill>
+                        <a:schemeClr val="accent1"/>
+                      </a:solidFill>
+                      <a:prstDash val="solid"/>
+                      <a:round/>
+                      <a:headEnd type="none" w="med" len="med"/>
+                      <a:tailEnd type="none" w="med" len="med"/>
+                    </a:lnT>
+                    <a:lnB w="12700" cmpd="sng">
+                      <a:noFill/>
+                    </a:lnB>
+                    <a:lnTlToBr w="12700" cmpd="sng">
+                      <a:noFill/>
+                      <a:prstDash val="solid"/>
+                    </a:lnTlToBr>
+                    <a:lnBlToTr w="12700" cmpd="sng">
+                      <a:noFill/>
+                      <a:prstDash val="solid"/>
+                    </a:lnBlToTr>
+                  </a:tcPr>
+                </a:tc>
+                <a:tc hMerge="1">
+                  <a:txBody>
+                    <a:bodyPr/>
+                    <a:lstStyle/>
+                    <a:p>
+                      <a:pPr marL="0" marR="0" indent="0" algn="ctr" defTabSz="914400" rtl="0" eaLnBrk="1" fontAlgn="auto" latinLnBrk="1" hangingPunct="1">
+                        <a:lnSpc>
+                          <a:spcPct val="100000"/>
+                        </a:lnSpc>
+                        <a:spcBef>
+                          <a:spcPts val="0"/>
+                        </a:spcBef>
+                        <a:spcAft>
+                          <a:spcPts val="0"/>
+                        </a:spcAft>
+                        <a:buClrTx/>
+                        <a:buSzTx/>
+                        <a:buFontTx/>
+                        <a:buNone/>
+                        <a:tabLst/>
+                        <a:defRPr/>
+                      </a:pPr>
+                      <a:endParaRPr lang="en-US" altLang="ko-KR" sz="1800" b="1" dirty="0">
+                        <a:solidFill>
+                          <a:schemeClr val="tx1">
+                            <a:lumMod val="75000"/>
+                            <a:lumOff val="25000"/>
+                          </a:schemeClr>
+                        </a:solidFill>
+                        <a:latin typeface="+mn-lt"/>
+                        <a:cs typeface="Arial" pitchFamily="34" charset="0"/>
+                      </a:endParaRPr>
+                    </a:p>
+                  </a:txBody>
+                  <a:tcPr anchor="ctr">
+                    <a:lnL w="12700" cmpd="sng">
+                      <a:noFill/>
+                    </a:lnL>
+                    <a:lnR w="12700" cmpd="sng">
+                      <a:noFill/>
+                    </a:lnR>
+                    <a:lnT w="38100" cap="flat" cmpd="sng" algn="ctr">
+                      <a:solidFill>
+                        <a:schemeClr val="accent1"/>
+                      </a:solidFill>
+                      <a:prstDash val="solid"/>
+                      <a:round/>
+                      <a:headEnd type="none" w="med" len="med"/>
+                      <a:tailEnd type="none" w="med" len="med"/>
+                    </a:lnT>
+                    <a:lnB w="12700" cmpd="sng">
+                      <a:noFill/>
+                    </a:lnB>
+                    <a:lnTlToBr w="12700" cmpd="sng">
+                      <a:noFill/>
+                      <a:prstDash val="solid"/>
+                    </a:lnTlToBr>
+                    <a:lnBlToTr w="12700" cmpd="sng">
+                      <a:noFill/>
+                      <a:prstDash val="solid"/>
+                    </a:lnBlToTr>
+                  </a:tcPr>
+                </a:tc>
+                <a:tc hMerge="1">
+                  <a:txBody>
+                    <a:bodyPr/>
+                    <a:lstStyle/>
+                    <a:p>
+                      <a:pPr algn="ctr" latinLnBrk="1"/>
+                      <a:endParaRPr lang="ko-KR" altLang="en-US" sz="1800" dirty="0">
+                        <a:solidFill>
+                          <a:schemeClr val="tx1">
+                            <a:lumMod val="75000"/>
+                            <a:lumOff val="25000"/>
+                          </a:schemeClr>
+                        </a:solidFill>
+                        <a:latin typeface="+mn-lt"/>
+                        <a:cs typeface="Arial" pitchFamily="34" charset="0"/>
+                      </a:endParaRPr>
+                    </a:p>
+                  </a:txBody>
+                  <a:tcPr anchor="ctr">
+                    <a:lnL w="12700" cmpd="sng">
+                      <a:noFill/>
+                    </a:lnL>
+                    <a:lnR w="38100" cap="flat" cmpd="sng" algn="ctr">
+                      <a:solidFill>
+                        <a:schemeClr val="accent1"/>
+                      </a:solidFill>
+                      <a:prstDash val="solid"/>
+                      <a:round/>
+                      <a:headEnd type="none" w="med" len="med"/>
+                      <a:tailEnd type="none" w="med" len="med"/>
+                    </a:lnR>
+                    <a:lnT w="38100" cap="flat" cmpd="sng" algn="ctr">
+                      <a:solidFill>
+                        <a:schemeClr val="accent1"/>
+                      </a:solidFill>
+                      <a:prstDash val="solid"/>
+                      <a:round/>
+                      <a:headEnd type="none" w="med" len="med"/>
+                      <a:tailEnd type="none" w="med" len="med"/>
+                    </a:lnT>
+                    <a:lnB w="12700" cmpd="sng">
+                      <a:noFill/>
+                    </a:lnB>
+                    <a:lnTlToBr w="12700" cmpd="sng">
+                      <a:noFill/>
+                      <a:prstDash val="solid"/>
+                    </a:lnTlToBr>
+                    <a:lnBlToTr w="12700" cmpd="sng">
+                      <a:noFill/>
+                      <a:prstDash val="solid"/>
+                    </a:lnBlToTr>
+                  </a:tcPr>
+                </a:tc>
+                <a:extLst>
+                  <a:ext uri="{0D108BD9-81ED-4DB2-BD59-A6C34878D82A}">
+                    <a16:rowId xmlns:a16="http://schemas.microsoft.com/office/drawing/2014/main" val="10000"/>
+                  </a:ext>
+                </a:extLst>
+              </a:tr>
+              <a:tr h="374737">
+                <a:tc>
+                  <a:txBody>
+                    <a:bodyPr/>
+                    <a:lstStyle/>
+                    <a:p>
+                      <a:pPr algn="ctr" latinLnBrk="1"/>
+                      <a:endParaRPr lang="ko-KR" altLang="en-US" sz="1200">
+                        <a:solidFill>
+                          <a:schemeClr val="tx1">
+                            <a:lumMod val="75000"/>
+                            <a:lumOff val="25000"/>
+                          </a:schemeClr>
+                        </a:solidFill>
+                        <a:latin typeface="+mn-lt"/>
+                        <a:cs typeface="Arial" pitchFamily="34" charset="0"/>
+                      </a:endParaRPr>
+                    </a:p>
+                  </a:txBody>
+                  <a:tcPr>
+                    <a:lnL w="38100" cap="flat" cmpd="sng" algn="ctr">
+                      <a:solidFill>
+                        <a:schemeClr val="accent1"/>
+                      </a:solidFill>
+                      <a:prstDash val="solid"/>
+                      <a:round/>
+                      <a:headEnd type="none" w="med" len="med"/>
+                      <a:tailEnd type="none" w="med" len="med"/>
+                    </a:lnL>
+                    <a:lnR w="12700" cmpd="sng">
+                      <a:noFill/>
+                    </a:lnR>
+                    <a:lnT w="12700" cmpd="sng">
+                      <a:noFill/>
+                    </a:lnT>
+                    <a:lnB w="12700" cmpd="sng">
+                      <a:noFill/>
+                    </a:lnB>
+                    <a:lnTlToBr w="12700" cmpd="sng">
+                      <a:noFill/>
+                      <a:prstDash val="solid"/>
+                    </a:lnTlToBr>
+                    <a:lnBlToTr w="12700" cmpd="sng">
+                      <a:noFill/>
+                      <a:prstDash val="solid"/>
+                    </a:lnBlToTr>
+                  </a:tcPr>
+                </a:tc>
+                <a:tc>
+                  <a:txBody>
+                    <a:bodyPr/>
+                    <a:lstStyle/>
+                    <a:p>
+                      <a:pPr marL="0" marR="0" lvl="0" indent="0" algn="ctr" defTabSz="914400" rtl="0" eaLnBrk="1" fontAlgn="auto" latinLnBrk="1" hangingPunct="1">
+                        <a:lnSpc>
+                          <a:spcPct val="100000"/>
+                        </a:lnSpc>
+                        <a:spcBef>
+                          <a:spcPts val="0"/>
+                        </a:spcBef>
+                        <a:spcAft>
+                          <a:spcPts val="0"/>
+                        </a:spcAft>
+                        <a:buClrTx/>
+                        <a:buSzTx/>
+                        <a:buFontTx/>
+                        <a:buNone/>
+                        <a:tabLst/>
+                        <a:defRPr/>
+                      </a:pPr>
+                      <a:r>
+                        <a:rPr lang="en-US" altLang="ko-KR" sz="1400" dirty="0">
+                          <a:solidFill>
+                            <a:schemeClr val="tx1">
+                              <a:lumMod val="75000"/>
+                              <a:lumOff val="25000"/>
+                            </a:schemeClr>
+                          </a:solidFill>
+                          <a:cs typeface="Calibri" pitchFamily="34" charset="0"/>
+                        </a:rPr>
+                        <a:t>Capacity : 40 + 40</a:t>
+                      </a:r>
+                      <a:endParaRPr lang="ko-KR" altLang="en-US" sz="1400" dirty="0">
+                        <a:solidFill>
+                          <a:schemeClr val="tx1">
+                            <a:lumMod val="75000"/>
+                            <a:lumOff val="25000"/>
+                          </a:schemeClr>
+                        </a:solidFill>
+                        <a:cs typeface="Calibri" pitchFamily="34" charset="0"/>
+                      </a:endParaRPr>
+                    </a:p>
+                  </a:txBody>
+                  <a:tcPr anchor="ctr">
+                    <a:lnL w="12700" cmpd="sng">
+                      <a:noFill/>
+                    </a:lnL>
+                    <a:lnR w="12700" cmpd="sng">
+                      <a:noFill/>
+                    </a:lnR>
+                    <a:lnT w="12700" cmpd="sng">
+                      <a:noFill/>
+                    </a:lnT>
+                    <a:lnB w="19050" cap="flat" cmpd="sng" algn="ctr">
+                      <a:solidFill>
+                        <a:schemeClr val="accent1"/>
+                      </a:solidFill>
+                      <a:prstDash val="solid"/>
+                      <a:round/>
+                      <a:headEnd type="none" w="med" len="med"/>
+                      <a:tailEnd type="none" w="med" len="med"/>
+                    </a:lnB>
+                    <a:lnTlToBr w="12700" cmpd="sng">
+                      <a:noFill/>
+                      <a:prstDash val="solid"/>
+                    </a:lnTlToBr>
+                    <a:lnBlToTr w="12700" cmpd="sng">
+                      <a:noFill/>
+                      <a:prstDash val="solid"/>
+                    </a:lnBlToTr>
+                  </a:tcPr>
+                </a:tc>
+                <a:tc>
+                  <a:txBody>
+                    <a:bodyPr/>
+                    <a:lstStyle/>
+                    <a:p>
+                      <a:pPr algn="ctr" latinLnBrk="1"/>
+                      <a:endParaRPr lang="ko-KR" altLang="en-US" sz="1200" dirty="0">
+                        <a:solidFill>
+                          <a:schemeClr val="tx1">
+                            <a:lumMod val="75000"/>
+                            <a:lumOff val="25000"/>
+                          </a:schemeClr>
+                        </a:solidFill>
+                        <a:latin typeface="+mn-lt"/>
+                        <a:cs typeface="Arial" pitchFamily="34" charset="0"/>
+                      </a:endParaRPr>
+                    </a:p>
+                  </a:txBody>
+                  <a:tcPr anchor="ctr">
+                    <a:lnL w="12700" cmpd="sng">
+                      <a:noFill/>
+                    </a:lnL>
+                    <a:lnR w="38100" cap="flat" cmpd="sng" algn="ctr">
+                      <a:solidFill>
+                        <a:schemeClr val="accent1"/>
+                      </a:solidFill>
+                      <a:prstDash val="solid"/>
+                      <a:round/>
+                      <a:headEnd type="none" w="med" len="med"/>
+                      <a:tailEnd type="none" w="med" len="med"/>
+                    </a:lnR>
+                    <a:lnT w="12700" cmpd="sng">
+                      <a:noFill/>
+                    </a:lnT>
+                    <a:lnB w="12700" cmpd="sng">
+                      <a:noFill/>
+                    </a:lnB>
+                    <a:lnTlToBr w="12700" cmpd="sng">
+                      <a:noFill/>
+                      <a:prstDash val="solid"/>
+                    </a:lnTlToBr>
+                    <a:lnBlToTr w="12700" cmpd="sng">
+                      <a:noFill/>
+                      <a:prstDash val="solid"/>
+                    </a:lnBlToTr>
+                  </a:tcPr>
+                </a:tc>
+                <a:extLst>
+                  <a:ext uri="{0D108BD9-81ED-4DB2-BD59-A6C34878D82A}">
+                    <a16:rowId xmlns:a16="http://schemas.microsoft.com/office/drawing/2014/main" val="10002"/>
+                  </a:ext>
+                </a:extLst>
+              </a:tr>
+              <a:tr h="374400">
+                <a:tc rowSpan="3">
+                  <a:txBody>
+                    <a:bodyPr/>
+                    <a:lstStyle/>
+                    <a:p>
+                      <a:pPr algn="ctr" latinLnBrk="1"/>
+                      <a:endParaRPr lang="ko-KR" altLang="en-US" sz="1200">
+                        <a:solidFill>
+                          <a:schemeClr val="tx1">
+                            <a:lumMod val="75000"/>
+                            <a:lumOff val="25000"/>
+                          </a:schemeClr>
+                        </a:solidFill>
+                        <a:latin typeface="+mn-lt"/>
+                        <a:cs typeface="Arial" pitchFamily="34" charset="0"/>
+                      </a:endParaRPr>
+                    </a:p>
+                  </a:txBody>
+                  <a:tcPr>
+                    <a:lnL w="38100" cap="flat" cmpd="sng" algn="ctr">
+                      <a:solidFill>
+                        <a:schemeClr val="accent1"/>
+                      </a:solidFill>
+                      <a:prstDash val="solid"/>
+                      <a:round/>
+                      <a:headEnd type="none" w="med" len="med"/>
+                      <a:tailEnd type="none" w="med" len="med"/>
+                    </a:lnL>
+                    <a:lnR w="12700" cmpd="sng">
+                      <a:noFill/>
+                    </a:lnR>
+                    <a:lnT w="12700" cmpd="sng">
+                      <a:noFill/>
+                    </a:lnT>
+                    <a:lnB w="12700" cmpd="sng">
+                      <a:noFill/>
+                    </a:lnB>
+                    <a:lnTlToBr w="12700" cmpd="sng">
+                      <a:noFill/>
+                      <a:prstDash val="solid"/>
+                    </a:lnTlToBr>
+                    <a:lnBlToTr w="12700" cmpd="sng">
+                      <a:noFill/>
+                      <a:prstDash val="solid"/>
+                    </a:lnBlToTr>
+                  </a:tcPr>
+                </a:tc>
+                <a:tc>
+                  <a:txBody>
+                    <a:bodyPr/>
+                    <a:lstStyle/>
+                    <a:p>
+                      <a:pPr marL="0" marR="0" lvl="0" indent="0" algn="ctr" defTabSz="914400" rtl="0" eaLnBrk="1" fontAlgn="auto" latinLnBrk="1" hangingPunct="1">
+                        <a:lnSpc>
+                          <a:spcPct val="100000"/>
+                        </a:lnSpc>
+                        <a:spcBef>
+                          <a:spcPts val="0"/>
+                        </a:spcBef>
+                        <a:spcAft>
+                          <a:spcPts val="0"/>
+                        </a:spcAft>
+                        <a:buClrTx/>
+                        <a:buSzTx/>
+                        <a:buFontTx/>
+                        <a:buNone/>
+                        <a:tabLst/>
+                        <a:defRPr/>
+                      </a:pPr>
+                      <a:r>
+                        <a:rPr lang="fr-FR" altLang="ko-KR" sz="1400" dirty="0">
+                          <a:solidFill>
+                            <a:schemeClr val="tx1">
+                              <a:lumMod val="75000"/>
+                              <a:lumOff val="25000"/>
+                            </a:schemeClr>
+                          </a:solidFill>
+                          <a:cs typeface="Calibri" pitchFamily="34" charset="0"/>
+                        </a:rPr>
+                        <a:t>Av. speed : 40</a:t>
+                      </a:r>
+                      <a:r>
+                        <a:rPr lang="fr-FR" altLang="ko-KR" sz="1400" baseline="0" dirty="0">
+                          <a:solidFill>
+                            <a:schemeClr val="tx1">
+                              <a:lumMod val="75000"/>
+                              <a:lumOff val="25000"/>
+                            </a:schemeClr>
+                          </a:solidFill>
+                          <a:cs typeface="Calibri" pitchFamily="34" charset="0"/>
+                        </a:rPr>
+                        <a:t> km/h</a:t>
+                      </a:r>
+                      <a:endParaRPr lang="ko-KR" altLang="en-US" sz="1400" dirty="0">
+                        <a:solidFill>
+                          <a:schemeClr val="tx1">
+                            <a:lumMod val="75000"/>
+                            <a:lumOff val="25000"/>
+                          </a:schemeClr>
+                        </a:solidFill>
+                        <a:cs typeface="Calibri" pitchFamily="34" charset="0"/>
+                      </a:endParaRPr>
+                    </a:p>
+                  </a:txBody>
+                  <a:tcPr anchor="ctr">
+                    <a:lnL w="12700" cmpd="sng">
+                      <a:noFill/>
+                    </a:lnL>
+                    <a:lnR w="12700" cmpd="sng">
+                      <a:noFill/>
+                    </a:lnR>
+                    <a:lnT w="19050" cap="flat" cmpd="sng" algn="ctr">
+                      <a:solidFill>
+                        <a:schemeClr val="accent1"/>
+                      </a:solidFill>
+                      <a:prstDash val="solid"/>
+                      <a:round/>
+                      <a:headEnd type="none" w="med" len="med"/>
+                      <a:tailEnd type="none" w="med" len="med"/>
+                    </a:lnT>
+                    <a:lnB w="19050" cap="flat" cmpd="sng" algn="ctr">
+                      <a:solidFill>
+                        <a:schemeClr val="accent1"/>
+                      </a:solidFill>
+                      <a:prstDash val="solid"/>
+                      <a:round/>
+                      <a:headEnd type="none" w="med" len="med"/>
+                      <a:tailEnd type="none" w="med" len="med"/>
+                    </a:lnB>
+                    <a:lnTlToBr w="12700" cmpd="sng">
+                      <a:noFill/>
+                      <a:prstDash val="solid"/>
+                    </a:lnTlToBr>
+                    <a:lnBlToTr w="12700" cmpd="sng">
+                      <a:noFill/>
+                      <a:prstDash val="solid"/>
+                    </a:lnBlToTr>
+                  </a:tcPr>
+                </a:tc>
+                <a:tc rowSpan="3">
+                  <a:txBody>
+                    <a:bodyPr/>
+                    <a:lstStyle/>
+                    <a:p>
+                      <a:pPr algn="ctr" latinLnBrk="1"/>
+                      <a:endParaRPr lang="ko-KR" altLang="en-US" sz="1200" dirty="0">
+                        <a:solidFill>
+                          <a:schemeClr val="tx1">
+                            <a:lumMod val="75000"/>
+                            <a:lumOff val="25000"/>
+                          </a:schemeClr>
+                        </a:solidFill>
+                        <a:latin typeface="+mn-lt"/>
+                        <a:cs typeface="Arial" pitchFamily="34" charset="0"/>
+                      </a:endParaRPr>
+                    </a:p>
+                  </a:txBody>
+                  <a:tcPr anchor="ctr">
+                    <a:lnL w="12700" cmpd="sng">
+                      <a:noFill/>
+                    </a:lnL>
+                    <a:lnR w="38100" cap="flat" cmpd="sng" algn="ctr">
+                      <a:solidFill>
+                        <a:schemeClr val="accent1"/>
+                      </a:solidFill>
+                      <a:prstDash val="solid"/>
+                      <a:round/>
+                      <a:headEnd type="none" w="med" len="med"/>
+                      <a:tailEnd type="none" w="med" len="med"/>
+                    </a:lnR>
+                    <a:lnT w="12700" cmpd="sng">
+                      <a:noFill/>
+                    </a:lnT>
+                    <a:lnB w="12700" cmpd="sng">
+                      <a:noFill/>
+                    </a:lnB>
+                    <a:lnTlToBr w="12700" cmpd="sng">
+                      <a:noFill/>
+                      <a:prstDash val="solid"/>
+                    </a:lnTlToBr>
+                    <a:lnBlToTr w="12700" cmpd="sng">
+                      <a:noFill/>
+                      <a:prstDash val="solid"/>
+                    </a:lnBlToTr>
+                  </a:tcPr>
+                </a:tc>
+                <a:extLst>
+                  <a:ext uri="{0D108BD9-81ED-4DB2-BD59-A6C34878D82A}">
+                    <a16:rowId xmlns:a16="http://schemas.microsoft.com/office/drawing/2014/main" val="10003"/>
+                  </a:ext>
+                </a:extLst>
+              </a:tr>
+              <a:tr h="374400">
+                <a:tc vMerge="1">
+                  <a:txBody>
+                    <a:bodyPr/>
+                    <a:lstStyle/>
+                    <a:p>
+                      <a:pPr latinLnBrk="1"/>
+                      <a:endParaRPr lang="ko-KR" altLang="en-US"/>
+                    </a:p>
+                  </a:txBody>
+                  <a:tcPr/>
+                </a:tc>
+                <a:tc>
+                  <a:txBody>
+                    <a:bodyPr/>
+                    <a:lstStyle/>
+                    <a:p>
+                      <a:pPr marL="0" marR="0" lvl="0" indent="0" algn="ctr" defTabSz="914400" rtl="0" eaLnBrk="1" fontAlgn="auto" latinLnBrk="1" hangingPunct="1">
+                        <a:lnSpc>
+                          <a:spcPct val="100000"/>
+                        </a:lnSpc>
+                        <a:spcBef>
+                          <a:spcPts val="0"/>
+                        </a:spcBef>
+                        <a:spcAft>
+                          <a:spcPts val="0"/>
+                        </a:spcAft>
+                        <a:buClrTx/>
+                        <a:buSzTx/>
+                        <a:buFontTx/>
+                        <a:buNone/>
+                        <a:tabLst/>
+                        <a:defRPr/>
+                      </a:pPr>
+                      <a:r>
+                        <a:rPr lang="en-US" altLang="ko-KR" sz="1400" dirty="0">
+                          <a:solidFill>
+                            <a:schemeClr val="tx1">
+                              <a:lumMod val="75000"/>
+                              <a:lumOff val="25000"/>
+                            </a:schemeClr>
+                          </a:solidFill>
+                          <a:cs typeface="Calibri" pitchFamily="34" charset="0"/>
+                        </a:rPr>
+                        <a:t>Unit cost : 200 000 €</a:t>
+                      </a:r>
+                      <a:endParaRPr lang="ko-KR" altLang="en-US" sz="1400" dirty="0">
+                        <a:solidFill>
+                          <a:schemeClr val="tx1">
+                            <a:lumMod val="75000"/>
+                            <a:lumOff val="25000"/>
+                          </a:schemeClr>
+                        </a:solidFill>
+                        <a:cs typeface="Calibri" pitchFamily="34" charset="0"/>
+                      </a:endParaRPr>
+                    </a:p>
+                  </a:txBody>
+                  <a:tcPr anchor="ctr">
+                    <a:lnL w="12700" cmpd="sng">
+                      <a:noFill/>
+                    </a:lnL>
+                    <a:lnR w="12700" cmpd="sng">
+                      <a:noFill/>
+                    </a:lnR>
+                    <a:lnT w="19050" cap="flat" cmpd="sng" algn="ctr">
+                      <a:solidFill>
+                        <a:schemeClr val="accent1"/>
+                      </a:solidFill>
+                      <a:prstDash val="solid"/>
+                      <a:round/>
+                      <a:headEnd type="none" w="med" len="med"/>
+                      <a:tailEnd type="none" w="med" len="med"/>
+                    </a:lnT>
+                    <a:lnB w="19050" cap="flat" cmpd="sng" algn="ctr">
+                      <a:solidFill>
+                        <a:schemeClr val="accent1"/>
+                      </a:solidFill>
+                      <a:prstDash val="solid"/>
+                      <a:round/>
+                      <a:headEnd type="none" w="med" len="med"/>
+                      <a:tailEnd type="none" w="med" len="med"/>
+                    </a:lnB>
+                    <a:lnTlToBr w="12700" cmpd="sng">
+                      <a:noFill/>
+                      <a:prstDash val="solid"/>
+                    </a:lnTlToBr>
+                    <a:lnBlToTr w="12700" cmpd="sng">
+                      <a:noFill/>
+                      <a:prstDash val="solid"/>
+                    </a:lnBlToTr>
+                  </a:tcPr>
+                </a:tc>
+                <a:tc vMerge="1">
+                  <a:txBody>
+                    <a:bodyPr/>
+                    <a:lstStyle/>
+                    <a:p>
+                      <a:pPr latinLnBrk="1"/>
+                      <a:endParaRPr lang="ko-KR" altLang="en-US"/>
+                    </a:p>
+                  </a:txBody>
+                  <a:tcPr/>
+                </a:tc>
+                <a:extLst>
+                  <a:ext uri="{0D108BD9-81ED-4DB2-BD59-A6C34878D82A}">
+                    <a16:rowId xmlns:a16="http://schemas.microsoft.com/office/drawing/2014/main" val="2438299362"/>
+                  </a:ext>
+                </a:extLst>
+              </a:tr>
+              <a:tr h="374737">
+                <a:tc vMerge="1">
+                  <a:txBody>
+                    <a:bodyPr/>
+                    <a:lstStyle/>
+                    <a:p>
+                      <a:pPr latinLnBrk="1"/>
+                      <a:endParaRPr lang="ko-KR" altLang="en-US"/>
+                    </a:p>
+                  </a:txBody>
+                  <a:tcPr/>
+                </a:tc>
+                <a:tc>
+                  <a:txBody>
+                    <a:bodyPr/>
+                    <a:lstStyle/>
+                    <a:p>
+                      <a:pPr marL="0" marR="0" lvl="0" indent="0" algn="ctr" defTabSz="914400" rtl="0" eaLnBrk="1" fontAlgn="auto" latinLnBrk="1" hangingPunct="1">
+                        <a:lnSpc>
+                          <a:spcPct val="100000"/>
+                        </a:lnSpc>
+                        <a:spcBef>
+                          <a:spcPts val="0"/>
+                        </a:spcBef>
+                        <a:spcAft>
+                          <a:spcPts val="0"/>
+                        </a:spcAft>
+                        <a:buClrTx/>
+                        <a:buSzTx/>
+                        <a:buFontTx/>
+                        <a:buNone/>
+                        <a:tabLst/>
+                        <a:defRPr/>
+                      </a:pPr>
+                      <a:r>
+                        <a:rPr lang="en-US" altLang="ko-KR" sz="1400" dirty="0">
+                          <a:solidFill>
+                            <a:schemeClr val="tx1">
+                              <a:lumMod val="75000"/>
+                              <a:lumOff val="25000"/>
+                            </a:schemeClr>
+                          </a:solidFill>
+                          <a:cs typeface="Calibri" pitchFamily="34" charset="0"/>
+                        </a:rPr>
+                        <a:t>Operational cost :</a:t>
+                      </a:r>
+                    </a:p>
+                    <a:p>
+                      <a:pPr marL="0" marR="0" lvl="0" indent="0" algn="ctr" defTabSz="914400" rtl="0" eaLnBrk="1" fontAlgn="auto" latinLnBrk="1" hangingPunct="1">
+                        <a:lnSpc>
+                          <a:spcPct val="100000"/>
+                        </a:lnSpc>
+                        <a:spcBef>
+                          <a:spcPts val="0"/>
+                        </a:spcBef>
+                        <a:spcAft>
+                          <a:spcPts val="0"/>
+                        </a:spcAft>
+                        <a:buClrTx/>
+                        <a:buSzTx/>
+                        <a:buFontTx/>
+                        <a:buNone/>
+                        <a:tabLst/>
+                        <a:defRPr/>
+                      </a:pPr>
+                      <a:r>
+                        <a:rPr lang="en-US" altLang="ko-KR" sz="1400" dirty="0">
+                          <a:solidFill>
+                            <a:schemeClr val="tx1">
+                              <a:lumMod val="75000"/>
+                              <a:lumOff val="25000"/>
+                            </a:schemeClr>
+                          </a:solidFill>
+                          <a:cs typeface="Calibri" pitchFamily="34" charset="0"/>
+                        </a:rPr>
+                        <a:t>15 466 €</a:t>
+                      </a:r>
+                      <a:endParaRPr lang="ko-KR" altLang="en-US" sz="1400" dirty="0">
+                        <a:solidFill>
+                          <a:schemeClr val="tx1">
+                            <a:lumMod val="75000"/>
+                            <a:lumOff val="25000"/>
+                          </a:schemeClr>
+                        </a:solidFill>
+                        <a:cs typeface="Calibri" pitchFamily="34" charset="0"/>
+                      </a:endParaRPr>
+                    </a:p>
+                  </a:txBody>
+                  <a:tcPr anchor="ctr">
+                    <a:lnL w="12700" cmpd="sng">
+                      <a:noFill/>
+                    </a:lnL>
+                    <a:lnR w="12700" cmpd="sng">
+                      <a:noFill/>
+                    </a:lnR>
+                    <a:lnT w="19050" cap="flat" cmpd="sng" algn="ctr">
+                      <a:solidFill>
+                        <a:schemeClr val="accent1"/>
+                      </a:solidFill>
+                      <a:prstDash val="solid"/>
+                      <a:round/>
+                      <a:headEnd type="none" w="med" len="med"/>
+                      <a:tailEnd type="none" w="med" len="med"/>
+                    </a:lnT>
+                    <a:lnB w="19050" cap="flat" cmpd="sng" algn="ctr">
+                      <a:solidFill>
+                        <a:schemeClr val="accent1"/>
+                      </a:solidFill>
+                      <a:prstDash val="solid"/>
+                      <a:round/>
+                      <a:headEnd type="none" w="med" len="med"/>
+                      <a:tailEnd type="none" w="med" len="med"/>
+                    </a:lnB>
+                    <a:lnTlToBr w="12700" cmpd="sng">
+                      <a:noFill/>
+                      <a:prstDash val="solid"/>
+                    </a:lnTlToBr>
+                    <a:lnBlToTr w="12700" cmpd="sng">
+                      <a:noFill/>
+                      <a:prstDash val="solid"/>
+                    </a:lnBlToTr>
+                  </a:tcPr>
+                </a:tc>
+                <a:tc vMerge="1">
+                  <a:txBody>
+                    <a:bodyPr/>
+                    <a:lstStyle/>
+                    <a:p>
+                      <a:pPr latinLnBrk="1"/>
+                      <a:endParaRPr lang="ko-KR" altLang="en-US"/>
+                    </a:p>
+                  </a:txBody>
+                  <a:tcPr/>
+                </a:tc>
+                <a:extLst>
+                  <a:ext uri="{0D108BD9-81ED-4DB2-BD59-A6C34878D82A}">
+                    <a16:rowId xmlns:a16="http://schemas.microsoft.com/office/drawing/2014/main" val="2467484864"/>
+                  </a:ext>
+                </a:extLst>
+              </a:tr>
+              <a:tr h="149895">
+                <a:tc>
+                  <a:txBody>
+                    <a:bodyPr/>
+                    <a:lstStyle/>
+                    <a:p>
+                      <a:pPr algn="ctr" latinLnBrk="1"/>
+                      <a:endParaRPr lang="ko-KR" altLang="en-US" sz="100" baseline="0" dirty="0">
+                        <a:solidFill>
+                          <a:schemeClr val="tx1">
+                            <a:lumMod val="75000"/>
+                            <a:lumOff val="25000"/>
+                          </a:schemeClr>
+                        </a:solidFill>
+                        <a:latin typeface="+mn-lt"/>
+                        <a:cs typeface="Arial" pitchFamily="34" charset="0"/>
+                      </a:endParaRPr>
+                    </a:p>
+                  </a:txBody>
+                  <a:tcPr>
+                    <a:lnL w="38100" cap="flat" cmpd="sng" algn="ctr">
+                      <a:solidFill>
+                        <a:schemeClr val="accent1"/>
+                      </a:solidFill>
+                      <a:prstDash val="solid"/>
+                      <a:round/>
+                      <a:headEnd type="none" w="med" len="med"/>
+                      <a:tailEnd type="none" w="med" len="med"/>
+                    </a:lnL>
+                    <a:lnR w="12700" cmpd="sng">
+                      <a:noFill/>
+                    </a:lnR>
+                    <a:lnT w="12700" cmpd="sng">
+                      <a:noFill/>
+                    </a:lnT>
+                    <a:lnB w="12700" cmpd="sng">
+                      <a:noFill/>
+                    </a:lnB>
+                    <a:lnTlToBr w="12700" cmpd="sng">
+                      <a:noFill/>
+                      <a:prstDash val="solid"/>
+                    </a:lnTlToBr>
+                    <a:lnBlToTr w="12700" cmpd="sng">
+                      <a:noFill/>
+                      <a:prstDash val="solid"/>
+                    </a:lnBlToTr>
+                  </a:tcPr>
+                </a:tc>
+                <a:tc>
+                  <a:txBody>
+                    <a:bodyPr/>
+                    <a:lstStyle/>
+                    <a:p>
+                      <a:pPr algn="ctr" latinLnBrk="1"/>
+                      <a:endParaRPr lang="ko-KR" altLang="en-US" sz="100" baseline="0" dirty="0">
+                        <a:solidFill>
+                          <a:schemeClr val="tx1">
+                            <a:lumMod val="75000"/>
+                            <a:lumOff val="25000"/>
+                          </a:schemeClr>
+                        </a:solidFill>
+                        <a:latin typeface="+mn-lt"/>
+                        <a:cs typeface="Arial" pitchFamily="34" charset="0"/>
+                      </a:endParaRPr>
+                    </a:p>
+                  </a:txBody>
+                  <a:tcPr anchor="ctr">
+                    <a:lnL w="12700" cmpd="sng">
+                      <a:noFill/>
+                    </a:lnL>
+                    <a:lnR w="12700" cmpd="sng">
+                      <a:noFill/>
+                    </a:lnR>
+                    <a:lnT w="19050" cap="flat" cmpd="sng" algn="ctr">
+                      <a:solidFill>
+                        <a:schemeClr val="accent1"/>
+                      </a:solidFill>
+                      <a:prstDash val="solid"/>
+                      <a:round/>
+                      <a:headEnd type="none" w="med" len="med"/>
+                      <a:tailEnd type="none" w="med" len="med"/>
+                    </a:lnT>
+                    <a:lnB w="28575" cap="flat" cmpd="sng" algn="ctr">
+                      <a:noFill/>
+                      <a:prstDash val="solid"/>
+                      <a:round/>
+                      <a:headEnd type="none" w="med" len="med"/>
+                      <a:tailEnd type="none" w="med" len="med"/>
+                    </a:lnB>
+                    <a:lnTlToBr w="12700" cmpd="sng">
+                      <a:noFill/>
+                      <a:prstDash val="solid"/>
+                    </a:lnTlToBr>
+                    <a:lnBlToTr w="12700" cmpd="sng">
+                      <a:noFill/>
+                      <a:prstDash val="solid"/>
+                    </a:lnBlToTr>
+                  </a:tcPr>
+                </a:tc>
+                <a:tc>
+                  <a:txBody>
+                    <a:bodyPr/>
+                    <a:lstStyle/>
+                    <a:p>
+                      <a:pPr algn="ctr" latinLnBrk="1"/>
+                      <a:endParaRPr lang="ko-KR" altLang="en-US" sz="100" baseline="0" dirty="0">
+                        <a:solidFill>
+                          <a:schemeClr val="tx1">
+                            <a:lumMod val="75000"/>
+                            <a:lumOff val="25000"/>
+                          </a:schemeClr>
+                        </a:solidFill>
+                        <a:latin typeface="+mn-lt"/>
+                        <a:cs typeface="Arial" pitchFamily="34" charset="0"/>
+                      </a:endParaRPr>
+                    </a:p>
+                  </a:txBody>
+                  <a:tcPr anchor="ctr">
+                    <a:lnL w="12700" cmpd="sng">
+                      <a:noFill/>
+                    </a:lnL>
+                    <a:lnR w="38100" cap="flat" cmpd="sng" algn="ctr">
+                      <a:solidFill>
+                        <a:schemeClr val="accent1"/>
+                      </a:solidFill>
+                      <a:prstDash val="solid"/>
+                      <a:round/>
+                      <a:headEnd type="none" w="med" len="med"/>
+                      <a:tailEnd type="none" w="med" len="med"/>
+                    </a:lnR>
+                    <a:lnT w="12700" cmpd="sng">
+                      <a:noFill/>
+                    </a:lnT>
+                    <a:lnB w="12700" cmpd="sng">
+                      <a:noFill/>
+                    </a:lnB>
+                    <a:lnTlToBr w="12700" cmpd="sng">
+                      <a:noFill/>
+                      <a:prstDash val="solid"/>
+                    </a:lnTlToBr>
+                    <a:lnBlToTr w="12700" cmpd="sng">
+                      <a:noFill/>
+                      <a:prstDash val="solid"/>
+                    </a:lnBlToTr>
+                  </a:tcPr>
+                </a:tc>
+                <a:extLst>
+                  <a:ext uri="{0D108BD9-81ED-4DB2-BD59-A6C34878D82A}">
+                    <a16:rowId xmlns:a16="http://schemas.microsoft.com/office/drawing/2014/main" val="10004"/>
+                  </a:ext>
+                </a:extLst>
+              </a:tr>
+              <a:tr h="349005">
+                <a:tc>
+                  <a:txBody>
+                    <a:bodyPr/>
+                    <a:lstStyle/>
+                    <a:p>
+                      <a:pPr algn="ctr" latinLnBrk="1"/>
+                      <a:endParaRPr lang="ko-KR" altLang="en-US" sz="1200" dirty="0">
+                        <a:solidFill>
+                          <a:schemeClr val="tx1">
+                            <a:lumMod val="75000"/>
+                            <a:lumOff val="25000"/>
+                          </a:schemeClr>
+                        </a:solidFill>
+                        <a:latin typeface="+mn-lt"/>
+                        <a:cs typeface="Arial" pitchFamily="34" charset="0"/>
+                      </a:endParaRPr>
+                    </a:p>
+                  </a:txBody>
+                  <a:tcPr>
+                    <a:lnL w="38100" cap="flat" cmpd="sng" algn="ctr">
+                      <a:solidFill>
+                        <a:schemeClr val="accent1"/>
+                      </a:solidFill>
+                      <a:prstDash val="solid"/>
+                      <a:round/>
+                      <a:headEnd type="none" w="med" len="med"/>
+                      <a:tailEnd type="none" w="med" len="med"/>
+                    </a:lnL>
+                    <a:lnR w="28575" cap="flat" cmpd="sng" algn="ctr">
+                      <a:noFill/>
+                      <a:prstDash val="solid"/>
+                      <a:round/>
+                      <a:headEnd type="none" w="med" len="med"/>
+                      <a:tailEnd type="none" w="med" len="med"/>
+                    </a:lnR>
+                    <a:lnT w="12700" cmpd="sng">
+                      <a:noFill/>
+                    </a:lnT>
+                    <a:lnB w="12700" cmpd="sng">
+                      <a:noFill/>
+                    </a:lnB>
+                    <a:lnTlToBr w="12700" cmpd="sng">
+                      <a:noFill/>
+                      <a:prstDash val="solid"/>
+                    </a:lnTlToBr>
+                    <a:lnBlToTr w="12700" cmpd="sng">
+                      <a:noFill/>
+                      <a:prstDash val="solid"/>
+                    </a:lnBlToTr>
+                  </a:tcPr>
+                </a:tc>
+                <a:tc>
+                  <a:txBody>
+                    <a:bodyPr/>
+                    <a:lstStyle/>
+                    <a:p>
+                      <a:pPr algn="ctr" latinLnBrk="1"/>
+                      <a:r>
+                        <a:rPr lang="en-US" altLang="ko-KR" sz="1600" b="1" dirty="0">
+                          <a:solidFill>
+                            <a:schemeClr val="tx1"/>
+                          </a:solidFill>
+                          <a:latin typeface="+mn-lt"/>
+                          <a:cs typeface="Arial" pitchFamily="34" charset="0"/>
+                        </a:rPr>
+                        <a:t>S1</a:t>
+                      </a:r>
+                      <a:endParaRPr lang="ko-KR" altLang="en-US" sz="1600" b="1" dirty="0">
+                        <a:solidFill>
+                          <a:schemeClr val="tx1"/>
+                        </a:solidFill>
+                        <a:latin typeface="+mn-lt"/>
+                        <a:cs typeface="Arial" pitchFamily="34" charset="0"/>
+                      </a:endParaRPr>
+                    </a:p>
+                  </a:txBody>
+                  <a:tcPr anchor="ctr">
+                    <a:lnL w="28575" cap="flat" cmpd="sng" algn="ctr">
+                      <a:noFill/>
+                      <a:prstDash val="solid"/>
+                      <a:round/>
+                      <a:headEnd type="none" w="med" len="med"/>
+                      <a:tailEnd type="none" w="med" len="med"/>
+                    </a:lnL>
+                    <a:lnR w="28575" cap="flat" cmpd="sng" algn="ctr">
+                      <a:noFill/>
+                      <a:prstDash val="solid"/>
+                      <a:round/>
+                      <a:headEnd type="none" w="med" len="med"/>
+                      <a:tailEnd type="none" w="med" len="med"/>
+                    </a:lnR>
+                    <a:lnT w="28575" cap="flat" cmpd="sng" algn="ctr">
+                      <a:noFill/>
+                      <a:prstDash val="solid"/>
+                      <a:round/>
+                      <a:headEnd type="none" w="med" len="med"/>
+                      <a:tailEnd type="none" w="med" len="med"/>
+                    </a:lnT>
+                    <a:lnB w="28575" cap="flat" cmpd="sng" algn="ctr">
+                      <a:noFill/>
+                      <a:prstDash val="solid"/>
+                      <a:round/>
+                      <a:headEnd type="none" w="med" len="med"/>
+                      <a:tailEnd type="none" w="med" len="med"/>
+                    </a:lnB>
+                    <a:lnTlToBr w="12700" cmpd="sng">
+                      <a:noFill/>
+                      <a:prstDash val="solid"/>
+                    </a:lnTlToBr>
+                    <a:lnBlToTr w="12700" cmpd="sng">
+                      <a:noFill/>
+                      <a:prstDash val="solid"/>
+                    </a:lnBlToTr>
+                    <a:solidFill>
+                      <a:schemeClr val="accent1"/>
+                    </a:solidFill>
+                  </a:tcPr>
+                </a:tc>
+                <a:tc>
+                  <a:txBody>
+                    <a:bodyPr/>
+                    <a:lstStyle/>
+                    <a:p>
+                      <a:pPr algn="ctr" latinLnBrk="1"/>
+                      <a:endParaRPr lang="ko-KR" altLang="en-US" sz="1600" b="1" dirty="0">
+                        <a:solidFill>
+                          <a:schemeClr val="tx1">
+                            <a:lumMod val="75000"/>
+                            <a:lumOff val="25000"/>
+                          </a:schemeClr>
+                        </a:solidFill>
+                        <a:latin typeface="+mn-lt"/>
+                        <a:cs typeface="Arial" pitchFamily="34" charset="0"/>
+                      </a:endParaRPr>
+                    </a:p>
+                  </a:txBody>
+                  <a:tcPr anchor="ctr">
+                    <a:lnL w="28575" cap="flat" cmpd="sng" algn="ctr">
+                      <a:noFill/>
+                      <a:prstDash val="solid"/>
+                      <a:round/>
+                      <a:headEnd type="none" w="med" len="med"/>
+                      <a:tailEnd type="none" w="med" len="med"/>
+                    </a:lnL>
+                    <a:lnR w="38100" cap="flat" cmpd="sng" algn="ctr">
+                      <a:solidFill>
+                        <a:schemeClr val="accent1"/>
+                      </a:solidFill>
+                      <a:prstDash val="solid"/>
+                      <a:round/>
+                      <a:headEnd type="none" w="med" len="med"/>
+                      <a:tailEnd type="none" w="med" len="med"/>
+                    </a:lnR>
+                    <a:lnT w="12700" cmpd="sng">
+                      <a:noFill/>
+                    </a:lnT>
+                    <a:lnB w="12700" cmpd="sng">
+                      <a:noFill/>
+                    </a:lnB>
+                    <a:lnTlToBr w="12700" cmpd="sng">
+                      <a:noFill/>
+                      <a:prstDash val="solid"/>
+                    </a:lnTlToBr>
+                    <a:lnBlToTr w="12700" cmpd="sng">
+                      <a:noFill/>
+                      <a:prstDash val="solid"/>
+                    </a:lnBlToTr>
+                  </a:tcPr>
+                </a:tc>
+                <a:extLst>
+                  <a:ext uri="{0D108BD9-81ED-4DB2-BD59-A6C34878D82A}">
+                    <a16:rowId xmlns:a16="http://schemas.microsoft.com/office/drawing/2014/main" val="10005"/>
+                  </a:ext>
+                </a:extLst>
+              </a:tr>
+              <a:tr h="149895">
+                <a:tc>
+                  <a:txBody>
+                    <a:bodyPr/>
+                    <a:lstStyle/>
+                    <a:p>
+                      <a:pPr algn="ctr" latinLnBrk="1"/>
+                      <a:endParaRPr lang="ko-KR" altLang="en-US" sz="100" baseline="0" dirty="0">
+                        <a:solidFill>
+                          <a:schemeClr val="tx1">
+                            <a:lumMod val="75000"/>
+                            <a:lumOff val="25000"/>
+                          </a:schemeClr>
+                        </a:solidFill>
+                        <a:latin typeface="+mn-lt"/>
+                        <a:cs typeface="Arial" pitchFamily="34" charset="0"/>
+                      </a:endParaRPr>
+                    </a:p>
+                  </a:txBody>
+                  <a:tcPr>
+                    <a:lnL w="38100" cap="flat" cmpd="sng" algn="ctr">
+                      <a:solidFill>
+                        <a:schemeClr val="accent1"/>
+                      </a:solidFill>
+                      <a:prstDash val="solid"/>
+                      <a:round/>
+                      <a:headEnd type="none" w="med" len="med"/>
+                      <a:tailEnd type="none" w="med" len="med"/>
+                    </a:lnL>
+                    <a:lnR w="12700" cmpd="sng">
+                      <a:noFill/>
+                    </a:lnR>
+                    <a:lnT w="12700" cmpd="sng">
+                      <a:noFill/>
+                    </a:lnT>
+                    <a:lnB w="38100" cap="flat" cmpd="sng" algn="ctr">
+                      <a:solidFill>
+                        <a:schemeClr val="accent1"/>
+                      </a:solidFill>
+                      <a:prstDash val="solid"/>
+                      <a:round/>
+                      <a:headEnd type="none" w="med" len="med"/>
+                      <a:tailEnd type="none" w="med" len="med"/>
+                    </a:lnB>
+                    <a:lnTlToBr w="12700" cmpd="sng">
+                      <a:noFill/>
+                      <a:prstDash val="solid"/>
+                    </a:lnTlToBr>
+                    <a:lnBlToTr w="12700" cmpd="sng">
+                      <a:noFill/>
+                      <a:prstDash val="solid"/>
+                    </a:lnBlToTr>
+                  </a:tcPr>
+                </a:tc>
+                <a:tc>
+                  <a:txBody>
+                    <a:bodyPr/>
+                    <a:lstStyle/>
+                    <a:p>
+                      <a:pPr algn="ctr" latinLnBrk="1"/>
+                      <a:endParaRPr lang="ko-KR" altLang="en-US" sz="100" baseline="0" dirty="0">
+                        <a:solidFill>
+                          <a:schemeClr val="tx1">
+                            <a:lumMod val="75000"/>
+                            <a:lumOff val="25000"/>
+                          </a:schemeClr>
+                        </a:solidFill>
+                        <a:latin typeface="+mn-lt"/>
+                        <a:cs typeface="Arial" pitchFamily="34" charset="0"/>
+                      </a:endParaRPr>
+                    </a:p>
+                  </a:txBody>
+                  <a:tcPr anchor="ctr">
+                    <a:lnL w="12700" cmpd="sng">
+                      <a:noFill/>
+                    </a:lnL>
+                    <a:lnR w="12700" cmpd="sng">
+                      <a:noFill/>
+                    </a:lnR>
+                    <a:lnT w="28575" cap="flat" cmpd="sng" algn="ctr">
+                      <a:noFill/>
+                      <a:prstDash val="solid"/>
+                      <a:round/>
+                      <a:headEnd type="none" w="med" len="med"/>
+                      <a:tailEnd type="none" w="med" len="med"/>
+                    </a:lnT>
+                    <a:lnB w="38100" cap="flat" cmpd="sng" algn="ctr">
+                      <a:solidFill>
+                        <a:schemeClr val="accent1"/>
+                      </a:solidFill>
+                      <a:prstDash val="solid"/>
+                      <a:round/>
+                      <a:headEnd type="none" w="med" len="med"/>
+                      <a:tailEnd type="none" w="med" len="med"/>
+                    </a:lnB>
+                    <a:lnTlToBr w="12700" cmpd="sng">
+                      <a:noFill/>
+                      <a:prstDash val="solid"/>
+                    </a:lnTlToBr>
+                    <a:lnBlToTr w="12700" cmpd="sng">
+                      <a:noFill/>
+                      <a:prstDash val="solid"/>
+                    </a:lnBlToTr>
+                  </a:tcPr>
+                </a:tc>
+                <a:tc>
+                  <a:txBody>
+                    <a:bodyPr/>
+                    <a:lstStyle/>
+                    <a:p>
+                      <a:pPr algn="ctr" latinLnBrk="1"/>
+                      <a:endParaRPr lang="ko-KR" altLang="en-US" sz="100" baseline="0" dirty="0">
+                        <a:solidFill>
+                          <a:schemeClr val="tx1">
+                            <a:lumMod val="75000"/>
+                            <a:lumOff val="25000"/>
+                          </a:schemeClr>
+                        </a:solidFill>
+                        <a:latin typeface="+mn-lt"/>
+                        <a:cs typeface="Arial" pitchFamily="34" charset="0"/>
+                      </a:endParaRPr>
+                    </a:p>
+                  </a:txBody>
+                  <a:tcPr anchor="ctr">
+                    <a:lnL w="12700" cmpd="sng">
+                      <a:noFill/>
+                    </a:lnL>
+                    <a:lnR w="38100" cap="flat" cmpd="sng" algn="ctr">
+                      <a:solidFill>
+                        <a:schemeClr val="accent1"/>
+                      </a:solidFill>
+                      <a:prstDash val="solid"/>
+                      <a:round/>
+                      <a:headEnd type="none" w="med" len="med"/>
+                      <a:tailEnd type="none" w="med" len="med"/>
+                    </a:lnR>
+                    <a:lnT w="12700" cmpd="sng">
+                      <a:noFill/>
+                    </a:lnT>
+                    <a:lnB w="38100" cap="flat" cmpd="sng" algn="ctr">
+                      <a:solidFill>
+                        <a:schemeClr val="accent1"/>
+                      </a:solidFill>
+                      <a:prstDash val="solid"/>
+                      <a:round/>
+                      <a:headEnd type="none" w="med" len="med"/>
+                      <a:tailEnd type="none" w="med" len="med"/>
+                    </a:lnB>
+                    <a:lnTlToBr w="12700" cmpd="sng">
+                      <a:noFill/>
+                      <a:prstDash val="solid"/>
+                    </a:lnTlToBr>
+                    <a:lnBlToTr w="12700" cmpd="sng">
+                      <a:noFill/>
+                      <a:prstDash val="solid"/>
+                    </a:lnBlToTr>
+                  </a:tcPr>
+                </a:tc>
+                <a:extLst>
+                  <a:ext uri="{0D108BD9-81ED-4DB2-BD59-A6C34878D82A}">
+                    <a16:rowId xmlns:a16="http://schemas.microsoft.com/office/drawing/2014/main" val="10006"/>
+                  </a:ext>
+                </a:extLst>
+              </a:tr>
+            </a:tbl>
+          </a:graphicData>
+        </a:graphic>
+      </p:graphicFrame>
+      <p:graphicFrame>
+        <p:nvGraphicFramePr>
+          <p:cNvPr id="6" name="Table 3">
+            <a:extLst>
+              <a:ext uri="{FF2B5EF4-FFF2-40B4-BE49-F238E27FC236}">
+                <a16:creationId xmlns:a16="http://schemas.microsoft.com/office/drawing/2014/main" id="{A02E6720-7367-4A10-A04F-C7842D4BF889}"/>
+              </a:ext>
+            </a:extLst>
+          </p:cNvPr>
+          <p:cNvGraphicFramePr>
+            <a:graphicFrameLocks noGrp="1"/>
+          </p:cNvGraphicFramePr>
+          <p:nvPr>
+            <p:extLst>
+              <p:ext uri="{D42A27DB-BD31-4B8C-83A1-F6EECF244321}">
+                <p14:modId xmlns:p14="http://schemas.microsoft.com/office/powerpoint/2010/main" val="2065413895"/>
+              </p:ext>
+            </p:extLst>
+          </p:nvPr>
+        </p:nvGraphicFramePr>
+        <p:xfrm>
+          <a:off x="4107828" y="2070895"/>
+          <a:ext cx="2348075" cy="3901862"/>
+        </p:xfrm>
+        <a:graphic>
+          <a:graphicData uri="http://schemas.openxmlformats.org/drawingml/2006/table">
+            <a:tbl>
+              <a:tblPr firstRow="1" bandRow="1">
+                <a:tableStyleId>{5940675A-B579-460E-94D1-54222C63F5DA}</a:tableStyleId>
+              </a:tblPr>
+              <a:tblGrid>
+                <a:gridCol w="254117">
+                  <a:extLst>
+                    <a:ext uri="{9D8B030D-6E8A-4147-A177-3AD203B41FA5}">
+                      <a16:colId xmlns:a16="http://schemas.microsoft.com/office/drawing/2014/main" val="20000"/>
+                    </a:ext>
+                  </a:extLst>
+                </a:gridCol>
+                <a:gridCol w="1800000">
+                  <a:extLst>
+                    <a:ext uri="{9D8B030D-6E8A-4147-A177-3AD203B41FA5}">
+                      <a16:colId xmlns:a16="http://schemas.microsoft.com/office/drawing/2014/main" val="20001"/>
+                    </a:ext>
+                  </a:extLst>
+                </a:gridCol>
+                <a:gridCol w="293958">
+                  <a:extLst>
+                    <a:ext uri="{9D8B030D-6E8A-4147-A177-3AD203B41FA5}">
+                      <a16:colId xmlns:a16="http://schemas.microsoft.com/office/drawing/2014/main" val="20002"/>
+                    </a:ext>
+                  </a:extLst>
+                </a:gridCol>
+              </a:tblGrid>
+              <a:tr h="1611370">
+                <a:tc gridSpan="3">
+                  <a:txBody>
+                    <a:bodyPr/>
+                    <a:lstStyle/>
+                    <a:p>
+                      <a:pPr marL="0" marR="0" indent="0" algn="ctr" defTabSz="914400" rtl="0" eaLnBrk="1" fontAlgn="auto" latinLnBrk="1" hangingPunct="1">
+                        <a:lnSpc>
+                          <a:spcPct val="100000"/>
+                        </a:lnSpc>
+                        <a:spcBef>
+                          <a:spcPts val="0"/>
+                        </a:spcBef>
+                        <a:spcAft>
+                          <a:spcPts val="0"/>
+                        </a:spcAft>
+                        <a:buClrTx/>
+                        <a:buSzTx/>
+                        <a:buFontTx/>
+                        <a:buNone/>
+                        <a:tabLst/>
+                        <a:defRPr/>
+                      </a:pPr>
+                      <a:endParaRPr lang="en-US" altLang="ko-KR" sz="1800" b="1" dirty="0">
+                        <a:solidFill>
+                          <a:schemeClr val="tx1">
+                            <a:lumMod val="75000"/>
+                            <a:lumOff val="25000"/>
+                          </a:schemeClr>
+                        </a:solidFill>
+                        <a:latin typeface="+mn-lt"/>
+                        <a:cs typeface="Arial" pitchFamily="34" charset="0"/>
+                      </a:endParaRPr>
+                    </a:p>
+                  </a:txBody>
+                  <a:tcPr>
+                    <a:lnL w="38100" cap="flat" cmpd="sng" algn="ctr">
+                      <a:solidFill>
+                        <a:schemeClr val="accent1"/>
+                      </a:solidFill>
+                      <a:prstDash val="solid"/>
+                      <a:round/>
+                      <a:headEnd type="none" w="med" len="med"/>
+                      <a:tailEnd type="none" w="med" len="med"/>
+                    </a:lnL>
+                    <a:lnR w="38100" cap="flat" cmpd="sng" algn="ctr">
+                      <a:solidFill>
+                        <a:schemeClr val="accent1"/>
+                      </a:solidFill>
+                      <a:prstDash val="solid"/>
+                      <a:round/>
+                      <a:headEnd type="none" w="med" len="med"/>
+                      <a:tailEnd type="none" w="med" len="med"/>
+                    </a:lnR>
+                    <a:lnT w="38100" cap="flat" cmpd="sng" algn="ctr">
+                      <a:solidFill>
+                        <a:schemeClr val="accent1"/>
+                      </a:solidFill>
+                      <a:prstDash val="solid"/>
+                      <a:round/>
+                      <a:headEnd type="none" w="med" len="med"/>
+                      <a:tailEnd type="none" w="med" len="med"/>
+                    </a:lnT>
+                    <a:lnB w="12700" cmpd="sng">
+                      <a:noFill/>
+                    </a:lnB>
+                    <a:lnTlToBr w="12700" cmpd="sng">
+                      <a:noFill/>
+                      <a:prstDash val="solid"/>
+                    </a:lnTlToBr>
+                    <a:lnBlToTr w="12700" cmpd="sng">
+                      <a:noFill/>
+                      <a:prstDash val="solid"/>
+                    </a:lnBlToTr>
+                  </a:tcPr>
+                </a:tc>
+                <a:tc hMerge="1">
+                  <a:txBody>
+                    <a:bodyPr/>
+                    <a:lstStyle/>
+                    <a:p>
+                      <a:pPr marL="0" marR="0" indent="0" algn="ctr" defTabSz="914400" rtl="0" eaLnBrk="1" fontAlgn="auto" latinLnBrk="1" hangingPunct="1">
+                        <a:lnSpc>
+                          <a:spcPct val="100000"/>
+                        </a:lnSpc>
+                        <a:spcBef>
+                          <a:spcPts val="0"/>
+                        </a:spcBef>
+                        <a:spcAft>
+                          <a:spcPts val="0"/>
+                        </a:spcAft>
+                        <a:buClrTx/>
+                        <a:buSzTx/>
+                        <a:buFontTx/>
+                        <a:buNone/>
+                        <a:tabLst/>
+                        <a:defRPr/>
+                      </a:pPr>
+                      <a:endParaRPr lang="en-US" altLang="ko-KR" sz="1800" b="1" dirty="0">
+                        <a:solidFill>
+                          <a:schemeClr val="tx1">
+                            <a:lumMod val="75000"/>
+                            <a:lumOff val="25000"/>
+                          </a:schemeClr>
+                        </a:solidFill>
+                        <a:latin typeface="+mn-lt"/>
+                        <a:cs typeface="Arial" pitchFamily="34" charset="0"/>
+                      </a:endParaRPr>
+                    </a:p>
+                  </a:txBody>
+                  <a:tcPr anchor="ctr">
+                    <a:lnL w="12700" cmpd="sng">
+                      <a:noFill/>
+                    </a:lnL>
+                    <a:lnR w="12700" cmpd="sng">
+                      <a:noFill/>
+                    </a:lnR>
+                    <a:lnT w="38100" cap="flat" cmpd="sng" algn="ctr">
+                      <a:solidFill>
+                        <a:schemeClr val="accent1"/>
+                      </a:solidFill>
+                      <a:prstDash val="solid"/>
+                      <a:round/>
+                      <a:headEnd type="none" w="med" len="med"/>
+                      <a:tailEnd type="none" w="med" len="med"/>
+                    </a:lnT>
+                    <a:lnB w="12700" cmpd="sng">
+                      <a:noFill/>
+                    </a:lnB>
+                    <a:lnTlToBr w="12700" cmpd="sng">
+                      <a:noFill/>
+                      <a:prstDash val="solid"/>
+                    </a:lnTlToBr>
+                    <a:lnBlToTr w="12700" cmpd="sng">
+                      <a:noFill/>
+                      <a:prstDash val="solid"/>
+                    </a:lnBlToTr>
+                  </a:tcPr>
+                </a:tc>
+                <a:tc hMerge="1">
+                  <a:txBody>
+                    <a:bodyPr/>
+                    <a:lstStyle/>
+                    <a:p>
+                      <a:pPr algn="ctr" latinLnBrk="1"/>
+                      <a:endParaRPr lang="ko-KR" altLang="en-US" sz="1800" dirty="0">
+                        <a:solidFill>
+                          <a:schemeClr val="tx1">
+                            <a:lumMod val="75000"/>
+                            <a:lumOff val="25000"/>
+                          </a:schemeClr>
+                        </a:solidFill>
+                        <a:latin typeface="+mn-lt"/>
+                        <a:cs typeface="Arial" pitchFamily="34" charset="0"/>
+                      </a:endParaRPr>
+                    </a:p>
+                  </a:txBody>
+                  <a:tcPr anchor="ctr">
+                    <a:lnL w="12700" cmpd="sng">
+                      <a:noFill/>
+                    </a:lnL>
+                    <a:lnR w="38100" cap="flat" cmpd="sng" algn="ctr">
+                      <a:solidFill>
+                        <a:schemeClr val="accent1"/>
+                      </a:solidFill>
+                      <a:prstDash val="solid"/>
+                      <a:round/>
+                      <a:headEnd type="none" w="med" len="med"/>
+                      <a:tailEnd type="none" w="med" len="med"/>
+                    </a:lnR>
+                    <a:lnT w="38100" cap="flat" cmpd="sng" algn="ctr">
+                      <a:solidFill>
+                        <a:schemeClr val="accent1"/>
+                      </a:solidFill>
+                      <a:prstDash val="solid"/>
+                      <a:round/>
+                      <a:headEnd type="none" w="med" len="med"/>
+                      <a:tailEnd type="none" w="med" len="med"/>
+                    </a:lnT>
+                    <a:lnB w="12700" cmpd="sng">
+                      <a:noFill/>
+                    </a:lnB>
+                    <a:lnTlToBr w="12700" cmpd="sng">
+                      <a:noFill/>
+                      <a:prstDash val="solid"/>
+                    </a:lnTlToBr>
+                    <a:lnBlToTr w="12700" cmpd="sng">
+                      <a:noFill/>
+                      <a:prstDash val="solid"/>
+                    </a:lnBlToTr>
+                  </a:tcPr>
+                </a:tc>
+                <a:extLst>
+                  <a:ext uri="{0D108BD9-81ED-4DB2-BD59-A6C34878D82A}">
+                    <a16:rowId xmlns:a16="http://schemas.microsoft.com/office/drawing/2014/main" val="10000"/>
+                  </a:ext>
+                </a:extLst>
+              </a:tr>
+              <a:tr h="374737">
+                <a:tc>
+                  <a:txBody>
+                    <a:bodyPr/>
+                    <a:lstStyle/>
+                    <a:p>
+                      <a:pPr algn="ctr" latinLnBrk="1"/>
+                      <a:endParaRPr lang="ko-KR" altLang="en-US" sz="1200">
+                        <a:solidFill>
+                          <a:schemeClr val="tx1">
+                            <a:lumMod val="75000"/>
+                            <a:lumOff val="25000"/>
+                          </a:schemeClr>
+                        </a:solidFill>
+                        <a:latin typeface="+mn-lt"/>
+                        <a:cs typeface="Arial" pitchFamily="34" charset="0"/>
+                      </a:endParaRPr>
+                    </a:p>
+                  </a:txBody>
+                  <a:tcPr>
+                    <a:lnL w="38100" cap="flat" cmpd="sng" algn="ctr">
+                      <a:solidFill>
+                        <a:schemeClr val="accent1"/>
+                      </a:solidFill>
+                      <a:prstDash val="solid"/>
+                      <a:round/>
+                      <a:headEnd type="none" w="med" len="med"/>
+                      <a:tailEnd type="none" w="med" len="med"/>
+                    </a:lnL>
+                    <a:lnR w="12700" cmpd="sng">
+                      <a:noFill/>
+                    </a:lnR>
+                    <a:lnT w="12700" cmpd="sng">
+                      <a:noFill/>
+                    </a:lnT>
+                    <a:lnB w="12700" cmpd="sng">
+                      <a:noFill/>
+                    </a:lnB>
+                    <a:lnTlToBr w="12700" cmpd="sng">
+                      <a:noFill/>
+                      <a:prstDash val="solid"/>
+                    </a:lnTlToBr>
+                    <a:lnBlToTr w="12700" cmpd="sng">
+                      <a:noFill/>
+                      <a:prstDash val="solid"/>
+                    </a:lnBlToTr>
+                  </a:tcPr>
+                </a:tc>
+                <a:tc>
+                  <a:txBody>
+                    <a:bodyPr/>
+                    <a:lstStyle/>
+                    <a:p>
+                      <a:pPr marL="0" marR="0" lvl="0" indent="0" algn="ctr" defTabSz="914400" rtl="0" eaLnBrk="1" fontAlgn="auto" latinLnBrk="1" hangingPunct="1">
+                        <a:lnSpc>
+                          <a:spcPct val="100000"/>
+                        </a:lnSpc>
+                        <a:spcBef>
+                          <a:spcPts val="0"/>
+                        </a:spcBef>
+                        <a:spcAft>
+                          <a:spcPts val="0"/>
+                        </a:spcAft>
+                        <a:buClrTx/>
+                        <a:buSzTx/>
+                        <a:buFontTx/>
+                        <a:buNone/>
+                        <a:tabLst/>
+                        <a:defRPr/>
+                      </a:pPr>
+                      <a:r>
+                        <a:rPr lang="en-US" altLang="ko-KR" sz="1400" dirty="0">
+                          <a:solidFill>
+                            <a:schemeClr val="tx1">
+                              <a:lumMod val="75000"/>
+                              <a:lumOff val="25000"/>
+                            </a:schemeClr>
+                          </a:solidFill>
+                          <a:cs typeface="Calibri" pitchFamily="34" charset="0"/>
+                        </a:rPr>
+                        <a:t>Capacity : 70 + 80</a:t>
+                      </a:r>
+                      <a:endParaRPr lang="ko-KR" altLang="en-US" sz="1400" dirty="0">
+                        <a:solidFill>
+                          <a:schemeClr val="tx1">
+                            <a:lumMod val="75000"/>
+                            <a:lumOff val="25000"/>
+                          </a:schemeClr>
+                        </a:solidFill>
+                        <a:cs typeface="Calibri" pitchFamily="34" charset="0"/>
+                      </a:endParaRPr>
+                    </a:p>
+                  </a:txBody>
+                  <a:tcPr anchor="ctr">
+                    <a:lnL w="12700" cmpd="sng">
+                      <a:noFill/>
+                    </a:lnL>
+                    <a:lnR w="12700" cmpd="sng">
+                      <a:noFill/>
+                    </a:lnR>
+                    <a:lnT w="12700" cmpd="sng">
+                      <a:noFill/>
+                    </a:lnT>
+                    <a:lnB w="19050" cap="flat" cmpd="sng" algn="ctr">
+                      <a:solidFill>
+                        <a:schemeClr val="accent1"/>
+                      </a:solidFill>
+                      <a:prstDash val="solid"/>
+                      <a:round/>
+                      <a:headEnd type="none" w="med" len="med"/>
+                      <a:tailEnd type="none" w="med" len="med"/>
+                    </a:lnB>
+                    <a:lnTlToBr w="12700" cmpd="sng">
+                      <a:noFill/>
+                      <a:prstDash val="solid"/>
+                    </a:lnTlToBr>
+                    <a:lnBlToTr w="12700" cmpd="sng">
+                      <a:noFill/>
+                      <a:prstDash val="solid"/>
+                    </a:lnBlToTr>
+                  </a:tcPr>
+                </a:tc>
+                <a:tc>
+                  <a:txBody>
+                    <a:bodyPr/>
+                    <a:lstStyle/>
+                    <a:p>
+                      <a:pPr algn="ctr" latinLnBrk="1"/>
+                      <a:endParaRPr lang="ko-KR" altLang="en-US" sz="1200" dirty="0">
+                        <a:solidFill>
+                          <a:schemeClr val="tx1">
+                            <a:lumMod val="75000"/>
+                            <a:lumOff val="25000"/>
+                          </a:schemeClr>
+                        </a:solidFill>
+                        <a:latin typeface="+mn-lt"/>
+                        <a:cs typeface="Arial" pitchFamily="34" charset="0"/>
+                      </a:endParaRPr>
+                    </a:p>
+                  </a:txBody>
+                  <a:tcPr anchor="ctr">
+                    <a:lnL w="12700" cmpd="sng">
+                      <a:noFill/>
+                    </a:lnL>
+                    <a:lnR w="38100" cap="flat" cmpd="sng" algn="ctr">
+                      <a:solidFill>
+                        <a:schemeClr val="accent1"/>
+                      </a:solidFill>
+                      <a:prstDash val="solid"/>
+                      <a:round/>
+                      <a:headEnd type="none" w="med" len="med"/>
+                      <a:tailEnd type="none" w="med" len="med"/>
+                    </a:lnR>
+                    <a:lnT w="12700" cmpd="sng">
+                      <a:noFill/>
+                    </a:lnT>
+                    <a:lnB w="12700" cmpd="sng">
+                      <a:noFill/>
+                    </a:lnB>
+                    <a:lnTlToBr w="12700" cmpd="sng">
+                      <a:noFill/>
+                      <a:prstDash val="solid"/>
+                    </a:lnTlToBr>
+                    <a:lnBlToTr w="12700" cmpd="sng">
+                      <a:noFill/>
+                      <a:prstDash val="solid"/>
+                    </a:lnBlToTr>
+                  </a:tcPr>
+                </a:tc>
+                <a:extLst>
+                  <a:ext uri="{0D108BD9-81ED-4DB2-BD59-A6C34878D82A}">
+                    <a16:rowId xmlns:a16="http://schemas.microsoft.com/office/drawing/2014/main" val="10002"/>
+                  </a:ext>
+                </a:extLst>
+              </a:tr>
+              <a:tr h="374400">
+                <a:tc rowSpan="3">
+                  <a:txBody>
+                    <a:bodyPr/>
+                    <a:lstStyle/>
+                    <a:p>
+                      <a:pPr algn="ctr" latinLnBrk="1"/>
+                      <a:endParaRPr lang="ko-KR" altLang="en-US" sz="1200">
+                        <a:solidFill>
+                          <a:schemeClr val="tx1">
+                            <a:lumMod val="75000"/>
+                            <a:lumOff val="25000"/>
+                          </a:schemeClr>
+                        </a:solidFill>
+                        <a:latin typeface="+mn-lt"/>
+                        <a:cs typeface="Arial" pitchFamily="34" charset="0"/>
+                      </a:endParaRPr>
+                    </a:p>
+                  </a:txBody>
+                  <a:tcPr>
+                    <a:lnL w="38100" cap="flat" cmpd="sng" algn="ctr">
+                      <a:solidFill>
+                        <a:schemeClr val="accent1"/>
+                      </a:solidFill>
+                      <a:prstDash val="solid"/>
+                      <a:round/>
+                      <a:headEnd type="none" w="med" len="med"/>
+                      <a:tailEnd type="none" w="med" len="med"/>
+                    </a:lnL>
+                    <a:lnR w="12700" cmpd="sng">
+                      <a:noFill/>
+                    </a:lnR>
+                    <a:lnT w="12700" cmpd="sng">
+                      <a:noFill/>
+                    </a:lnT>
+                    <a:lnB w="12700" cmpd="sng">
+                      <a:noFill/>
+                    </a:lnB>
+                    <a:lnTlToBr w="12700" cmpd="sng">
+                      <a:noFill/>
+                      <a:prstDash val="solid"/>
+                    </a:lnTlToBr>
+                    <a:lnBlToTr w="12700" cmpd="sng">
+                      <a:noFill/>
+                      <a:prstDash val="solid"/>
+                    </a:lnBlToTr>
+                  </a:tcPr>
+                </a:tc>
+                <a:tc>
+                  <a:txBody>
+                    <a:bodyPr/>
+                    <a:lstStyle/>
+                    <a:p>
+                      <a:pPr marL="0" marR="0" lvl="0" indent="0" algn="ctr" defTabSz="914400" rtl="0" eaLnBrk="1" fontAlgn="auto" latinLnBrk="1" hangingPunct="1">
+                        <a:lnSpc>
+                          <a:spcPct val="100000"/>
+                        </a:lnSpc>
+                        <a:spcBef>
+                          <a:spcPts val="0"/>
+                        </a:spcBef>
+                        <a:spcAft>
+                          <a:spcPts val="0"/>
+                        </a:spcAft>
+                        <a:buClrTx/>
+                        <a:buSzTx/>
+                        <a:buFontTx/>
+                        <a:buNone/>
+                        <a:tabLst/>
+                        <a:defRPr/>
+                      </a:pPr>
+                      <a:r>
+                        <a:rPr lang="fr-FR" altLang="ko-KR" sz="1400" dirty="0">
+                          <a:solidFill>
+                            <a:schemeClr val="tx1">
+                              <a:lumMod val="75000"/>
+                              <a:lumOff val="25000"/>
+                            </a:schemeClr>
+                          </a:solidFill>
+                          <a:cs typeface="Calibri" pitchFamily="34" charset="0"/>
+                        </a:rPr>
+                        <a:t>Av. speed : 35</a:t>
+                      </a:r>
+                      <a:r>
+                        <a:rPr lang="fr-FR" altLang="ko-KR" sz="1400" baseline="0" dirty="0">
+                          <a:solidFill>
+                            <a:schemeClr val="tx1">
+                              <a:lumMod val="75000"/>
+                              <a:lumOff val="25000"/>
+                            </a:schemeClr>
+                          </a:solidFill>
+                          <a:cs typeface="Calibri" pitchFamily="34" charset="0"/>
+                        </a:rPr>
+                        <a:t> km/h</a:t>
+                      </a:r>
+                      <a:endParaRPr lang="ko-KR" altLang="en-US" sz="1400" dirty="0">
+                        <a:solidFill>
+                          <a:schemeClr val="tx1">
+                            <a:lumMod val="75000"/>
+                            <a:lumOff val="25000"/>
+                          </a:schemeClr>
+                        </a:solidFill>
+                        <a:cs typeface="Calibri" pitchFamily="34" charset="0"/>
+                      </a:endParaRPr>
+                    </a:p>
+                  </a:txBody>
+                  <a:tcPr anchor="ctr">
+                    <a:lnL w="12700" cmpd="sng">
+                      <a:noFill/>
+                    </a:lnL>
+                    <a:lnR w="12700" cmpd="sng">
+                      <a:noFill/>
+                    </a:lnR>
+                    <a:lnT w="19050" cap="flat" cmpd="sng" algn="ctr">
+                      <a:solidFill>
+                        <a:schemeClr val="accent1"/>
+                      </a:solidFill>
+                      <a:prstDash val="solid"/>
+                      <a:round/>
+                      <a:headEnd type="none" w="med" len="med"/>
+                      <a:tailEnd type="none" w="med" len="med"/>
+                    </a:lnT>
+                    <a:lnB w="19050" cap="flat" cmpd="sng" algn="ctr">
+                      <a:solidFill>
+                        <a:schemeClr val="accent1"/>
+                      </a:solidFill>
+                      <a:prstDash val="solid"/>
+                      <a:round/>
+                      <a:headEnd type="none" w="med" len="med"/>
+                      <a:tailEnd type="none" w="med" len="med"/>
+                    </a:lnB>
+                    <a:lnTlToBr w="12700" cmpd="sng">
+                      <a:noFill/>
+                      <a:prstDash val="solid"/>
+                    </a:lnTlToBr>
+                    <a:lnBlToTr w="12700" cmpd="sng">
+                      <a:noFill/>
+                      <a:prstDash val="solid"/>
+                    </a:lnBlToTr>
+                  </a:tcPr>
+                </a:tc>
+                <a:tc rowSpan="3">
+                  <a:txBody>
+                    <a:bodyPr/>
+                    <a:lstStyle/>
+                    <a:p>
+                      <a:pPr algn="ctr" latinLnBrk="1"/>
+                      <a:endParaRPr lang="ko-KR" altLang="en-US" sz="1200" dirty="0">
+                        <a:solidFill>
+                          <a:schemeClr val="tx1">
+                            <a:lumMod val="75000"/>
+                            <a:lumOff val="25000"/>
+                          </a:schemeClr>
+                        </a:solidFill>
+                        <a:latin typeface="+mn-lt"/>
+                        <a:cs typeface="Arial" pitchFamily="34" charset="0"/>
+                      </a:endParaRPr>
+                    </a:p>
+                  </a:txBody>
+                  <a:tcPr anchor="ctr">
+                    <a:lnL w="12700" cmpd="sng">
+                      <a:noFill/>
+                    </a:lnL>
+                    <a:lnR w="38100" cap="flat" cmpd="sng" algn="ctr">
+                      <a:solidFill>
+                        <a:schemeClr val="accent1"/>
+                      </a:solidFill>
+                      <a:prstDash val="solid"/>
+                      <a:round/>
+                      <a:headEnd type="none" w="med" len="med"/>
+                      <a:tailEnd type="none" w="med" len="med"/>
+                    </a:lnR>
+                    <a:lnT w="12700" cmpd="sng">
+                      <a:noFill/>
+                    </a:lnT>
+                    <a:lnB w="12700" cmpd="sng">
+                      <a:noFill/>
+                    </a:lnB>
+                    <a:lnTlToBr w="12700" cmpd="sng">
+                      <a:noFill/>
+                      <a:prstDash val="solid"/>
+                    </a:lnTlToBr>
+                    <a:lnBlToTr w="12700" cmpd="sng">
+                      <a:noFill/>
+                      <a:prstDash val="solid"/>
+                    </a:lnBlToTr>
+                  </a:tcPr>
+                </a:tc>
+                <a:extLst>
+                  <a:ext uri="{0D108BD9-81ED-4DB2-BD59-A6C34878D82A}">
+                    <a16:rowId xmlns:a16="http://schemas.microsoft.com/office/drawing/2014/main" val="10003"/>
+                  </a:ext>
+                </a:extLst>
+              </a:tr>
+              <a:tr h="374400">
+                <a:tc vMerge="1">
+                  <a:txBody>
+                    <a:bodyPr/>
+                    <a:lstStyle/>
+                    <a:p>
+                      <a:pPr latinLnBrk="1"/>
+                      <a:endParaRPr lang="ko-KR" altLang="en-US"/>
+                    </a:p>
+                  </a:txBody>
+                  <a:tcPr/>
+                </a:tc>
+                <a:tc>
+                  <a:txBody>
+                    <a:bodyPr/>
+                    <a:lstStyle/>
+                    <a:p>
+                      <a:pPr marL="0" marR="0" lvl="0" indent="0" algn="ctr" defTabSz="914400" rtl="0" eaLnBrk="1" fontAlgn="auto" latinLnBrk="1" hangingPunct="1">
+                        <a:lnSpc>
+                          <a:spcPct val="100000"/>
+                        </a:lnSpc>
+                        <a:spcBef>
+                          <a:spcPts val="0"/>
+                        </a:spcBef>
+                        <a:spcAft>
+                          <a:spcPts val="0"/>
+                        </a:spcAft>
+                        <a:buClrTx/>
+                        <a:buSzTx/>
+                        <a:buFontTx/>
+                        <a:buNone/>
+                        <a:tabLst/>
+                        <a:defRPr/>
+                      </a:pPr>
+                      <a:r>
+                        <a:rPr lang="en-US" altLang="ko-KR" sz="1400" dirty="0">
+                          <a:solidFill>
+                            <a:schemeClr val="tx1">
+                              <a:lumMod val="75000"/>
+                              <a:lumOff val="25000"/>
+                            </a:schemeClr>
+                          </a:solidFill>
+                          <a:cs typeface="Calibri" pitchFamily="34" charset="0"/>
+                        </a:rPr>
+                        <a:t>Unit cost : 300 000 €</a:t>
+                      </a:r>
+                      <a:endParaRPr lang="ko-KR" altLang="en-US" sz="1400" dirty="0">
+                        <a:solidFill>
+                          <a:schemeClr val="tx1">
+                            <a:lumMod val="75000"/>
+                            <a:lumOff val="25000"/>
+                          </a:schemeClr>
+                        </a:solidFill>
+                        <a:cs typeface="Calibri" pitchFamily="34" charset="0"/>
+                      </a:endParaRPr>
+                    </a:p>
+                  </a:txBody>
+                  <a:tcPr anchor="ctr">
+                    <a:lnL w="12700" cmpd="sng">
+                      <a:noFill/>
+                    </a:lnL>
+                    <a:lnR w="12700" cmpd="sng">
+                      <a:noFill/>
+                    </a:lnR>
+                    <a:lnT w="19050" cap="flat" cmpd="sng" algn="ctr">
+                      <a:solidFill>
+                        <a:schemeClr val="accent1"/>
+                      </a:solidFill>
+                      <a:prstDash val="solid"/>
+                      <a:round/>
+                      <a:headEnd type="none" w="med" len="med"/>
+                      <a:tailEnd type="none" w="med" len="med"/>
+                    </a:lnT>
+                    <a:lnB w="19050" cap="flat" cmpd="sng" algn="ctr">
+                      <a:solidFill>
+                        <a:schemeClr val="accent1"/>
+                      </a:solidFill>
+                      <a:prstDash val="solid"/>
+                      <a:round/>
+                      <a:headEnd type="none" w="med" len="med"/>
+                      <a:tailEnd type="none" w="med" len="med"/>
+                    </a:lnB>
+                    <a:lnTlToBr w="12700" cmpd="sng">
+                      <a:noFill/>
+                      <a:prstDash val="solid"/>
+                    </a:lnTlToBr>
+                    <a:lnBlToTr w="12700" cmpd="sng">
+                      <a:noFill/>
+                      <a:prstDash val="solid"/>
+                    </a:lnBlToTr>
+                  </a:tcPr>
+                </a:tc>
+                <a:tc vMerge="1">
+                  <a:txBody>
+                    <a:bodyPr/>
+                    <a:lstStyle/>
+                    <a:p>
+                      <a:pPr latinLnBrk="1"/>
+                      <a:endParaRPr lang="ko-KR" altLang="en-US"/>
+                    </a:p>
+                  </a:txBody>
+                  <a:tcPr/>
+                </a:tc>
+                <a:extLst>
+                  <a:ext uri="{0D108BD9-81ED-4DB2-BD59-A6C34878D82A}">
+                    <a16:rowId xmlns:a16="http://schemas.microsoft.com/office/drawing/2014/main" val="2438299362"/>
+                  </a:ext>
+                </a:extLst>
+              </a:tr>
+              <a:tr h="374737">
+                <a:tc vMerge="1">
+                  <a:txBody>
+                    <a:bodyPr/>
+                    <a:lstStyle/>
+                    <a:p>
+                      <a:pPr latinLnBrk="1"/>
+                      <a:endParaRPr lang="ko-KR" altLang="en-US"/>
+                    </a:p>
+                  </a:txBody>
+                  <a:tcPr/>
+                </a:tc>
+                <a:tc>
+                  <a:txBody>
+                    <a:bodyPr/>
+                    <a:lstStyle/>
+                    <a:p>
+                      <a:pPr marL="0" marR="0" lvl="0" indent="0" algn="ctr" defTabSz="914400" rtl="0" eaLnBrk="1" fontAlgn="auto" latinLnBrk="1" hangingPunct="1">
+                        <a:lnSpc>
+                          <a:spcPct val="100000"/>
+                        </a:lnSpc>
+                        <a:spcBef>
+                          <a:spcPts val="0"/>
+                        </a:spcBef>
+                        <a:spcAft>
+                          <a:spcPts val="0"/>
+                        </a:spcAft>
+                        <a:buClrTx/>
+                        <a:buSzTx/>
+                        <a:buFontTx/>
+                        <a:buNone/>
+                        <a:tabLst/>
+                        <a:defRPr/>
+                      </a:pPr>
+                      <a:r>
+                        <a:rPr lang="en-US" altLang="ko-KR" sz="1400" dirty="0">
+                          <a:solidFill>
+                            <a:schemeClr val="tx1">
+                              <a:lumMod val="75000"/>
+                              <a:lumOff val="25000"/>
+                            </a:schemeClr>
+                          </a:solidFill>
+                          <a:cs typeface="Calibri" pitchFamily="34" charset="0"/>
+                        </a:rPr>
+                        <a:t>Operational cost : </a:t>
+                      </a:r>
+                    </a:p>
+                    <a:p>
+                      <a:pPr marL="0" marR="0" lvl="0" indent="0" algn="ctr" defTabSz="914400" rtl="0" eaLnBrk="1" fontAlgn="auto" latinLnBrk="1" hangingPunct="1">
+                        <a:lnSpc>
+                          <a:spcPct val="100000"/>
+                        </a:lnSpc>
+                        <a:spcBef>
+                          <a:spcPts val="0"/>
+                        </a:spcBef>
+                        <a:spcAft>
+                          <a:spcPts val="0"/>
+                        </a:spcAft>
+                        <a:buClrTx/>
+                        <a:buSzTx/>
+                        <a:buFontTx/>
+                        <a:buNone/>
+                        <a:tabLst/>
+                        <a:defRPr/>
+                      </a:pPr>
+                      <a:r>
+                        <a:rPr lang="en-US" altLang="ko-KR" sz="1400" dirty="0">
+                          <a:solidFill>
+                            <a:schemeClr val="tx1">
+                              <a:lumMod val="75000"/>
+                              <a:lumOff val="25000"/>
+                            </a:schemeClr>
+                          </a:solidFill>
+                          <a:cs typeface="Calibri" pitchFamily="34" charset="0"/>
+                        </a:rPr>
+                        <a:t>155 22 €</a:t>
+                      </a:r>
+                      <a:endParaRPr lang="ko-KR" altLang="en-US" sz="1400" dirty="0">
+                        <a:solidFill>
+                          <a:schemeClr val="tx1">
+                            <a:lumMod val="75000"/>
+                            <a:lumOff val="25000"/>
+                          </a:schemeClr>
+                        </a:solidFill>
+                        <a:cs typeface="Calibri" pitchFamily="34" charset="0"/>
+                      </a:endParaRPr>
+                    </a:p>
+                  </a:txBody>
+                  <a:tcPr anchor="ctr">
+                    <a:lnL w="12700" cmpd="sng">
+                      <a:noFill/>
+                    </a:lnL>
+                    <a:lnR w="12700" cmpd="sng">
+                      <a:noFill/>
+                    </a:lnR>
+                    <a:lnT w="19050" cap="flat" cmpd="sng" algn="ctr">
+                      <a:solidFill>
+                        <a:schemeClr val="accent1"/>
+                      </a:solidFill>
+                      <a:prstDash val="solid"/>
+                      <a:round/>
+                      <a:headEnd type="none" w="med" len="med"/>
+                      <a:tailEnd type="none" w="med" len="med"/>
+                    </a:lnT>
+                    <a:lnB w="19050" cap="flat" cmpd="sng" algn="ctr">
+                      <a:solidFill>
+                        <a:schemeClr val="accent1"/>
+                      </a:solidFill>
+                      <a:prstDash val="solid"/>
+                      <a:round/>
+                      <a:headEnd type="none" w="med" len="med"/>
+                      <a:tailEnd type="none" w="med" len="med"/>
+                    </a:lnB>
+                    <a:lnTlToBr w="12700" cmpd="sng">
+                      <a:noFill/>
+                      <a:prstDash val="solid"/>
+                    </a:lnTlToBr>
+                    <a:lnBlToTr w="12700" cmpd="sng">
+                      <a:noFill/>
+                      <a:prstDash val="solid"/>
+                    </a:lnBlToTr>
+                  </a:tcPr>
+                </a:tc>
+                <a:tc vMerge="1">
+                  <a:txBody>
+                    <a:bodyPr/>
+                    <a:lstStyle/>
+                    <a:p>
+                      <a:pPr latinLnBrk="1"/>
+                      <a:endParaRPr lang="ko-KR" altLang="en-US"/>
+                    </a:p>
+                  </a:txBody>
+                  <a:tcPr/>
+                </a:tc>
+                <a:extLst>
+                  <a:ext uri="{0D108BD9-81ED-4DB2-BD59-A6C34878D82A}">
+                    <a16:rowId xmlns:a16="http://schemas.microsoft.com/office/drawing/2014/main" val="2467484864"/>
+                  </a:ext>
+                </a:extLst>
+              </a:tr>
+              <a:tr h="149895">
+                <a:tc>
+                  <a:txBody>
+                    <a:bodyPr/>
+                    <a:lstStyle/>
+                    <a:p>
+                      <a:pPr algn="ctr" latinLnBrk="1"/>
+                      <a:endParaRPr lang="ko-KR" altLang="en-US" sz="100" baseline="0" dirty="0">
+                        <a:solidFill>
+                          <a:schemeClr val="tx1">
+                            <a:lumMod val="75000"/>
+                            <a:lumOff val="25000"/>
+                          </a:schemeClr>
+                        </a:solidFill>
+                        <a:latin typeface="+mn-lt"/>
+                        <a:cs typeface="Arial" pitchFamily="34" charset="0"/>
+                      </a:endParaRPr>
+                    </a:p>
+                  </a:txBody>
+                  <a:tcPr>
+                    <a:lnL w="38100" cap="flat" cmpd="sng" algn="ctr">
+                      <a:solidFill>
+                        <a:schemeClr val="accent1"/>
+                      </a:solidFill>
+                      <a:prstDash val="solid"/>
+                      <a:round/>
+                      <a:headEnd type="none" w="med" len="med"/>
+                      <a:tailEnd type="none" w="med" len="med"/>
+                    </a:lnL>
+                    <a:lnR w="12700" cmpd="sng">
+                      <a:noFill/>
+                    </a:lnR>
+                    <a:lnT w="12700" cmpd="sng">
+                      <a:noFill/>
+                    </a:lnT>
+                    <a:lnB w="12700" cmpd="sng">
+                      <a:noFill/>
+                    </a:lnB>
+                    <a:lnTlToBr w="12700" cmpd="sng">
+                      <a:noFill/>
+                      <a:prstDash val="solid"/>
+                    </a:lnTlToBr>
+                    <a:lnBlToTr w="12700" cmpd="sng">
+                      <a:noFill/>
+                      <a:prstDash val="solid"/>
+                    </a:lnBlToTr>
+                  </a:tcPr>
+                </a:tc>
+                <a:tc>
+                  <a:txBody>
+                    <a:bodyPr/>
+                    <a:lstStyle/>
+                    <a:p>
+                      <a:pPr algn="ctr" latinLnBrk="1"/>
+                      <a:endParaRPr lang="ko-KR" altLang="en-US" sz="200" baseline="0" dirty="0">
+                        <a:solidFill>
+                          <a:schemeClr val="tx1">
+                            <a:lumMod val="75000"/>
+                            <a:lumOff val="25000"/>
+                          </a:schemeClr>
+                        </a:solidFill>
+                        <a:latin typeface="+mn-lt"/>
+                        <a:cs typeface="Arial" pitchFamily="34" charset="0"/>
+                      </a:endParaRPr>
+                    </a:p>
+                  </a:txBody>
+                  <a:tcPr anchor="ctr">
+                    <a:lnL w="12700" cmpd="sng">
+                      <a:noFill/>
+                    </a:lnL>
+                    <a:lnR w="12700" cmpd="sng">
+                      <a:noFill/>
+                    </a:lnR>
+                    <a:lnT w="19050" cap="flat" cmpd="sng" algn="ctr">
+                      <a:solidFill>
+                        <a:schemeClr val="accent1"/>
+                      </a:solidFill>
+                      <a:prstDash val="solid"/>
+                      <a:round/>
+                      <a:headEnd type="none" w="med" len="med"/>
+                      <a:tailEnd type="none" w="med" len="med"/>
+                    </a:lnT>
+                    <a:lnB w="28575" cap="flat" cmpd="sng" algn="ctr">
+                      <a:noFill/>
+                      <a:prstDash val="solid"/>
+                      <a:round/>
+                      <a:headEnd type="none" w="med" len="med"/>
+                      <a:tailEnd type="none" w="med" len="med"/>
+                    </a:lnB>
+                    <a:lnTlToBr w="12700" cmpd="sng">
+                      <a:noFill/>
+                      <a:prstDash val="solid"/>
+                    </a:lnTlToBr>
+                    <a:lnBlToTr w="12700" cmpd="sng">
+                      <a:noFill/>
+                      <a:prstDash val="solid"/>
+                    </a:lnBlToTr>
+                  </a:tcPr>
+                </a:tc>
+                <a:tc>
+                  <a:txBody>
+                    <a:bodyPr/>
+                    <a:lstStyle/>
+                    <a:p>
+                      <a:pPr algn="ctr" latinLnBrk="1"/>
+                      <a:endParaRPr lang="ko-KR" altLang="en-US" sz="100" baseline="0" dirty="0">
+                        <a:solidFill>
+                          <a:schemeClr val="tx1">
+                            <a:lumMod val="75000"/>
+                            <a:lumOff val="25000"/>
+                          </a:schemeClr>
+                        </a:solidFill>
+                        <a:latin typeface="+mn-lt"/>
+                        <a:cs typeface="Arial" pitchFamily="34" charset="0"/>
+                      </a:endParaRPr>
+                    </a:p>
+                  </a:txBody>
+                  <a:tcPr anchor="ctr">
+                    <a:lnL w="12700" cmpd="sng">
+                      <a:noFill/>
+                    </a:lnL>
+                    <a:lnR w="38100" cap="flat" cmpd="sng" algn="ctr">
+                      <a:solidFill>
+                        <a:schemeClr val="accent1"/>
+                      </a:solidFill>
+                      <a:prstDash val="solid"/>
+                      <a:round/>
+                      <a:headEnd type="none" w="med" len="med"/>
+                      <a:tailEnd type="none" w="med" len="med"/>
+                    </a:lnR>
+                    <a:lnT w="12700" cmpd="sng">
+                      <a:noFill/>
+                    </a:lnT>
+                    <a:lnB w="12700" cmpd="sng">
+                      <a:noFill/>
+                    </a:lnB>
+                    <a:lnTlToBr w="12700" cmpd="sng">
+                      <a:noFill/>
+                      <a:prstDash val="solid"/>
+                    </a:lnTlToBr>
+                    <a:lnBlToTr w="12700" cmpd="sng">
+                      <a:noFill/>
+                      <a:prstDash val="solid"/>
+                    </a:lnBlToTr>
+                  </a:tcPr>
+                </a:tc>
+                <a:extLst>
+                  <a:ext uri="{0D108BD9-81ED-4DB2-BD59-A6C34878D82A}">
+                    <a16:rowId xmlns:a16="http://schemas.microsoft.com/office/drawing/2014/main" val="10004"/>
+                  </a:ext>
+                </a:extLst>
+              </a:tr>
+              <a:tr h="349005">
+                <a:tc>
+                  <a:txBody>
+                    <a:bodyPr/>
+                    <a:lstStyle/>
+                    <a:p>
+                      <a:pPr algn="ctr" latinLnBrk="1"/>
+                      <a:endParaRPr lang="ko-KR" altLang="en-US" sz="1200" dirty="0">
+                        <a:solidFill>
+                          <a:schemeClr val="tx1">
+                            <a:lumMod val="75000"/>
+                            <a:lumOff val="25000"/>
+                          </a:schemeClr>
+                        </a:solidFill>
+                        <a:latin typeface="+mn-lt"/>
+                        <a:cs typeface="Arial" pitchFamily="34" charset="0"/>
+                      </a:endParaRPr>
+                    </a:p>
+                  </a:txBody>
+                  <a:tcPr>
+                    <a:lnL w="38100" cap="flat" cmpd="sng" algn="ctr">
+                      <a:solidFill>
+                        <a:schemeClr val="accent1"/>
+                      </a:solidFill>
+                      <a:prstDash val="solid"/>
+                      <a:round/>
+                      <a:headEnd type="none" w="med" len="med"/>
+                      <a:tailEnd type="none" w="med" len="med"/>
+                    </a:lnL>
+                    <a:lnR w="28575" cap="flat" cmpd="sng" algn="ctr">
+                      <a:noFill/>
+                      <a:prstDash val="solid"/>
+                      <a:round/>
+                      <a:headEnd type="none" w="med" len="med"/>
+                      <a:tailEnd type="none" w="med" len="med"/>
+                    </a:lnR>
+                    <a:lnT w="12700" cmpd="sng">
+                      <a:noFill/>
+                    </a:lnT>
+                    <a:lnB w="12700" cmpd="sng">
+                      <a:noFill/>
+                    </a:lnB>
+                    <a:lnTlToBr w="12700" cmpd="sng">
+                      <a:noFill/>
+                      <a:prstDash val="solid"/>
+                    </a:lnTlToBr>
+                    <a:lnBlToTr w="12700" cmpd="sng">
+                      <a:noFill/>
+                      <a:prstDash val="solid"/>
+                    </a:lnBlToTr>
+                  </a:tcPr>
+                </a:tc>
+                <a:tc>
+                  <a:txBody>
+                    <a:bodyPr/>
+                    <a:lstStyle/>
+                    <a:p>
+                      <a:pPr algn="ctr" latinLnBrk="1"/>
+                      <a:r>
+                        <a:rPr lang="en-US" altLang="ko-KR" sz="1600" b="1" dirty="0">
+                          <a:solidFill>
+                            <a:schemeClr val="tx1"/>
+                          </a:solidFill>
+                          <a:latin typeface="+mn-lt"/>
+                          <a:cs typeface="Arial" pitchFamily="34" charset="0"/>
+                        </a:rPr>
+                        <a:t>S2</a:t>
+                      </a:r>
+                      <a:endParaRPr lang="ko-KR" altLang="en-US" sz="1600" b="1" dirty="0">
+                        <a:solidFill>
+                          <a:schemeClr val="tx1"/>
+                        </a:solidFill>
+                        <a:latin typeface="+mn-lt"/>
+                        <a:cs typeface="Arial" pitchFamily="34" charset="0"/>
+                      </a:endParaRPr>
+                    </a:p>
+                  </a:txBody>
+                  <a:tcPr anchor="ctr">
+                    <a:lnL w="28575" cap="flat" cmpd="sng" algn="ctr">
+                      <a:noFill/>
+                      <a:prstDash val="solid"/>
+                      <a:round/>
+                      <a:headEnd type="none" w="med" len="med"/>
+                      <a:tailEnd type="none" w="med" len="med"/>
+                    </a:lnL>
+                    <a:lnR w="28575" cap="flat" cmpd="sng" algn="ctr">
+                      <a:noFill/>
+                      <a:prstDash val="solid"/>
+                      <a:round/>
+                      <a:headEnd type="none" w="med" len="med"/>
+                      <a:tailEnd type="none" w="med" len="med"/>
+                    </a:lnR>
+                    <a:lnT w="28575" cap="flat" cmpd="sng" algn="ctr">
+                      <a:noFill/>
+                      <a:prstDash val="solid"/>
+                      <a:round/>
+                      <a:headEnd type="none" w="med" len="med"/>
+                      <a:tailEnd type="none" w="med" len="med"/>
+                    </a:lnT>
+                    <a:lnB w="28575" cap="flat" cmpd="sng" algn="ctr">
+                      <a:noFill/>
+                      <a:prstDash val="solid"/>
+                      <a:round/>
+                      <a:headEnd type="none" w="med" len="med"/>
+                      <a:tailEnd type="none" w="med" len="med"/>
+                    </a:lnB>
+                    <a:lnTlToBr w="12700" cmpd="sng">
+                      <a:noFill/>
+                      <a:prstDash val="solid"/>
+                    </a:lnTlToBr>
+                    <a:lnBlToTr w="12700" cmpd="sng">
+                      <a:noFill/>
+                      <a:prstDash val="solid"/>
+                    </a:lnBlToTr>
+                    <a:solidFill>
+                      <a:schemeClr val="accent1"/>
+                    </a:solidFill>
+                  </a:tcPr>
+                </a:tc>
+                <a:tc>
+                  <a:txBody>
+                    <a:bodyPr/>
+                    <a:lstStyle/>
+                    <a:p>
+                      <a:pPr algn="ctr" latinLnBrk="1"/>
+                      <a:endParaRPr lang="ko-KR" altLang="en-US" sz="1600" b="1" dirty="0">
+                        <a:solidFill>
+                          <a:schemeClr val="tx1">
+                            <a:lumMod val="75000"/>
+                            <a:lumOff val="25000"/>
+                          </a:schemeClr>
+                        </a:solidFill>
+                        <a:latin typeface="+mn-lt"/>
+                        <a:cs typeface="Arial" pitchFamily="34" charset="0"/>
+                      </a:endParaRPr>
+                    </a:p>
+                  </a:txBody>
+                  <a:tcPr anchor="ctr">
+                    <a:lnL w="28575" cap="flat" cmpd="sng" algn="ctr">
+                      <a:noFill/>
+                      <a:prstDash val="solid"/>
+                      <a:round/>
+                      <a:headEnd type="none" w="med" len="med"/>
+                      <a:tailEnd type="none" w="med" len="med"/>
+                    </a:lnL>
+                    <a:lnR w="38100" cap="flat" cmpd="sng" algn="ctr">
+                      <a:solidFill>
+                        <a:schemeClr val="accent1"/>
+                      </a:solidFill>
+                      <a:prstDash val="solid"/>
+                      <a:round/>
+                      <a:headEnd type="none" w="med" len="med"/>
+                      <a:tailEnd type="none" w="med" len="med"/>
+                    </a:lnR>
+                    <a:lnT w="12700" cmpd="sng">
+                      <a:noFill/>
+                    </a:lnT>
+                    <a:lnB w="12700" cmpd="sng">
+                      <a:noFill/>
+                    </a:lnB>
+                    <a:lnTlToBr w="12700" cmpd="sng">
+                      <a:noFill/>
+                      <a:prstDash val="solid"/>
+                    </a:lnTlToBr>
+                    <a:lnBlToTr w="12700" cmpd="sng">
+                      <a:noFill/>
+                      <a:prstDash val="solid"/>
+                    </a:lnBlToTr>
+                  </a:tcPr>
+                </a:tc>
+                <a:extLst>
+                  <a:ext uri="{0D108BD9-81ED-4DB2-BD59-A6C34878D82A}">
+                    <a16:rowId xmlns:a16="http://schemas.microsoft.com/office/drawing/2014/main" val="10005"/>
+                  </a:ext>
+                </a:extLst>
+              </a:tr>
+              <a:tr h="149895">
+                <a:tc>
+                  <a:txBody>
+                    <a:bodyPr/>
+                    <a:lstStyle/>
+                    <a:p>
+                      <a:pPr algn="ctr" latinLnBrk="1"/>
+                      <a:endParaRPr lang="ko-KR" altLang="en-US" sz="100" baseline="0" dirty="0">
+                        <a:solidFill>
+                          <a:schemeClr val="tx1">
+                            <a:lumMod val="75000"/>
+                            <a:lumOff val="25000"/>
+                          </a:schemeClr>
+                        </a:solidFill>
+                        <a:latin typeface="+mn-lt"/>
+                        <a:cs typeface="Arial" pitchFamily="34" charset="0"/>
+                      </a:endParaRPr>
+                    </a:p>
+                  </a:txBody>
+                  <a:tcPr>
+                    <a:lnL w="38100" cap="flat" cmpd="sng" algn="ctr">
+                      <a:solidFill>
+                        <a:schemeClr val="accent1"/>
+                      </a:solidFill>
+                      <a:prstDash val="solid"/>
+                      <a:round/>
+                      <a:headEnd type="none" w="med" len="med"/>
+                      <a:tailEnd type="none" w="med" len="med"/>
+                    </a:lnL>
+                    <a:lnR w="12700" cmpd="sng">
+                      <a:noFill/>
+                    </a:lnR>
+                    <a:lnT w="12700" cmpd="sng">
+                      <a:noFill/>
+                    </a:lnT>
+                    <a:lnB w="38100" cap="flat" cmpd="sng" algn="ctr">
+                      <a:solidFill>
+                        <a:schemeClr val="accent1"/>
+                      </a:solidFill>
+                      <a:prstDash val="solid"/>
+                      <a:round/>
+                      <a:headEnd type="none" w="med" len="med"/>
+                      <a:tailEnd type="none" w="med" len="med"/>
+                    </a:lnB>
+                    <a:lnTlToBr w="12700" cmpd="sng">
+                      <a:noFill/>
+                      <a:prstDash val="solid"/>
+                    </a:lnTlToBr>
+                    <a:lnBlToTr w="12700" cmpd="sng">
+                      <a:noFill/>
+                      <a:prstDash val="solid"/>
+                    </a:lnBlToTr>
+                  </a:tcPr>
+                </a:tc>
+                <a:tc>
+                  <a:txBody>
+                    <a:bodyPr/>
+                    <a:lstStyle/>
+                    <a:p>
+                      <a:pPr algn="ctr" latinLnBrk="1"/>
+                      <a:endParaRPr lang="ko-KR" altLang="en-US" sz="100" baseline="0" dirty="0">
+                        <a:solidFill>
+                          <a:schemeClr val="tx1">
+                            <a:lumMod val="75000"/>
+                            <a:lumOff val="25000"/>
+                          </a:schemeClr>
+                        </a:solidFill>
+                        <a:latin typeface="+mn-lt"/>
+                        <a:cs typeface="Arial" pitchFamily="34" charset="0"/>
+                      </a:endParaRPr>
+                    </a:p>
+                  </a:txBody>
+                  <a:tcPr anchor="ctr">
+                    <a:lnL w="12700" cmpd="sng">
+                      <a:noFill/>
+                    </a:lnL>
+                    <a:lnR w="12700" cmpd="sng">
+                      <a:noFill/>
+                    </a:lnR>
+                    <a:lnT w="28575" cap="flat" cmpd="sng" algn="ctr">
+                      <a:noFill/>
+                      <a:prstDash val="solid"/>
+                      <a:round/>
+                      <a:headEnd type="none" w="med" len="med"/>
+                      <a:tailEnd type="none" w="med" len="med"/>
+                    </a:lnT>
+                    <a:lnB w="38100" cap="flat" cmpd="sng" algn="ctr">
+                      <a:solidFill>
+                        <a:schemeClr val="accent1"/>
+                      </a:solidFill>
+                      <a:prstDash val="solid"/>
+                      <a:round/>
+                      <a:headEnd type="none" w="med" len="med"/>
+                      <a:tailEnd type="none" w="med" len="med"/>
+                    </a:lnB>
+                    <a:lnTlToBr w="12700" cmpd="sng">
+                      <a:noFill/>
+                      <a:prstDash val="solid"/>
+                    </a:lnTlToBr>
+                    <a:lnBlToTr w="12700" cmpd="sng">
+                      <a:noFill/>
+                      <a:prstDash val="solid"/>
+                    </a:lnBlToTr>
+                  </a:tcPr>
+                </a:tc>
+                <a:tc>
+                  <a:txBody>
+                    <a:bodyPr/>
+                    <a:lstStyle/>
+                    <a:p>
+                      <a:pPr algn="ctr" latinLnBrk="1"/>
+                      <a:endParaRPr lang="ko-KR" altLang="en-US" sz="100" baseline="0" dirty="0">
+                        <a:solidFill>
+                          <a:schemeClr val="tx1">
+                            <a:lumMod val="75000"/>
+                            <a:lumOff val="25000"/>
+                          </a:schemeClr>
+                        </a:solidFill>
+                        <a:latin typeface="+mn-lt"/>
+                        <a:cs typeface="Arial" pitchFamily="34" charset="0"/>
+                      </a:endParaRPr>
+                    </a:p>
+                  </a:txBody>
+                  <a:tcPr anchor="ctr">
+                    <a:lnL w="12700" cmpd="sng">
+                      <a:noFill/>
+                    </a:lnL>
+                    <a:lnR w="38100" cap="flat" cmpd="sng" algn="ctr">
+                      <a:solidFill>
+                        <a:schemeClr val="accent1"/>
+                      </a:solidFill>
+                      <a:prstDash val="solid"/>
+                      <a:round/>
+                      <a:headEnd type="none" w="med" len="med"/>
+                      <a:tailEnd type="none" w="med" len="med"/>
+                    </a:lnR>
+                    <a:lnT w="12700" cmpd="sng">
+                      <a:noFill/>
+                    </a:lnT>
+                    <a:lnB w="38100" cap="flat" cmpd="sng" algn="ctr">
+                      <a:solidFill>
+                        <a:schemeClr val="accent1"/>
+                      </a:solidFill>
+                      <a:prstDash val="solid"/>
+                      <a:round/>
+                      <a:headEnd type="none" w="med" len="med"/>
+                      <a:tailEnd type="none" w="med" len="med"/>
+                    </a:lnB>
+                    <a:lnTlToBr w="12700" cmpd="sng">
+                      <a:noFill/>
+                      <a:prstDash val="solid"/>
+                    </a:lnTlToBr>
+                    <a:lnBlToTr w="12700" cmpd="sng">
+                      <a:noFill/>
+                      <a:prstDash val="solid"/>
+                    </a:lnBlToTr>
+                  </a:tcPr>
+                </a:tc>
+                <a:extLst>
+                  <a:ext uri="{0D108BD9-81ED-4DB2-BD59-A6C34878D82A}">
+                    <a16:rowId xmlns:a16="http://schemas.microsoft.com/office/drawing/2014/main" val="10006"/>
+                  </a:ext>
+                </a:extLst>
+              </a:tr>
+            </a:tbl>
+          </a:graphicData>
+        </a:graphic>
+      </p:graphicFrame>
+      <p:graphicFrame>
+        <p:nvGraphicFramePr>
+          <p:cNvPr id="7" name="Table 3">
+            <a:extLst>
+              <a:ext uri="{FF2B5EF4-FFF2-40B4-BE49-F238E27FC236}">
+                <a16:creationId xmlns:a16="http://schemas.microsoft.com/office/drawing/2014/main" id="{1286CBDB-548A-4842-AB68-1A2C827CA0ED}"/>
+              </a:ext>
+            </a:extLst>
+          </p:cNvPr>
+          <p:cNvGraphicFramePr>
+            <a:graphicFrameLocks noGrp="1"/>
+          </p:cNvGraphicFramePr>
+          <p:nvPr>
+            <p:extLst>
+              <p:ext uri="{D42A27DB-BD31-4B8C-83A1-F6EECF244321}">
+                <p14:modId xmlns:p14="http://schemas.microsoft.com/office/powerpoint/2010/main" val="1442612541"/>
+              </p:ext>
+            </p:extLst>
+          </p:nvPr>
+        </p:nvGraphicFramePr>
+        <p:xfrm>
+          <a:off x="6783620" y="2070895"/>
+          <a:ext cx="2348075" cy="3901862"/>
+        </p:xfrm>
+        <a:graphic>
+          <a:graphicData uri="http://schemas.openxmlformats.org/drawingml/2006/table">
+            <a:tbl>
+              <a:tblPr firstRow="1" bandRow="1">
+                <a:tableStyleId>{5940675A-B579-460E-94D1-54222C63F5DA}</a:tableStyleId>
+              </a:tblPr>
+              <a:tblGrid>
+                <a:gridCol w="254117">
+                  <a:extLst>
+                    <a:ext uri="{9D8B030D-6E8A-4147-A177-3AD203B41FA5}">
+                      <a16:colId xmlns:a16="http://schemas.microsoft.com/office/drawing/2014/main" val="20000"/>
+                    </a:ext>
+                  </a:extLst>
+                </a:gridCol>
+                <a:gridCol w="1800000">
+                  <a:extLst>
+                    <a:ext uri="{9D8B030D-6E8A-4147-A177-3AD203B41FA5}">
+                      <a16:colId xmlns:a16="http://schemas.microsoft.com/office/drawing/2014/main" val="20001"/>
+                    </a:ext>
+                  </a:extLst>
+                </a:gridCol>
+                <a:gridCol w="293958">
+                  <a:extLst>
+                    <a:ext uri="{9D8B030D-6E8A-4147-A177-3AD203B41FA5}">
+                      <a16:colId xmlns:a16="http://schemas.microsoft.com/office/drawing/2014/main" val="20002"/>
+                    </a:ext>
+                  </a:extLst>
+                </a:gridCol>
+              </a:tblGrid>
+              <a:tr h="1611370">
+                <a:tc gridSpan="3">
+                  <a:txBody>
+                    <a:bodyPr/>
+                    <a:lstStyle/>
+                    <a:p>
+                      <a:pPr marL="0" marR="0" indent="0" algn="ctr" defTabSz="914400" rtl="0" eaLnBrk="1" fontAlgn="auto" latinLnBrk="1" hangingPunct="1">
+                        <a:lnSpc>
+                          <a:spcPct val="100000"/>
+                        </a:lnSpc>
+                        <a:spcBef>
+                          <a:spcPts val="0"/>
+                        </a:spcBef>
+                        <a:spcAft>
+                          <a:spcPts val="0"/>
+                        </a:spcAft>
+                        <a:buClrTx/>
+                        <a:buSzTx/>
+                        <a:buFontTx/>
+                        <a:buNone/>
+                        <a:tabLst/>
+                        <a:defRPr/>
+                      </a:pPr>
+                      <a:endParaRPr lang="en-US" altLang="ko-KR" sz="1800" b="1" dirty="0">
+                        <a:solidFill>
+                          <a:schemeClr val="tx1">
+                            <a:lumMod val="75000"/>
+                            <a:lumOff val="25000"/>
+                          </a:schemeClr>
+                        </a:solidFill>
+                        <a:latin typeface="+mn-lt"/>
+                        <a:cs typeface="Arial" pitchFamily="34" charset="0"/>
+                      </a:endParaRPr>
+                    </a:p>
+                  </a:txBody>
+                  <a:tcPr>
+                    <a:lnL w="38100" cap="flat" cmpd="sng" algn="ctr">
+                      <a:solidFill>
+                        <a:schemeClr val="accent1"/>
+                      </a:solidFill>
+                      <a:prstDash val="solid"/>
+                      <a:round/>
+                      <a:headEnd type="none" w="med" len="med"/>
+                      <a:tailEnd type="none" w="med" len="med"/>
+                    </a:lnL>
+                    <a:lnR w="38100" cap="flat" cmpd="sng" algn="ctr">
+                      <a:solidFill>
+                        <a:schemeClr val="accent1"/>
+                      </a:solidFill>
+                      <a:prstDash val="solid"/>
+                      <a:round/>
+                      <a:headEnd type="none" w="med" len="med"/>
+                      <a:tailEnd type="none" w="med" len="med"/>
+                    </a:lnR>
+                    <a:lnT w="38100" cap="flat" cmpd="sng" algn="ctr">
+                      <a:solidFill>
+                        <a:schemeClr val="accent1"/>
+                      </a:solidFill>
+                      <a:prstDash val="solid"/>
+                      <a:round/>
+                      <a:headEnd type="none" w="med" len="med"/>
+                      <a:tailEnd type="none" w="med" len="med"/>
+                    </a:lnT>
+                    <a:lnB w="12700" cmpd="sng">
+                      <a:noFill/>
+                    </a:lnB>
+                    <a:lnTlToBr w="12700" cmpd="sng">
+                      <a:noFill/>
+                      <a:prstDash val="solid"/>
+                    </a:lnTlToBr>
+                    <a:lnBlToTr w="12700" cmpd="sng">
+                      <a:noFill/>
+                      <a:prstDash val="solid"/>
+                    </a:lnBlToTr>
+                  </a:tcPr>
+                </a:tc>
+                <a:tc hMerge="1">
+                  <a:txBody>
+                    <a:bodyPr/>
+                    <a:lstStyle/>
+                    <a:p>
+                      <a:pPr marL="0" marR="0" indent="0" algn="ctr" defTabSz="914400" rtl="0" eaLnBrk="1" fontAlgn="auto" latinLnBrk="1" hangingPunct="1">
+                        <a:lnSpc>
+                          <a:spcPct val="100000"/>
+                        </a:lnSpc>
+                        <a:spcBef>
+                          <a:spcPts val="0"/>
+                        </a:spcBef>
+                        <a:spcAft>
+                          <a:spcPts val="0"/>
+                        </a:spcAft>
+                        <a:buClrTx/>
+                        <a:buSzTx/>
+                        <a:buFontTx/>
+                        <a:buNone/>
+                        <a:tabLst/>
+                        <a:defRPr/>
+                      </a:pPr>
+                      <a:endParaRPr lang="en-US" altLang="ko-KR" sz="1800" b="1" dirty="0">
+                        <a:solidFill>
+                          <a:schemeClr val="tx1">
+                            <a:lumMod val="75000"/>
+                            <a:lumOff val="25000"/>
+                          </a:schemeClr>
+                        </a:solidFill>
+                        <a:latin typeface="+mn-lt"/>
+                        <a:cs typeface="Arial" pitchFamily="34" charset="0"/>
+                      </a:endParaRPr>
+                    </a:p>
+                  </a:txBody>
+                  <a:tcPr anchor="ctr">
+                    <a:lnL w="12700" cmpd="sng">
+                      <a:noFill/>
+                    </a:lnL>
+                    <a:lnR w="12700" cmpd="sng">
+                      <a:noFill/>
+                    </a:lnR>
+                    <a:lnT w="38100" cap="flat" cmpd="sng" algn="ctr">
+                      <a:solidFill>
+                        <a:schemeClr val="accent1"/>
+                      </a:solidFill>
+                      <a:prstDash val="solid"/>
+                      <a:round/>
+                      <a:headEnd type="none" w="med" len="med"/>
+                      <a:tailEnd type="none" w="med" len="med"/>
+                    </a:lnT>
+                    <a:lnB w="12700" cmpd="sng">
+                      <a:noFill/>
+                    </a:lnB>
+                    <a:lnTlToBr w="12700" cmpd="sng">
+                      <a:noFill/>
+                      <a:prstDash val="solid"/>
+                    </a:lnTlToBr>
+                    <a:lnBlToTr w="12700" cmpd="sng">
+                      <a:noFill/>
+                      <a:prstDash val="solid"/>
+                    </a:lnBlToTr>
+                  </a:tcPr>
+                </a:tc>
+                <a:tc hMerge="1">
+                  <a:txBody>
+                    <a:bodyPr/>
+                    <a:lstStyle/>
+                    <a:p>
+                      <a:pPr algn="ctr" latinLnBrk="1"/>
+                      <a:endParaRPr lang="ko-KR" altLang="en-US" sz="1800" dirty="0">
+                        <a:solidFill>
+                          <a:schemeClr val="tx1">
+                            <a:lumMod val="75000"/>
+                            <a:lumOff val="25000"/>
+                          </a:schemeClr>
+                        </a:solidFill>
+                        <a:latin typeface="+mn-lt"/>
+                        <a:cs typeface="Arial" pitchFamily="34" charset="0"/>
+                      </a:endParaRPr>
+                    </a:p>
+                  </a:txBody>
+                  <a:tcPr anchor="ctr">
+                    <a:lnL w="12700" cmpd="sng">
+                      <a:noFill/>
+                    </a:lnL>
+                    <a:lnR w="38100" cap="flat" cmpd="sng" algn="ctr">
+                      <a:solidFill>
+                        <a:schemeClr val="accent1"/>
+                      </a:solidFill>
+                      <a:prstDash val="solid"/>
+                      <a:round/>
+                      <a:headEnd type="none" w="med" len="med"/>
+                      <a:tailEnd type="none" w="med" len="med"/>
+                    </a:lnR>
+                    <a:lnT w="38100" cap="flat" cmpd="sng" algn="ctr">
+                      <a:solidFill>
+                        <a:schemeClr val="accent1"/>
+                      </a:solidFill>
+                      <a:prstDash val="solid"/>
+                      <a:round/>
+                      <a:headEnd type="none" w="med" len="med"/>
+                      <a:tailEnd type="none" w="med" len="med"/>
+                    </a:lnT>
+                    <a:lnB w="12700" cmpd="sng">
+                      <a:noFill/>
+                    </a:lnB>
+                    <a:lnTlToBr w="12700" cmpd="sng">
+                      <a:noFill/>
+                      <a:prstDash val="solid"/>
+                    </a:lnTlToBr>
+                    <a:lnBlToTr w="12700" cmpd="sng">
+                      <a:noFill/>
+                      <a:prstDash val="solid"/>
+                    </a:lnBlToTr>
+                  </a:tcPr>
+                </a:tc>
+                <a:extLst>
+                  <a:ext uri="{0D108BD9-81ED-4DB2-BD59-A6C34878D82A}">
+                    <a16:rowId xmlns:a16="http://schemas.microsoft.com/office/drawing/2014/main" val="10000"/>
+                  </a:ext>
+                </a:extLst>
+              </a:tr>
+              <a:tr h="374737">
+                <a:tc>
+                  <a:txBody>
+                    <a:bodyPr/>
+                    <a:lstStyle/>
+                    <a:p>
+                      <a:pPr algn="ctr" latinLnBrk="1"/>
+                      <a:endParaRPr lang="ko-KR" altLang="en-US" sz="1200">
+                        <a:solidFill>
+                          <a:schemeClr val="tx1">
+                            <a:lumMod val="75000"/>
+                            <a:lumOff val="25000"/>
+                          </a:schemeClr>
+                        </a:solidFill>
+                        <a:latin typeface="+mn-lt"/>
+                        <a:cs typeface="Arial" pitchFamily="34" charset="0"/>
+                      </a:endParaRPr>
+                    </a:p>
+                  </a:txBody>
+                  <a:tcPr>
+                    <a:lnL w="38100" cap="flat" cmpd="sng" algn="ctr">
+                      <a:solidFill>
+                        <a:schemeClr val="accent1"/>
+                      </a:solidFill>
+                      <a:prstDash val="solid"/>
+                      <a:round/>
+                      <a:headEnd type="none" w="med" len="med"/>
+                      <a:tailEnd type="none" w="med" len="med"/>
+                    </a:lnL>
+                    <a:lnR w="12700" cmpd="sng">
+                      <a:noFill/>
+                    </a:lnR>
+                    <a:lnT w="12700" cmpd="sng">
+                      <a:noFill/>
+                    </a:lnT>
+                    <a:lnB w="12700" cmpd="sng">
+                      <a:noFill/>
+                    </a:lnB>
+                    <a:lnTlToBr w="12700" cmpd="sng">
+                      <a:noFill/>
+                      <a:prstDash val="solid"/>
+                    </a:lnTlToBr>
+                    <a:lnBlToTr w="12700" cmpd="sng">
+                      <a:noFill/>
+                      <a:prstDash val="solid"/>
+                    </a:lnBlToTr>
+                  </a:tcPr>
+                </a:tc>
+                <a:tc>
+                  <a:txBody>
+                    <a:bodyPr/>
+                    <a:lstStyle/>
+                    <a:p>
+                      <a:pPr marL="0" marR="0" lvl="0" indent="0" algn="ctr" defTabSz="914400" rtl="0" eaLnBrk="1" fontAlgn="auto" latinLnBrk="1" hangingPunct="1">
+                        <a:lnSpc>
+                          <a:spcPct val="100000"/>
+                        </a:lnSpc>
+                        <a:spcBef>
+                          <a:spcPts val="0"/>
+                        </a:spcBef>
+                        <a:spcAft>
+                          <a:spcPts val="0"/>
+                        </a:spcAft>
+                        <a:buClrTx/>
+                        <a:buSzTx/>
+                        <a:buFontTx/>
+                        <a:buNone/>
+                        <a:tabLst/>
+                        <a:defRPr/>
+                      </a:pPr>
+                      <a:r>
+                        <a:rPr lang="en-US" altLang="ko-KR" sz="1400" dirty="0">
+                          <a:solidFill>
+                            <a:schemeClr val="tx1">
+                              <a:lumMod val="75000"/>
+                              <a:lumOff val="25000"/>
+                            </a:schemeClr>
+                          </a:solidFill>
+                          <a:cs typeface="Calibri" pitchFamily="34" charset="0"/>
+                        </a:rPr>
+                        <a:t>Capacity : 40 + 40</a:t>
+                      </a:r>
+                      <a:endParaRPr lang="ko-KR" altLang="en-US" sz="1400" dirty="0">
+                        <a:solidFill>
+                          <a:schemeClr val="tx1">
+                            <a:lumMod val="75000"/>
+                            <a:lumOff val="25000"/>
+                          </a:schemeClr>
+                        </a:solidFill>
+                        <a:cs typeface="Calibri" pitchFamily="34" charset="0"/>
+                      </a:endParaRPr>
+                    </a:p>
+                  </a:txBody>
+                  <a:tcPr anchor="ctr">
+                    <a:lnL w="12700" cmpd="sng">
+                      <a:noFill/>
+                    </a:lnL>
+                    <a:lnR w="12700" cmpd="sng">
+                      <a:noFill/>
+                    </a:lnR>
+                    <a:lnT w="12700" cmpd="sng">
+                      <a:noFill/>
+                    </a:lnT>
+                    <a:lnB w="19050" cap="flat" cmpd="sng" algn="ctr">
+                      <a:solidFill>
+                        <a:schemeClr val="accent1"/>
+                      </a:solidFill>
+                      <a:prstDash val="solid"/>
+                      <a:round/>
+                      <a:headEnd type="none" w="med" len="med"/>
+                      <a:tailEnd type="none" w="med" len="med"/>
+                    </a:lnB>
+                    <a:lnTlToBr w="12700" cmpd="sng">
+                      <a:noFill/>
+                      <a:prstDash val="solid"/>
+                    </a:lnTlToBr>
+                    <a:lnBlToTr w="12700" cmpd="sng">
+                      <a:noFill/>
+                      <a:prstDash val="solid"/>
+                    </a:lnBlToTr>
+                  </a:tcPr>
+                </a:tc>
+                <a:tc>
+                  <a:txBody>
+                    <a:bodyPr/>
+                    <a:lstStyle/>
+                    <a:p>
+                      <a:pPr algn="ctr" latinLnBrk="1"/>
+                      <a:endParaRPr lang="ko-KR" altLang="en-US" sz="1200" dirty="0">
+                        <a:solidFill>
+                          <a:schemeClr val="tx1">
+                            <a:lumMod val="75000"/>
+                            <a:lumOff val="25000"/>
+                          </a:schemeClr>
+                        </a:solidFill>
+                        <a:latin typeface="+mn-lt"/>
+                        <a:cs typeface="Arial" pitchFamily="34" charset="0"/>
+                      </a:endParaRPr>
+                    </a:p>
+                  </a:txBody>
+                  <a:tcPr anchor="ctr">
+                    <a:lnL w="12700" cmpd="sng">
+                      <a:noFill/>
+                    </a:lnL>
+                    <a:lnR w="38100" cap="flat" cmpd="sng" algn="ctr">
+                      <a:solidFill>
+                        <a:schemeClr val="accent1"/>
+                      </a:solidFill>
+                      <a:prstDash val="solid"/>
+                      <a:round/>
+                      <a:headEnd type="none" w="med" len="med"/>
+                      <a:tailEnd type="none" w="med" len="med"/>
+                    </a:lnR>
+                    <a:lnT w="12700" cmpd="sng">
+                      <a:noFill/>
+                    </a:lnT>
+                    <a:lnB w="12700" cmpd="sng">
+                      <a:noFill/>
+                    </a:lnB>
+                    <a:lnTlToBr w="12700" cmpd="sng">
+                      <a:noFill/>
+                      <a:prstDash val="solid"/>
+                    </a:lnTlToBr>
+                    <a:lnBlToTr w="12700" cmpd="sng">
+                      <a:noFill/>
+                      <a:prstDash val="solid"/>
+                    </a:lnBlToTr>
+                  </a:tcPr>
+                </a:tc>
+                <a:extLst>
+                  <a:ext uri="{0D108BD9-81ED-4DB2-BD59-A6C34878D82A}">
+                    <a16:rowId xmlns:a16="http://schemas.microsoft.com/office/drawing/2014/main" val="10002"/>
+                  </a:ext>
+                </a:extLst>
+              </a:tr>
+              <a:tr h="374400">
+                <a:tc rowSpan="3">
+                  <a:txBody>
+                    <a:bodyPr/>
+                    <a:lstStyle/>
+                    <a:p>
+                      <a:pPr algn="ctr" latinLnBrk="1"/>
+                      <a:endParaRPr lang="ko-KR" altLang="en-US" sz="1200">
+                        <a:solidFill>
+                          <a:schemeClr val="tx1">
+                            <a:lumMod val="75000"/>
+                            <a:lumOff val="25000"/>
+                          </a:schemeClr>
+                        </a:solidFill>
+                        <a:latin typeface="+mn-lt"/>
+                        <a:cs typeface="Arial" pitchFamily="34" charset="0"/>
+                      </a:endParaRPr>
+                    </a:p>
+                  </a:txBody>
+                  <a:tcPr>
+                    <a:lnL w="38100" cap="flat" cmpd="sng" algn="ctr">
+                      <a:solidFill>
+                        <a:schemeClr val="accent1"/>
+                      </a:solidFill>
+                      <a:prstDash val="solid"/>
+                      <a:round/>
+                      <a:headEnd type="none" w="med" len="med"/>
+                      <a:tailEnd type="none" w="med" len="med"/>
+                    </a:lnL>
+                    <a:lnR w="12700" cmpd="sng">
+                      <a:noFill/>
+                    </a:lnR>
+                    <a:lnT w="12700" cmpd="sng">
+                      <a:noFill/>
+                    </a:lnT>
+                    <a:lnB w="12700" cmpd="sng">
+                      <a:noFill/>
+                    </a:lnB>
+                    <a:lnTlToBr w="12700" cmpd="sng">
+                      <a:noFill/>
+                      <a:prstDash val="solid"/>
+                    </a:lnTlToBr>
+                    <a:lnBlToTr w="12700" cmpd="sng">
+                      <a:noFill/>
+                      <a:prstDash val="solid"/>
+                    </a:lnBlToTr>
+                  </a:tcPr>
+                </a:tc>
+                <a:tc>
+                  <a:txBody>
+                    <a:bodyPr/>
+                    <a:lstStyle/>
+                    <a:p>
+                      <a:pPr marL="0" marR="0" lvl="0" indent="0" algn="ctr" defTabSz="914400" rtl="0" eaLnBrk="1" fontAlgn="auto" latinLnBrk="1" hangingPunct="1">
+                        <a:lnSpc>
+                          <a:spcPct val="100000"/>
+                        </a:lnSpc>
+                        <a:spcBef>
+                          <a:spcPts val="0"/>
+                        </a:spcBef>
+                        <a:spcAft>
+                          <a:spcPts val="0"/>
+                        </a:spcAft>
+                        <a:buClrTx/>
+                        <a:buSzTx/>
+                        <a:buFontTx/>
+                        <a:buNone/>
+                        <a:tabLst/>
+                        <a:defRPr/>
+                      </a:pPr>
+                      <a:r>
+                        <a:rPr lang="fr-FR" altLang="ko-KR" sz="1400" dirty="0">
+                          <a:solidFill>
+                            <a:schemeClr val="tx1">
+                              <a:lumMod val="75000"/>
+                              <a:lumOff val="25000"/>
+                            </a:schemeClr>
+                          </a:solidFill>
+                          <a:cs typeface="Calibri" pitchFamily="34" charset="0"/>
+                        </a:rPr>
+                        <a:t>Av. speed : 20</a:t>
+                      </a:r>
+                      <a:r>
+                        <a:rPr lang="fr-FR" altLang="ko-KR" sz="1400" baseline="0" dirty="0">
+                          <a:solidFill>
+                            <a:schemeClr val="tx1">
+                              <a:lumMod val="75000"/>
+                              <a:lumOff val="25000"/>
+                            </a:schemeClr>
+                          </a:solidFill>
+                          <a:cs typeface="Calibri" pitchFamily="34" charset="0"/>
+                        </a:rPr>
+                        <a:t> km/h</a:t>
+                      </a:r>
+                      <a:endParaRPr lang="ko-KR" altLang="en-US" sz="1400" dirty="0">
+                        <a:solidFill>
+                          <a:schemeClr val="tx1">
+                            <a:lumMod val="75000"/>
+                            <a:lumOff val="25000"/>
+                          </a:schemeClr>
+                        </a:solidFill>
+                        <a:cs typeface="Calibri" pitchFamily="34" charset="0"/>
+                      </a:endParaRPr>
+                    </a:p>
+                  </a:txBody>
+                  <a:tcPr anchor="ctr">
+                    <a:lnL w="12700" cmpd="sng">
+                      <a:noFill/>
+                    </a:lnL>
+                    <a:lnR w="12700" cmpd="sng">
+                      <a:noFill/>
+                    </a:lnR>
+                    <a:lnT w="19050" cap="flat" cmpd="sng" algn="ctr">
+                      <a:solidFill>
+                        <a:schemeClr val="accent1"/>
+                      </a:solidFill>
+                      <a:prstDash val="solid"/>
+                      <a:round/>
+                      <a:headEnd type="none" w="med" len="med"/>
+                      <a:tailEnd type="none" w="med" len="med"/>
+                    </a:lnT>
+                    <a:lnB w="19050" cap="flat" cmpd="sng" algn="ctr">
+                      <a:solidFill>
+                        <a:schemeClr val="accent1"/>
+                      </a:solidFill>
+                      <a:prstDash val="solid"/>
+                      <a:round/>
+                      <a:headEnd type="none" w="med" len="med"/>
+                      <a:tailEnd type="none" w="med" len="med"/>
+                    </a:lnB>
+                    <a:lnTlToBr w="12700" cmpd="sng">
+                      <a:noFill/>
+                      <a:prstDash val="solid"/>
+                    </a:lnTlToBr>
+                    <a:lnBlToTr w="12700" cmpd="sng">
+                      <a:noFill/>
+                      <a:prstDash val="solid"/>
+                    </a:lnBlToTr>
+                  </a:tcPr>
+                </a:tc>
+                <a:tc rowSpan="3">
+                  <a:txBody>
+                    <a:bodyPr/>
+                    <a:lstStyle/>
+                    <a:p>
+                      <a:pPr algn="ctr" latinLnBrk="1"/>
+                      <a:endParaRPr lang="ko-KR" altLang="en-US" sz="1200" dirty="0">
+                        <a:solidFill>
+                          <a:schemeClr val="tx1">
+                            <a:lumMod val="75000"/>
+                            <a:lumOff val="25000"/>
+                          </a:schemeClr>
+                        </a:solidFill>
+                        <a:latin typeface="+mn-lt"/>
+                        <a:cs typeface="Arial" pitchFamily="34" charset="0"/>
+                      </a:endParaRPr>
+                    </a:p>
+                  </a:txBody>
+                  <a:tcPr anchor="ctr">
+                    <a:lnL w="12700" cmpd="sng">
+                      <a:noFill/>
+                    </a:lnL>
+                    <a:lnR w="38100" cap="flat" cmpd="sng" algn="ctr">
+                      <a:solidFill>
+                        <a:schemeClr val="accent1"/>
+                      </a:solidFill>
+                      <a:prstDash val="solid"/>
+                      <a:round/>
+                      <a:headEnd type="none" w="med" len="med"/>
+                      <a:tailEnd type="none" w="med" len="med"/>
+                    </a:lnR>
+                    <a:lnT w="12700" cmpd="sng">
+                      <a:noFill/>
+                    </a:lnT>
+                    <a:lnB w="12700" cmpd="sng">
+                      <a:noFill/>
+                    </a:lnB>
+                    <a:lnTlToBr w="12700" cmpd="sng">
+                      <a:noFill/>
+                      <a:prstDash val="solid"/>
+                    </a:lnTlToBr>
+                    <a:lnBlToTr w="12700" cmpd="sng">
+                      <a:noFill/>
+                      <a:prstDash val="solid"/>
+                    </a:lnBlToTr>
+                  </a:tcPr>
+                </a:tc>
+                <a:extLst>
+                  <a:ext uri="{0D108BD9-81ED-4DB2-BD59-A6C34878D82A}">
+                    <a16:rowId xmlns:a16="http://schemas.microsoft.com/office/drawing/2014/main" val="10003"/>
+                  </a:ext>
+                </a:extLst>
+              </a:tr>
+              <a:tr h="374400">
+                <a:tc vMerge="1">
+                  <a:txBody>
+                    <a:bodyPr/>
+                    <a:lstStyle/>
+                    <a:p>
+                      <a:pPr latinLnBrk="1"/>
+                      <a:endParaRPr lang="ko-KR" altLang="en-US"/>
+                    </a:p>
+                  </a:txBody>
+                  <a:tcPr/>
+                </a:tc>
+                <a:tc>
+                  <a:txBody>
+                    <a:bodyPr/>
+                    <a:lstStyle/>
+                    <a:p>
+                      <a:pPr marL="0" marR="0" lvl="0" indent="0" algn="ctr" defTabSz="914400" rtl="0" eaLnBrk="1" fontAlgn="auto" latinLnBrk="1" hangingPunct="1">
+                        <a:lnSpc>
+                          <a:spcPct val="100000"/>
+                        </a:lnSpc>
+                        <a:spcBef>
+                          <a:spcPts val="0"/>
+                        </a:spcBef>
+                        <a:spcAft>
+                          <a:spcPts val="0"/>
+                        </a:spcAft>
+                        <a:buClrTx/>
+                        <a:buSzTx/>
+                        <a:buFontTx/>
+                        <a:buNone/>
+                        <a:tabLst/>
+                        <a:defRPr/>
+                      </a:pPr>
+                      <a:r>
+                        <a:rPr lang="en-US" altLang="ko-KR" sz="1400" dirty="0">
+                          <a:solidFill>
+                            <a:schemeClr val="tx1">
+                              <a:lumMod val="75000"/>
+                              <a:lumOff val="25000"/>
+                            </a:schemeClr>
+                          </a:solidFill>
+                          <a:cs typeface="Calibri" pitchFamily="34" charset="0"/>
+                        </a:rPr>
+                        <a:t>Unit cost : 400 000 €</a:t>
+                      </a:r>
+                      <a:endParaRPr lang="ko-KR" altLang="en-US" sz="1400" dirty="0">
+                        <a:solidFill>
+                          <a:schemeClr val="tx1">
+                            <a:lumMod val="75000"/>
+                            <a:lumOff val="25000"/>
+                          </a:schemeClr>
+                        </a:solidFill>
+                        <a:cs typeface="Calibri" pitchFamily="34" charset="0"/>
+                      </a:endParaRPr>
+                    </a:p>
+                  </a:txBody>
+                  <a:tcPr anchor="ctr">
+                    <a:lnL w="12700" cmpd="sng">
+                      <a:noFill/>
+                    </a:lnL>
+                    <a:lnR w="12700" cmpd="sng">
+                      <a:noFill/>
+                    </a:lnR>
+                    <a:lnT w="19050" cap="flat" cmpd="sng" algn="ctr">
+                      <a:solidFill>
+                        <a:schemeClr val="accent1"/>
+                      </a:solidFill>
+                      <a:prstDash val="solid"/>
+                      <a:round/>
+                      <a:headEnd type="none" w="med" len="med"/>
+                      <a:tailEnd type="none" w="med" len="med"/>
+                    </a:lnT>
+                    <a:lnB w="19050" cap="flat" cmpd="sng" algn="ctr">
+                      <a:solidFill>
+                        <a:schemeClr val="accent1"/>
+                      </a:solidFill>
+                      <a:prstDash val="solid"/>
+                      <a:round/>
+                      <a:headEnd type="none" w="med" len="med"/>
+                      <a:tailEnd type="none" w="med" len="med"/>
+                    </a:lnB>
+                    <a:lnTlToBr w="12700" cmpd="sng">
+                      <a:noFill/>
+                      <a:prstDash val="solid"/>
+                    </a:lnTlToBr>
+                    <a:lnBlToTr w="12700" cmpd="sng">
+                      <a:noFill/>
+                      <a:prstDash val="solid"/>
+                    </a:lnBlToTr>
+                  </a:tcPr>
+                </a:tc>
+                <a:tc vMerge="1">
+                  <a:txBody>
+                    <a:bodyPr/>
+                    <a:lstStyle/>
+                    <a:p>
+                      <a:pPr latinLnBrk="1"/>
+                      <a:endParaRPr lang="ko-KR" altLang="en-US"/>
+                    </a:p>
+                  </a:txBody>
+                  <a:tcPr/>
+                </a:tc>
+                <a:extLst>
+                  <a:ext uri="{0D108BD9-81ED-4DB2-BD59-A6C34878D82A}">
+                    <a16:rowId xmlns:a16="http://schemas.microsoft.com/office/drawing/2014/main" val="2438299362"/>
+                  </a:ext>
+                </a:extLst>
+              </a:tr>
+              <a:tr h="374737">
+                <a:tc vMerge="1">
+                  <a:txBody>
+                    <a:bodyPr/>
+                    <a:lstStyle/>
+                    <a:p>
+                      <a:pPr latinLnBrk="1"/>
+                      <a:endParaRPr lang="ko-KR" altLang="en-US"/>
+                    </a:p>
+                  </a:txBody>
+                  <a:tcPr/>
+                </a:tc>
+                <a:tc>
+                  <a:txBody>
+                    <a:bodyPr/>
+                    <a:lstStyle/>
+                    <a:p>
+                      <a:pPr marL="0" marR="0" lvl="0" indent="0" algn="ctr" defTabSz="914400" rtl="0" eaLnBrk="1" fontAlgn="auto" latinLnBrk="1" hangingPunct="1">
+                        <a:lnSpc>
+                          <a:spcPct val="100000"/>
+                        </a:lnSpc>
+                        <a:spcBef>
+                          <a:spcPts val="0"/>
+                        </a:spcBef>
+                        <a:spcAft>
+                          <a:spcPts val="0"/>
+                        </a:spcAft>
+                        <a:buClrTx/>
+                        <a:buSzTx/>
+                        <a:buFontTx/>
+                        <a:buNone/>
+                        <a:tabLst/>
+                        <a:defRPr/>
+                      </a:pPr>
+                      <a:r>
+                        <a:rPr lang="en-US" altLang="ko-KR" sz="1400" dirty="0">
+                          <a:solidFill>
+                            <a:schemeClr val="tx1">
+                              <a:lumMod val="75000"/>
+                              <a:lumOff val="25000"/>
+                            </a:schemeClr>
+                          </a:solidFill>
+                          <a:cs typeface="Calibri" pitchFamily="34" charset="0"/>
+                        </a:rPr>
+                        <a:t>Operational cost : </a:t>
+                      </a:r>
+                    </a:p>
+                    <a:p>
+                      <a:pPr marL="0" marR="0" lvl="0" indent="0" algn="ctr" defTabSz="914400" rtl="0" eaLnBrk="1" fontAlgn="auto" latinLnBrk="1" hangingPunct="1">
+                        <a:lnSpc>
+                          <a:spcPct val="100000"/>
+                        </a:lnSpc>
+                        <a:spcBef>
+                          <a:spcPts val="0"/>
+                        </a:spcBef>
+                        <a:spcAft>
+                          <a:spcPts val="0"/>
+                        </a:spcAft>
+                        <a:buClrTx/>
+                        <a:buSzTx/>
+                        <a:buFontTx/>
+                        <a:buNone/>
+                        <a:tabLst/>
+                        <a:defRPr/>
+                      </a:pPr>
+                      <a:r>
+                        <a:rPr lang="en-US" altLang="ko-KR" sz="1400" dirty="0">
+                          <a:solidFill>
+                            <a:schemeClr val="tx1">
+                              <a:lumMod val="75000"/>
+                              <a:lumOff val="25000"/>
+                            </a:schemeClr>
+                          </a:solidFill>
+                          <a:cs typeface="Calibri" pitchFamily="34" charset="0"/>
+                        </a:rPr>
+                        <a:t>1 600 €</a:t>
+                      </a:r>
+                      <a:endParaRPr lang="ko-KR" altLang="en-US" sz="1400" dirty="0">
+                        <a:solidFill>
+                          <a:schemeClr val="tx1">
+                            <a:lumMod val="75000"/>
+                            <a:lumOff val="25000"/>
+                          </a:schemeClr>
+                        </a:solidFill>
+                        <a:cs typeface="Calibri" pitchFamily="34" charset="0"/>
+                      </a:endParaRPr>
+                    </a:p>
+                  </a:txBody>
+                  <a:tcPr anchor="ctr">
+                    <a:lnL w="12700" cmpd="sng">
+                      <a:noFill/>
+                    </a:lnL>
+                    <a:lnR w="12700" cmpd="sng">
+                      <a:noFill/>
+                    </a:lnR>
+                    <a:lnT w="19050" cap="flat" cmpd="sng" algn="ctr">
+                      <a:solidFill>
+                        <a:schemeClr val="accent1"/>
+                      </a:solidFill>
+                      <a:prstDash val="solid"/>
+                      <a:round/>
+                      <a:headEnd type="none" w="med" len="med"/>
+                      <a:tailEnd type="none" w="med" len="med"/>
+                    </a:lnT>
+                    <a:lnB w="19050" cap="flat" cmpd="sng" algn="ctr">
+                      <a:solidFill>
+                        <a:schemeClr val="accent1"/>
+                      </a:solidFill>
+                      <a:prstDash val="solid"/>
+                      <a:round/>
+                      <a:headEnd type="none" w="med" len="med"/>
+                      <a:tailEnd type="none" w="med" len="med"/>
+                    </a:lnB>
+                    <a:lnTlToBr w="12700" cmpd="sng">
+                      <a:noFill/>
+                      <a:prstDash val="solid"/>
+                    </a:lnTlToBr>
+                    <a:lnBlToTr w="12700" cmpd="sng">
+                      <a:noFill/>
+                      <a:prstDash val="solid"/>
+                    </a:lnBlToTr>
+                  </a:tcPr>
+                </a:tc>
+                <a:tc vMerge="1">
+                  <a:txBody>
+                    <a:bodyPr/>
+                    <a:lstStyle/>
+                    <a:p>
+                      <a:pPr latinLnBrk="1"/>
+                      <a:endParaRPr lang="ko-KR" altLang="en-US"/>
+                    </a:p>
+                  </a:txBody>
+                  <a:tcPr/>
+                </a:tc>
+                <a:extLst>
+                  <a:ext uri="{0D108BD9-81ED-4DB2-BD59-A6C34878D82A}">
+                    <a16:rowId xmlns:a16="http://schemas.microsoft.com/office/drawing/2014/main" val="2467484864"/>
+                  </a:ext>
+                </a:extLst>
+              </a:tr>
+              <a:tr h="149895">
+                <a:tc>
+                  <a:txBody>
+                    <a:bodyPr/>
+                    <a:lstStyle/>
+                    <a:p>
+                      <a:pPr algn="ctr" latinLnBrk="1"/>
+                      <a:endParaRPr lang="ko-KR" altLang="en-US" sz="100" baseline="0" dirty="0">
+                        <a:solidFill>
+                          <a:schemeClr val="tx1">
+                            <a:lumMod val="75000"/>
+                            <a:lumOff val="25000"/>
+                          </a:schemeClr>
+                        </a:solidFill>
+                        <a:latin typeface="+mn-lt"/>
+                        <a:cs typeface="Arial" pitchFamily="34" charset="0"/>
+                      </a:endParaRPr>
+                    </a:p>
+                  </a:txBody>
+                  <a:tcPr>
+                    <a:lnL w="38100" cap="flat" cmpd="sng" algn="ctr">
+                      <a:solidFill>
+                        <a:schemeClr val="accent1"/>
+                      </a:solidFill>
+                      <a:prstDash val="solid"/>
+                      <a:round/>
+                      <a:headEnd type="none" w="med" len="med"/>
+                      <a:tailEnd type="none" w="med" len="med"/>
+                    </a:lnL>
+                    <a:lnR w="12700" cmpd="sng">
+                      <a:noFill/>
+                    </a:lnR>
+                    <a:lnT w="12700" cmpd="sng">
+                      <a:noFill/>
+                    </a:lnT>
+                    <a:lnB w="12700" cmpd="sng">
+                      <a:noFill/>
+                    </a:lnB>
+                    <a:lnTlToBr w="12700" cmpd="sng">
+                      <a:noFill/>
+                      <a:prstDash val="solid"/>
+                    </a:lnTlToBr>
+                    <a:lnBlToTr w="12700" cmpd="sng">
+                      <a:noFill/>
+                      <a:prstDash val="solid"/>
+                    </a:lnBlToTr>
+                  </a:tcPr>
+                </a:tc>
+                <a:tc>
+                  <a:txBody>
+                    <a:bodyPr/>
+                    <a:lstStyle/>
+                    <a:p>
+                      <a:pPr algn="ctr" latinLnBrk="1"/>
+                      <a:endParaRPr lang="ko-KR" altLang="en-US" sz="100" baseline="0" dirty="0">
+                        <a:solidFill>
+                          <a:schemeClr val="tx1">
+                            <a:lumMod val="75000"/>
+                            <a:lumOff val="25000"/>
+                          </a:schemeClr>
+                        </a:solidFill>
+                        <a:latin typeface="+mn-lt"/>
+                        <a:cs typeface="Arial" pitchFamily="34" charset="0"/>
+                      </a:endParaRPr>
+                    </a:p>
+                  </a:txBody>
+                  <a:tcPr anchor="ctr">
+                    <a:lnL w="12700" cmpd="sng">
+                      <a:noFill/>
+                    </a:lnL>
+                    <a:lnR w="12700" cmpd="sng">
+                      <a:noFill/>
+                    </a:lnR>
+                    <a:lnT w="19050" cap="flat" cmpd="sng" algn="ctr">
+                      <a:solidFill>
+                        <a:schemeClr val="accent1"/>
+                      </a:solidFill>
+                      <a:prstDash val="solid"/>
+                      <a:round/>
+                      <a:headEnd type="none" w="med" len="med"/>
+                      <a:tailEnd type="none" w="med" len="med"/>
+                    </a:lnT>
+                    <a:lnB w="28575" cap="flat" cmpd="sng" algn="ctr">
+                      <a:noFill/>
+                      <a:prstDash val="solid"/>
+                      <a:round/>
+                      <a:headEnd type="none" w="med" len="med"/>
+                      <a:tailEnd type="none" w="med" len="med"/>
+                    </a:lnB>
+                    <a:lnTlToBr w="12700" cmpd="sng">
+                      <a:noFill/>
+                      <a:prstDash val="solid"/>
+                    </a:lnTlToBr>
+                    <a:lnBlToTr w="12700" cmpd="sng">
+                      <a:noFill/>
+                      <a:prstDash val="solid"/>
+                    </a:lnBlToTr>
+                  </a:tcPr>
+                </a:tc>
+                <a:tc>
+                  <a:txBody>
+                    <a:bodyPr/>
+                    <a:lstStyle/>
+                    <a:p>
+                      <a:pPr algn="ctr" latinLnBrk="1"/>
+                      <a:endParaRPr lang="ko-KR" altLang="en-US" sz="100" baseline="0" dirty="0">
+                        <a:solidFill>
+                          <a:schemeClr val="tx1">
+                            <a:lumMod val="75000"/>
+                            <a:lumOff val="25000"/>
+                          </a:schemeClr>
+                        </a:solidFill>
+                        <a:latin typeface="+mn-lt"/>
+                        <a:cs typeface="Arial" pitchFamily="34" charset="0"/>
+                      </a:endParaRPr>
+                    </a:p>
+                  </a:txBody>
+                  <a:tcPr anchor="ctr">
+                    <a:lnL w="12700" cmpd="sng">
+                      <a:noFill/>
+                    </a:lnL>
+                    <a:lnR w="38100" cap="flat" cmpd="sng" algn="ctr">
+                      <a:solidFill>
+                        <a:schemeClr val="accent1"/>
+                      </a:solidFill>
+                      <a:prstDash val="solid"/>
+                      <a:round/>
+                      <a:headEnd type="none" w="med" len="med"/>
+                      <a:tailEnd type="none" w="med" len="med"/>
+                    </a:lnR>
+                    <a:lnT w="12700" cmpd="sng">
+                      <a:noFill/>
+                    </a:lnT>
+                    <a:lnB w="12700" cmpd="sng">
+                      <a:noFill/>
+                    </a:lnB>
+                    <a:lnTlToBr w="12700" cmpd="sng">
+                      <a:noFill/>
+                      <a:prstDash val="solid"/>
+                    </a:lnTlToBr>
+                    <a:lnBlToTr w="12700" cmpd="sng">
+                      <a:noFill/>
+                      <a:prstDash val="solid"/>
+                    </a:lnBlToTr>
+                  </a:tcPr>
+                </a:tc>
+                <a:extLst>
+                  <a:ext uri="{0D108BD9-81ED-4DB2-BD59-A6C34878D82A}">
+                    <a16:rowId xmlns:a16="http://schemas.microsoft.com/office/drawing/2014/main" val="10004"/>
+                  </a:ext>
+                </a:extLst>
+              </a:tr>
+              <a:tr h="349005">
+                <a:tc>
+                  <a:txBody>
+                    <a:bodyPr/>
+                    <a:lstStyle/>
+                    <a:p>
+                      <a:pPr algn="ctr" latinLnBrk="1"/>
+                      <a:endParaRPr lang="ko-KR" altLang="en-US" sz="1200" dirty="0">
+                        <a:solidFill>
+                          <a:schemeClr val="tx1">
+                            <a:lumMod val="75000"/>
+                            <a:lumOff val="25000"/>
+                          </a:schemeClr>
+                        </a:solidFill>
+                        <a:latin typeface="+mn-lt"/>
+                        <a:cs typeface="Arial" pitchFamily="34" charset="0"/>
+                      </a:endParaRPr>
+                    </a:p>
+                  </a:txBody>
+                  <a:tcPr>
+                    <a:lnL w="38100" cap="flat" cmpd="sng" algn="ctr">
+                      <a:solidFill>
+                        <a:schemeClr val="accent1"/>
+                      </a:solidFill>
+                      <a:prstDash val="solid"/>
+                      <a:round/>
+                      <a:headEnd type="none" w="med" len="med"/>
+                      <a:tailEnd type="none" w="med" len="med"/>
+                    </a:lnL>
+                    <a:lnR w="28575" cap="flat" cmpd="sng" algn="ctr">
+                      <a:noFill/>
+                      <a:prstDash val="solid"/>
+                      <a:round/>
+                      <a:headEnd type="none" w="med" len="med"/>
+                      <a:tailEnd type="none" w="med" len="med"/>
+                    </a:lnR>
+                    <a:lnT w="12700" cmpd="sng">
+                      <a:noFill/>
+                    </a:lnT>
+                    <a:lnB w="12700" cmpd="sng">
+                      <a:noFill/>
+                    </a:lnB>
+                    <a:lnTlToBr w="12700" cmpd="sng">
+                      <a:noFill/>
+                      <a:prstDash val="solid"/>
+                    </a:lnTlToBr>
+                    <a:lnBlToTr w="12700" cmpd="sng">
+                      <a:noFill/>
+                      <a:prstDash val="solid"/>
+                    </a:lnBlToTr>
+                  </a:tcPr>
+                </a:tc>
+                <a:tc>
+                  <a:txBody>
+                    <a:bodyPr/>
+                    <a:lstStyle/>
+                    <a:p>
+                      <a:pPr algn="ctr" latinLnBrk="1"/>
+                      <a:r>
+                        <a:rPr lang="en-US" altLang="ko-KR" sz="1600" b="1" dirty="0">
+                          <a:solidFill>
+                            <a:schemeClr val="tx1"/>
+                          </a:solidFill>
+                          <a:latin typeface="+mn-lt"/>
+                          <a:cs typeface="Arial" pitchFamily="34" charset="0"/>
+                        </a:rPr>
+                        <a:t>S3</a:t>
+                      </a:r>
+                      <a:endParaRPr lang="ko-KR" altLang="en-US" sz="1600" b="1" dirty="0">
+                        <a:solidFill>
+                          <a:schemeClr val="tx1"/>
+                        </a:solidFill>
+                        <a:latin typeface="+mn-lt"/>
+                        <a:cs typeface="Arial" pitchFamily="34" charset="0"/>
+                      </a:endParaRPr>
+                    </a:p>
+                  </a:txBody>
+                  <a:tcPr anchor="ctr">
+                    <a:lnL w="28575" cap="flat" cmpd="sng" algn="ctr">
+                      <a:noFill/>
+                      <a:prstDash val="solid"/>
+                      <a:round/>
+                      <a:headEnd type="none" w="med" len="med"/>
+                      <a:tailEnd type="none" w="med" len="med"/>
+                    </a:lnL>
+                    <a:lnR w="28575" cap="flat" cmpd="sng" algn="ctr">
+                      <a:noFill/>
+                      <a:prstDash val="solid"/>
+                      <a:round/>
+                      <a:headEnd type="none" w="med" len="med"/>
+                      <a:tailEnd type="none" w="med" len="med"/>
+                    </a:lnR>
+                    <a:lnT w="28575" cap="flat" cmpd="sng" algn="ctr">
+                      <a:noFill/>
+                      <a:prstDash val="solid"/>
+                      <a:round/>
+                      <a:headEnd type="none" w="med" len="med"/>
+                      <a:tailEnd type="none" w="med" len="med"/>
+                    </a:lnT>
+                    <a:lnB w="28575" cap="flat" cmpd="sng" algn="ctr">
+                      <a:noFill/>
+                      <a:prstDash val="solid"/>
+                      <a:round/>
+                      <a:headEnd type="none" w="med" len="med"/>
+                      <a:tailEnd type="none" w="med" len="med"/>
+                    </a:lnB>
+                    <a:lnTlToBr w="12700" cmpd="sng">
+                      <a:noFill/>
+                      <a:prstDash val="solid"/>
+                    </a:lnTlToBr>
+                    <a:lnBlToTr w="12700" cmpd="sng">
+                      <a:noFill/>
+                      <a:prstDash val="solid"/>
+                    </a:lnBlToTr>
+                    <a:solidFill>
+                      <a:schemeClr val="accent1"/>
+                    </a:solidFill>
+                  </a:tcPr>
+                </a:tc>
+                <a:tc>
+                  <a:txBody>
+                    <a:bodyPr/>
+                    <a:lstStyle/>
+                    <a:p>
+                      <a:pPr algn="ctr" latinLnBrk="1"/>
+                      <a:endParaRPr lang="ko-KR" altLang="en-US" sz="1600" b="1" dirty="0">
+                        <a:solidFill>
+                          <a:schemeClr val="tx1">
+                            <a:lumMod val="75000"/>
+                            <a:lumOff val="25000"/>
+                          </a:schemeClr>
+                        </a:solidFill>
+                        <a:latin typeface="+mn-lt"/>
+                        <a:cs typeface="Arial" pitchFamily="34" charset="0"/>
+                      </a:endParaRPr>
+                    </a:p>
+                  </a:txBody>
+                  <a:tcPr anchor="ctr">
+                    <a:lnL w="28575" cap="flat" cmpd="sng" algn="ctr">
+                      <a:noFill/>
+                      <a:prstDash val="solid"/>
+                      <a:round/>
+                      <a:headEnd type="none" w="med" len="med"/>
+                      <a:tailEnd type="none" w="med" len="med"/>
+                    </a:lnL>
+                    <a:lnR w="38100" cap="flat" cmpd="sng" algn="ctr">
+                      <a:solidFill>
+                        <a:schemeClr val="accent1"/>
+                      </a:solidFill>
+                      <a:prstDash val="solid"/>
+                      <a:round/>
+                      <a:headEnd type="none" w="med" len="med"/>
+                      <a:tailEnd type="none" w="med" len="med"/>
+                    </a:lnR>
+                    <a:lnT w="12700" cmpd="sng">
+                      <a:noFill/>
+                    </a:lnT>
+                    <a:lnB w="12700" cmpd="sng">
+                      <a:noFill/>
+                    </a:lnB>
+                    <a:lnTlToBr w="12700" cmpd="sng">
+                      <a:noFill/>
+                      <a:prstDash val="solid"/>
+                    </a:lnTlToBr>
+                    <a:lnBlToTr w="12700" cmpd="sng">
+                      <a:noFill/>
+                      <a:prstDash val="solid"/>
+                    </a:lnBlToTr>
+                  </a:tcPr>
+                </a:tc>
+                <a:extLst>
+                  <a:ext uri="{0D108BD9-81ED-4DB2-BD59-A6C34878D82A}">
+                    <a16:rowId xmlns:a16="http://schemas.microsoft.com/office/drawing/2014/main" val="10005"/>
+                  </a:ext>
+                </a:extLst>
+              </a:tr>
+              <a:tr h="149895">
+                <a:tc>
+                  <a:txBody>
+                    <a:bodyPr/>
+                    <a:lstStyle/>
+                    <a:p>
+                      <a:pPr algn="ctr" latinLnBrk="1"/>
+                      <a:endParaRPr lang="ko-KR" altLang="en-US" sz="100" baseline="0" dirty="0">
+                        <a:solidFill>
+                          <a:schemeClr val="tx1">
+                            <a:lumMod val="75000"/>
+                            <a:lumOff val="25000"/>
+                          </a:schemeClr>
+                        </a:solidFill>
+                        <a:latin typeface="+mn-lt"/>
+                        <a:cs typeface="Arial" pitchFamily="34" charset="0"/>
+                      </a:endParaRPr>
+                    </a:p>
+                  </a:txBody>
+                  <a:tcPr>
+                    <a:lnL w="38100" cap="flat" cmpd="sng" algn="ctr">
+                      <a:solidFill>
+                        <a:schemeClr val="accent1"/>
+                      </a:solidFill>
+                      <a:prstDash val="solid"/>
+                      <a:round/>
+                      <a:headEnd type="none" w="med" len="med"/>
+                      <a:tailEnd type="none" w="med" len="med"/>
+                    </a:lnL>
+                    <a:lnR w="12700" cmpd="sng">
+                      <a:noFill/>
+                    </a:lnR>
+                    <a:lnT w="12700" cmpd="sng">
+                      <a:noFill/>
+                    </a:lnT>
+                    <a:lnB w="38100" cap="flat" cmpd="sng" algn="ctr">
+                      <a:solidFill>
+                        <a:schemeClr val="accent1"/>
+                      </a:solidFill>
+                      <a:prstDash val="solid"/>
+                      <a:round/>
+                      <a:headEnd type="none" w="med" len="med"/>
+                      <a:tailEnd type="none" w="med" len="med"/>
+                    </a:lnB>
+                    <a:lnTlToBr w="12700" cmpd="sng">
+                      <a:noFill/>
+                      <a:prstDash val="solid"/>
+                    </a:lnTlToBr>
+                    <a:lnBlToTr w="12700" cmpd="sng">
+                      <a:noFill/>
+                      <a:prstDash val="solid"/>
+                    </a:lnBlToTr>
+                  </a:tcPr>
+                </a:tc>
+                <a:tc>
+                  <a:txBody>
+                    <a:bodyPr/>
+                    <a:lstStyle/>
+                    <a:p>
+                      <a:pPr algn="ctr" latinLnBrk="1"/>
+                      <a:endParaRPr lang="ko-KR" altLang="en-US" sz="100" baseline="0" dirty="0">
+                        <a:solidFill>
+                          <a:schemeClr val="tx1">
+                            <a:lumMod val="75000"/>
+                            <a:lumOff val="25000"/>
+                          </a:schemeClr>
+                        </a:solidFill>
+                        <a:latin typeface="+mn-lt"/>
+                        <a:cs typeface="Arial" pitchFamily="34" charset="0"/>
+                      </a:endParaRPr>
+                    </a:p>
+                  </a:txBody>
+                  <a:tcPr anchor="ctr">
+                    <a:lnL w="12700" cmpd="sng">
+                      <a:noFill/>
+                    </a:lnL>
+                    <a:lnR w="12700" cmpd="sng">
+                      <a:noFill/>
+                    </a:lnR>
+                    <a:lnT w="28575" cap="flat" cmpd="sng" algn="ctr">
+                      <a:noFill/>
+                      <a:prstDash val="solid"/>
+                      <a:round/>
+                      <a:headEnd type="none" w="med" len="med"/>
+                      <a:tailEnd type="none" w="med" len="med"/>
+                    </a:lnT>
+                    <a:lnB w="38100" cap="flat" cmpd="sng" algn="ctr">
+                      <a:solidFill>
+                        <a:schemeClr val="accent1"/>
+                      </a:solidFill>
+                      <a:prstDash val="solid"/>
+                      <a:round/>
+                      <a:headEnd type="none" w="med" len="med"/>
+                      <a:tailEnd type="none" w="med" len="med"/>
+                    </a:lnB>
+                    <a:lnTlToBr w="12700" cmpd="sng">
+                      <a:noFill/>
+                      <a:prstDash val="solid"/>
+                    </a:lnTlToBr>
+                    <a:lnBlToTr w="12700" cmpd="sng">
+                      <a:noFill/>
+                      <a:prstDash val="solid"/>
+                    </a:lnBlToTr>
+                  </a:tcPr>
+                </a:tc>
+                <a:tc>
+                  <a:txBody>
+                    <a:bodyPr/>
+                    <a:lstStyle/>
+                    <a:p>
+                      <a:pPr algn="ctr" latinLnBrk="1"/>
+                      <a:endParaRPr lang="ko-KR" altLang="en-US" sz="100" baseline="0" dirty="0">
+                        <a:solidFill>
+                          <a:schemeClr val="tx1">
+                            <a:lumMod val="75000"/>
+                            <a:lumOff val="25000"/>
+                          </a:schemeClr>
+                        </a:solidFill>
+                        <a:latin typeface="+mn-lt"/>
+                        <a:cs typeface="Arial" pitchFamily="34" charset="0"/>
+                      </a:endParaRPr>
+                    </a:p>
+                  </a:txBody>
+                  <a:tcPr anchor="ctr">
+                    <a:lnL w="12700" cmpd="sng">
+                      <a:noFill/>
+                    </a:lnL>
+                    <a:lnR w="38100" cap="flat" cmpd="sng" algn="ctr">
+                      <a:solidFill>
+                        <a:schemeClr val="accent1"/>
+                      </a:solidFill>
+                      <a:prstDash val="solid"/>
+                      <a:round/>
+                      <a:headEnd type="none" w="med" len="med"/>
+                      <a:tailEnd type="none" w="med" len="med"/>
+                    </a:lnR>
+                    <a:lnT w="12700" cmpd="sng">
+                      <a:noFill/>
+                    </a:lnT>
+                    <a:lnB w="38100" cap="flat" cmpd="sng" algn="ctr">
+                      <a:solidFill>
+                        <a:schemeClr val="accent1"/>
+                      </a:solidFill>
+                      <a:prstDash val="solid"/>
+                      <a:round/>
+                      <a:headEnd type="none" w="med" len="med"/>
+                      <a:tailEnd type="none" w="med" len="med"/>
+                    </a:lnB>
+                    <a:lnTlToBr w="12700" cmpd="sng">
+                      <a:noFill/>
+                      <a:prstDash val="solid"/>
+                    </a:lnTlToBr>
+                    <a:lnBlToTr w="12700" cmpd="sng">
+                      <a:noFill/>
+                      <a:prstDash val="solid"/>
+                    </a:lnBlToTr>
+                  </a:tcPr>
+                </a:tc>
+                <a:extLst>
+                  <a:ext uri="{0D108BD9-81ED-4DB2-BD59-A6C34878D82A}">
+                    <a16:rowId xmlns:a16="http://schemas.microsoft.com/office/drawing/2014/main" val="10006"/>
+                  </a:ext>
+                </a:extLst>
+              </a:tr>
+            </a:tbl>
+          </a:graphicData>
+        </a:graphic>
+      </p:graphicFrame>
+      <p:graphicFrame>
+        <p:nvGraphicFramePr>
+          <p:cNvPr id="8" name="Table 3">
+            <a:extLst>
+              <a:ext uri="{FF2B5EF4-FFF2-40B4-BE49-F238E27FC236}">
+                <a16:creationId xmlns:a16="http://schemas.microsoft.com/office/drawing/2014/main" id="{A12A1A72-9B2D-4863-B80E-AB4C41B6CBC3}"/>
+              </a:ext>
+            </a:extLst>
+          </p:cNvPr>
+          <p:cNvGraphicFramePr>
+            <a:graphicFrameLocks noGrp="1"/>
+          </p:cNvGraphicFramePr>
+          <p:nvPr>
+            <p:extLst>
+              <p:ext uri="{D42A27DB-BD31-4B8C-83A1-F6EECF244321}">
+                <p14:modId xmlns:p14="http://schemas.microsoft.com/office/powerpoint/2010/main" val="3912290536"/>
+              </p:ext>
+            </p:extLst>
+          </p:nvPr>
+        </p:nvGraphicFramePr>
+        <p:xfrm>
+          <a:off x="9459412" y="2070895"/>
+          <a:ext cx="2348075" cy="3901862"/>
+        </p:xfrm>
+        <a:graphic>
+          <a:graphicData uri="http://schemas.openxmlformats.org/drawingml/2006/table">
+            <a:tbl>
+              <a:tblPr firstRow="1" bandRow="1">
+                <a:tableStyleId>{5940675A-B579-460E-94D1-54222C63F5DA}</a:tableStyleId>
+              </a:tblPr>
+              <a:tblGrid>
+                <a:gridCol w="254117">
+                  <a:extLst>
+                    <a:ext uri="{9D8B030D-6E8A-4147-A177-3AD203B41FA5}">
+                      <a16:colId xmlns:a16="http://schemas.microsoft.com/office/drawing/2014/main" val="20000"/>
+                    </a:ext>
+                  </a:extLst>
+                </a:gridCol>
+                <a:gridCol w="1800000">
+                  <a:extLst>
+                    <a:ext uri="{9D8B030D-6E8A-4147-A177-3AD203B41FA5}">
+                      <a16:colId xmlns:a16="http://schemas.microsoft.com/office/drawing/2014/main" val="20001"/>
+                    </a:ext>
+                  </a:extLst>
+                </a:gridCol>
+                <a:gridCol w="293958">
+                  <a:extLst>
+                    <a:ext uri="{9D8B030D-6E8A-4147-A177-3AD203B41FA5}">
+                      <a16:colId xmlns:a16="http://schemas.microsoft.com/office/drawing/2014/main" val="20002"/>
+                    </a:ext>
+                  </a:extLst>
+                </a:gridCol>
+              </a:tblGrid>
+              <a:tr h="1611370">
+                <a:tc gridSpan="3">
+                  <a:txBody>
+                    <a:bodyPr/>
+                    <a:lstStyle/>
+                    <a:p>
+                      <a:pPr marL="0" marR="0" indent="0" algn="ctr" defTabSz="914400" rtl="0" eaLnBrk="1" fontAlgn="auto" latinLnBrk="1" hangingPunct="1">
+                        <a:lnSpc>
+                          <a:spcPct val="100000"/>
+                        </a:lnSpc>
+                        <a:spcBef>
+                          <a:spcPts val="0"/>
+                        </a:spcBef>
+                        <a:spcAft>
+                          <a:spcPts val="0"/>
+                        </a:spcAft>
+                        <a:buClrTx/>
+                        <a:buSzTx/>
+                        <a:buFontTx/>
+                        <a:buNone/>
+                        <a:tabLst/>
+                        <a:defRPr/>
+                      </a:pPr>
+                      <a:endParaRPr lang="en-US" altLang="ko-KR" sz="1800" b="1" dirty="0">
+                        <a:solidFill>
+                          <a:schemeClr val="tx1">
+                            <a:lumMod val="75000"/>
+                            <a:lumOff val="25000"/>
+                          </a:schemeClr>
+                        </a:solidFill>
+                        <a:latin typeface="+mn-lt"/>
+                        <a:cs typeface="Arial" pitchFamily="34" charset="0"/>
+                      </a:endParaRPr>
+                    </a:p>
+                  </a:txBody>
+                  <a:tcPr>
+                    <a:lnL w="38100" cap="flat" cmpd="sng" algn="ctr">
+                      <a:solidFill>
+                        <a:schemeClr val="accent1"/>
+                      </a:solidFill>
+                      <a:prstDash val="solid"/>
+                      <a:round/>
+                      <a:headEnd type="none" w="med" len="med"/>
+                      <a:tailEnd type="none" w="med" len="med"/>
+                    </a:lnL>
+                    <a:lnR w="38100" cap="flat" cmpd="sng" algn="ctr">
+                      <a:solidFill>
+                        <a:schemeClr val="accent1"/>
+                      </a:solidFill>
+                      <a:prstDash val="solid"/>
+                      <a:round/>
+                      <a:headEnd type="none" w="med" len="med"/>
+                      <a:tailEnd type="none" w="med" len="med"/>
+                    </a:lnR>
+                    <a:lnT w="38100" cap="flat" cmpd="sng" algn="ctr">
+                      <a:solidFill>
+                        <a:schemeClr val="accent1"/>
+                      </a:solidFill>
+                      <a:prstDash val="solid"/>
+                      <a:round/>
+                      <a:headEnd type="none" w="med" len="med"/>
+                      <a:tailEnd type="none" w="med" len="med"/>
+                    </a:lnT>
+                    <a:lnB w="12700" cmpd="sng">
+                      <a:noFill/>
+                    </a:lnB>
+                    <a:lnTlToBr w="12700" cmpd="sng">
+                      <a:noFill/>
+                      <a:prstDash val="solid"/>
+                    </a:lnTlToBr>
+                    <a:lnBlToTr w="12700" cmpd="sng">
+                      <a:noFill/>
+                      <a:prstDash val="solid"/>
+                    </a:lnBlToTr>
+                  </a:tcPr>
+                </a:tc>
+                <a:tc hMerge="1">
+                  <a:txBody>
+                    <a:bodyPr/>
+                    <a:lstStyle/>
+                    <a:p>
+                      <a:pPr marL="0" marR="0" indent="0" algn="ctr" defTabSz="914400" rtl="0" eaLnBrk="1" fontAlgn="auto" latinLnBrk="1" hangingPunct="1">
+                        <a:lnSpc>
+                          <a:spcPct val="100000"/>
+                        </a:lnSpc>
+                        <a:spcBef>
+                          <a:spcPts val="0"/>
+                        </a:spcBef>
+                        <a:spcAft>
+                          <a:spcPts val="0"/>
+                        </a:spcAft>
+                        <a:buClrTx/>
+                        <a:buSzTx/>
+                        <a:buFontTx/>
+                        <a:buNone/>
+                        <a:tabLst/>
+                        <a:defRPr/>
+                      </a:pPr>
+                      <a:endParaRPr lang="en-US" altLang="ko-KR" sz="1800" b="1" dirty="0">
+                        <a:solidFill>
+                          <a:schemeClr val="tx1">
+                            <a:lumMod val="75000"/>
+                            <a:lumOff val="25000"/>
+                          </a:schemeClr>
+                        </a:solidFill>
+                        <a:latin typeface="+mn-lt"/>
+                        <a:cs typeface="Arial" pitchFamily="34" charset="0"/>
+                      </a:endParaRPr>
+                    </a:p>
+                  </a:txBody>
+                  <a:tcPr anchor="ctr">
+                    <a:lnL w="12700" cmpd="sng">
+                      <a:noFill/>
+                    </a:lnL>
+                    <a:lnR w="12700" cmpd="sng">
+                      <a:noFill/>
+                    </a:lnR>
+                    <a:lnT w="38100" cap="flat" cmpd="sng" algn="ctr">
+                      <a:solidFill>
+                        <a:schemeClr val="accent1"/>
+                      </a:solidFill>
+                      <a:prstDash val="solid"/>
+                      <a:round/>
+                      <a:headEnd type="none" w="med" len="med"/>
+                      <a:tailEnd type="none" w="med" len="med"/>
+                    </a:lnT>
+                    <a:lnB w="12700" cmpd="sng">
+                      <a:noFill/>
+                    </a:lnB>
+                    <a:lnTlToBr w="12700" cmpd="sng">
+                      <a:noFill/>
+                      <a:prstDash val="solid"/>
+                    </a:lnTlToBr>
+                    <a:lnBlToTr w="12700" cmpd="sng">
+                      <a:noFill/>
+                      <a:prstDash val="solid"/>
+                    </a:lnBlToTr>
+                  </a:tcPr>
+                </a:tc>
+                <a:tc hMerge="1">
+                  <a:txBody>
+                    <a:bodyPr/>
+                    <a:lstStyle/>
+                    <a:p>
+                      <a:pPr algn="ctr" latinLnBrk="1"/>
+                      <a:endParaRPr lang="ko-KR" altLang="en-US" sz="1800" dirty="0">
+                        <a:solidFill>
+                          <a:schemeClr val="tx1">
+                            <a:lumMod val="75000"/>
+                            <a:lumOff val="25000"/>
+                          </a:schemeClr>
+                        </a:solidFill>
+                        <a:latin typeface="+mn-lt"/>
+                        <a:cs typeface="Arial" pitchFamily="34" charset="0"/>
+                      </a:endParaRPr>
+                    </a:p>
+                  </a:txBody>
+                  <a:tcPr anchor="ctr">
+                    <a:lnL w="12700" cmpd="sng">
+                      <a:noFill/>
+                    </a:lnL>
+                    <a:lnR w="38100" cap="flat" cmpd="sng" algn="ctr">
+                      <a:solidFill>
+                        <a:schemeClr val="accent1"/>
+                      </a:solidFill>
+                      <a:prstDash val="solid"/>
+                      <a:round/>
+                      <a:headEnd type="none" w="med" len="med"/>
+                      <a:tailEnd type="none" w="med" len="med"/>
+                    </a:lnR>
+                    <a:lnT w="38100" cap="flat" cmpd="sng" algn="ctr">
+                      <a:solidFill>
+                        <a:schemeClr val="accent1"/>
+                      </a:solidFill>
+                      <a:prstDash val="solid"/>
+                      <a:round/>
+                      <a:headEnd type="none" w="med" len="med"/>
+                      <a:tailEnd type="none" w="med" len="med"/>
+                    </a:lnT>
+                    <a:lnB w="12700" cmpd="sng">
+                      <a:noFill/>
+                    </a:lnB>
+                    <a:lnTlToBr w="12700" cmpd="sng">
+                      <a:noFill/>
+                      <a:prstDash val="solid"/>
+                    </a:lnTlToBr>
+                    <a:lnBlToTr w="12700" cmpd="sng">
+                      <a:noFill/>
+                      <a:prstDash val="solid"/>
+                    </a:lnBlToTr>
+                  </a:tcPr>
+                </a:tc>
+                <a:extLst>
+                  <a:ext uri="{0D108BD9-81ED-4DB2-BD59-A6C34878D82A}">
+                    <a16:rowId xmlns:a16="http://schemas.microsoft.com/office/drawing/2014/main" val="10000"/>
+                  </a:ext>
+                </a:extLst>
+              </a:tr>
+              <a:tr h="374737">
+                <a:tc>
+                  <a:txBody>
+                    <a:bodyPr/>
+                    <a:lstStyle/>
+                    <a:p>
+                      <a:pPr algn="ctr" latinLnBrk="1"/>
+                      <a:endParaRPr lang="ko-KR" altLang="en-US" sz="1200" dirty="0">
+                        <a:solidFill>
+                          <a:schemeClr val="tx1">
+                            <a:lumMod val="75000"/>
+                            <a:lumOff val="25000"/>
+                          </a:schemeClr>
+                        </a:solidFill>
+                        <a:latin typeface="+mn-lt"/>
+                        <a:cs typeface="Arial" pitchFamily="34" charset="0"/>
+                      </a:endParaRPr>
+                    </a:p>
+                  </a:txBody>
+                  <a:tcPr>
+                    <a:lnL w="38100" cap="flat" cmpd="sng" algn="ctr">
+                      <a:solidFill>
+                        <a:schemeClr val="accent1"/>
+                      </a:solidFill>
+                      <a:prstDash val="solid"/>
+                      <a:round/>
+                      <a:headEnd type="none" w="med" len="med"/>
+                      <a:tailEnd type="none" w="med" len="med"/>
+                    </a:lnL>
+                    <a:lnR w="12700" cmpd="sng">
+                      <a:noFill/>
+                    </a:lnR>
+                    <a:lnT w="12700" cmpd="sng">
+                      <a:noFill/>
+                    </a:lnT>
+                    <a:lnB w="12700" cmpd="sng">
+                      <a:noFill/>
+                    </a:lnB>
+                    <a:lnTlToBr w="12700" cmpd="sng">
+                      <a:noFill/>
+                      <a:prstDash val="solid"/>
+                    </a:lnTlToBr>
+                    <a:lnBlToTr w="12700" cmpd="sng">
+                      <a:noFill/>
+                      <a:prstDash val="solid"/>
+                    </a:lnBlToTr>
+                  </a:tcPr>
+                </a:tc>
+                <a:tc>
+                  <a:txBody>
+                    <a:bodyPr/>
+                    <a:lstStyle/>
+                    <a:p>
+                      <a:pPr marL="0" marR="0" lvl="0" indent="0" algn="ctr" defTabSz="914400" rtl="0" eaLnBrk="1" fontAlgn="auto" latinLnBrk="1" hangingPunct="1">
+                        <a:lnSpc>
+                          <a:spcPct val="100000"/>
+                        </a:lnSpc>
+                        <a:spcBef>
+                          <a:spcPts val="0"/>
+                        </a:spcBef>
+                        <a:spcAft>
+                          <a:spcPts val="0"/>
+                        </a:spcAft>
+                        <a:buClrTx/>
+                        <a:buSzTx/>
+                        <a:buFontTx/>
+                        <a:buNone/>
+                        <a:tabLst/>
+                        <a:defRPr/>
+                      </a:pPr>
+                      <a:r>
+                        <a:rPr lang="en-US" altLang="ko-KR" sz="1400" dirty="0">
+                          <a:solidFill>
+                            <a:schemeClr val="tx1">
+                              <a:lumMod val="75000"/>
+                              <a:lumOff val="25000"/>
+                            </a:schemeClr>
+                          </a:solidFill>
+                          <a:cs typeface="Calibri" pitchFamily="34" charset="0"/>
+                        </a:rPr>
+                        <a:t>Capacity : 4</a:t>
+                      </a:r>
+                      <a:r>
+                        <a:rPr lang="en-US" altLang="ko-KR" sz="1400" baseline="0" dirty="0">
+                          <a:solidFill>
+                            <a:schemeClr val="tx1">
+                              <a:lumMod val="75000"/>
+                              <a:lumOff val="25000"/>
+                            </a:schemeClr>
+                          </a:solidFill>
+                          <a:cs typeface="Calibri" pitchFamily="34" charset="0"/>
+                        </a:rPr>
+                        <a:t> + 8</a:t>
+                      </a:r>
+                      <a:endParaRPr lang="ko-KR" altLang="en-US" sz="1400" dirty="0">
+                        <a:solidFill>
+                          <a:schemeClr val="tx1">
+                            <a:lumMod val="75000"/>
+                            <a:lumOff val="25000"/>
+                          </a:schemeClr>
+                        </a:solidFill>
+                        <a:cs typeface="Calibri" pitchFamily="34" charset="0"/>
+                      </a:endParaRPr>
+                    </a:p>
+                  </a:txBody>
+                  <a:tcPr anchor="ctr">
+                    <a:lnL w="12700" cmpd="sng">
+                      <a:noFill/>
+                    </a:lnL>
+                    <a:lnR w="12700" cmpd="sng">
+                      <a:noFill/>
+                    </a:lnR>
+                    <a:lnT w="12700" cmpd="sng">
+                      <a:noFill/>
+                    </a:lnT>
+                    <a:lnB w="19050" cap="flat" cmpd="sng" algn="ctr">
+                      <a:solidFill>
+                        <a:schemeClr val="accent1"/>
+                      </a:solidFill>
+                      <a:prstDash val="solid"/>
+                      <a:round/>
+                      <a:headEnd type="none" w="med" len="med"/>
+                      <a:tailEnd type="none" w="med" len="med"/>
+                    </a:lnB>
+                    <a:lnTlToBr w="12700" cmpd="sng">
+                      <a:noFill/>
+                      <a:prstDash val="solid"/>
+                    </a:lnTlToBr>
+                    <a:lnBlToTr w="12700" cmpd="sng">
+                      <a:noFill/>
+                      <a:prstDash val="solid"/>
+                    </a:lnBlToTr>
+                  </a:tcPr>
+                </a:tc>
+                <a:tc>
+                  <a:txBody>
+                    <a:bodyPr/>
+                    <a:lstStyle/>
+                    <a:p>
+                      <a:pPr algn="ctr" latinLnBrk="1"/>
+                      <a:endParaRPr lang="ko-KR" altLang="en-US" sz="1200" dirty="0">
+                        <a:solidFill>
+                          <a:schemeClr val="tx1">
+                            <a:lumMod val="75000"/>
+                            <a:lumOff val="25000"/>
+                          </a:schemeClr>
+                        </a:solidFill>
+                        <a:latin typeface="+mn-lt"/>
+                        <a:cs typeface="Arial" pitchFamily="34" charset="0"/>
+                      </a:endParaRPr>
+                    </a:p>
+                  </a:txBody>
+                  <a:tcPr anchor="ctr">
+                    <a:lnL w="12700" cmpd="sng">
+                      <a:noFill/>
+                    </a:lnL>
+                    <a:lnR w="38100" cap="flat" cmpd="sng" algn="ctr">
+                      <a:solidFill>
+                        <a:schemeClr val="accent1"/>
+                      </a:solidFill>
+                      <a:prstDash val="solid"/>
+                      <a:round/>
+                      <a:headEnd type="none" w="med" len="med"/>
+                      <a:tailEnd type="none" w="med" len="med"/>
+                    </a:lnR>
+                    <a:lnT w="12700" cmpd="sng">
+                      <a:noFill/>
+                    </a:lnT>
+                    <a:lnB w="12700" cmpd="sng">
+                      <a:noFill/>
+                    </a:lnB>
+                    <a:lnTlToBr w="12700" cmpd="sng">
+                      <a:noFill/>
+                      <a:prstDash val="solid"/>
+                    </a:lnTlToBr>
+                    <a:lnBlToTr w="12700" cmpd="sng">
+                      <a:noFill/>
+                      <a:prstDash val="solid"/>
+                    </a:lnBlToTr>
+                  </a:tcPr>
+                </a:tc>
+                <a:extLst>
+                  <a:ext uri="{0D108BD9-81ED-4DB2-BD59-A6C34878D82A}">
+                    <a16:rowId xmlns:a16="http://schemas.microsoft.com/office/drawing/2014/main" val="10002"/>
+                  </a:ext>
+                </a:extLst>
+              </a:tr>
+              <a:tr h="374400">
+                <a:tc rowSpan="3">
+                  <a:txBody>
+                    <a:bodyPr/>
+                    <a:lstStyle/>
+                    <a:p>
+                      <a:pPr algn="ctr" latinLnBrk="1"/>
+                      <a:endParaRPr lang="ko-KR" altLang="en-US" sz="1200">
+                        <a:solidFill>
+                          <a:schemeClr val="tx1">
+                            <a:lumMod val="75000"/>
+                            <a:lumOff val="25000"/>
+                          </a:schemeClr>
+                        </a:solidFill>
+                        <a:latin typeface="+mn-lt"/>
+                        <a:cs typeface="Arial" pitchFamily="34" charset="0"/>
+                      </a:endParaRPr>
+                    </a:p>
+                  </a:txBody>
+                  <a:tcPr>
+                    <a:lnL w="38100" cap="flat" cmpd="sng" algn="ctr">
+                      <a:solidFill>
+                        <a:schemeClr val="accent1"/>
+                      </a:solidFill>
+                      <a:prstDash val="solid"/>
+                      <a:round/>
+                      <a:headEnd type="none" w="med" len="med"/>
+                      <a:tailEnd type="none" w="med" len="med"/>
+                    </a:lnL>
+                    <a:lnR w="12700" cmpd="sng">
+                      <a:noFill/>
+                    </a:lnR>
+                    <a:lnT w="12700" cmpd="sng">
+                      <a:noFill/>
+                    </a:lnT>
+                    <a:lnB w="12700" cmpd="sng">
+                      <a:noFill/>
+                    </a:lnB>
+                    <a:lnTlToBr w="12700" cmpd="sng">
+                      <a:noFill/>
+                      <a:prstDash val="solid"/>
+                    </a:lnTlToBr>
+                    <a:lnBlToTr w="12700" cmpd="sng">
+                      <a:noFill/>
+                      <a:prstDash val="solid"/>
+                    </a:lnBlToTr>
+                  </a:tcPr>
+                </a:tc>
+                <a:tc>
+                  <a:txBody>
+                    <a:bodyPr/>
+                    <a:lstStyle/>
+                    <a:p>
+                      <a:pPr marL="0" marR="0" lvl="0" indent="0" algn="ctr" defTabSz="914400" rtl="0" eaLnBrk="1" fontAlgn="auto" latinLnBrk="1" hangingPunct="1">
+                        <a:lnSpc>
+                          <a:spcPct val="100000"/>
+                        </a:lnSpc>
+                        <a:spcBef>
+                          <a:spcPts val="0"/>
+                        </a:spcBef>
+                        <a:spcAft>
+                          <a:spcPts val="0"/>
+                        </a:spcAft>
+                        <a:buClrTx/>
+                        <a:buSzTx/>
+                        <a:buFontTx/>
+                        <a:buNone/>
+                        <a:tabLst/>
+                        <a:defRPr/>
+                      </a:pPr>
+                      <a:r>
+                        <a:rPr lang="fr-FR" altLang="ko-KR" sz="1400" dirty="0">
+                          <a:solidFill>
+                            <a:schemeClr val="tx1">
+                              <a:lumMod val="75000"/>
+                              <a:lumOff val="25000"/>
+                            </a:schemeClr>
+                          </a:solidFill>
+                          <a:cs typeface="Calibri" pitchFamily="34" charset="0"/>
+                        </a:rPr>
+                        <a:t>Av. speed : 25</a:t>
+                      </a:r>
+                      <a:r>
+                        <a:rPr lang="fr-FR" altLang="ko-KR" sz="1400" baseline="0" dirty="0">
+                          <a:solidFill>
+                            <a:schemeClr val="tx1">
+                              <a:lumMod val="75000"/>
+                              <a:lumOff val="25000"/>
+                            </a:schemeClr>
+                          </a:solidFill>
+                          <a:cs typeface="Calibri" pitchFamily="34" charset="0"/>
+                        </a:rPr>
+                        <a:t> km/h</a:t>
+                      </a:r>
+                      <a:endParaRPr lang="ko-KR" altLang="en-US" sz="1400" dirty="0">
+                        <a:solidFill>
+                          <a:schemeClr val="tx1">
+                            <a:lumMod val="75000"/>
+                            <a:lumOff val="25000"/>
+                          </a:schemeClr>
+                        </a:solidFill>
+                        <a:cs typeface="Calibri" pitchFamily="34" charset="0"/>
+                      </a:endParaRPr>
+                    </a:p>
+                  </a:txBody>
+                  <a:tcPr anchor="ctr">
+                    <a:lnL w="12700" cmpd="sng">
+                      <a:noFill/>
+                    </a:lnL>
+                    <a:lnR w="12700" cmpd="sng">
+                      <a:noFill/>
+                    </a:lnR>
+                    <a:lnT w="19050" cap="flat" cmpd="sng" algn="ctr">
+                      <a:solidFill>
+                        <a:schemeClr val="accent1"/>
+                      </a:solidFill>
+                      <a:prstDash val="solid"/>
+                      <a:round/>
+                      <a:headEnd type="none" w="med" len="med"/>
+                      <a:tailEnd type="none" w="med" len="med"/>
+                    </a:lnT>
+                    <a:lnB w="19050" cap="flat" cmpd="sng" algn="ctr">
+                      <a:solidFill>
+                        <a:schemeClr val="accent1"/>
+                      </a:solidFill>
+                      <a:prstDash val="solid"/>
+                      <a:round/>
+                      <a:headEnd type="none" w="med" len="med"/>
+                      <a:tailEnd type="none" w="med" len="med"/>
+                    </a:lnB>
+                    <a:lnTlToBr w="12700" cmpd="sng">
+                      <a:noFill/>
+                      <a:prstDash val="solid"/>
+                    </a:lnTlToBr>
+                    <a:lnBlToTr w="12700" cmpd="sng">
+                      <a:noFill/>
+                      <a:prstDash val="solid"/>
+                    </a:lnBlToTr>
+                  </a:tcPr>
+                </a:tc>
+                <a:tc rowSpan="3">
+                  <a:txBody>
+                    <a:bodyPr/>
+                    <a:lstStyle/>
+                    <a:p>
+                      <a:pPr algn="ctr" latinLnBrk="1"/>
+                      <a:endParaRPr lang="ko-KR" altLang="en-US" sz="1200" dirty="0">
+                        <a:solidFill>
+                          <a:schemeClr val="tx1">
+                            <a:lumMod val="75000"/>
+                            <a:lumOff val="25000"/>
+                          </a:schemeClr>
+                        </a:solidFill>
+                        <a:latin typeface="+mn-lt"/>
+                        <a:cs typeface="Arial" pitchFamily="34" charset="0"/>
+                      </a:endParaRPr>
+                    </a:p>
+                  </a:txBody>
+                  <a:tcPr anchor="ctr">
+                    <a:lnL w="12700" cmpd="sng">
+                      <a:noFill/>
+                    </a:lnL>
+                    <a:lnR w="38100" cap="flat" cmpd="sng" algn="ctr">
+                      <a:solidFill>
+                        <a:schemeClr val="accent1"/>
+                      </a:solidFill>
+                      <a:prstDash val="solid"/>
+                      <a:round/>
+                      <a:headEnd type="none" w="med" len="med"/>
+                      <a:tailEnd type="none" w="med" len="med"/>
+                    </a:lnR>
+                    <a:lnT w="12700" cmpd="sng">
+                      <a:noFill/>
+                    </a:lnT>
+                    <a:lnB w="12700" cmpd="sng">
+                      <a:noFill/>
+                    </a:lnB>
+                    <a:lnTlToBr w="12700" cmpd="sng">
+                      <a:noFill/>
+                      <a:prstDash val="solid"/>
+                    </a:lnTlToBr>
+                    <a:lnBlToTr w="12700" cmpd="sng">
+                      <a:noFill/>
+                      <a:prstDash val="solid"/>
+                    </a:lnBlToTr>
+                  </a:tcPr>
+                </a:tc>
+                <a:extLst>
+                  <a:ext uri="{0D108BD9-81ED-4DB2-BD59-A6C34878D82A}">
+                    <a16:rowId xmlns:a16="http://schemas.microsoft.com/office/drawing/2014/main" val="10003"/>
+                  </a:ext>
+                </a:extLst>
+              </a:tr>
+              <a:tr h="374400">
+                <a:tc vMerge="1">
+                  <a:txBody>
+                    <a:bodyPr/>
+                    <a:lstStyle/>
+                    <a:p>
+                      <a:pPr latinLnBrk="1"/>
+                      <a:endParaRPr lang="ko-KR" altLang="en-US"/>
+                    </a:p>
+                  </a:txBody>
+                  <a:tcPr/>
+                </a:tc>
+                <a:tc>
+                  <a:txBody>
+                    <a:bodyPr/>
+                    <a:lstStyle/>
+                    <a:p>
+                      <a:pPr marL="0" marR="0" lvl="0" indent="0" algn="ctr" defTabSz="914400" rtl="0" eaLnBrk="1" fontAlgn="auto" latinLnBrk="1" hangingPunct="1">
+                        <a:lnSpc>
+                          <a:spcPct val="100000"/>
+                        </a:lnSpc>
+                        <a:spcBef>
+                          <a:spcPts val="0"/>
+                        </a:spcBef>
+                        <a:spcAft>
+                          <a:spcPts val="0"/>
+                        </a:spcAft>
+                        <a:buClrTx/>
+                        <a:buSzTx/>
+                        <a:buFontTx/>
+                        <a:buNone/>
+                        <a:tabLst/>
+                        <a:defRPr/>
+                      </a:pPr>
+                      <a:r>
+                        <a:rPr lang="en-US" altLang="ko-KR" sz="1400" dirty="0">
+                          <a:solidFill>
+                            <a:schemeClr val="tx1">
+                              <a:lumMod val="75000"/>
+                              <a:lumOff val="25000"/>
+                            </a:schemeClr>
+                          </a:solidFill>
+                          <a:cs typeface="Calibri" pitchFamily="34" charset="0"/>
+                        </a:rPr>
+                        <a:t>Unit cost : 230 000 €</a:t>
+                      </a:r>
+                      <a:endParaRPr lang="ko-KR" altLang="en-US" sz="1400" dirty="0">
+                        <a:solidFill>
+                          <a:schemeClr val="tx1">
+                            <a:lumMod val="75000"/>
+                            <a:lumOff val="25000"/>
+                          </a:schemeClr>
+                        </a:solidFill>
+                        <a:cs typeface="Calibri" pitchFamily="34" charset="0"/>
+                      </a:endParaRPr>
+                    </a:p>
+                  </a:txBody>
+                  <a:tcPr anchor="ctr">
+                    <a:lnL w="12700" cmpd="sng">
+                      <a:noFill/>
+                    </a:lnL>
+                    <a:lnR w="12700" cmpd="sng">
+                      <a:noFill/>
+                    </a:lnR>
+                    <a:lnT w="19050" cap="flat" cmpd="sng" algn="ctr">
+                      <a:solidFill>
+                        <a:schemeClr val="accent1"/>
+                      </a:solidFill>
+                      <a:prstDash val="solid"/>
+                      <a:round/>
+                      <a:headEnd type="none" w="med" len="med"/>
+                      <a:tailEnd type="none" w="med" len="med"/>
+                    </a:lnT>
+                    <a:lnB w="19050" cap="flat" cmpd="sng" algn="ctr">
+                      <a:solidFill>
+                        <a:schemeClr val="accent1"/>
+                      </a:solidFill>
+                      <a:prstDash val="solid"/>
+                      <a:round/>
+                      <a:headEnd type="none" w="med" len="med"/>
+                      <a:tailEnd type="none" w="med" len="med"/>
+                    </a:lnB>
+                    <a:lnTlToBr w="12700" cmpd="sng">
+                      <a:noFill/>
+                      <a:prstDash val="solid"/>
+                    </a:lnTlToBr>
+                    <a:lnBlToTr w="12700" cmpd="sng">
+                      <a:noFill/>
+                      <a:prstDash val="solid"/>
+                    </a:lnBlToTr>
+                  </a:tcPr>
+                </a:tc>
+                <a:tc vMerge="1">
+                  <a:txBody>
+                    <a:bodyPr/>
+                    <a:lstStyle/>
+                    <a:p>
+                      <a:pPr latinLnBrk="1"/>
+                      <a:endParaRPr lang="ko-KR" altLang="en-US"/>
+                    </a:p>
+                  </a:txBody>
+                  <a:tcPr/>
+                </a:tc>
+                <a:extLst>
+                  <a:ext uri="{0D108BD9-81ED-4DB2-BD59-A6C34878D82A}">
+                    <a16:rowId xmlns:a16="http://schemas.microsoft.com/office/drawing/2014/main" val="2438299362"/>
+                  </a:ext>
+                </a:extLst>
+              </a:tr>
+              <a:tr h="374737">
+                <a:tc vMerge="1">
+                  <a:txBody>
+                    <a:bodyPr/>
+                    <a:lstStyle/>
+                    <a:p>
+                      <a:pPr latinLnBrk="1"/>
+                      <a:endParaRPr lang="ko-KR" altLang="en-US"/>
+                    </a:p>
+                  </a:txBody>
+                  <a:tcPr/>
+                </a:tc>
+                <a:tc>
+                  <a:txBody>
+                    <a:bodyPr/>
+                    <a:lstStyle/>
+                    <a:p>
+                      <a:pPr marL="0" marR="0" lvl="0" indent="0" algn="ctr" defTabSz="914400" rtl="0" eaLnBrk="1" fontAlgn="auto" latinLnBrk="1" hangingPunct="1">
+                        <a:lnSpc>
+                          <a:spcPct val="100000"/>
+                        </a:lnSpc>
+                        <a:spcBef>
+                          <a:spcPts val="0"/>
+                        </a:spcBef>
+                        <a:spcAft>
+                          <a:spcPts val="0"/>
+                        </a:spcAft>
+                        <a:buClrTx/>
+                        <a:buSzTx/>
+                        <a:buFontTx/>
+                        <a:buNone/>
+                        <a:tabLst/>
+                        <a:defRPr/>
+                      </a:pPr>
+                      <a:r>
+                        <a:rPr lang="en-US" altLang="ko-KR" sz="1400" dirty="0">
+                          <a:solidFill>
+                            <a:schemeClr val="tx1">
+                              <a:lumMod val="75000"/>
+                              <a:lumOff val="25000"/>
+                            </a:schemeClr>
+                          </a:solidFill>
+                          <a:cs typeface="Calibri" pitchFamily="34" charset="0"/>
+                        </a:rPr>
+                        <a:t>Operational cost :</a:t>
+                      </a:r>
+                    </a:p>
+                    <a:p>
+                      <a:pPr marL="0" marR="0" lvl="0" indent="0" algn="ctr" defTabSz="914400" rtl="0" eaLnBrk="1" fontAlgn="auto" latinLnBrk="1" hangingPunct="1">
+                        <a:lnSpc>
+                          <a:spcPct val="100000"/>
+                        </a:lnSpc>
+                        <a:spcBef>
+                          <a:spcPts val="0"/>
+                        </a:spcBef>
+                        <a:spcAft>
+                          <a:spcPts val="0"/>
+                        </a:spcAft>
+                        <a:buClrTx/>
+                        <a:buSzTx/>
+                        <a:buFontTx/>
+                        <a:buNone/>
+                        <a:tabLst/>
+                        <a:defRPr/>
+                      </a:pPr>
+                      <a:r>
+                        <a:rPr lang="en-US" altLang="ko-KR" sz="1400" dirty="0">
+                          <a:solidFill>
+                            <a:schemeClr val="tx1">
+                              <a:lumMod val="75000"/>
+                              <a:lumOff val="25000"/>
+                            </a:schemeClr>
+                          </a:solidFill>
+                          <a:cs typeface="Calibri" pitchFamily="34" charset="0"/>
+                        </a:rPr>
+                        <a:t>1 924 €</a:t>
+                      </a:r>
+                      <a:endParaRPr lang="ko-KR" altLang="en-US" sz="1400" dirty="0">
+                        <a:solidFill>
+                          <a:schemeClr val="tx1">
+                            <a:lumMod val="75000"/>
+                            <a:lumOff val="25000"/>
+                          </a:schemeClr>
+                        </a:solidFill>
+                        <a:cs typeface="Calibri" pitchFamily="34" charset="0"/>
+                      </a:endParaRPr>
+                    </a:p>
+                  </a:txBody>
+                  <a:tcPr anchor="ctr">
+                    <a:lnL w="12700" cmpd="sng">
+                      <a:noFill/>
+                    </a:lnL>
+                    <a:lnR w="12700" cmpd="sng">
+                      <a:noFill/>
+                    </a:lnR>
+                    <a:lnT w="19050" cap="flat" cmpd="sng" algn="ctr">
+                      <a:solidFill>
+                        <a:schemeClr val="accent1"/>
+                      </a:solidFill>
+                      <a:prstDash val="solid"/>
+                      <a:round/>
+                      <a:headEnd type="none" w="med" len="med"/>
+                      <a:tailEnd type="none" w="med" len="med"/>
+                    </a:lnT>
+                    <a:lnB w="19050" cap="flat" cmpd="sng" algn="ctr">
+                      <a:solidFill>
+                        <a:schemeClr val="accent1"/>
+                      </a:solidFill>
+                      <a:prstDash val="solid"/>
+                      <a:round/>
+                      <a:headEnd type="none" w="med" len="med"/>
+                      <a:tailEnd type="none" w="med" len="med"/>
+                    </a:lnB>
+                    <a:lnTlToBr w="12700" cmpd="sng">
+                      <a:noFill/>
+                      <a:prstDash val="solid"/>
+                    </a:lnTlToBr>
+                    <a:lnBlToTr w="12700" cmpd="sng">
+                      <a:noFill/>
+                      <a:prstDash val="solid"/>
+                    </a:lnBlToTr>
+                  </a:tcPr>
+                </a:tc>
+                <a:tc vMerge="1">
+                  <a:txBody>
+                    <a:bodyPr/>
+                    <a:lstStyle/>
+                    <a:p>
+                      <a:pPr latinLnBrk="1"/>
+                      <a:endParaRPr lang="ko-KR" altLang="en-US"/>
+                    </a:p>
+                  </a:txBody>
+                  <a:tcPr/>
+                </a:tc>
+                <a:extLst>
+                  <a:ext uri="{0D108BD9-81ED-4DB2-BD59-A6C34878D82A}">
+                    <a16:rowId xmlns:a16="http://schemas.microsoft.com/office/drawing/2014/main" val="2467484864"/>
+                  </a:ext>
+                </a:extLst>
+              </a:tr>
+              <a:tr h="149895">
+                <a:tc>
+                  <a:txBody>
+                    <a:bodyPr/>
+                    <a:lstStyle/>
+                    <a:p>
+                      <a:pPr algn="ctr" latinLnBrk="1"/>
+                      <a:endParaRPr lang="ko-KR" altLang="en-US" sz="100" baseline="0" dirty="0">
+                        <a:solidFill>
+                          <a:schemeClr val="tx1">
+                            <a:lumMod val="75000"/>
+                            <a:lumOff val="25000"/>
+                          </a:schemeClr>
+                        </a:solidFill>
+                        <a:latin typeface="+mn-lt"/>
+                        <a:cs typeface="Arial" pitchFamily="34" charset="0"/>
+                      </a:endParaRPr>
+                    </a:p>
+                  </a:txBody>
+                  <a:tcPr>
+                    <a:lnL w="38100" cap="flat" cmpd="sng" algn="ctr">
+                      <a:solidFill>
+                        <a:schemeClr val="accent1"/>
+                      </a:solidFill>
+                      <a:prstDash val="solid"/>
+                      <a:round/>
+                      <a:headEnd type="none" w="med" len="med"/>
+                      <a:tailEnd type="none" w="med" len="med"/>
+                    </a:lnL>
+                    <a:lnR w="12700" cmpd="sng">
+                      <a:noFill/>
+                    </a:lnR>
+                    <a:lnT w="12700" cmpd="sng">
+                      <a:noFill/>
+                    </a:lnT>
+                    <a:lnB w="12700" cmpd="sng">
+                      <a:noFill/>
+                    </a:lnB>
+                    <a:lnTlToBr w="12700" cmpd="sng">
+                      <a:noFill/>
+                      <a:prstDash val="solid"/>
+                    </a:lnTlToBr>
+                    <a:lnBlToTr w="12700" cmpd="sng">
+                      <a:noFill/>
+                      <a:prstDash val="solid"/>
+                    </a:lnBlToTr>
+                  </a:tcPr>
+                </a:tc>
+                <a:tc>
+                  <a:txBody>
+                    <a:bodyPr/>
+                    <a:lstStyle/>
+                    <a:p>
+                      <a:pPr algn="ctr" latinLnBrk="1"/>
+                      <a:endParaRPr lang="ko-KR" altLang="en-US" sz="100" baseline="0" dirty="0">
+                        <a:solidFill>
+                          <a:schemeClr val="tx1">
+                            <a:lumMod val="75000"/>
+                            <a:lumOff val="25000"/>
+                          </a:schemeClr>
+                        </a:solidFill>
+                        <a:latin typeface="+mn-lt"/>
+                        <a:cs typeface="Arial" pitchFamily="34" charset="0"/>
+                      </a:endParaRPr>
+                    </a:p>
+                  </a:txBody>
+                  <a:tcPr anchor="ctr">
+                    <a:lnL w="12700" cmpd="sng">
+                      <a:noFill/>
+                    </a:lnL>
+                    <a:lnR w="12700" cmpd="sng">
+                      <a:noFill/>
+                    </a:lnR>
+                    <a:lnT w="19050" cap="flat" cmpd="sng" algn="ctr">
+                      <a:solidFill>
+                        <a:schemeClr val="accent1"/>
+                      </a:solidFill>
+                      <a:prstDash val="solid"/>
+                      <a:round/>
+                      <a:headEnd type="none" w="med" len="med"/>
+                      <a:tailEnd type="none" w="med" len="med"/>
+                    </a:lnT>
+                    <a:lnB w="28575" cap="flat" cmpd="sng" algn="ctr">
+                      <a:noFill/>
+                      <a:prstDash val="solid"/>
+                      <a:round/>
+                      <a:headEnd type="none" w="med" len="med"/>
+                      <a:tailEnd type="none" w="med" len="med"/>
+                    </a:lnB>
+                    <a:lnTlToBr w="12700" cmpd="sng">
+                      <a:noFill/>
+                      <a:prstDash val="solid"/>
+                    </a:lnTlToBr>
+                    <a:lnBlToTr w="12700" cmpd="sng">
+                      <a:noFill/>
+                      <a:prstDash val="solid"/>
+                    </a:lnBlToTr>
+                  </a:tcPr>
+                </a:tc>
+                <a:tc>
+                  <a:txBody>
+                    <a:bodyPr/>
+                    <a:lstStyle/>
+                    <a:p>
+                      <a:pPr algn="ctr" latinLnBrk="1"/>
+                      <a:endParaRPr lang="ko-KR" altLang="en-US" sz="100" baseline="0" dirty="0">
+                        <a:solidFill>
+                          <a:schemeClr val="tx1">
+                            <a:lumMod val="75000"/>
+                            <a:lumOff val="25000"/>
+                          </a:schemeClr>
+                        </a:solidFill>
+                        <a:latin typeface="+mn-lt"/>
+                        <a:cs typeface="Arial" pitchFamily="34" charset="0"/>
+                      </a:endParaRPr>
+                    </a:p>
+                  </a:txBody>
+                  <a:tcPr anchor="ctr">
+                    <a:lnL w="12700" cmpd="sng">
+                      <a:noFill/>
+                    </a:lnL>
+                    <a:lnR w="38100" cap="flat" cmpd="sng" algn="ctr">
+                      <a:solidFill>
+                        <a:schemeClr val="accent1"/>
+                      </a:solidFill>
+                      <a:prstDash val="solid"/>
+                      <a:round/>
+                      <a:headEnd type="none" w="med" len="med"/>
+                      <a:tailEnd type="none" w="med" len="med"/>
+                    </a:lnR>
+                    <a:lnT w="12700" cmpd="sng">
+                      <a:noFill/>
+                    </a:lnT>
+                    <a:lnB w="12700" cmpd="sng">
+                      <a:noFill/>
+                    </a:lnB>
+                    <a:lnTlToBr w="12700" cmpd="sng">
+                      <a:noFill/>
+                      <a:prstDash val="solid"/>
+                    </a:lnTlToBr>
+                    <a:lnBlToTr w="12700" cmpd="sng">
+                      <a:noFill/>
+                      <a:prstDash val="solid"/>
+                    </a:lnBlToTr>
+                  </a:tcPr>
+                </a:tc>
+                <a:extLst>
+                  <a:ext uri="{0D108BD9-81ED-4DB2-BD59-A6C34878D82A}">
+                    <a16:rowId xmlns:a16="http://schemas.microsoft.com/office/drawing/2014/main" val="10004"/>
+                  </a:ext>
+                </a:extLst>
+              </a:tr>
+              <a:tr h="349005">
+                <a:tc>
+                  <a:txBody>
+                    <a:bodyPr/>
+                    <a:lstStyle/>
+                    <a:p>
+                      <a:pPr algn="ctr" latinLnBrk="1"/>
+                      <a:endParaRPr lang="ko-KR" altLang="en-US" sz="1200" dirty="0">
+                        <a:solidFill>
+                          <a:schemeClr val="tx1">
+                            <a:lumMod val="75000"/>
+                            <a:lumOff val="25000"/>
+                          </a:schemeClr>
+                        </a:solidFill>
+                        <a:latin typeface="+mn-lt"/>
+                        <a:cs typeface="Arial" pitchFamily="34" charset="0"/>
+                      </a:endParaRPr>
+                    </a:p>
+                  </a:txBody>
+                  <a:tcPr>
+                    <a:lnL w="38100" cap="flat" cmpd="sng" algn="ctr">
+                      <a:solidFill>
+                        <a:schemeClr val="accent1"/>
+                      </a:solidFill>
+                      <a:prstDash val="solid"/>
+                      <a:round/>
+                      <a:headEnd type="none" w="med" len="med"/>
+                      <a:tailEnd type="none" w="med" len="med"/>
+                    </a:lnL>
+                    <a:lnR w="28575" cap="flat" cmpd="sng" algn="ctr">
+                      <a:noFill/>
+                      <a:prstDash val="solid"/>
+                      <a:round/>
+                      <a:headEnd type="none" w="med" len="med"/>
+                      <a:tailEnd type="none" w="med" len="med"/>
+                    </a:lnR>
+                    <a:lnT w="12700" cmpd="sng">
+                      <a:noFill/>
+                    </a:lnT>
+                    <a:lnB w="12700" cmpd="sng">
+                      <a:noFill/>
+                    </a:lnB>
+                    <a:lnTlToBr w="12700" cmpd="sng">
+                      <a:noFill/>
+                      <a:prstDash val="solid"/>
+                    </a:lnTlToBr>
+                    <a:lnBlToTr w="12700" cmpd="sng">
+                      <a:noFill/>
+                      <a:prstDash val="solid"/>
+                    </a:lnBlToTr>
+                  </a:tcPr>
+                </a:tc>
+                <a:tc>
+                  <a:txBody>
+                    <a:bodyPr/>
+                    <a:lstStyle/>
+                    <a:p>
+                      <a:pPr algn="ctr" latinLnBrk="1"/>
+                      <a:r>
+                        <a:rPr lang="en-US" altLang="ko-KR" sz="1600" b="1" dirty="0">
+                          <a:solidFill>
+                            <a:schemeClr val="tx1"/>
+                          </a:solidFill>
+                          <a:latin typeface="+mn-lt"/>
+                          <a:cs typeface="Arial" pitchFamily="34" charset="0"/>
+                        </a:rPr>
+                        <a:t>S4</a:t>
+                      </a:r>
+                      <a:endParaRPr lang="ko-KR" altLang="en-US" sz="1600" b="1" dirty="0">
+                        <a:solidFill>
+                          <a:schemeClr val="tx1"/>
+                        </a:solidFill>
+                        <a:latin typeface="+mn-lt"/>
+                        <a:cs typeface="Arial" pitchFamily="34" charset="0"/>
+                      </a:endParaRPr>
+                    </a:p>
+                  </a:txBody>
+                  <a:tcPr anchor="ctr">
+                    <a:lnL w="28575" cap="flat" cmpd="sng" algn="ctr">
+                      <a:noFill/>
+                      <a:prstDash val="solid"/>
+                      <a:round/>
+                      <a:headEnd type="none" w="med" len="med"/>
+                      <a:tailEnd type="none" w="med" len="med"/>
+                    </a:lnL>
+                    <a:lnR w="28575" cap="flat" cmpd="sng" algn="ctr">
+                      <a:noFill/>
+                      <a:prstDash val="solid"/>
+                      <a:round/>
+                      <a:headEnd type="none" w="med" len="med"/>
+                      <a:tailEnd type="none" w="med" len="med"/>
+                    </a:lnR>
+                    <a:lnT w="28575" cap="flat" cmpd="sng" algn="ctr">
+                      <a:noFill/>
+                      <a:prstDash val="solid"/>
+                      <a:round/>
+                      <a:headEnd type="none" w="med" len="med"/>
+                      <a:tailEnd type="none" w="med" len="med"/>
+                    </a:lnT>
+                    <a:lnB w="28575" cap="flat" cmpd="sng" algn="ctr">
+                      <a:noFill/>
+                      <a:prstDash val="solid"/>
+                      <a:round/>
+                      <a:headEnd type="none" w="med" len="med"/>
+                      <a:tailEnd type="none" w="med" len="med"/>
+                    </a:lnB>
+                    <a:lnTlToBr w="12700" cmpd="sng">
+                      <a:noFill/>
+                      <a:prstDash val="solid"/>
+                    </a:lnTlToBr>
+                    <a:lnBlToTr w="12700" cmpd="sng">
+                      <a:noFill/>
+                      <a:prstDash val="solid"/>
+                    </a:lnBlToTr>
+                    <a:solidFill>
+                      <a:schemeClr val="accent4"/>
+                    </a:solidFill>
+                  </a:tcPr>
+                </a:tc>
+                <a:tc>
+                  <a:txBody>
+                    <a:bodyPr/>
+                    <a:lstStyle/>
+                    <a:p>
+                      <a:pPr algn="ctr" latinLnBrk="1"/>
+                      <a:endParaRPr lang="ko-KR" altLang="en-US" sz="1600" b="1" dirty="0">
+                        <a:solidFill>
+                          <a:schemeClr val="tx1">
+                            <a:lumMod val="75000"/>
+                            <a:lumOff val="25000"/>
+                          </a:schemeClr>
+                        </a:solidFill>
+                        <a:latin typeface="+mn-lt"/>
+                        <a:cs typeface="Arial" pitchFamily="34" charset="0"/>
+                      </a:endParaRPr>
+                    </a:p>
+                  </a:txBody>
+                  <a:tcPr anchor="ctr">
+                    <a:lnL w="28575" cap="flat" cmpd="sng" algn="ctr">
+                      <a:noFill/>
+                      <a:prstDash val="solid"/>
+                      <a:round/>
+                      <a:headEnd type="none" w="med" len="med"/>
+                      <a:tailEnd type="none" w="med" len="med"/>
+                    </a:lnL>
+                    <a:lnR w="38100" cap="flat" cmpd="sng" algn="ctr">
+                      <a:solidFill>
+                        <a:schemeClr val="accent1"/>
+                      </a:solidFill>
+                      <a:prstDash val="solid"/>
+                      <a:round/>
+                      <a:headEnd type="none" w="med" len="med"/>
+                      <a:tailEnd type="none" w="med" len="med"/>
+                    </a:lnR>
+                    <a:lnT w="12700" cmpd="sng">
+                      <a:noFill/>
+                    </a:lnT>
+                    <a:lnB w="12700" cmpd="sng">
+                      <a:noFill/>
+                    </a:lnB>
+                    <a:lnTlToBr w="12700" cmpd="sng">
+                      <a:noFill/>
+                      <a:prstDash val="solid"/>
+                    </a:lnTlToBr>
+                    <a:lnBlToTr w="12700" cmpd="sng">
+                      <a:noFill/>
+                      <a:prstDash val="solid"/>
+                    </a:lnBlToTr>
+                  </a:tcPr>
+                </a:tc>
+                <a:extLst>
+                  <a:ext uri="{0D108BD9-81ED-4DB2-BD59-A6C34878D82A}">
+                    <a16:rowId xmlns:a16="http://schemas.microsoft.com/office/drawing/2014/main" val="10005"/>
+                  </a:ext>
+                </a:extLst>
+              </a:tr>
+              <a:tr h="149895">
+                <a:tc>
+                  <a:txBody>
+                    <a:bodyPr/>
+                    <a:lstStyle/>
+                    <a:p>
+                      <a:pPr algn="ctr" latinLnBrk="1"/>
+                      <a:endParaRPr lang="ko-KR" altLang="en-US" sz="100" baseline="0" dirty="0">
+                        <a:solidFill>
+                          <a:schemeClr val="tx1">
+                            <a:lumMod val="75000"/>
+                            <a:lumOff val="25000"/>
+                          </a:schemeClr>
+                        </a:solidFill>
+                        <a:latin typeface="+mn-lt"/>
+                        <a:cs typeface="Arial" pitchFamily="34" charset="0"/>
+                      </a:endParaRPr>
+                    </a:p>
+                  </a:txBody>
+                  <a:tcPr>
+                    <a:lnL w="38100" cap="flat" cmpd="sng" algn="ctr">
+                      <a:solidFill>
+                        <a:schemeClr val="accent1"/>
+                      </a:solidFill>
+                      <a:prstDash val="solid"/>
+                      <a:round/>
+                      <a:headEnd type="none" w="med" len="med"/>
+                      <a:tailEnd type="none" w="med" len="med"/>
+                    </a:lnL>
+                    <a:lnR w="12700" cmpd="sng">
+                      <a:noFill/>
+                    </a:lnR>
+                    <a:lnT w="12700" cmpd="sng">
+                      <a:noFill/>
+                    </a:lnT>
+                    <a:lnB w="38100" cap="flat" cmpd="sng" algn="ctr">
+                      <a:solidFill>
+                        <a:schemeClr val="accent1"/>
+                      </a:solidFill>
+                      <a:prstDash val="solid"/>
+                      <a:round/>
+                      <a:headEnd type="none" w="med" len="med"/>
+                      <a:tailEnd type="none" w="med" len="med"/>
+                    </a:lnB>
+                    <a:lnTlToBr w="12700" cmpd="sng">
+                      <a:noFill/>
+                      <a:prstDash val="solid"/>
+                    </a:lnTlToBr>
+                    <a:lnBlToTr w="12700" cmpd="sng">
+                      <a:noFill/>
+                      <a:prstDash val="solid"/>
+                    </a:lnBlToTr>
+                  </a:tcPr>
+                </a:tc>
+                <a:tc>
+                  <a:txBody>
+                    <a:bodyPr/>
+                    <a:lstStyle/>
+                    <a:p>
+                      <a:pPr algn="ctr" latinLnBrk="1"/>
+                      <a:endParaRPr lang="ko-KR" altLang="en-US" sz="100" baseline="0" dirty="0">
+                        <a:solidFill>
+                          <a:schemeClr val="tx1">
+                            <a:lumMod val="75000"/>
+                            <a:lumOff val="25000"/>
+                          </a:schemeClr>
+                        </a:solidFill>
+                        <a:latin typeface="+mn-lt"/>
+                        <a:cs typeface="Arial" pitchFamily="34" charset="0"/>
+                      </a:endParaRPr>
+                    </a:p>
+                  </a:txBody>
+                  <a:tcPr anchor="ctr">
+                    <a:lnL w="12700" cmpd="sng">
+                      <a:noFill/>
+                    </a:lnL>
+                    <a:lnR w="12700" cmpd="sng">
+                      <a:noFill/>
+                    </a:lnR>
+                    <a:lnT w="28575" cap="flat" cmpd="sng" algn="ctr">
+                      <a:noFill/>
+                      <a:prstDash val="solid"/>
+                      <a:round/>
+                      <a:headEnd type="none" w="med" len="med"/>
+                      <a:tailEnd type="none" w="med" len="med"/>
+                    </a:lnT>
+                    <a:lnB w="38100" cap="flat" cmpd="sng" algn="ctr">
+                      <a:solidFill>
+                        <a:schemeClr val="accent1"/>
+                      </a:solidFill>
+                      <a:prstDash val="solid"/>
+                      <a:round/>
+                      <a:headEnd type="none" w="med" len="med"/>
+                      <a:tailEnd type="none" w="med" len="med"/>
+                    </a:lnB>
+                    <a:lnTlToBr w="12700" cmpd="sng">
+                      <a:noFill/>
+                      <a:prstDash val="solid"/>
+                    </a:lnTlToBr>
+                    <a:lnBlToTr w="12700" cmpd="sng">
+                      <a:noFill/>
+                      <a:prstDash val="solid"/>
+                    </a:lnBlToTr>
+                  </a:tcPr>
+                </a:tc>
+                <a:tc>
+                  <a:txBody>
+                    <a:bodyPr/>
+                    <a:lstStyle/>
+                    <a:p>
+                      <a:pPr algn="ctr" latinLnBrk="1"/>
+                      <a:endParaRPr lang="ko-KR" altLang="en-US" sz="100" baseline="0" dirty="0">
+                        <a:solidFill>
+                          <a:schemeClr val="tx1">
+                            <a:lumMod val="75000"/>
+                            <a:lumOff val="25000"/>
+                          </a:schemeClr>
+                        </a:solidFill>
+                        <a:latin typeface="+mn-lt"/>
+                        <a:cs typeface="Arial" pitchFamily="34" charset="0"/>
+                      </a:endParaRPr>
+                    </a:p>
+                  </a:txBody>
+                  <a:tcPr anchor="ctr">
+                    <a:lnL w="12700" cmpd="sng">
+                      <a:noFill/>
+                    </a:lnL>
+                    <a:lnR w="38100" cap="flat" cmpd="sng" algn="ctr">
+                      <a:solidFill>
+                        <a:schemeClr val="accent1"/>
+                      </a:solidFill>
+                      <a:prstDash val="solid"/>
+                      <a:round/>
+                      <a:headEnd type="none" w="med" len="med"/>
+                      <a:tailEnd type="none" w="med" len="med"/>
+                    </a:lnR>
+                    <a:lnT w="12700" cmpd="sng">
+                      <a:noFill/>
+                    </a:lnT>
+                    <a:lnB w="38100" cap="flat" cmpd="sng" algn="ctr">
+                      <a:solidFill>
+                        <a:schemeClr val="accent1"/>
+                      </a:solidFill>
+                      <a:prstDash val="solid"/>
+                      <a:round/>
+                      <a:headEnd type="none" w="med" len="med"/>
+                      <a:tailEnd type="none" w="med" len="med"/>
+                    </a:lnB>
+                    <a:lnTlToBr w="12700" cmpd="sng">
+                      <a:noFill/>
+                      <a:prstDash val="solid"/>
+                    </a:lnTlToBr>
+                    <a:lnBlToTr w="12700" cmpd="sng">
+                      <a:noFill/>
+                      <a:prstDash val="solid"/>
+                    </a:lnBlToTr>
+                  </a:tcPr>
+                </a:tc>
+                <a:extLst>
+                  <a:ext uri="{0D108BD9-81ED-4DB2-BD59-A6C34878D82A}">
+                    <a16:rowId xmlns:a16="http://schemas.microsoft.com/office/drawing/2014/main" val="10006"/>
+                  </a:ext>
+                </a:extLst>
+              </a:tr>
+            </a:tbl>
+          </a:graphicData>
+        </a:graphic>
+      </p:graphicFrame>
+      <p:sp>
+        <p:nvSpPr>
+          <p:cNvPr id="9" name="타원 5">
+            <a:extLst>
+              <a:ext uri="{FF2B5EF4-FFF2-40B4-BE49-F238E27FC236}">
+                <a16:creationId xmlns:a16="http://schemas.microsoft.com/office/drawing/2014/main" id="{F727C182-0A1B-4B14-A3A9-1418D8DAEDC7}"/>
+              </a:ext>
+            </a:extLst>
+          </p:cNvPr>
+          <p:cNvSpPr/>
+          <p:nvPr/>
+        </p:nvSpPr>
+        <p:spPr>
+          <a:xfrm>
+            <a:off x="1706285" y="2213315"/>
+            <a:ext cx="1799578" cy="1314146"/>
+          </a:xfrm>
+          <a:prstGeom prst="ellipse">
+            <a:avLst/>
+          </a:prstGeom>
+          <a:solidFill>
+            <a:schemeClr val="accent1"/>
+          </a:solidFill>
+          <a:ln>
+            <a:noFill/>
+          </a:ln>
+        </p:spPr>
+        <p:style>
+          <a:lnRef idx="2">
+            <a:schemeClr val="accent1">
+              <a:shade val="50000"/>
+            </a:schemeClr>
+          </a:lnRef>
+          <a:fillRef idx="1">
+            <a:schemeClr val="accent1"/>
+          </a:fillRef>
+          <a:effectRef idx="0">
+            <a:schemeClr val="accent1"/>
+          </a:effectRef>
+          <a:fontRef idx="minor">
+            <a:schemeClr val="lt1"/>
+          </a:fontRef>
+        </p:style>
+        <p:txBody>
+          <a:bodyPr rtlCol="0" anchor="ctr"/>
+          <a:lstStyle/>
+          <a:p>
+            <a:pPr algn="ctr"/>
+            <a:r>
+              <a:rPr lang="en-US" altLang="ko-KR" dirty="0">
+                <a:solidFill>
+                  <a:schemeClr val="tx1"/>
+                </a:solidFill>
+              </a:rPr>
+              <a:t>Regular Bus</a:t>
+            </a:r>
+            <a:endParaRPr lang="ko-KR" altLang="en-US" dirty="0">
+              <a:solidFill>
+                <a:schemeClr val="tx1"/>
+              </a:solidFill>
+            </a:endParaRPr>
+          </a:p>
+        </p:txBody>
+      </p:sp>
+      <p:sp>
+        <p:nvSpPr>
+          <p:cNvPr id="10" name="타원 5">
+            <a:extLst>
+              <a:ext uri="{FF2B5EF4-FFF2-40B4-BE49-F238E27FC236}">
+                <a16:creationId xmlns:a16="http://schemas.microsoft.com/office/drawing/2014/main" id="{C007AAA6-192F-4F91-AD14-B18A18007BD6}"/>
+              </a:ext>
+            </a:extLst>
+          </p:cNvPr>
+          <p:cNvSpPr/>
+          <p:nvPr/>
+        </p:nvSpPr>
+        <p:spPr>
+          <a:xfrm>
+            <a:off x="4382077" y="2213315"/>
+            <a:ext cx="1799578" cy="1314146"/>
+          </a:xfrm>
+          <a:prstGeom prst="ellipse">
+            <a:avLst/>
+          </a:prstGeom>
+          <a:solidFill>
+            <a:schemeClr val="accent1"/>
+          </a:solidFill>
+          <a:ln>
+            <a:noFill/>
+          </a:ln>
+        </p:spPr>
+        <p:style>
+          <a:lnRef idx="2">
+            <a:schemeClr val="accent1">
+              <a:shade val="50000"/>
+            </a:schemeClr>
+          </a:lnRef>
+          <a:fillRef idx="1">
+            <a:schemeClr val="accent1"/>
+          </a:fillRef>
+          <a:effectRef idx="0">
+            <a:schemeClr val="accent1"/>
+          </a:effectRef>
+          <a:fontRef idx="minor">
+            <a:schemeClr val="lt1"/>
+          </a:fontRef>
+        </p:style>
+        <p:txBody>
+          <a:bodyPr rtlCol="0" anchor="ctr"/>
+          <a:lstStyle/>
+          <a:p>
+            <a:pPr algn="ctr"/>
+            <a:r>
+              <a:rPr lang="en-US" altLang="ko-KR" dirty="0">
+                <a:solidFill>
+                  <a:schemeClr val="tx1"/>
+                </a:solidFill>
+              </a:rPr>
+              <a:t>Articulated Bus</a:t>
+            </a:r>
+            <a:endParaRPr lang="ko-KR" altLang="en-US" dirty="0">
+              <a:solidFill>
+                <a:schemeClr val="tx1"/>
+              </a:solidFill>
+            </a:endParaRPr>
+          </a:p>
+        </p:txBody>
+      </p:sp>
+      <p:sp>
+        <p:nvSpPr>
+          <p:cNvPr id="11" name="타원 5">
+            <a:extLst>
+              <a:ext uri="{FF2B5EF4-FFF2-40B4-BE49-F238E27FC236}">
+                <a16:creationId xmlns:a16="http://schemas.microsoft.com/office/drawing/2014/main" id="{C224D24A-7912-4EC1-81BE-7CC2264188E8}"/>
+              </a:ext>
+            </a:extLst>
+          </p:cNvPr>
+          <p:cNvSpPr/>
+          <p:nvPr/>
+        </p:nvSpPr>
+        <p:spPr>
+          <a:xfrm>
+            <a:off x="7057869" y="2213315"/>
+            <a:ext cx="1799578" cy="1314146"/>
+          </a:xfrm>
+          <a:prstGeom prst="ellipse">
+            <a:avLst/>
+          </a:prstGeom>
+          <a:solidFill>
+            <a:schemeClr val="accent1"/>
+          </a:solidFill>
+          <a:ln>
+            <a:noFill/>
+          </a:ln>
+        </p:spPr>
+        <p:style>
+          <a:lnRef idx="2">
+            <a:schemeClr val="accent1">
+              <a:shade val="50000"/>
+            </a:schemeClr>
+          </a:lnRef>
+          <a:fillRef idx="1">
+            <a:schemeClr val="accent1"/>
+          </a:fillRef>
+          <a:effectRef idx="0">
+            <a:schemeClr val="accent1"/>
+          </a:effectRef>
+          <a:fontRef idx="minor">
+            <a:schemeClr val="lt1"/>
+          </a:fontRef>
+        </p:style>
+        <p:txBody>
+          <a:bodyPr rtlCol="0" anchor="ctr"/>
+          <a:lstStyle/>
+          <a:p>
+            <a:pPr algn="ctr"/>
+            <a:r>
+              <a:rPr lang="en-US" altLang="ko-KR" dirty="0">
+                <a:solidFill>
+                  <a:schemeClr val="tx1"/>
+                </a:solidFill>
+              </a:rPr>
+              <a:t>Driverless</a:t>
+            </a:r>
+            <a:r>
+              <a:rPr lang="fr-FR" altLang="ko-KR" dirty="0">
+                <a:solidFill>
+                  <a:schemeClr val="tx1"/>
+                </a:solidFill>
+              </a:rPr>
+              <a:t> Bus</a:t>
+            </a:r>
+            <a:endParaRPr lang="ko-KR" altLang="en-US" dirty="0">
+              <a:solidFill>
+                <a:schemeClr val="tx1"/>
+              </a:solidFill>
+            </a:endParaRPr>
+          </a:p>
+        </p:txBody>
+      </p:sp>
+      <p:sp>
+        <p:nvSpPr>
+          <p:cNvPr id="12" name="타원 5">
+            <a:extLst>
+              <a:ext uri="{FF2B5EF4-FFF2-40B4-BE49-F238E27FC236}">
+                <a16:creationId xmlns:a16="http://schemas.microsoft.com/office/drawing/2014/main" id="{497F4154-3D3C-45B6-B18F-CC64FBE5D00D}"/>
+              </a:ext>
+            </a:extLst>
+          </p:cNvPr>
+          <p:cNvSpPr/>
+          <p:nvPr/>
+        </p:nvSpPr>
+        <p:spPr>
+          <a:xfrm>
+            <a:off x="9733661" y="2213315"/>
+            <a:ext cx="1799578" cy="1314146"/>
+          </a:xfrm>
+          <a:prstGeom prst="ellipse">
+            <a:avLst/>
+          </a:prstGeom>
+          <a:solidFill>
+            <a:schemeClr val="accent4"/>
+          </a:solidFill>
+          <a:ln>
+            <a:noFill/>
+          </a:ln>
+        </p:spPr>
+        <p:style>
+          <a:lnRef idx="2">
+            <a:schemeClr val="accent1">
+              <a:shade val="50000"/>
+            </a:schemeClr>
+          </a:lnRef>
+          <a:fillRef idx="1">
+            <a:schemeClr val="accent1"/>
+          </a:fillRef>
+          <a:effectRef idx="0">
+            <a:schemeClr val="accent1"/>
+          </a:effectRef>
+          <a:fontRef idx="minor">
+            <a:schemeClr val="lt1"/>
+          </a:fontRef>
+        </p:style>
+        <p:txBody>
+          <a:bodyPr rtlCol="0" anchor="ctr"/>
+          <a:lstStyle/>
+          <a:p>
+            <a:pPr algn="ctr"/>
+            <a:r>
+              <a:rPr lang="en-US" altLang="ko-KR" sz="2000" dirty="0" err="1">
+                <a:solidFill>
+                  <a:schemeClr val="tx1"/>
+                </a:solidFill>
+              </a:rPr>
+              <a:t>Robo</a:t>
+            </a:r>
+            <a:r>
+              <a:rPr lang="en-US" altLang="ko-KR" sz="2000" dirty="0">
+                <a:solidFill>
+                  <a:schemeClr val="tx1"/>
+                </a:solidFill>
+              </a:rPr>
+              <a:t>-Taxi</a:t>
+            </a:r>
+            <a:endParaRPr lang="ko-KR" altLang="en-US" sz="3600" dirty="0">
+              <a:solidFill>
+                <a:schemeClr val="tx1"/>
+              </a:solidFill>
+            </a:endParaRPr>
+          </a:p>
+        </p:txBody>
+      </p:sp>
+    </p:spTree>
+    <p:extLst>
+      <p:ext uri="{BB962C8B-B14F-4D97-AF65-F5344CB8AC3E}">
+        <p14:creationId xmlns:p14="http://schemas.microsoft.com/office/powerpoint/2010/main" val="3972080115"/>
+      </p:ext>
+    </p:extLst>
+  </p:cSld>
+  <p:clrMapOvr>
+    <a:masterClrMapping/>
+  </p:clrMapOvr>
+</p:sld>
+</file>
+
+<file path=ppt/slides/slide4.xml><?xml version="1.0" encoding="utf-8"?>
+<p:sld xmlns:a="http://schemas.openxmlformats.org/drawingml/2006/main" xmlns:r="http://schemas.openxmlformats.org/officeDocument/2006/relationships" xmlns:p="http://schemas.openxmlformats.org/presentationml/2006/main">
+  <p:cSld>
+    <p:spTree>
+      <p:nvGrpSpPr>
+        <p:cNvPr id="1" name=""/>
+        <p:cNvGrpSpPr/>
+        <p:nvPr/>
+      </p:nvGrpSpPr>
+      <p:grpSpPr>
+        <a:xfrm>
+          <a:off x="0" y="0"/>
+          <a:ext cx="0" cy="0"/>
+          <a:chOff x="0" y="0"/>
+          <a:chExt cx="0" cy="0"/>
+        </a:xfrm>
+      </p:grpSpPr>
+      <p:pic>
+        <p:nvPicPr>
+          <p:cNvPr id="10" name="Image 9">
+            <a:extLst>
+              <a:ext uri="{FF2B5EF4-FFF2-40B4-BE49-F238E27FC236}">
+                <a16:creationId xmlns:a16="http://schemas.microsoft.com/office/drawing/2014/main" id="{CA1EC2D9-9E97-D540-9312-390409329AE0}"/>
+              </a:ext>
+            </a:extLst>
+          </p:cNvPr>
+          <p:cNvPicPr>
+            <a:picLocks noChangeAspect="1"/>
+          </p:cNvPicPr>
+          <p:nvPr/>
+        </p:nvPicPr>
+        <p:blipFill>
+          <a:blip r:embed="rId2">
+            <a:extLst>
+              <a:ext uri="{28A0092B-C50C-407E-A947-70E740481C1C}">
+                <a14:useLocalDpi xmlns:a14="http://schemas.microsoft.com/office/drawing/2010/main" val="0"/>
+              </a:ext>
+            </a:extLst>
+          </a:blip>
+          <a:stretch>
+            <a:fillRect/>
+          </a:stretch>
+        </p:blipFill>
+        <p:spPr>
+          <a:xfrm>
+            <a:off x="840475" y="1115616"/>
+            <a:ext cx="10486030" cy="5723330"/>
+          </a:xfrm>
+          <a:prstGeom prst="rect">
+            <a:avLst/>
+          </a:prstGeom>
+        </p:spPr>
+      </p:pic>
+      <p:sp>
+        <p:nvSpPr>
+          <p:cNvPr id="5" name="TextBox 8">
+            <a:extLst>
+              <a:ext uri="{FF2B5EF4-FFF2-40B4-BE49-F238E27FC236}">
+                <a16:creationId xmlns:a16="http://schemas.microsoft.com/office/drawing/2014/main" id="{7939042E-FCCC-B247-A382-DE533DB47988}"/>
+              </a:ext>
+            </a:extLst>
+          </p:cNvPr>
+          <p:cNvSpPr txBox="1"/>
+          <p:nvPr/>
+        </p:nvSpPr>
+        <p:spPr>
+          <a:xfrm>
+            <a:off x="840475" y="200839"/>
+            <a:ext cx="10937543" cy="923330"/>
+          </a:xfrm>
+          <a:prstGeom prst="rect">
+            <a:avLst/>
+          </a:prstGeom>
+          <a:noFill/>
+        </p:spPr>
+        <p:txBody>
+          <a:bodyPr wrap="square" lIns="108000" rIns="108000" rtlCol="0">
+            <a:spAutoFit/>
+          </a:bodyPr>
+          <a:lstStyle/>
+          <a:p>
+            <a:pPr algn="ctr"/>
+            <a:r>
+              <a:rPr lang="fr-FR" altLang="ko-KR" sz="2700" b="1" dirty="0">
+                <a:solidFill>
+                  <a:schemeClr val="tx1">
+                    <a:lumMod val="75000"/>
+                    <a:lumOff val="25000"/>
+                  </a:schemeClr>
+                </a:solidFill>
+                <a:cs typeface="Arial" pitchFamily="34" charset="0"/>
+              </a:rPr>
+              <a:t>Prix par mois compensé des différents moyens de transports en fonction de la durée d’amortissement </a:t>
+            </a:r>
+            <a:endParaRPr lang="en-US" altLang="ko-KR" sz="2700" b="1" dirty="0">
+              <a:solidFill>
+                <a:schemeClr val="tx1">
+                  <a:lumMod val="75000"/>
+                  <a:lumOff val="25000"/>
+                </a:schemeClr>
+              </a:solidFill>
+              <a:cs typeface="Arial" pitchFamily="34" charset="0"/>
+            </a:endParaRPr>
+          </a:p>
+        </p:txBody>
+      </p:sp>
+      <p:sp>
+        <p:nvSpPr>
+          <p:cNvPr id="6" name="Flèche vers la droite 5">
+            <a:extLst>
+              <a:ext uri="{FF2B5EF4-FFF2-40B4-BE49-F238E27FC236}">
+                <a16:creationId xmlns:a16="http://schemas.microsoft.com/office/drawing/2014/main" id="{9C55EF92-3E1E-5D44-BEB4-31F930690057}"/>
+              </a:ext>
+            </a:extLst>
+          </p:cNvPr>
+          <p:cNvSpPr/>
+          <p:nvPr/>
+        </p:nvSpPr>
+        <p:spPr>
+          <a:xfrm rot="7675324">
+            <a:off x="5882185" y="4981433"/>
+            <a:ext cx="1733265" cy="532263"/>
+          </a:xfrm>
+          <a:prstGeom prst="rightArrow">
+            <a:avLst/>
+          </a:prstGeom>
+        </p:spPr>
+        <p:style>
+          <a:lnRef idx="2">
+            <a:schemeClr val="accent1">
+              <a:shade val="50000"/>
+            </a:schemeClr>
+          </a:lnRef>
+          <a:fillRef idx="1">
+            <a:schemeClr val="accent1"/>
+          </a:fillRef>
+          <a:effectRef idx="0">
+            <a:schemeClr val="accent1"/>
+          </a:effectRef>
+          <a:fontRef idx="minor">
+            <a:schemeClr val="lt1"/>
+          </a:fontRef>
+        </p:style>
+        <p:txBody>
+          <a:bodyPr rtlCol="0" anchor="ctr"/>
+          <a:lstStyle/>
+          <a:p>
+            <a:pPr algn="ctr"/>
+            <a:endParaRPr lang="fr-FR"/>
+          </a:p>
+        </p:txBody>
+      </p:sp>
+      <p:sp>
+        <p:nvSpPr>
+          <p:cNvPr id="7" name="Flèche vers la droite 6">
+            <a:extLst>
+              <a:ext uri="{FF2B5EF4-FFF2-40B4-BE49-F238E27FC236}">
+                <a16:creationId xmlns:a16="http://schemas.microsoft.com/office/drawing/2014/main" id="{F414C9B6-90AC-924B-83FE-70D17C46D720}"/>
+              </a:ext>
+            </a:extLst>
+          </p:cNvPr>
+          <p:cNvSpPr/>
+          <p:nvPr/>
+        </p:nvSpPr>
+        <p:spPr>
+          <a:xfrm rot="7675324">
+            <a:off x="3564340" y="4860876"/>
+            <a:ext cx="1733265" cy="532263"/>
+          </a:xfrm>
+          <a:prstGeom prst="rightArrow">
+            <a:avLst/>
+          </a:prstGeom>
+        </p:spPr>
+        <p:style>
+          <a:lnRef idx="2">
+            <a:schemeClr val="accent1">
+              <a:shade val="50000"/>
+            </a:schemeClr>
+          </a:lnRef>
+          <a:fillRef idx="1">
+            <a:schemeClr val="accent1"/>
+          </a:fillRef>
+          <a:effectRef idx="0">
+            <a:schemeClr val="accent1"/>
+          </a:effectRef>
+          <a:fontRef idx="minor">
+            <a:schemeClr val="lt1"/>
+          </a:fontRef>
+        </p:style>
+        <p:txBody>
+          <a:bodyPr rtlCol="0" anchor="ctr"/>
+          <a:lstStyle/>
+          <a:p>
+            <a:pPr algn="ctr"/>
+            <a:endParaRPr lang="fr-FR"/>
+          </a:p>
+        </p:txBody>
+      </p:sp>
+      <p:sp>
+        <p:nvSpPr>
+          <p:cNvPr id="11" name="Rectangle 10">
+            <a:extLst>
+              <a:ext uri="{FF2B5EF4-FFF2-40B4-BE49-F238E27FC236}">
+                <a16:creationId xmlns:a16="http://schemas.microsoft.com/office/drawing/2014/main" id="{366F219A-5DBF-FD44-A3E2-25CEFB7A778B}"/>
+              </a:ext>
+            </a:extLst>
+          </p:cNvPr>
+          <p:cNvSpPr/>
+          <p:nvPr/>
+        </p:nvSpPr>
+        <p:spPr>
+          <a:xfrm>
+            <a:off x="7145870" y="3977281"/>
+            <a:ext cx="1043876" cy="523220"/>
+          </a:xfrm>
+          <a:prstGeom prst="rect">
+            <a:avLst/>
+          </a:prstGeom>
+        </p:spPr>
+        <p:txBody>
+          <a:bodyPr wrap="none">
+            <a:spAutoFit/>
+          </a:bodyPr>
+          <a:lstStyle/>
+          <a:p>
+            <a:r>
+              <a:rPr lang="fr-FR" altLang="ko-KR" sz="2800" b="1" dirty="0">
+                <a:solidFill>
+                  <a:schemeClr val="tx1">
+                    <a:lumMod val="75000"/>
+                    <a:lumOff val="25000"/>
+                  </a:schemeClr>
+                </a:solidFill>
+                <a:cs typeface="Arial" pitchFamily="34" charset="0"/>
+              </a:rPr>
+              <a:t>8 ans </a:t>
+            </a:r>
+            <a:endParaRPr lang="fr-FR" sz="2800" dirty="0"/>
+          </a:p>
+        </p:txBody>
+      </p:sp>
+      <p:sp>
+        <p:nvSpPr>
+          <p:cNvPr id="12" name="Rectangle 11">
+            <a:extLst>
+              <a:ext uri="{FF2B5EF4-FFF2-40B4-BE49-F238E27FC236}">
+                <a16:creationId xmlns:a16="http://schemas.microsoft.com/office/drawing/2014/main" id="{0FA979F5-0E72-9A42-AB6F-5C3441FA7EF3}"/>
+              </a:ext>
+            </a:extLst>
+          </p:cNvPr>
+          <p:cNvSpPr/>
+          <p:nvPr/>
+        </p:nvSpPr>
+        <p:spPr>
+          <a:xfrm>
+            <a:off x="4918228" y="3898546"/>
+            <a:ext cx="962123" cy="523220"/>
+          </a:xfrm>
+          <a:prstGeom prst="rect">
+            <a:avLst/>
+          </a:prstGeom>
+        </p:spPr>
+        <p:txBody>
+          <a:bodyPr wrap="none">
+            <a:spAutoFit/>
+          </a:bodyPr>
+          <a:lstStyle/>
+          <a:p>
+            <a:r>
+              <a:rPr lang="fr-FR" altLang="ko-KR" sz="2800" b="1" dirty="0">
+                <a:solidFill>
+                  <a:schemeClr val="tx1">
+                    <a:lumMod val="75000"/>
+                    <a:lumOff val="25000"/>
+                  </a:schemeClr>
+                </a:solidFill>
+                <a:cs typeface="Arial" pitchFamily="34" charset="0"/>
+              </a:rPr>
+              <a:t>5 ans</a:t>
+            </a:r>
+            <a:endParaRPr lang="fr-FR" sz="2800" dirty="0"/>
+          </a:p>
+        </p:txBody>
+      </p:sp>
+    </p:spTree>
+    <p:extLst>
+      <p:ext uri="{BB962C8B-B14F-4D97-AF65-F5344CB8AC3E}">
+        <p14:creationId xmlns:p14="http://schemas.microsoft.com/office/powerpoint/2010/main" val="2660357467"/>
+      </p:ext>
+    </p:extLst>
+  </p:cSld>
+  <p:clrMapOvr>
+    <a:masterClrMapping/>
+  </p:clrMapOvr>
+</p:sld>
+</file>
+
+<file path=ppt/slides/slide5.xml><?xml version="1.0" encoding="utf-8"?>
+<p:sld xmlns:a="http://schemas.openxmlformats.org/drawingml/2006/main" xmlns:r="http://schemas.openxmlformats.org/officeDocument/2006/relationships" xmlns:p="http://schemas.openxmlformats.org/presentationml/2006/main">
+  <p:cSld>
+    <p:spTree>
+      <p:nvGrpSpPr>
+        <p:cNvPr id="1" name=""/>
+        <p:cNvGrpSpPr/>
+        <p:nvPr/>
+      </p:nvGrpSpPr>
+      <p:grpSpPr>
+        <a:xfrm>
+          <a:off x="0" y="0"/>
+          <a:ext cx="0" cy="0"/>
+          <a:chOff x="0" y="0"/>
+          <a:chExt cx="0" cy="0"/>
+        </a:xfrm>
+      </p:grpSpPr>
+      <p:sp>
+        <p:nvSpPr>
+          <p:cNvPr id="4" name="Titre 3"/>
           <p:cNvSpPr>
             <a:spLocks noGrp="1"/>
           </p:cNvSpPr>
@@ -3129,22 +10106,85 @@
         </p:nvSpPr>
         <p:spPr/>
         <p:txBody>
-          <a:bodyPr/>
+          <a:bodyPr>
+            <a:normAutofit fontScale="90000"/>
+          </a:bodyPr>
           <a:lstStyle/>
           <a:p>
-            <a:endParaRPr lang="fr-FR"/>
+            <a:r>
+              <a:rPr lang="en-US" sz="3200" dirty="0">
+                <a:solidFill>
+                  <a:schemeClr val="tx1">
+                    <a:lumMod val="75000"/>
+                    <a:lumOff val="25000"/>
+                  </a:schemeClr>
+                </a:solidFill>
+                <a:latin typeface="+mn-lt"/>
+                <a:ea typeface="+mn-ea"/>
+                <a:cs typeface="Arial" pitchFamily="34" charset="0"/>
+              </a:rPr>
+              <a:t>Demand Estimation </a:t>
+            </a:r>
+            <a:br>
+              <a:rPr lang="en-US" sz="3200" dirty="0">
+                <a:solidFill>
+                  <a:schemeClr val="tx1">
+                    <a:lumMod val="75000"/>
+                    <a:lumOff val="25000"/>
+                  </a:schemeClr>
+                </a:solidFill>
+                <a:latin typeface="+mn-lt"/>
+                <a:ea typeface="+mn-ea"/>
+                <a:cs typeface="Arial" pitchFamily="34" charset="0"/>
+              </a:rPr>
+            </a:br>
+            <a:r>
+              <a:rPr lang="en-US" sz="7200" dirty="0">
+                <a:solidFill>
+                  <a:schemeClr val="tx1">
+                    <a:lumMod val="75000"/>
+                    <a:lumOff val="25000"/>
+                  </a:schemeClr>
+                </a:solidFill>
+                <a:latin typeface="+mn-lt"/>
+                <a:ea typeface="+mn-ea"/>
+                <a:cs typeface="Arial" pitchFamily="34" charset="0"/>
+              </a:rPr>
+              <a:t>Trip</a:t>
+            </a:r>
+            <a:br>
+              <a:rPr lang="en-US" sz="7200" dirty="0">
+                <a:solidFill>
+                  <a:schemeClr val="tx1">
+                    <a:lumMod val="75000"/>
+                    <a:lumOff val="25000"/>
+                  </a:schemeClr>
+                </a:solidFill>
+                <a:latin typeface="+mn-lt"/>
+                <a:ea typeface="+mn-ea"/>
+                <a:cs typeface="Arial" pitchFamily="34" charset="0"/>
+              </a:rPr>
+            </a:br>
+            <a:r>
+              <a:rPr lang="en-US" sz="7200" dirty="0">
+                <a:solidFill>
+                  <a:schemeClr val="tx1">
+                    <a:lumMod val="75000"/>
+                    <a:lumOff val="25000"/>
+                  </a:schemeClr>
+                </a:solidFill>
+                <a:latin typeface="+mn-lt"/>
+                <a:ea typeface="+mn-ea"/>
+                <a:cs typeface="Arial" pitchFamily="34" charset="0"/>
+              </a:rPr>
+              <a:t>Generation</a:t>
+            </a:r>
           </a:p>
         </p:txBody>
       </p:sp>
       <p:sp>
         <p:nvSpPr>
-          <p:cNvPr id="3" name="Sous-titre 2">
-            <a:extLst>
-              <a:ext uri="{FF2B5EF4-FFF2-40B4-BE49-F238E27FC236}">
-                <a16:creationId xmlns:a16="http://schemas.microsoft.com/office/drawing/2014/main" id="{7D53A198-05C6-164D-9C5D-C8DB30DCFFDA}"/>
-              </a:ext>
-            </a:extLst>
-          </p:cNvPr>
+          <p:cNvPr id="5" name="Sous-titre 4"/>
           <p:cNvSpPr>
             <a:spLocks noGrp="1"/>
           </p:cNvSpPr>
@@ -3154,17 +10194,190 @@
         </p:nvSpPr>
         <p:spPr/>
         <p:txBody>
-          <a:bodyPr/>
+          <a:bodyPr>
+            <a:normAutofit/>
+          </a:bodyPr>
           <a:lstStyle/>
           <a:p>
-            <a:endParaRPr lang="fr-FR"/>
+            <a:r>
+              <a:rPr lang="fr-FR" sz="2800" b="1" dirty="0">
+                <a:solidFill>
+                  <a:schemeClr val="tx1">
+                    <a:lumMod val="75000"/>
+                    <a:lumOff val="25000"/>
+                  </a:schemeClr>
+                </a:solidFill>
+                <a:cs typeface="Arial" pitchFamily="34" charset="0"/>
+              </a:rPr>
+              <a:t>Group </a:t>
+            </a:r>
+            <a:r>
+              <a:rPr lang="en-US" sz="2800" b="1" dirty="0">
+                <a:solidFill>
+                  <a:schemeClr val="tx1">
+                    <a:lumMod val="75000"/>
+                    <a:lumOff val="25000"/>
+                  </a:schemeClr>
+                </a:solidFill>
+                <a:cs typeface="Arial" pitchFamily="34" charset="0"/>
+              </a:rPr>
+              <a:t>No̲</a:t>
+            </a:r>
+            <a:r>
+              <a:rPr lang="fr-FR" sz="2800" b="1" dirty="0">
+                <a:solidFill>
+                  <a:schemeClr val="tx1">
+                    <a:lumMod val="75000"/>
+                    <a:lumOff val="25000"/>
+                  </a:schemeClr>
+                </a:solidFill>
+                <a:cs typeface="Arial" pitchFamily="34" charset="0"/>
+              </a:rPr>
+              <a:t>1</a:t>
+            </a:r>
+            <a:endParaRPr lang="en-US" sz="2800" b="1" dirty="0">
+              <a:solidFill>
+                <a:schemeClr val="tx1">
+                  <a:lumMod val="75000"/>
+                  <a:lumOff val="25000"/>
+                </a:schemeClr>
+              </a:solidFill>
+              <a:cs typeface="Arial" pitchFamily="34" charset="0"/>
+            </a:endParaRPr>
           </a:p>
         </p:txBody>
       </p:sp>
     </p:spTree>
     <p:extLst>
       <p:ext uri="{BB962C8B-B14F-4D97-AF65-F5344CB8AC3E}">
-        <p14:creationId xmlns:p14="http://schemas.microsoft.com/office/powerpoint/2010/main" val="3695873833"/>
+        <p14:creationId xmlns:p14="http://schemas.microsoft.com/office/powerpoint/2010/main" val="375851016"/>
+      </p:ext>
+    </p:extLst>
+  </p:cSld>
+  <p:clrMapOvr>
+    <a:masterClrMapping/>
+  </p:clrMapOvr>
+</p:sld>
+</file>
+
+<file path=ppt/slides/slide6.xml><?xml version="1.0" encoding="utf-8"?>
+<p:sld xmlns:a="http://schemas.openxmlformats.org/drawingml/2006/main" xmlns:r="http://schemas.openxmlformats.org/officeDocument/2006/relationships" xmlns:p="http://schemas.openxmlformats.org/presentationml/2006/main">
+  <p:cSld>
+    <p:spTree>
+      <p:nvGrpSpPr>
+        <p:cNvPr id="1" name=""/>
+        <p:cNvGrpSpPr/>
+        <p:nvPr/>
+      </p:nvGrpSpPr>
+      <p:grpSpPr>
+        <a:xfrm>
+          <a:off x="0" y="0"/>
+          <a:ext cx="0" cy="0"/>
+          <a:chOff x="0" y="0"/>
+          <a:chExt cx="0" cy="0"/>
+        </a:xfrm>
+      </p:grpSpPr>
+      <p:pic>
+        <p:nvPicPr>
+          <p:cNvPr id="2050" name="Picture 2" descr="Image result for it's time to start"/>
+          <p:cNvPicPr>
+            <a:picLocks noChangeAspect="1" noChangeArrowheads="1"/>
+          </p:cNvPicPr>
+          <p:nvPr/>
+        </p:nvPicPr>
+        <p:blipFill rotWithShape="1">
+          <a:blip r:embed="rId2">
+            <a:extLst>
+              <a:ext uri="{28A0092B-C50C-407E-A947-70E740481C1C}">
+                <a14:useLocalDpi xmlns:a14="http://schemas.microsoft.com/office/drawing/2010/main" val="0"/>
+              </a:ext>
+            </a:extLst>
+          </a:blip>
+          <a:srcRect l="4693" r="8156"/>
+          <a:stretch/>
+        </p:blipFill>
+        <p:spPr bwMode="auto">
+          <a:xfrm>
+            <a:off x="2382330" y="-4792"/>
+            <a:ext cx="8971470" cy="6862792"/>
+          </a:xfrm>
+          <a:prstGeom prst="rect">
+            <a:avLst/>
+          </a:prstGeom>
+          <a:noFill/>
+          <a:extLst>
+            <a:ext uri="{909E8E84-426E-40dd-AFC4-6F175D3DCCD1}">
+              <a14:hiddenFill xmlns:a14="http://schemas.microsoft.com/office/drawing/2010/main" xmlns="">
+                <a:solidFill>
+                  <a:srgbClr val="FFFFFF"/>
+                </a:solidFill>
+              </a14:hiddenFill>
+            </a:ext>
+          </a:extLst>
+        </p:spPr>
+      </p:pic>
+      <p:pic>
+        <p:nvPicPr>
+          <p:cNvPr id="8" name="Image 7"/>
+          <p:cNvPicPr>
+            <a:picLocks noChangeAspect="1"/>
+          </p:cNvPicPr>
+          <p:nvPr/>
+        </p:nvPicPr>
+        <p:blipFill rotWithShape="1">
+          <a:blip r:embed="rId3">
+            <a:extLst>
+              <a:ext uri="{28A0092B-C50C-407E-A947-70E740481C1C}">
+                <a14:useLocalDpi xmlns:a14="http://schemas.microsoft.com/office/drawing/2010/main" val="0"/>
+              </a:ext>
+            </a:extLst>
+          </a:blip>
+          <a:srcRect l="11607" r="81516"/>
+          <a:stretch/>
+        </p:blipFill>
+        <p:spPr>
+          <a:xfrm>
+            <a:off x="0" y="0"/>
+            <a:ext cx="838200" cy="6859388"/>
+          </a:xfrm>
+          <a:prstGeom prst="rect">
+            <a:avLst/>
+          </a:prstGeom>
+        </p:spPr>
+      </p:pic>
+      <p:pic>
+        <p:nvPicPr>
+          <p:cNvPr id="9" name="Image 8"/>
+          <p:cNvPicPr>
+            <a:picLocks noChangeAspect="1"/>
+          </p:cNvPicPr>
+          <p:nvPr/>
+        </p:nvPicPr>
+        <p:blipFill rotWithShape="1">
+          <a:blip r:embed="rId3">
+            <a:extLst>
+              <a:ext uri="{28A0092B-C50C-407E-A947-70E740481C1C}">
+                <a14:useLocalDpi xmlns:a14="http://schemas.microsoft.com/office/drawing/2010/main" val="0"/>
+              </a:ext>
+            </a:extLst>
+          </a:blip>
+          <a:srcRect l="11607" r="81516"/>
+          <a:stretch/>
+        </p:blipFill>
+        <p:spPr>
+          <a:xfrm>
+            <a:off x="11353800" y="0"/>
+            <a:ext cx="838200" cy="6859388"/>
+          </a:xfrm>
+          <a:prstGeom prst="rect">
+            <a:avLst/>
+          </a:prstGeom>
+        </p:spPr>
+      </p:pic>
+    </p:spTree>
+    <p:extLst>
+      <p:ext uri="{BB962C8B-B14F-4D97-AF65-F5344CB8AC3E}">
+        <p14:creationId xmlns:p14="http://schemas.microsoft.com/office/powerpoint/2010/main" val="324213895"/>
       </p:ext>
     </p:extLst>
   </p:cSld>
@@ -3191,7 +10404,7 @@
         <a:srgbClr val="E7E6E6"/>
       </a:lt2>
       <a:accent1>
-        <a:srgbClr val="4472C4"/>
+        <a:srgbClr val="5B9BD5"/>
       </a:accent1>
       <a:accent2>
         <a:srgbClr val="ED7D31"/>
@@ -3203,7 +10416,7 @@
         <a:srgbClr val="FFC000"/>
       </a:accent4>
       <a:accent5>
-        <a:srgbClr val="5B9BD5"/>
+        <a:srgbClr val="4472C4"/>
       </a:accent5>
       <a:accent6>
         <a:srgbClr val="70AD47"/>
@@ -3217,12 +10430,12 @@
     </a:clrScheme>
     <a:fontScheme name="Office">
       <a:majorFont>
-        <a:latin typeface="Calibri Light" panose="020F0302020204030204"/>
+        <a:latin typeface="Calibri Light"/>
         <a:ea typeface=""/>
         <a:cs typeface=""/>
-        <a:font script="Jpan" typeface="游ゴシック Light"/>
+        <a:font script="Jpan" typeface="ＭＳ Ｐゴシック"/>
         <a:font script="Hang" typeface="맑은 고딕"/>
-        <a:font script="Hans" typeface="等线 Light"/>
+        <a:font script="Hans" typeface="宋体"/>
         <a:font script="Hant" typeface="新細明體"/>
         <a:font script="Arab" typeface="Times New Roman"/>
         <a:font script="Hebr" typeface="Times New Roman"/>
@@ -3250,31 +10463,14 @@
         <a:font script="Viet" typeface="Times New Roman"/>
         <a:font script="Uigh" typeface="Microsoft Uighur"/>
         <a:font script="Geor" typeface="Sylfaen"/>
-        <a:font script="Armn" typeface="Arial"/>
-        <a:font script="Bugi" typeface="Leelawadee UI"/>
-        <a:font script="Bopo" typeface="Microsoft JhengHei"/>
-        <a:font script="Java" typeface="Javanese Text"/>
-        <a:font script="Lisu" typeface="Segoe UI"/>
-        <a:font script="Mymr" typeface="Myanmar Text"/>
-        <a:font script="Nkoo" typeface="Ebrima"/>
-        <a:font script="Olck" typeface="Nirmala UI"/>
-        <a:font script="Osma" typeface="Ebrima"/>
-        <a:font script="Phag" typeface="Phagspa"/>
-        <a:font script="Syrn" typeface="Estrangelo Edessa"/>
-        <a:font script="Syrj" typeface="Estrangelo Edessa"/>
-        <a:font script="Syre" typeface="Estrangelo Edessa"/>
-        <a:font script="Sora" typeface="Nirmala UI"/>
-        <a:font script="Tale" typeface="Microsoft Tai Le"/>
-        <a:font script="Talu" typeface="Microsoft New Tai Lue"/>
-        <a:font script="Tfng" typeface="Ebrima"/>
       </a:majorFont>
       <a:minorFont>
-        <a:latin typeface="Calibri" panose="020F0502020204030204"/>
+        <a:latin typeface="Calibri"/>
         <a:ea typeface=""/>
         <a:cs typeface=""/>
-        <a:font script="Jpan" typeface="游ゴシック"/>
+        <a:font script="Jpan" typeface="ＭＳ Ｐゴシック"/>
         <a:font script="Hang" typeface="맑은 고딕"/>
-        <a:font script="Hans" typeface="等线"/>
+        <a:font script="Hans" typeface="宋体"/>
         <a:font script="Hant" typeface="新細明體"/>
         <a:font script="Arab" typeface="Arial"/>
         <a:font script="Hebr" typeface="Arial"/>
@@ -3302,23 +10498,6 @@
         <a:font script="Viet" typeface="Arial"/>
         <a:font script="Uigh" typeface="Microsoft Uighur"/>
         <a:font script="Geor" typeface="Sylfaen"/>
-        <a:font script="Armn" typeface="Arial"/>
-        <a:font script="Bugi" typeface="Leelawadee UI"/>
-        <a:font script="Bopo" typeface="Microsoft JhengHei"/>
-        <a:font script="Java" typeface="Javanese Text"/>
-        <a:font script="Lisu" typeface="Segoe UI"/>
-        <a:font script="Mymr" typeface="Myanmar Text"/>
-        <a:font script="Nkoo" typeface="Ebrima"/>
-        <a:font script="Olck" typeface="Nirmala UI"/>
-        <a:font script="Osma" typeface="Ebrima"/>
-        <a:font script="Phag" typeface="Phagspa"/>
-        <a:font script="Syrn" typeface="Estrangelo Edessa"/>
-        <a:font script="Syrj" typeface="Estrangelo Edessa"/>
-        <a:font script="Syre" typeface="Estrangelo Edessa"/>
-        <a:font script="Sora" typeface="Nirmala UI"/>
-        <a:font script="Tale" typeface="Microsoft Tai Le"/>
-        <a:font script="Talu" typeface="Microsoft New Tai Lue"/>
-        <a:font script="Tfng" typeface="Ebrima"/>
       </a:minorFont>
     </a:fontScheme>
     <a:fmtScheme name="Office">
@@ -3463,7 +10642,7 @@
   <a:extraClrSchemeLst/>
   <a:extLst>
     <a:ext uri="{05A4C25C-085E-4340-85A3-A5531E510DB2}">
-      <thm15:themeFamily xmlns:thm15="http://schemas.microsoft.com/office/thememl/2012/main" name="Office Theme" id="{62F939B6-93AF-4DB8-9C6B-D6C7DFDC589F}" vid="{4A3C46E8-61CC-4603-A589-7422A47A8E4A}"/>
+      <thm15:themeFamily xmlns:thm15="http://schemas.microsoft.com/office/thememl/2012/main" name="Présentation6" id="{FEF28343-7D3A-6441-B85D-55561417EC33}" vid="{9819CFEB-F5FE-524A-96EE-04AE7F39127F}"/>
     </a:ext>
   </a:extLst>
 </a:theme>

--- a/Presentation_mi_projet.pptx
+++ b/Presentation_mi_projet.pptx
@@ -9,8 +9,8 @@
     <p:sldId id="257" r:id="rId3"/>
     <p:sldId id="267" r:id="rId4"/>
     <p:sldId id="295" r:id="rId5"/>
-    <p:sldId id="260" r:id="rId6"/>
-    <p:sldId id="294" r:id="rId7"/>
+    <p:sldId id="296" r:id="rId6"/>
+    <p:sldId id="297" r:id="rId7"/>
   </p:sldIdLst>
   <p:sldSz cx="12192000" cy="6858000"/>
   <p:notesSz cx="6858000" cy="9144000"/>
@@ -259,7 +259,7 @@
           <a:p>
             <a:fld id="{1B20489F-F969-4B66-8C4C-7DB93C93E2C6}" type="datetimeFigureOut">
               <a:rPr lang="en-US" smtClean="0"/>
-              <a:t>1/30/19</a:t>
+              <a:t>1/30/2019</a:t>
             </a:fld>
             <a:endParaRPr lang="en-US"/>
           </a:p>
@@ -434,7 +434,7 @@
           <a:p>
             <a:fld id="{1B20489F-F969-4B66-8C4C-7DB93C93E2C6}" type="datetimeFigureOut">
               <a:rPr lang="en-US" smtClean="0"/>
-              <a:t>1/30/19</a:t>
+              <a:t>1/30/2019</a:t>
             </a:fld>
             <a:endParaRPr lang="en-US"/>
           </a:p>
@@ -590,7 +590,7 @@
           <a:p>
             <a:fld id="{1B20489F-F969-4B66-8C4C-7DB93C93E2C6}" type="datetimeFigureOut">
               <a:rPr lang="en-US" smtClean="0"/>
-              <a:t>1/30/19</a:t>
+              <a:t>1/30/2019</a:t>
             </a:fld>
             <a:endParaRPr lang="en-US"/>
           </a:p>
@@ -813,7 +813,7 @@
           <a:p>
             <a:fld id="{1B20489F-F969-4B66-8C4C-7DB93C93E2C6}" type="datetimeFigureOut">
               <a:rPr lang="en-US" smtClean="0"/>
-              <a:t>1/30/19</a:t>
+              <a:t>1/30/2019</a:t>
             </a:fld>
             <a:endParaRPr lang="en-US"/>
           </a:p>
@@ -1132,7 +1132,7 @@
           <a:p>
             <a:fld id="{1B20489F-F969-4B66-8C4C-7DB93C93E2C6}" type="datetimeFigureOut">
               <a:rPr lang="en-US" smtClean="0"/>
-              <a:t>1/30/19</a:t>
+              <a:t>1/30/2019</a:t>
             </a:fld>
             <a:endParaRPr lang="en-US"/>
           </a:p>
@@ -1316,7 +1316,7 @@
           <a:p>
             <a:fld id="{1B20489F-F969-4B66-8C4C-7DB93C93E2C6}" type="datetimeFigureOut">
               <a:rPr lang="en-US" smtClean="0"/>
-              <a:t>1/30/19</a:t>
+              <a:t>1/30/2019</a:t>
             </a:fld>
             <a:endParaRPr lang="en-US"/>
           </a:p>
@@ -1643,7 +1643,7 @@
           <a:p>
             <a:fld id="{1B20489F-F969-4B66-8C4C-7DB93C93E2C6}" type="datetimeFigureOut">
               <a:rPr lang="en-US" smtClean="0"/>
-              <a:t>1/30/19</a:t>
+              <a:t>1/30/2019</a:t>
             </a:fld>
             <a:endParaRPr lang="en-US"/>
           </a:p>
@@ -1761,7 +1761,7 @@
           <a:p>
             <a:fld id="{1B20489F-F969-4B66-8C4C-7DB93C93E2C6}" type="datetimeFigureOut">
               <a:rPr lang="en-US" smtClean="0"/>
-              <a:t>1/30/19</a:t>
+              <a:t>1/30/2019</a:t>
             </a:fld>
             <a:endParaRPr lang="en-US"/>
           </a:p>
@@ -1856,7 +1856,7 @@
           <a:p>
             <a:fld id="{1B20489F-F969-4B66-8C4C-7DB93C93E2C6}" type="datetimeFigureOut">
               <a:rPr lang="en-US" smtClean="0"/>
-              <a:t>1/30/19</a:t>
+              <a:t>1/30/2019</a:t>
             </a:fld>
             <a:endParaRPr lang="en-US"/>
           </a:p>
@@ -2113,7 +2113,7 @@
           <a:p>
             <a:fld id="{1B20489F-F969-4B66-8C4C-7DB93C93E2C6}" type="datetimeFigureOut">
               <a:rPr lang="en-US" smtClean="0"/>
-              <a:t>1/30/19</a:t>
+              <a:t>1/30/2019</a:t>
             </a:fld>
             <a:endParaRPr lang="en-US"/>
           </a:p>
@@ -2374,7 +2374,7 @@
           <a:p>
             <a:fld id="{1B20489F-F969-4B66-8C4C-7DB93C93E2C6}" type="datetimeFigureOut">
               <a:rPr lang="en-US" smtClean="0"/>
-              <a:t>1/30/19</a:t>
+              <a:t>1/30/2019</a:t>
             </a:fld>
             <a:endParaRPr lang="en-US"/>
           </a:p>
@@ -2641,7 +2641,7 @@
           <a:p>
             <a:fld id="{1B20489F-F969-4B66-8C4C-7DB93C93E2C6}" type="datetimeFigureOut">
               <a:rPr lang="en-US" smtClean="0"/>
-              <a:t>1/30/19</a:t>
+              <a:t>1/30/2019</a:t>
             </a:fld>
             <a:endParaRPr lang="en-US"/>
           </a:p>
@@ -4042,7 +4042,7 @@
           <p:nvPr>
             <p:extLst>
               <p:ext uri="{D42A27DB-BD31-4B8C-83A1-F6EECF244321}">
-                <p14:modId xmlns:p14="http://schemas.microsoft.com/office/powerpoint/2010/main" val="4267937888"/>
+                <p14:modId xmlns:p14="http://schemas.microsoft.com/office/powerpoint/2010/main" val="3365441226"/>
               </p:ext>
             </p:extLst>
           </p:nvPr>
@@ -4690,7 +4690,7 @@
                           </a:solidFill>
                           <a:cs typeface="Calibri" pitchFamily="34" charset="0"/>
                         </a:rPr>
-                        <a:t>Unit cost : 200 000 €</a:t>
+                        <a:t>Unit cost : 250 000 € *</a:t>
                       </a:r>
                       <a:endParaRPr lang="ko-KR" altLang="en-US" sz="1400" dirty="0">
                         <a:solidFill>
@@ -5406,7 +5406,7 @@
           <p:nvPr>
             <p:extLst>
               <p:ext uri="{D42A27DB-BD31-4B8C-83A1-F6EECF244321}">
-                <p14:modId xmlns:p14="http://schemas.microsoft.com/office/powerpoint/2010/main" val="2065413895"/>
+                <p14:modId xmlns:p14="http://schemas.microsoft.com/office/powerpoint/2010/main" val="3972992706"/>
               </p:ext>
             </p:extLst>
           </p:nvPr>
@@ -6054,7 +6054,7 @@
                           </a:solidFill>
                           <a:cs typeface="Calibri" pitchFamily="34" charset="0"/>
                         </a:rPr>
-                        <a:t>Unit cost : 300 000 €</a:t>
+                        <a:t>Unit cost : 280 000 € *</a:t>
                       </a:r>
                       <a:endParaRPr lang="ko-KR" altLang="en-US" sz="1400" dirty="0">
                         <a:solidFill>
@@ -6194,7 +6194,7 @@
                           </a:solidFill>
                           <a:cs typeface="Calibri" pitchFamily="34" charset="0"/>
                         </a:rPr>
-                        <a:t>155 22 €</a:t>
+                        <a:t>15 522 €</a:t>
                       </a:r>
                       <a:endParaRPr lang="ko-KR" altLang="en-US" sz="1400" dirty="0">
                         <a:solidFill>
@@ -9764,6 +9764,49 @@
                 <a:schemeClr val="tx1"/>
               </a:solidFill>
             </a:endParaRPr>
+          </a:p>
+        </p:txBody>
+      </p:sp>
+      <p:sp>
+        <p:nvSpPr>
+          <p:cNvPr id="3" name="ZoneTexte 2">
+            <a:extLst>
+              <a:ext uri="{FF2B5EF4-FFF2-40B4-BE49-F238E27FC236}">
+                <a16:creationId xmlns:a16="http://schemas.microsoft.com/office/drawing/2014/main" id="{31A622B1-8054-49AA-81BE-8BF3B4DD235E}"/>
+              </a:ext>
+            </a:extLst>
+          </p:cNvPr>
+          <p:cNvSpPr txBox="1"/>
+          <p:nvPr/>
+        </p:nvSpPr>
+        <p:spPr>
+          <a:xfrm>
+            <a:off x="1500326" y="6427433"/>
+            <a:ext cx="3915053" cy="369332"/>
+          </a:xfrm>
+          <a:prstGeom prst="rect">
+            <a:avLst/>
+          </a:prstGeom>
+          <a:noFill/>
+        </p:spPr>
+        <p:txBody>
+          <a:bodyPr wrap="square" rtlCol="0">
+            <a:spAutoFit/>
+          </a:bodyPr>
+          <a:lstStyle/>
+          <a:p>
+            <a:r>
+              <a:rPr lang="en-GB" dirty="0"/>
+              <a:t>*Prix </a:t>
+            </a:r>
+            <a:r>
+              <a:rPr lang="en-GB" dirty="0" err="1"/>
+              <a:t>provenant</a:t>
+            </a:r>
+            <a:r>
+              <a:rPr lang="en-GB" dirty="0"/>
+              <a:t> d’un contact Mercedes.</a:t>
+            </a:r>
           </a:p>
         </p:txBody>
       </p:sp>
@@ -10096,111 +10139,35 @@
       </p:grpSpPr>
       <p:sp>
         <p:nvSpPr>
-          <p:cNvPr id="4" name="Titre 3"/>
-          <p:cNvSpPr>
-            <a:spLocks noGrp="1"/>
-          </p:cNvSpPr>
-          <p:nvPr>
-            <p:ph type="ctrTitle"/>
-          </p:nvPr>
+          <p:cNvPr id="5" name="TextBox 8">
+            <a:extLst>
+              <a:ext uri="{FF2B5EF4-FFF2-40B4-BE49-F238E27FC236}">
+                <a16:creationId xmlns:a16="http://schemas.microsoft.com/office/drawing/2014/main" id="{7939042E-FCCC-B247-A382-DE533DB47988}"/>
+              </a:ext>
+            </a:extLst>
+          </p:cNvPr>
+          <p:cNvSpPr txBox="1"/>
+          <p:nvPr/>
         </p:nvSpPr>
-        <p:spPr/>
+        <p:spPr>
+          <a:xfrm>
+            <a:off x="840475" y="200839"/>
+            <a:ext cx="10937543" cy="507831"/>
+          </a:xfrm>
+          <a:prstGeom prst="rect">
+            <a:avLst/>
+          </a:prstGeom>
+          <a:noFill/>
+        </p:spPr>
         <p:txBody>
-          <a:bodyPr>
-            <a:normAutofit fontScale="90000"/>
+          <a:bodyPr wrap="square" lIns="108000" rIns="108000" rtlCol="0">
+            <a:spAutoFit/>
           </a:bodyPr>
           <a:lstStyle/>
           <a:p>
+            <a:pPr algn="ctr"/>
             <a:r>
-              <a:rPr lang="en-US" sz="3200" dirty="0">
-                <a:solidFill>
-                  <a:schemeClr val="tx1">
-                    <a:lumMod val="75000"/>
-                    <a:lumOff val="25000"/>
-                  </a:schemeClr>
-                </a:solidFill>
-                <a:latin typeface="+mn-lt"/>
-                <a:ea typeface="+mn-ea"/>
-                <a:cs typeface="Arial" pitchFamily="34" charset="0"/>
-              </a:rPr>
-              <a:t>Demand Estimation </a:t>
-            </a:r>
-            <a:br>
-              <a:rPr lang="en-US" sz="3200" dirty="0">
-                <a:solidFill>
-                  <a:schemeClr val="tx1">
-                    <a:lumMod val="75000"/>
-                    <a:lumOff val="25000"/>
-                  </a:schemeClr>
-                </a:solidFill>
-                <a:latin typeface="+mn-lt"/>
-                <a:ea typeface="+mn-ea"/>
-                <a:cs typeface="Arial" pitchFamily="34" charset="0"/>
-              </a:rPr>
-            </a:br>
-            <a:r>
-              <a:rPr lang="en-US" sz="7200" dirty="0">
-                <a:solidFill>
-                  <a:schemeClr val="tx1">
-                    <a:lumMod val="75000"/>
-                    <a:lumOff val="25000"/>
-                  </a:schemeClr>
-                </a:solidFill>
-                <a:latin typeface="+mn-lt"/>
-                <a:ea typeface="+mn-ea"/>
-                <a:cs typeface="Arial" pitchFamily="34" charset="0"/>
-              </a:rPr>
-              <a:t>Trip</a:t>
-            </a:r>
-            <a:br>
-              <a:rPr lang="en-US" sz="7200" dirty="0">
-                <a:solidFill>
-                  <a:schemeClr val="tx1">
-                    <a:lumMod val="75000"/>
-                    <a:lumOff val="25000"/>
-                  </a:schemeClr>
-                </a:solidFill>
-                <a:latin typeface="+mn-lt"/>
-                <a:ea typeface="+mn-ea"/>
-                <a:cs typeface="Arial" pitchFamily="34" charset="0"/>
-              </a:rPr>
-            </a:br>
-            <a:r>
-              <a:rPr lang="en-US" sz="7200" dirty="0">
-                <a:solidFill>
-                  <a:schemeClr val="tx1">
-                    <a:lumMod val="75000"/>
-                    <a:lumOff val="25000"/>
-                  </a:schemeClr>
-                </a:solidFill>
-                <a:latin typeface="+mn-lt"/>
-                <a:ea typeface="+mn-ea"/>
-                <a:cs typeface="Arial" pitchFamily="34" charset="0"/>
-              </a:rPr>
-              <a:t>Generation</a:t>
-            </a:r>
-          </a:p>
-        </p:txBody>
-      </p:sp>
-      <p:sp>
-        <p:nvSpPr>
-          <p:cNvPr id="5" name="Sous-titre 4"/>
-          <p:cNvSpPr>
-            <a:spLocks noGrp="1"/>
-          </p:cNvSpPr>
-          <p:nvPr>
-            <p:ph type="subTitle" idx="1"/>
-          </p:nvPr>
-        </p:nvSpPr>
-        <p:spPr/>
-        <p:txBody>
-          <a:bodyPr>
-            <a:normAutofit/>
-          </a:bodyPr>
-          <a:lstStyle/>
-          <a:p>
-            <a:r>
-              <a:rPr lang="fr-FR" sz="2800" b="1" dirty="0">
+              <a:rPr lang="fr-FR" altLang="ko-KR" sz="2700" b="1" dirty="0">
                 <a:solidFill>
                   <a:schemeClr val="tx1">
                     <a:lumMod val="75000"/>
@@ -10209,33 +10176,9 @@
                 </a:solidFill>
                 <a:cs typeface="Arial" pitchFamily="34" charset="0"/>
               </a:rPr>
-              <a:t>Group </a:t>
+              <a:t>Livrables : Code à destination du groupe 4</a:t>
             </a:r>
-            <a:r>
-              <a:rPr lang="en-US" sz="2800" b="1" dirty="0">
-                <a:solidFill>
-                  <a:schemeClr val="tx1">
-                    <a:lumMod val="75000"/>
-                    <a:lumOff val="25000"/>
-                  </a:schemeClr>
-                </a:solidFill>
-                <a:cs typeface="Arial" pitchFamily="34" charset="0"/>
-              </a:rPr>
-              <a:t>No̲</a:t>
-            </a:r>
-            <a:r>
-              <a:rPr lang="fr-FR" sz="2800" b="1" dirty="0">
-                <a:solidFill>
-                  <a:schemeClr val="tx1">
-                    <a:lumMod val="75000"/>
-                    <a:lumOff val="25000"/>
-                  </a:schemeClr>
-                </a:solidFill>
-                <a:cs typeface="Arial" pitchFamily="34" charset="0"/>
-              </a:rPr>
-              <a:t>1</a:t>
-            </a:r>
-            <a:endParaRPr lang="en-US" sz="2800" b="1" dirty="0">
+            <a:endParaRPr lang="en-US" altLang="ko-KR" sz="2700" b="1" dirty="0">
               <a:solidFill>
                 <a:schemeClr val="tx1">
                   <a:lumMod val="75000"/>
@@ -10247,10 +10190,45 @@
           </a:p>
         </p:txBody>
       </p:sp>
+      <p:pic>
+        <p:nvPicPr>
+          <p:cNvPr id="3" name="Image 2">
+            <a:extLst>
+              <a:ext uri="{FF2B5EF4-FFF2-40B4-BE49-F238E27FC236}">
+                <a16:creationId xmlns:a16="http://schemas.microsoft.com/office/drawing/2014/main" id="{FCC7D028-B56C-478E-966B-76BF007428FD}"/>
+              </a:ext>
+            </a:extLst>
+          </p:cNvPr>
+          <p:cNvPicPr>
+            <a:picLocks noChangeAspect="1"/>
+          </p:cNvPicPr>
+          <p:nvPr/>
+        </p:nvPicPr>
+        <p:blipFill rotWithShape="1">
+          <a:blip r:embed="rId2">
+            <a:extLst>
+              <a:ext uri="{28A0092B-C50C-407E-A947-70E740481C1C}">
+                <a14:useLocalDpi xmlns:a14="http://schemas.microsoft.com/office/drawing/2010/main" val="0"/>
+              </a:ext>
+            </a:extLst>
+          </a:blip>
+          <a:srcRect l="3396" t="10333" r="36796" b="6279"/>
+          <a:stretch/>
+        </p:blipFill>
+        <p:spPr>
+          <a:xfrm>
+            <a:off x="2450083" y="708670"/>
+            <a:ext cx="7291835" cy="5718763"/>
+          </a:xfrm>
+          <a:prstGeom prst="rect">
+            <a:avLst/>
+          </a:prstGeom>
+        </p:spPr>
+      </p:pic>
     </p:spTree>
     <p:extLst>
       <p:ext uri="{BB962C8B-B14F-4D97-AF65-F5344CB8AC3E}">
-        <p14:creationId xmlns:p14="http://schemas.microsoft.com/office/powerpoint/2010/main" val="375851016"/>
+        <p14:creationId xmlns:p14="http://schemas.microsoft.com/office/powerpoint/2010/main" val="631826407"/>
       </p:ext>
     </p:extLst>
   </p:cSld>
@@ -10277,11 +10255,70 @@
           <a:chExt cx="0" cy="0"/>
         </a:xfrm>
       </p:grpSpPr>
+      <p:sp>
+        <p:nvSpPr>
+          <p:cNvPr id="5" name="TextBox 8">
+            <a:extLst>
+              <a:ext uri="{FF2B5EF4-FFF2-40B4-BE49-F238E27FC236}">
+                <a16:creationId xmlns:a16="http://schemas.microsoft.com/office/drawing/2014/main" id="{7939042E-FCCC-B247-A382-DE533DB47988}"/>
+              </a:ext>
+            </a:extLst>
+          </p:cNvPr>
+          <p:cNvSpPr txBox="1"/>
+          <p:nvPr/>
+        </p:nvSpPr>
+        <p:spPr>
+          <a:xfrm>
+            <a:off x="840475" y="200839"/>
+            <a:ext cx="10937543" cy="507831"/>
+          </a:xfrm>
+          <a:prstGeom prst="rect">
+            <a:avLst/>
+          </a:prstGeom>
+          <a:noFill/>
+        </p:spPr>
+        <p:txBody>
+          <a:bodyPr wrap="square" lIns="108000" rIns="108000" rtlCol="0">
+            <a:spAutoFit/>
+          </a:bodyPr>
+          <a:lstStyle/>
+          <a:p>
+            <a:pPr algn="ctr"/>
+            <a:r>
+              <a:rPr lang="fr-FR" altLang="ko-KR" sz="2700" b="1" dirty="0">
+                <a:solidFill>
+                  <a:schemeClr val="tx1">
+                    <a:lumMod val="75000"/>
+                    <a:lumOff val="25000"/>
+                  </a:schemeClr>
+                </a:solidFill>
+                <a:cs typeface="Arial" pitchFamily="34" charset="0"/>
+              </a:rPr>
+              <a:t>Livrables : Exemple de Résultat</a:t>
+            </a:r>
+            <a:endParaRPr lang="en-US" altLang="ko-KR" sz="2700" b="1" dirty="0">
+              <a:solidFill>
+                <a:schemeClr val="tx1">
+                  <a:lumMod val="75000"/>
+                  <a:lumOff val="25000"/>
+                </a:schemeClr>
+              </a:solidFill>
+              <a:cs typeface="Arial" pitchFamily="34" charset="0"/>
+            </a:endParaRPr>
+          </a:p>
+        </p:txBody>
+      </p:sp>
       <p:pic>
         <p:nvPicPr>
-          <p:cNvPr id="2050" name="Picture 2" descr="Image result for it's time to start"/>
+          <p:cNvPr id="7" name="Image 6">
+            <a:extLst>
+              <a:ext uri="{FF2B5EF4-FFF2-40B4-BE49-F238E27FC236}">
+                <a16:creationId xmlns:a16="http://schemas.microsoft.com/office/drawing/2014/main" id="{0040319C-9442-4AD8-BEE7-1C70B9C30D9A}"/>
+              </a:ext>
+            </a:extLst>
+          </p:cNvPr>
           <p:cNvPicPr>
-            <a:picLocks noChangeAspect="1" noChangeArrowheads="1"/>
+            <a:picLocks noChangeAspect="1"/>
           </p:cNvPicPr>
           <p:nvPr/>
         </p:nvPicPr>
@@ -10293,91 +10330,103 @@
               </a:ext>
             </a:extLst>
           </a:blip>
-          <a:srcRect l="4693" r="8156"/>
-          <a:stretch/>
-        </p:blipFill>
-        <p:spPr bwMode="auto">
-          <a:xfrm>
-            <a:off x="2382330" y="-4792"/>
-            <a:ext cx="8971470" cy="6862792"/>
-          </a:xfrm>
-          <a:prstGeom prst="rect">
-            <a:avLst/>
-          </a:prstGeom>
-          <a:noFill/>
-          <a:extLst>
-            <a:ext uri="{909E8E84-426E-40dd-AFC4-6F175D3DCCD1}">
-              <a14:hiddenFill xmlns:a14="http://schemas.microsoft.com/office/drawing/2010/main" xmlns="">
-                <a:solidFill>
-                  <a:srgbClr val="FFFFFF"/>
-                </a:solidFill>
-              </a14:hiddenFill>
-            </a:ext>
-          </a:extLst>
-        </p:spPr>
-      </p:pic>
-      <p:pic>
-        <p:nvPicPr>
-          <p:cNvPr id="8" name="Image 7"/>
-          <p:cNvPicPr>
-            <a:picLocks noChangeAspect="1"/>
-          </p:cNvPicPr>
-          <p:nvPr/>
-        </p:nvPicPr>
-        <p:blipFill rotWithShape="1">
-          <a:blip r:embed="rId3">
-            <a:extLst>
-              <a:ext uri="{28A0092B-C50C-407E-A947-70E740481C1C}">
-                <a14:useLocalDpi xmlns:a14="http://schemas.microsoft.com/office/drawing/2010/main" val="0"/>
-              </a:ext>
-            </a:extLst>
-          </a:blip>
-          <a:srcRect l="11607" r="81516"/>
+          <a:srcRect l="26068" t="26537" r="533" b="10291"/>
           <a:stretch/>
         </p:blipFill>
         <p:spPr>
           <a:xfrm>
-            <a:off x="0" y="0"/>
-            <a:ext cx="838200" cy="6859388"/>
+            <a:off x="1022411" y="1834505"/>
+            <a:ext cx="10147178" cy="4912523"/>
           </a:xfrm>
           <a:prstGeom prst="rect">
             <a:avLst/>
           </a:prstGeom>
         </p:spPr>
       </p:pic>
-      <p:pic>
-        <p:nvPicPr>
-          <p:cNvPr id="9" name="Image 8"/>
-          <p:cNvPicPr>
-            <a:picLocks noChangeAspect="1"/>
-          </p:cNvPicPr>
-          <p:nvPr/>
-        </p:nvPicPr>
-        <p:blipFill rotWithShape="1">
-          <a:blip r:embed="rId3">
+      <p:sp>
+        <p:nvSpPr>
+          <p:cNvPr id="8" name="ZoneTexte 7">
             <a:extLst>
-              <a:ext uri="{28A0092B-C50C-407E-A947-70E740481C1C}">
-                <a14:useLocalDpi xmlns:a14="http://schemas.microsoft.com/office/drawing/2010/main" val="0"/>
+              <a:ext uri="{FF2B5EF4-FFF2-40B4-BE49-F238E27FC236}">
+                <a16:creationId xmlns:a16="http://schemas.microsoft.com/office/drawing/2014/main" id="{D170C555-CDD0-4F8F-BCE9-4925F8CA199B}"/>
               </a:ext>
             </a:extLst>
-          </a:blip>
-          <a:srcRect l="11607" r="81516"/>
-          <a:stretch/>
-        </p:blipFill>
+          </p:cNvPr>
+          <p:cNvSpPr txBox="1"/>
+          <p:nvPr/>
+        </p:nvSpPr>
         <p:spPr>
           <a:xfrm>
-            <a:off x="11353800" y="0"/>
-            <a:ext cx="838200" cy="6859388"/>
+            <a:off x="1091953" y="896645"/>
+            <a:ext cx="8442664" cy="923330"/>
           </a:xfrm>
           <a:prstGeom prst="rect">
             <a:avLst/>
           </a:prstGeom>
+          <a:noFill/>
         </p:spPr>
-      </p:pic>
+        <p:txBody>
+          <a:bodyPr wrap="square" rtlCol="0">
+            <a:spAutoFit/>
+          </a:bodyPr>
+          <a:lstStyle/>
+          <a:p>
+            <a:r>
+              <a:rPr lang="en-GB" dirty="0"/>
+              <a:t>Flux : 50 </a:t>
+            </a:r>
+            <a:r>
+              <a:rPr lang="en-GB" dirty="0" err="1"/>
+              <a:t>personnes</a:t>
+            </a:r>
+            <a:r>
+              <a:rPr lang="en-GB" dirty="0"/>
+              <a:t> </a:t>
+            </a:r>
+            <a:r>
+              <a:rPr lang="en-GB" dirty="0" err="1"/>
+              <a:t>arrivent</a:t>
+            </a:r>
+            <a:r>
+              <a:rPr lang="en-GB" dirty="0"/>
+              <a:t> </a:t>
+            </a:r>
+            <a:r>
+              <a:rPr lang="en-GB" dirty="0" err="1"/>
+              <a:t>toutes</a:t>
+            </a:r>
+            <a:r>
+              <a:rPr lang="en-GB" dirty="0"/>
+              <a:t> les 10 minutes</a:t>
+            </a:r>
+          </a:p>
+          <a:p>
+            <a:r>
+              <a:rPr lang="en-GB" dirty="0" err="1"/>
+              <a:t>Coût</a:t>
+            </a:r>
+            <a:r>
+              <a:rPr lang="en-GB" dirty="0"/>
+              <a:t> : 100 000 euros par </a:t>
+            </a:r>
+            <a:r>
+              <a:rPr lang="en-GB" dirty="0" err="1"/>
+              <a:t>mois</a:t>
+            </a:r>
+            <a:endParaRPr lang="en-GB" dirty="0"/>
+          </a:p>
+          <a:p>
+            <a:r>
+              <a:rPr lang="en-GB" dirty="0"/>
+              <a:t>Temps de simulation : 120 minutes. </a:t>
+            </a:r>
+          </a:p>
+        </p:txBody>
+      </p:sp>
     </p:spTree>
     <p:extLst>
       <p:ext uri="{BB962C8B-B14F-4D97-AF65-F5344CB8AC3E}">
-        <p14:creationId xmlns:p14="http://schemas.microsoft.com/office/powerpoint/2010/main" val="324213895"/>
+        <p14:creationId xmlns:p14="http://schemas.microsoft.com/office/powerpoint/2010/main" val="1001018100"/>
       </p:ext>
     </p:extLst>
   </p:cSld>
